--- a/AA/gpu/GEM5/PPT/Gem5-GPU_4.pptx
+++ b/AA/gpu/GEM5/PPT/Gem5-GPU_4.pptx
@@ -5,7 +5,7 @@
     <p:sldMasterId id="2147483648" r:id="rId1"/>
   </p:sldMasterIdLst>
   <p:notesMasterIdLst>
-    <p:notesMasterId r:id="rId24"/>
+    <p:notesMasterId r:id="rId25"/>
   </p:notesMasterIdLst>
   <p:sldIdLst>
     <p:sldId id="693" r:id="rId2"/>
@@ -13,28 +13,29 @@
     <p:sldId id="875" r:id="rId4"/>
     <p:sldId id="877" r:id="rId5"/>
     <p:sldId id="876" r:id="rId6"/>
-    <p:sldId id="856" r:id="rId7"/>
-    <p:sldId id="857" r:id="rId8"/>
-    <p:sldId id="858" r:id="rId9"/>
-    <p:sldId id="830" r:id="rId10"/>
-    <p:sldId id="859" r:id="rId11"/>
-    <p:sldId id="860" r:id="rId12"/>
-    <p:sldId id="861" r:id="rId13"/>
-    <p:sldId id="864" r:id="rId14"/>
-    <p:sldId id="865" r:id="rId15"/>
-    <p:sldId id="866" r:id="rId16"/>
-    <p:sldId id="867" r:id="rId17"/>
-    <p:sldId id="868" r:id="rId18"/>
-    <p:sldId id="845" r:id="rId19"/>
-    <p:sldId id="874" r:id="rId20"/>
-    <p:sldId id="870" r:id="rId21"/>
-    <p:sldId id="871" r:id="rId22"/>
-    <p:sldId id="873" r:id="rId23"/>
+    <p:sldId id="878" r:id="rId7"/>
+    <p:sldId id="856" r:id="rId8"/>
+    <p:sldId id="857" r:id="rId9"/>
+    <p:sldId id="858" r:id="rId10"/>
+    <p:sldId id="830" r:id="rId11"/>
+    <p:sldId id="859" r:id="rId12"/>
+    <p:sldId id="860" r:id="rId13"/>
+    <p:sldId id="861" r:id="rId14"/>
+    <p:sldId id="864" r:id="rId15"/>
+    <p:sldId id="865" r:id="rId16"/>
+    <p:sldId id="866" r:id="rId17"/>
+    <p:sldId id="867" r:id="rId18"/>
+    <p:sldId id="868" r:id="rId19"/>
+    <p:sldId id="845" r:id="rId20"/>
+    <p:sldId id="874" r:id="rId21"/>
+    <p:sldId id="870" r:id="rId22"/>
+    <p:sldId id="871" r:id="rId23"/>
+    <p:sldId id="873" r:id="rId24"/>
   </p:sldIdLst>
   <p:sldSz cx="12192000" cy="6858000"/>
   <p:notesSz cx="6858000" cy="9144000"/>
   <p:custDataLst>
-    <p:tags r:id="rId25"/>
+    <p:tags r:id="rId26"/>
   </p:custDataLst>
   <p:defaultTextStyle>
     <a:defPPr>
@@ -610,6 +611,114 @@
         <p:cNvPr id="1" name="">
           <a:extLst>
             <a:ext uri="{FF2B5EF4-FFF2-40B4-BE49-F238E27FC236}">
+              <a16:creationId xmlns:a16="http://schemas.microsoft.com/office/drawing/2014/main" id="{A3E7C025-8CD2-F4F7-C3E5-63102CF4CC11}"/>
+            </a:ext>
+          </a:extLst>
+        </p:cNvPr>
+        <p:cNvGrpSpPr/>
+        <p:nvPr/>
+      </p:nvGrpSpPr>
+      <p:grpSpPr>
+        <a:xfrm>
+          <a:off x="0" y="0"/>
+          <a:ext cx="0" cy="0"/>
+          <a:chOff x="0" y="0"/>
+          <a:chExt cx="0" cy="0"/>
+        </a:xfrm>
+      </p:grpSpPr>
+      <p:sp>
+        <p:nvSpPr>
+          <p:cNvPr id="2" name="幻灯片图像占位符 1">
+            <a:extLst>
+              <a:ext uri="{FF2B5EF4-FFF2-40B4-BE49-F238E27FC236}">
+                <a16:creationId xmlns:a16="http://schemas.microsoft.com/office/drawing/2014/main" id="{4F7CAF2A-C09C-08DA-EC47-3C0DD3881B2D}"/>
+              </a:ext>
+            </a:extLst>
+          </p:cNvPr>
+          <p:cNvSpPr>
+            <a:spLocks noGrp="1" noRot="1" noChangeAspect="1"/>
+          </p:cNvSpPr>
+          <p:nvPr>
+            <p:ph type="sldImg"/>
+          </p:nvPr>
+        </p:nvSpPr>
+        <p:spPr/>
+      </p:sp>
+      <p:sp>
+        <p:nvSpPr>
+          <p:cNvPr id="3" name="备注占位符 2">
+            <a:extLst>
+              <a:ext uri="{FF2B5EF4-FFF2-40B4-BE49-F238E27FC236}">
+                <a16:creationId xmlns:a16="http://schemas.microsoft.com/office/drawing/2014/main" id="{D86878D7-AFF3-57D2-7DBF-58736DFD9254}"/>
+              </a:ext>
+            </a:extLst>
+          </p:cNvPr>
+          <p:cNvSpPr>
+            <a:spLocks noGrp="1"/>
+          </p:cNvSpPr>
+          <p:nvPr>
+            <p:ph type="body" idx="1"/>
+          </p:nvPr>
+        </p:nvSpPr>
+        <p:spPr/>
+        <p:txBody>
+          <a:bodyPr/>
+          <a:lstStyle/>
+          <a:p>
+            <a:endParaRPr lang="zh-CN" altLang="en-US" dirty="0"/>
+          </a:p>
+        </p:txBody>
+      </p:sp>
+      <p:sp>
+        <p:nvSpPr>
+          <p:cNvPr id="4" name="灯片编号占位符 3">
+            <a:extLst>
+              <a:ext uri="{FF2B5EF4-FFF2-40B4-BE49-F238E27FC236}">
+                <a16:creationId xmlns:a16="http://schemas.microsoft.com/office/drawing/2014/main" id="{5216CA1E-FBCB-2849-640C-B18A687F2D16}"/>
+              </a:ext>
+            </a:extLst>
+          </p:cNvPr>
+          <p:cNvSpPr>
+            <a:spLocks noGrp="1"/>
+          </p:cNvSpPr>
+          <p:nvPr>
+            <p:ph type="sldNum" sz="quarter" idx="5"/>
+          </p:nvPr>
+        </p:nvSpPr>
+        <p:spPr/>
+        <p:txBody>
+          <a:bodyPr/>
+          <a:lstStyle/>
+          <a:p>
+            <a:fld id="{602E9261-9A27-44B6-8C55-C12B787C810C}" type="slidenum">
+              <a:rPr lang="zh-CN" altLang="en-US" smtClean="0"/>
+              <a:t>11</a:t>
+            </a:fld>
+            <a:endParaRPr lang="zh-CN" altLang="en-US"/>
+          </a:p>
+        </p:txBody>
+      </p:sp>
+    </p:spTree>
+    <p:extLst>
+      <p:ext uri="{BB962C8B-B14F-4D97-AF65-F5344CB8AC3E}">
+        <p14:creationId xmlns:p14="http://schemas.microsoft.com/office/powerpoint/2010/main" val="914937099"/>
+      </p:ext>
+    </p:extLst>
+  </p:cSld>
+  <p:clrMapOvr>
+    <a:masterClrMapping/>
+  </p:clrMapOvr>
+</p:notes>
+</file>
+
+<file path=ppt/notesSlides/notesSlide11.xml><?xml version="1.0" encoding="utf-8"?>
+<p:notes xmlns:a="http://schemas.openxmlformats.org/drawingml/2006/main" xmlns:r="http://schemas.openxmlformats.org/officeDocument/2006/relationships" xmlns:p="http://schemas.openxmlformats.org/presentationml/2006/main">
+  <p:cSld>
+    <p:spTree>
+      <p:nvGrpSpPr>
+        <p:cNvPr id="1" name="">
+          <a:extLst>
+            <a:ext uri="{FF2B5EF4-FFF2-40B4-BE49-F238E27FC236}">
               <a16:creationId xmlns:a16="http://schemas.microsoft.com/office/drawing/2014/main" id="{2D3D8B6B-4080-FA4C-2AD0-73C063D3E8A2}"/>
             </a:ext>
           </a:extLst>
@@ -691,7 +800,7 @@
           <a:p>
             <a:fld id="{602E9261-9A27-44B6-8C55-C12B787C810C}" type="slidenum">
               <a:rPr lang="zh-CN" altLang="en-US" smtClean="0"/>
-              <a:t>11</a:t>
+              <a:t>12</a:t>
             </a:fld>
             <a:endParaRPr lang="zh-CN" altLang="en-US"/>
           </a:p>
@@ -710,7 +819,7 @@
 </p:notes>
 </file>
 
-<file path=ppt/notesSlides/notesSlide11.xml><?xml version="1.0" encoding="utf-8"?>
+<file path=ppt/notesSlides/notesSlide12.xml><?xml version="1.0" encoding="utf-8"?>
 <p:notes xmlns:a="http://schemas.openxmlformats.org/drawingml/2006/main" xmlns:r="http://schemas.openxmlformats.org/officeDocument/2006/relationships" xmlns:p="http://schemas.openxmlformats.org/presentationml/2006/main">
   <p:cSld>
     <p:spTree>
@@ -799,7 +908,7 @@
           <a:p>
             <a:fld id="{602E9261-9A27-44B6-8C55-C12B787C810C}" type="slidenum">
               <a:rPr lang="zh-CN" altLang="en-US" smtClean="0"/>
-              <a:t>12</a:t>
+              <a:t>13</a:t>
             </a:fld>
             <a:endParaRPr lang="zh-CN" altLang="en-US"/>
           </a:p>
@@ -818,7 +927,7 @@
 </p:notes>
 </file>
 
-<file path=ppt/notesSlides/notesSlide12.xml><?xml version="1.0" encoding="utf-8"?>
+<file path=ppt/notesSlides/notesSlide13.xml><?xml version="1.0" encoding="utf-8"?>
 <p:notes xmlns:a="http://schemas.openxmlformats.org/drawingml/2006/main" xmlns:r="http://schemas.openxmlformats.org/officeDocument/2006/relationships" xmlns:p="http://schemas.openxmlformats.org/presentationml/2006/main">
   <p:cSld>
     <p:spTree>
@@ -907,7 +1016,7 @@
           <a:p>
             <a:fld id="{602E9261-9A27-44B6-8C55-C12B787C810C}" type="slidenum">
               <a:rPr lang="zh-CN" altLang="en-US" smtClean="0"/>
-              <a:t>13</a:t>
+              <a:t>14</a:t>
             </a:fld>
             <a:endParaRPr lang="zh-CN" altLang="en-US"/>
           </a:p>
@@ -926,7 +1035,7 @@
 </p:notes>
 </file>
 
-<file path=ppt/notesSlides/notesSlide13.xml><?xml version="1.0" encoding="utf-8"?>
+<file path=ppt/notesSlides/notesSlide14.xml><?xml version="1.0" encoding="utf-8"?>
 <p:notes xmlns:a="http://schemas.openxmlformats.org/drawingml/2006/main" xmlns:r="http://schemas.openxmlformats.org/officeDocument/2006/relationships" xmlns:p="http://schemas.openxmlformats.org/presentationml/2006/main">
   <p:cSld>
     <p:spTree>
@@ -1015,7 +1124,7 @@
           <a:p>
             <a:fld id="{602E9261-9A27-44B6-8C55-C12B787C810C}" type="slidenum">
               <a:rPr lang="zh-CN" altLang="en-US" smtClean="0"/>
-              <a:t>14</a:t>
+              <a:t>15</a:t>
             </a:fld>
             <a:endParaRPr lang="zh-CN" altLang="en-US"/>
           </a:p>
@@ -1034,7 +1143,7 @@
 </p:notes>
 </file>
 
-<file path=ppt/notesSlides/notesSlide14.xml><?xml version="1.0" encoding="utf-8"?>
+<file path=ppt/notesSlides/notesSlide15.xml><?xml version="1.0" encoding="utf-8"?>
 <p:notes xmlns:a="http://schemas.openxmlformats.org/drawingml/2006/main" xmlns:r="http://schemas.openxmlformats.org/officeDocument/2006/relationships" xmlns:p="http://schemas.openxmlformats.org/presentationml/2006/main">
   <p:cSld>
     <p:spTree>
@@ -1123,7 +1232,7 @@
           <a:p>
             <a:fld id="{602E9261-9A27-44B6-8C55-C12B787C810C}" type="slidenum">
               <a:rPr lang="zh-CN" altLang="en-US" smtClean="0"/>
-              <a:t>15</a:t>
+              <a:t>16</a:t>
             </a:fld>
             <a:endParaRPr lang="zh-CN" altLang="en-US"/>
           </a:p>
@@ -1142,7 +1251,7 @@
 </p:notes>
 </file>
 
-<file path=ppt/notesSlides/notesSlide15.xml><?xml version="1.0" encoding="utf-8"?>
+<file path=ppt/notesSlides/notesSlide16.xml><?xml version="1.0" encoding="utf-8"?>
 <p:notes xmlns:a="http://schemas.openxmlformats.org/drawingml/2006/main" xmlns:r="http://schemas.openxmlformats.org/officeDocument/2006/relationships" xmlns:p="http://schemas.openxmlformats.org/presentationml/2006/main">
   <p:cSld>
     <p:spTree>
@@ -1231,7 +1340,7 @@
           <a:p>
             <a:fld id="{602E9261-9A27-44B6-8C55-C12B787C810C}" type="slidenum">
               <a:rPr lang="zh-CN" altLang="en-US" smtClean="0"/>
-              <a:t>16</a:t>
+              <a:t>17</a:t>
             </a:fld>
             <a:endParaRPr lang="zh-CN" altLang="en-US"/>
           </a:p>
@@ -1250,7 +1359,7 @@
 </p:notes>
 </file>
 
-<file path=ppt/notesSlides/notesSlide16.xml><?xml version="1.0" encoding="utf-8"?>
+<file path=ppt/notesSlides/notesSlide17.xml><?xml version="1.0" encoding="utf-8"?>
 <p:notes xmlns:a="http://schemas.openxmlformats.org/drawingml/2006/main" xmlns:r="http://schemas.openxmlformats.org/officeDocument/2006/relationships" xmlns:p="http://schemas.openxmlformats.org/presentationml/2006/main">
   <p:cSld>
     <p:spTree>
@@ -1339,7 +1448,7 @@
           <a:p>
             <a:fld id="{602E9261-9A27-44B6-8C55-C12B787C810C}" type="slidenum">
               <a:rPr lang="zh-CN" altLang="en-US" smtClean="0"/>
-              <a:t>17</a:t>
+              <a:t>18</a:t>
             </a:fld>
             <a:endParaRPr lang="zh-CN" altLang="en-US"/>
           </a:p>
@@ -1358,7 +1467,7 @@
 </p:notes>
 </file>
 
-<file path=ppt/notesSlides/notesSlide17.xml><?xml version="1.0" encoding="utf-8"?>
+<file path=ppt/notesSlides/notesSlide18.xml><?xml version="1.0" encoding="utf-8"?>
 <p:notes xmlns:a="http://schemas.openxmlformats.org/drawingml/2006/main" xmlns:r="http://schemas.openxmlformats.org/officeDocument/2006/relationships" xmlns:p="http://schemas.openxmlformats.org/presentationml/2006/main">
   <p:cSld>
     <p:spTree>
@@ -1447,7 +1556,7 @@
           <a:p>
             <a:fld id="{602E9261-9A27-44B6-8C55-C12B787C810C}" type="slidenum">
               <a:rPr lang="zh-CN" altLang="en-US" smtClean="0"/>
-              <a:t>18</a:t>
+              <a:t>19</a:t>
             </a:fld>
             <a:endParaRPr lang="zh-CN" altLang="en-US"/>
           </a:p>
@@ -1466,7 +1575,7 @@
 </p:notes>
 </file>
 
-<file path=ppt/notesSlides/notesSlide18.xml><?xml version="1.0" encoding="utf-8"?>
+<file path=ppt/notesSlides/notesSlide19.xml><?xml version="1.0" encoding="utf-8"?>
 <p:notes xmlns:a="http://schemas.openxmlformats.org/drawingml/2006/main" xmlns:r="http://schemas.openxmlformats.org/officeDocument/2006/relationships" xmlns:p="http://schemas.openxmlformats.org/presentationml/2006/main">
   <p:cSld>
     <p:spTree>
@@ -1555,7 +1664,7 @@
           <a:p>
             <a:fld id="{602E9261-9A27-44B6-8C55-C12B787C810C}" type="slidenum">
               <a:rPr lang="zh-CN" altLang="en-US" smtClean="0"/>
-              <a:t>19</a:t>
+              <a:t>20</a:t>
             </a:fld>
             <a:endParaRPr lang="zh-CN" altLang="en-US"/>
           </a:p>
@@ -1565,114 +1674,6 @@
     <p:extLst>
       <p:ext uri="{BB962C8B-B14F-4D97-AF65-F5344CB8AC3E}">
         <p14:creationId xmlns:p14="http://schemas.microsoft.com/office/powerpoint/2010/main" val="2013008733"/>
-      </p:ext>
-    </p:extLst>
-  </p:cSld>
-  <p:clrMapOvr>
-    <a:masterClrMapping/>
-  </p:clrMapOvr>
-</p:notes>
-</file>
-
-<file path=ppt/notesSlides/notesSlide19.xml><?xml version="1.0" encoding="utf-8"?>
-<p:notes xmlns:a="http://schemas.openxmlformats.org/drawingml/2006/main" xmlns:r="http://schemas.openxmlformats.org/officeDocument/2006/relationships" xmlns:p="http://schemas.openxmlformats.org/presentationml/2006/main">
-  <p:cSld>
-    <p:spTree>
-      <p:nvGrpSpPr>
-        <p:cNvPr id="1" name="">
-          <a:extLst>
-            <a:ext uri="{FF2B5EF4-FFF2-40B4-BE49-F238E27FC236}">
-              <a16:creationId xmlns:a16="http://schemas.microsoft.com/office/drawing/2014/main" id="{E00D3697-7CE3-31D6-9111-F966DF6654CB}"/>
-            </a:ext>
-          </a:extLst>
-        </p:cNvPr>
-        <p:cNvGrpSpPr/>
-        <p:nvPr/>
-      </p:nvGrpSpPr>
-      <p:grpSpPr>
-        <a:xfrm>
-          <a:off x="0" y="0"/>
-          <a:ext cx="0" cy="0"/>
-          <a:chOff x="0" y="0"/>
-          <a:chExt cx="0" cy="0"/>
-        </a:xfrm>
-      </p:grpSpPr>
-      <p:sp>
-        <p:nvSpPr>
-          <p:cNvPr id="2" name="幻灯片图像占位符 1">
-            <a:extLst>
-              <a:ext uri="{FF2B5EF4-FFF2-40B4-BE49-F238E27FC236}">
-                <a16:creationId xmlns:a16="http://schemas.microsoft.com/office/drawing/2014/main" id="{D064793B-145F-5BEA-EBB5-DAE84D6D922B}"/>
-              </a:ext>
-            </a:extLst>
-          </p:cNvPr>
-          <p:cNvSpPr>
-            <a:spLocks noGrp="1" noRot="1" noChangeAspect="1"/>
-          </p:cNvSpPr>
-          <p:nvPr>
-            <p:ph type="sldImg"/>
-          </p:nvPr>
-        </p:nvSpPr>
-        <p:spPr/>
-      </p:sp>
-      <p:sp>
-        <p:nvSpPr>
-          <p:cNvPr id="3" name="备注占位符 2">
-            <a:extLst>
-              <a:ext uri="{FF2B5EF4-FFF2-40B4-BE49-F238E27FC236}">
-                <a16:creationId xmlns:a16="http://schemas.microsoft.com/office/drawing/2014/main" id="{D9BF1B4C-8DE1-BB84-41DC-CB0FAA7DF146}"/>
-              </a:ext>
-            </a:extLst>
-          </p:cNvPr>
-          <p:cNvSpPr>
-            <a:spLocks noGrp="1"/>
-          </p:cNvSpPr>
-          <p:nvPr>
-            <p:ph type="body" idx="1"/>
-          </p:nvPr>
-        </p:nvSpPr>
-        <p:spPr/>
-        <p:txBody>
-          <a:bodyPr/>
-          <a:lstStyle/>
-          <a:p>
-            <a:endParaRPr lang="zh-CN" altLang="en-US" dirty="0"/>
-          </a:p>
-        </p:txBody>
-      </p:sp>
-      <p:sp>
-        <p:nvSpPr>
-          <p:cNvPr id="4" name="灯片编号占位符 3">
-            <a:extLst>
-              <a:ext uri="{FF2B5EF4-FFF2-40B4-BE49-F238E27FC236}">
-                <a16:creationId xmlns:a16="http://schemas.microsoft.com/office/drawing/2014/main" id="{D9D6BE8B-5EA8-12D7-0CCD-488E39D4FB3C}"/>
-              </a:ext>
-            </a:extLst>
-          </p:cNvPr>
-          <p:cNvSpPr>
-            <a:spLocks noGrp="1"/>
-          </p:cNvSpPr>
-          <p:nvPr>
-            <p:ph type="sldNum" sz="quarter" idx="5"/>
-          </p:nvPr>
-        </p:nvSpPr>
-        <p:spPr/>
-        <p:txBody>
-          <a:bodyPr/>
-          <a:lstStyle/>
-          <a:p>
-            <a:fld id="{602E9261-9A27-44B6-8C55-C12B787C810C}" type="slidenum">
-              <a:rPr lang="zh-CN" altLang="en-US" smtClean="0"/>
-              <a:t>20</a:t>
-            </a:fld>
-            <a:endParaRPr lang="zh-CN" altLang="en-US"/>
-          </a:p>
-        </p:txBody>
-      </p:sp>
-    </p:spTree>
-    <p:extLst>
-      <p:ext uri="{BB962C8B-B14F-4D97-AF65-F5344CB8AC3E}">
-        <p14:creationId xmlns:p14="http://schemas.microsoft.com/office/powerpoint/2010/main" val="1637331134"/>
       </p:ext>
     </p:extLst>
   </p:cSld>
@@ -1798,6 +1799,114 @@
         <p:cNvPr id="1" name="">
           <a:extLst>
             <a:ext uri="{FF2B5EF4-FFF2-40B4-BE49-F238E27FC236}">
+              <a16:creationId xmlns:a16="http://schemas.microsoft.com/office/drawing/2014/main" id="{E00D3697-7CE3-31D6-9111-F966DF6654CB}"/>
+            </a:ext>
+          </a:extLst>
+        </p:cNvPr>
+        <p:cNvGrpSpPr/>
+        <p:nvPr/>
+      </p:nvGrpSpPr>
+      <p:grpSpPr>
+        <a:xfrm>
+          <a:off x="0" y="0"/>
+          <a:ext cx="0" cy="0"/>
+          <a:chOff x="0" y="0"/>
+          <a:chExt cx="0" cy="0"/>
+        </a:xfrm>
+      </p:grpSpPr>
+      <p:sp>
+        <p:nvSpPr>
+          <p:cNvPr id="2" name="幻灯片图像占位符 1">
+            <a:extLst>
+              <a:ext uri="{FF2B5EF4-FFF2-40B4-BE49-F238E27FC236}">
+                <a16:creationId xmlns:a16="http://schemas.microsoft.com/office/drawing/2014/main" id="{D064793B-145F-5BEA-EBB5-DAE84D6D922B}"/>
+              </a:ext>
+            </a:extLst>
+          </p:cNvPr>
+          <p:cNvSpPr>
+            <a:spLocks noGrp="1" noRot="1" noChangeAspect="1"/>
+          </p:cNvSpPr>
+          <p:nvPr>
+            <p:ph type="sldImg"/>
+          </p:nvPr>
+        </p:nvSpPr>
+        <p:spPr/>
+      </p:sp>
+      <p:sp>
+        <p:nvSpPr>
+          <p:cNvPr id="3" name="备注占位符 2">
+            <a:extLst>
+              <a:ext uri="{FF2B5EF4-FFF2-40B4-BE49-F238E27FC236}">
+                <a16:creationId xmlns:a16="http://schemas.microsoft.com/office/drawing/2014/main" id="{D9BF1B4C-8DE1-BB84-41DC-CB0FAA7DF146}"/>
+              </a:ext>
+            </a:extLst>
+          </p:cNvPr>
+          <p:cNvSpPr>
+            <a:spLocks noGrp="1"/>
+          </p:cNvSpPr>
+          <p:nvPr>
+            <p:ph type="body" idx="1"/>
+          </p:nvPr>
+        </p:nvSpPr>
+        <p:spPr/>
+        <p:txBody>
+          <a:bodyPr/>
+          <a:lstStyle/>
+          <a:p>
+            <a:endParaRPr lang="zh-CN" altLang="en-US" dirty="0"/>
+          </a:p>
+        </p:txBody>
+      </p:sp>
+      <p:sp>
+        <p:nvSpPr>
+          <p:cNvPr id="4" name="灯片编号占位符 3">
+            <a:extLst>
+              <a:ext uri="{FF2B5EF4-FFF2-40B4-BE49-F238E27FC236}">
+                <a16:creationId xmlns:a16="http://schemas.microsoft.com/office/drawing/2014/main" id="{D9D6BE8B-5EA8-12D7-0CCD-488E39D4FB3C}"/>
+              </a:ext>
+            </a:extLst>
+          </p:cNvPr>
+          <p:cNvSpPr>
+            <a:spLocks noGrp="1"/>
+          </p:cNvSpPr>
+          <p:nvPr>
+            <p:ph type="sldNum" sz="quarter" idx="5"/>
+          </p:nvPr>
+        </p:nvSpPr>
+        <p:spPr/>
+        <p:txBody>
+          <a:bodyPr/>
+          <a:lstStyle/>
+          <a:p>
+            <a:fld id="{602E9261-9A27-44B6-8C55-C12B787C810C}" type="slidenum">
+              <a:rPr lang="zh-CN" altLang="en-US" smtClean="0"/>
+              <a:t>21</a:t>
+            </a:fld>
+            <a:endParaRPr lang="zh-CN" altLang="en-US"/>
+          </a:p>
+        </p:txBody>
+      </p:sp>
+    </p:spTree>
+    <p:extLst>
+      <p:ext uri="{BB962C8B-B14F-4D97-AF65-F5344CB8AC3E}">
+        <p14:creationId xmlns:p14="http://schemas.microsoft.com/office/powerpoint/2010/main" val="1637331134"/>
+      </p:ext>
+    </p:extLst>
+  </p:cSld>
+  <p:clrMapOvr>
+    <a:masterClrMapping/>
+  </p:clrMapOvr>
+</p:notes>
+</file>
+
+<file path=ppt/notesSlides/notesSlide21.xml><?xml version="1.0" encoding="utf-8"?>
+<p:notes xmlns:a="http://schemas.openxmlformats.org/drawingml/2006/main" xmlns:r="http://schemas.openxmlformats.org/officeDocument/2006/relationships" xmlns:p="http://schemas.openxmlformats.org/presentationml/2006/main">
+  <p:cSld>
+    <p:spTree>
+      <p:nvGrpSpPr>
+        <p:cNvPr id="1" name="">
+          <a:extLst>
+            <a:ext uri="{FF2B5EF4-FFF2-40B4-BE49-F238E27FC236}">
               <a16:creationId xmlns:a16="http://schemas.microsoft.com/office/drawing/2014/main" id="{ABB9E8B7-68F3-D107-CD5D-03AF83CE12D9}"/>
             </a:ext>
           </a:extLst>
@@ -1879,7 +1988,7 @@
           <a:p>
             <a:fld id="{602E9261-9A27-44B6-8C55-C12B787C810C}" type="slidenum">
               <a:rPr lang="zh-CN" altLang="en-US" smtClean="0"/>
-              <a:t>21</a:t>
+              <a:t>22</a:t>
             </a:fld>
             <a:endParaRPr lang="zh-CN" altLang="en-US"/>
           </a:p>
@@ -1898,7 +2007,7 @@
 </p:notes>
 </file>
 
-<file path=ppt/notesSlides/notesSlide21.xml><?xml version="1.0" encoding="utf-8"?>
+<file path=ppt/notesSlides/notesSlide22.xml><?xml version="1.0" encoding="utf-8"?>
 <p:notes xmlns:a="http://schemas.openxmlformats.org/drawingml/2006/main" xmlns:r="http://schemas.openxmlformats.org/officeDocument/2006/relationships" xmlns:p="http://schemas.openxmlformats.org/presentationml/2006/main">
   <p:cSld>
     <p:spTree>
@@ -1987,7 +2096,7 @@
           <a:p>
             <a:fld id="{602E9261-9A27-44B6-8C55-C12B787C810C}" type="slidenum">
               <a:rPr lang="zh-CN" altLang="en-US" smtClean="0"/>
-              <a:t>22</a:t>
+              <a:t>23</a:t>
             </a:fld>
             <a:endParaRPr lang="zh-CN" altLang="en-US"/>
           </a:p>
@@ -2230,6 +2339,114 @@
         <p:cNvPr id="1" name="">
           <a:extLst>
             <a:ext uri="{FF2B5EF4-FFF2-40B4-BE49-F238E27FC236}">
+              <a16:creationId xmlns:a16="http://schemas.microsoft.com/office/drawing/2014/main" id="{245C6846-B7A1-5CEE-B53E-1B8444BAFFC0}"/>
+            </a:ext>
+          </a:extLst>
+        </p:cNvPr>
+        <p:cNvGrpSpPr/>
+        <p:nvPr/>
+      </p:nvGrpSpPr>
+      <p:grpSpPr>
+        <a:xfrm>
+          <a:off x="0" y="0"/>
+          <a:ext cx="0" cy="0"/>
+          <a:chOff x="0" y="0"/>
+          <a:chExt cx="0" cy="0"/>
+        </a:xfrm>
+      </p:grpSpPr>
+      <p:sp>
+        <p:nvSpPr>
+          <p:cNvPr id="2" name="幻灯片图像占位符 1">
+            <a:extLst>
+              <a:ext uri="{FF2B5EF4-FFF2-40B4-BE49-F238E27FC236}">
+                <a16:creationId xmlns:a16="http://schemas.microsoft.com/office/drawing/2014/main" id="{819AC9EF-BF72-4C24-8737-A74A68F36B23}"/>
+              </a:ext>
+            </a:extLst>
+          </p:cNvPr>
+          <p:cNvSpPr>
+            <a:spLocks noGrp="1" noRot="1" noChangeAspect="1"/>
+          </p:cNvSpPr>
+          <p:nvPr>
+            <p:ph type="sldImg"/>
+          </p:nvPr>
+        </p:nvSpPr>
+        <p:spPr/>
+      </p:sp>
+      <p:sp>
+        <p:nvSpPr>
+          <p:cNvPr id="3" name="备注占位符 2">
+            <a:extLst>
+              <a:ext uri="{FF2B5EF4-FFF2-40B4-BE49-F238E27FC236}">
+                <a16:creationId xmlns:a16="http://schemas.microsoft.com/office/drawing/2014/main" id="{F486DDFF-95BB-9349-4AC9-26472F05BCF0}"/>
+              </a:ext>
+            </a:extLst>
+          </p:cNvPr>
+          <p:cNvSpPr>
+            <a:spLocks noGrp="1"/>
+          </p:cNvSpPr>
+          <p:nvPr>
+            <p:ph type="body" idx="1"/>
+          </p:nvPr>
+        </p:nvSpPr>
+        <p:spPr/>
+        <p:txBody>
+          <a:bodyPr/>
+          <a:lstStyle/>
+          <a:p>
+            <a:endParaRPr lang="zh-CN" altLang="en-US" dirty="0"/>
+          </a:p>
+        </p:txBody>
+      </p:sp>
+      <p:sp>
+        <p:nvSpPr>
+          <p:cNvPr id="4" name="灯片编号占位符 3">
+            <a:extLst>
+              <a:ext uri="{FF2B5EF4-FFF2-40B4-BE49-F238E27FC236}">
+                <a16:creationId xmlns:a16="http://schemas.microsoft.com/office/drawing/2014/main" id="{957C7E46-97C1-7331-171F-C1884D046671}"/>
+              </a:ext>
+            </a:extLst>
+          </p:cNvPr>
+          <p:cNvSpPr>
+            <a:spLocks noGrp="1"/>
+          </p:cNvSpPr>
+          <p:nvPr>
+            <p:ph type="sldNum" sz="quarter" idx="5"/>
+          </p:nvPr>
+        </p:nvSpPr>
+        <p:spPr/>
+        <p:txBody>
+          <a:bodyPr/>
+          <a:lstStyle/>
+          <a:p>
+            <a:fld id="{602E9261-9A27-44B6-8C55-C12B787C810C}" type="slidenum">
+              <a:rPr lang="zh-CN" altLang="en-US" smtClean="0"/>
+              <a:t>6</a:t>
+            </a:fld>
+            <a:endParaRPr lang="zh-CN" altLang="en-US"/>
+          </a:p>
+        </p:txBody>
+      </p:sp>
+    </p:spTree>
+    <p:extLst>
+      <p:ext uri="{BB962C8B-B14F-4D97-AF65-F5344CB8AC3E}">
+        <p14:creationId xmlns:p14="http://schemas.microsoft.com/office/powerpoint/2010/main" val="3705572784"/>
+      </p:ext>
+    </p:extLst>
+  </p:cSld>
+  <p:clrMapOvr>
+    <a:masterClrMapping/>
+  </p:clrMapOvr>
+</p:notes>
+</file>
+
+<file path=ppt/notesSlides/notesSlide6.xml><?xml version="1.0" encoding="utf-8"?>
+<p:notes xmlns:a="http://schemas.openxmlformats.org/drawingml/2006/main" xmlns:r="http://schemas.openxmlformats.org/officeDocument/2006/relationships" xmlns:p="http://schemas.openxmlformats.org/presentationml/2006/main">
+  <p:cSld>
+    <p:spTree>
+      <p:nvGrpSpPr>
+        <p:cNvPr id="1" name="">
+          <a:extLst>
+            <a:ext uri="{FF2B5EF4-FFF2-40B4-BE49-F238E27FC236}">
               <a16:creationId xmlns:a16="http://schemas.microsoft.com/office/drawing/2014/main" id="{60AAF10F-4C2D-8B96-FEA7-1C1B4385DEA4}"/>
             </a:ext>
           </a:extLst>
@@ -2311,7 +2528,7 @@
           <a:p>
             <a:fld id="{602E9261-9A27-44B6-8C55-C12B787C810C}" type="slidenum">
               <a:rPr lang="zh-CN" altLang="en-US" smtClean="0"/>
-              <a:t>6</a:t>
+              <a:t>7</a:t>
             </a:fld>
             <a:endParaRPr lang="zh-CN" altLang="en-US"/>
           </a:p>
@@ -2330,7 +2547,7 @@
 </p:notes>
 </file>
 
-<file path=ppt/notesSlides/notesSlide6.xml><?xml version="1.0" encoding="utf-8"?>
+<file path=ppt/notesSlides/notesSlide7.xml><?xml version="1.0" encoding="utf-8"?>
 <p:notes xmlns:a="http://schemas.openxmlformats.org/drawingml/2006/main" xmlns:r="http://schemas.openxmlformats.org/officeDocument/2006/relationships" xmlns:p="http://schemas.openxmlformats.org/presentationml/2006/main">
   <p:cSld>
     <p:spTree>
@@ -2419,7 +2636,7 @@
           <a:p>
             <a:fld id="{602E9261-9A27-44B6-8C55-C12B787C810C}" type="slidenum">
               <a:rPr lang="zh-CN" altLang="en-US" smtClean="0"/>
-              <a:t>7</a:t>
+              <a:t>8</a:t>
             </a:fld>
             <a:endParaRPr lang="zh-CN" altLang="en-US"/>
           </a:p>
@@ -2438,7 +2655,7 @@
 </p:notes>
 </file>
 
-<file path=ppt/notesSlides/notesSlide7.xml><?xml version="1.0" encoding="utf-8"?>
+<file path=ppt/notesSlides/notesSlide8.xml><?xml version="1.0" encoding="utf-8"?>
 <p:notes xmlns:a="http://schemas.openxmlformats.org/drawingml/2006/main" xmlns:r="http://schemas.openxmlformats.org/officeDocument/2006/relationships" xmlns:p="http://schemas.openxmlformats.org/presentationml/2006/main">
   <p:cSld>
     <p:spTree>
@@ -2527,7 +2744,7 @@
           <a:p>
             <a:fld id="{602E9261-9A27-44B6-8C55-C12B787C810C}" type="slidenum">
               <a:rPr lang="zh-CN" altLang="en-US" smtClean="0"/>
-              <a:t>8</a:t>
+              <a:t>9</a:t>
             </a:fld>
             <a:endParaRPr lang="zh-CN" altLang="en-US"/>
           </a:p>
@@ -2546,7 +2763,7 @@
 </p:notes>
 </file>
 
-<file path=ppt/notesSlides/notesSlide8.xml><?xml version="1.0" encoding="utf-8"?>
+<file path=ppt/notesSlides/notesSlide9.xml><?xml version="1.0" encoding="utf-8"?>
 <p:notes xmlns:a="http://schemas.openxmlformats.org/drawingml/2006/main" xmlns:r="http://schemas.openxmlformats.org/officeDocument/2006/relationships" xmlns:p="http://schemas.openxmlformats.org/presentationml/2006/main">
   <p:cSld>
     <p:spTree>
@@ -2635,7 +2852,7 @@
           <a:p>
             <a:fld id="{602E9261-9A27-44B6-8C55-C12B787C810C}" type="slidenum">
               <a:rPr lang="zh-CN" altLang="en-US" smtClean="0"/>
-              <a:t>9</a:t>
+              <a:t>10</a:t>
             </a:fld>
             <a:endParaRPr lang="zh-CN" altLang="en-US"/>
           </a:p>
@@ -2645,114 +2862,6 @@
     <p:extLst>
       <p:ext uri="{BB962C8B-B14F-4D97-AF65-F5344CB8AC3E}">
         <p14:creationId xmlns:p14="http://schemas.microsoft.com/office/powerpoint/2010/main" val="3568455270"/>
-      </p:ext>
-    </p:extLst>
-  </p:cSld>
-  <p:clrMapOvr>
-    <a:masterClrMapping/>
-  </p:clrMapOvr>
-</p:notes>
-</file>
-
-<file path=ppt/notesSlides/notesSlide9.xml><?xml version="1.0" encoding="utf-8"?>
-<p:notes xmlns:a="http://schemas.openxmlformats.org/drawingml/2006/main" xmlns:r="http://schemas.openxmlformats.org/officeDocument/2006/relationships" xmlns:p="http://schemas.openxmlformats.org/presentationml/2006/main">
-  <p:cSld>
-    <p:spTree>
-      <p:nvGrpSpPr>
-        <p:cNvPr id="1" name="">
-          <a:extLst>
-            <a:ext uri="{FF2B5EF4-FFF2-40B4-BE49-F238E27FC236}">
-              <a16:creationId xmlns:a16="http://schemas.microsoft.com/office/drawing/2014/main" id="{A3E7C025-8CD2-F4F7-C3E5-63102CF4CC11}"/>
-            </a:ext>
-          </a:extLst>
-        </p:cNvPr>
-        <p:cNvGrpSpPr/>
-        <p:nvPr/>
-      </p:nvGrpSpPr>
-      <p:grpSpPr>
-        <a:xfrm>
-          <a:off x="0" y="0"/>
-          <a:ext cx="0" cy="0"/>
-          <a:chOff x="0" y="0"/>
-          <a:chExt cx="0" cy="0"/>
-        </a:xfrm>
-      </p:grpSpPr>
-      <p:sp>
-        <p:nvSpPr>
-          <p:cNvPr id="2" name="幻灯片图像占位符 1">
-            <a:extLst>
-              <a:ext uri="{FF2B5EF4-FFF2-40B4-BE49-F238E27FC236}">
-                <a16:creationId xmlns:a16="http://schemas.microsoft.com/office/drawing/2014/main" id="{4F7CAF2A-C09C-08DA-EC47-3C0DD3881B2D}"/>
-              </a:ext>
-            </a:extLst>
-          </p:cNvPr>
-          <p:cNvSpPr>
-            <a:spLocks noGrp="1" noRot="1" noChangeAspect="1"/>
-          </p:cNvSpPr>
-          <p:nvPr>
-            <p:ph type="sldImg"/>
-          </p:nvPr>
-        </p:nvSpPr>
-        <p:spPr/>
-      </p:sp>
-      <p:sp>
-        <p:nvSpPr>
-          <p:cNvPr id="3" name="备注占位符 2">
-            <a:extLst>
-              <a:ext uri="{FF2B5EF4-FFF2-40B4-BE49-F238E27FC236}">
-                <a16:creationId xmlns:a16="http://schemas.microsoft.com/office/drawing/2014/main" id="{D86878D7-AFF3-57D2-7DBF-58736DFD9254}"/>
-              </a:ext>
-            </a:extLst>
-          </p:cNvPr>
-          <p:cNvSpPr>
-            <a:spLocks noGrp="1"/>
-          </p:cNvSpPr>
-          <p:nvPr>
-            <p:ph type="body" idx="1"/>
-          </p:nvPr>
-        </p:nvSpPr>
-        <p:spPr/>
-        <p:txBody>
-          <a:bodyPr/>
-          <a:lstStyle/>
-          <a:p>
-            <a:endParaRPr lang="zh-CN" altLang="en-US" dirty="0"/>
-          </a:p>
-        </p:txBody>
-      </p:sp>
-      <p:sp>
-        <p:nvSpPr>
-          <p:cNvPr id="4" name="灯片编号占位符 3">
-            <a:extLst>
-              <a:ext uri="{FF2B5EF4-FFF2-40B4-BE49-F238E27FC236}">
-                <a16:creationId xmlns:a16="http://schemas.microsoft.com/office/drawing/2014/main" id="{5216CA1E-FBCB-2849-640C-B18A687F2D16}"/>
-              </a:ext>
-            </a:extLst>
-          </p:cNvPr>
-          <p:cNvSpPr>
-            <a:spLocks noGrp="1"/>
-          </p:cNvSpPr>
-          <p:nvPr>
-            <p:ph type="sldNum" sz="quarter" idx="5"/>
-          </p:nvPr>
-        </p:nvSpPr>
-        <p:spPr/>
-        <p:txBody>
-          <a:bodyPr/>
-          <a:lstStyle/>
-          <a:p>
-            <a:fld id="{602E9261-9A27-44B6-8C55-C12B787C810C}" type="slidenum">
-              <a:rPr lang="zh-CN" altLang="en-US" smtClean="0"/>
-              <a:t>10</a:t>
-            </a:fld>
-            <a:endParaRPr lang="zh-CN" altLang="en-US"/>
-          </a:p>
-        </p:txBody>
-      </p:sp>
-    </p:spTree>
-    <p:extLst>
-      <p:ext uri="{BB962C8B-B14F-4D97-AF65-F5344CB8AC3E}">
-        <p14:creationId xmlns:p14="http://schemas.microsoft.com/office/powerpoint/2010/main" val="914937099"/>
       </p:ext>
     </p:extLst>
   </p:cSld>
@@ -4459,7 +4568,7 @@
         <p:cNvPr id="1" name="">
           <a:extLst>
             <a:ext uri="{FF2B5EF4-FFF2-40B4-BE49-F238E27FC236}">
-              <a16:creationId xmlns:a16="http://schemas.microsoft.com/office/drawing/2014/main" id="{A31EEA37-ACFC-2AE3-CE69-A1354C252A03}"/>
+              <a16:creationId xmlns:a16="http://schemas.microsoft.com/office/drawing/2014/main" id="{A1131FB4-3B28-4542-1E04-D6AE51662805}"/>
             </a:ext>
           </a:extLst>
         </p:cNvPr>
@@ -4479,7 +4588,7 @@
           <p:cNvPr id="4" name="Picture 2" descr="哈工大物联网智慧校园设计方案_Lighton（来同）品牌">
             <a:extLst>
               <a:ext uri="{FF2B5EF4-FFF2-40B4-BE49-F238E27FC236}">
-                <a16:creationId xmlns:a16="http://schemas.microsoft.com/office/drawing/2014/main" id="{C80922D5-E562-024C-F890-84173897355D}"/>
+                <a16:creationId xmlns:a16="http://schemas.microsoft.com/office/drawing/2014/main" id="{767ED668-9B45-876E-4F2B-C2D0632AFAAB}"/>
               </a:ext>
             </a:extLst>
           </p:cNvPr>
@@ -4526,7 +4635,7 @@
           <p:cNvPr id="5" name="矩形 4">
             <a:extLst>
               <a:ext uri="{FF2B5EF4-FFF2-40B4-BE49-F238E27FC236}">
-                <a16:creationId xmlns:a16="http://schemas.microsoft.com/office/drawing/2014/main" id="{8C94B85E-AE37-2910-B998-893EB094F6B7}"/>
+                <a16:creationId xmlns:a16="http://schemas.microsoft.com/office/drawing/2014/main" id="{5E56D3E2-7EE8-355E-0879-BB91AFF13AAF}"/>
               </a:ext>
             </a:extLst>
           </p:cNvPr>
@@ -4600,7 +4709,7 @@
           <p:cNvPr id="7" name="文本框 6">
             <a:extLst>
               <a:ext uri="{FF2B5EF4-FFF2-40B4-BE49-F238E27FC236}">
-                <a16:creationId xmlns:a16="http://schemas.microsoft.com/office/drawing/2014/main" id="{AB21FF6A-DB95-3032-9699-F63F34EE80C7}"/>
+                <a16:creationId xmlns:a16="http://schemas.microsoft.com/office/drawing/2014/main" id="{46538E94-C424-81B1-25E8-DE39D0B13693}"/>
               </a:ext>
             </a:extLst>
           </p:cNvPr>
@@ -4643,7 +4752,7 @@
           <p:cNvPr id="21" name="文本框 20">
             <a:extLst>
               <a:ext uri="{FF2B5EF4-FFF2-40B4-BE49-F238E27FC236}">
-                <a16:creationId xmlns:a16="http://schemas.microsoft.com/office/drawing/2014/main" id="{B9371D52-475B-97A0-A9F8-C3BBCFE014E2}"/>
+                <a16:creationId xmlns:a16="http://schemas.microsoft.com/office/drawing/2014/main" id="{8BEC28CC-763E-990C-EE10-3D412F4170E5}"/>
               </a:ext>
             </a:extLst>
           </p:cNvPr>
@@ -4652,8 +4761,8 @@
         </p:nvSpPr>
         <p:spPr>
           <a:xfrm>
-            <a:off x="1296444" y="1453920"/>
-            <a:ext cx="4177429" cy="406971"/>
+            <a:off x="7943993" y="1344355"/>
+            <a:ext cx="3484057" cy="1099468"/>
           </a:xfrm>
           <a:prstGeom prst="rect">
             <a:avLst/>
@@ -4672,6 +4781,30 @@
               </a:lnSpc>
             </a:pPr>
             <a:r>
+              <a:rPr lang="en-US" altLang="zh-CN" b="1" dirty="0">
+                <a:solidFill>
+                  <a:schemeClr val="tx2">
+                    <a:lumMod val="75000"/>
+                  </a:schemeClr>
+                </a:solidFill>
+                <a:latin typeface="微软雅黑" panose="020B0503020204020204" pitchFamily="34" charset="-122"/>
+                <a:ea typeface="微软雅黑" panose="020B0503020204020204" pitchFamily="34" charset="-122"/>
+              </a:rPr>
+              <a:t>Cu</a:t>
+            </a:r>
+            <a:r>
+              <a:rPr lang="zh-CN" altLang="en-US" b="1" dirty="0">
+                <a:solidFill>
+                  <a:schemeClr val="tx2">
+                    <a:lumMod val="75000"/>
+                  </a:schemeClr>
+                </a:solidFill>
+                <a:latin typeface="微软雅黑" panose="020B0503020204020204" pitchFamily="34" charset="-122"/>
+                <a:ea typeface="微软雅黑" panose="020B0503020204020204" pitchFamily="34" charset="-122"/>
+              </a:rPr>
+              <a:t>端的</a:t>
+            </a:r>
+            <a:r>
               <a:rPr lang="en-US" altLang="zh-CN" b="1" dirty="0" err="1">
                 <a:solidFill>
                   <a:schemeClr val="tx2">
@@ -4681,43 +4814,7 @@
                 <a:latin typeface="微软雅黑" panose="020B0503020204020204" pitchFamily="34" charset="-122"/>
                 <a:ea typeface="微软雅黑" panose="020B0503020204020204" pitchFamily="34" charset="-122"/>
               </a:rPr>
-              <a:t>Flat_store_dword</a:t>
-            </a:r>
-            <a:r>
-              <a:rPr lang="zh-CN" altLang="en-US" b="1" dirty="0">
-                <a:solidFill>
-                  <a:schemeClr val="tx2">
-                    <a:lumMod val="75000"/>
-                  </a:schemeClr>
-                </a:solidFill>
-                <a:latin typeface="微软雅黑" panose="020B0503020204020204" pitchFamily="34" charset="-122"/>
-                <a:ea typeface="微软雅黑" panose="020B0503020204020204" pitchFamily="34" charset="-122"/>
-              </a:rPr>
-              <a:t>：</a:t>
-            </a:r>
-            <a:r>
-              <a:rPr lang="en-US" altLang="zh-CN" b="1" dirty="0">
-                <a:solidFill>
-                  <a:schemeClr val="tx2">
-                    <a:lumMod val="75000"/>
-                  </a:schemeClr>
-                </a:solidFill>
-                <a:latin typeface="微软雅黑" panose="020B0503020204020204" pitchFamily="34" charset="-122"/>
-                <a:ea typeface="微软雅黑" panose="020B0503020204020204" pitchFamily="34" charset="-122"/>
-              </a:rPr>
-              <a:t>flat</a:t>
-            </a:r>
-            <a:r>
-              <a:rPr lang="zh-CN" altLang="en-US" b="1" dirty="0">
-                <a:solidFill>
-                  <a:schemeClr val="tx2">
-                    <a:lumMod val="75000"/>
-                  </a:schemeClr>
-                </a:solidFill>
-                <a:latin typeface="微软雅黑" panose="020B0503020204020204" pitchFamily="34" charset="-122"/>
-                <a:ea typeface="微软雅黑" panose="020B0503020204020204" pitchFamily="34" charset="-122"/>
-              </a:rPr>
-              <a:t>向量存数指令</a:t>
+              <a:t>memory_ports</a:t>
             </a:r>
             <a:endParaRPr lang="en-US" altLang="zh-CN" b="1" dirty="0">
               <a:solidFill>
@@ -4729,35 +4826,6 @@
               <a:ea typeface="微软雅黑" panose="020B0503020204020204" pitchFamily="34" charset="-122"/>
             </a:endParaRPr>
           </a:p>
-        </p:txBody>
-      </p:sp>
-      <p:sp>
-        <p:nvSpPr>
-          <p:cNvPr id="2" name="文本框 1">
-            <a:extLst>
-              <a:ext uri="{FF2B5EF4-FFF2-40B4-BE49-F238E27FC236}">
-                <a16:creationId xmlns:a16="http://schemas.microsoft.com/office/drawing/2014/main" id="{452B7528-2E87-302C-10ED-6EC094331242}"/>
-              </a:ext>
-            </a:extLst>
-          </p:cNvPr>
-          <p:cNvSpPr txBox="1"/>
-          <p:nvPr/>
-        </p:nvSpPr>
-        <p:spPr>
-          <a:xfrm>
-            <a:off x="4323675" y="448110"/>
-            <a:ext cx="3544649" cy="511807"/>
-          </a:xfrm>
-          <a:prstGeom prst="rect">
-            <a:avLst/>
-          </a:prstGeom>
-          <a:noFill/>
-        </p:spPr>
-        <p:txBody>
-          <a:bodyPr wrap="square" rtlCol="0">
-            <a:spAutoFit/>
-          </a:bodyPr>
-          <a:lstStyle/>
           <a:p>
             <a:pPr>
               <a:lnSpc>
@@ -4765,95 +4833,6 @@
               </a:lnSpc>
             </a:pPr>
             <a:r>
-              <a:rPr lang="en-US" altLang="zh-CN" sz="2400" b="1" dirty="0" err="1">
-                <a:solidFill>
-                  <a:srgbClr val="FF0000"/>
-                </a:solidFill>
-                <a:latin typeface="微软雅黑" panose="020B0503020204020204" pitchFamily="34" charset="-122"/>
-                <a:ea typeface="微软雅黑" panose="020B0503020204020204" pitchFamily="34" charset="-122"/>
-              </a:rPr>
-              <a:t>GPUDynInst</a:t>
-            </a:r>
-            <a:r>
-              <a:rPr lang="en-US" altLang="zh-CN" sz="2400" b="1" dirty="0">
-                <a:solidFill>
-                  <a:srgbClr val="FF0000"/>
-                </a:solidFill>
-                <a:latin typeface="微软雅黑" panose="020B0503020204020204" pitchFamily="34" charset="-122"/>
-                <a:ea typeface="微软雅黑" panose="020B0503020204020204" pitchFamily="34" charset="-122"/>
-              </a:rPr>
-              <a:t>::execute</a:t>
-            </a:r>
-            <a:endParaRPr lang="en-US" altLang="zh-CN" sz="2400" b="1" dirty="0">
-              <a:solidFill>
-                <a:schemeClr val="tx2">
-                  <a:lumMod val="75000"/>
-                </a:schemeClr>
-              </a:solidFill>
-              <a:latin typeface="微软雅黑" panose="020B0503020204020204" pitchFamily="34" charset="-122"/>
-              <a:ea typeface="微软雅黑" panose="020B0503020204020204" pitchFamily="34" charset="-122"/>
-            </a:endParaRPr>
-          </a:p>
-        </p:txBody>
-      </p:sp>
-      <p:sp>
-        <p:nvSpPr>
-          <p:cNvPr id="3" name="文本框 2">
-            <a:extLst>
-              <a:ext uri="{FF2B5EF4-FFF2-40B4-BE49-F238E27FC236}">
-                <a16:creationId xmlns:a16="http://schemas.microsoft.com/office/drawing/2014/main" id="{95847E12-47E1-E799-71BF-ECC12966D149}"/>
-              </a:ext>
-            </a:extLst>
-          </p:cNvPr>
-          <p:cNvSpPr txBox="1"/>
-          <p:nvPr/>
-        </p:nvSpPr>
-        <p:spPr>
-          <a:xfrm>
-            <a:off x="6754745" y="2001870"/>
-            <a:ext cx="5473868" cy="753220"/>
-          </a:xfrm>
-          <a:prstGeom prst="rect">
-            <a:avLst/>
-          </a:prstGeom>
-          <a:noFill/>
-        </p:spPr>
-        <p:txBody>
-          <a:bodyPr wrap="square" rtlCol="0">
-            <a:spAutoFit/>
-          </a:bodyPr>
-          <a:lstStyle/>
-          <a:p>
-            <a:pPr>
-              <a:lnSpc>
-                <a:spcPct val="125000"/>
-              </a:lnSpc>
-            </a:pPr>
-            <a:r>
-              <a:rPr lang="en-US" altLang="zh-CN" b="1" dirty="0" err="1">
-                <a:solidFill>
-                  <a:schemeClr val="tx2">
-                    <a:lumMod val="75000"/>
-                  </a:schemeClr>
-                </a:solidFill>
-                <a:latin typeface="微软雅黑" panose="020B0503020204020204" pitchFamily="34" charset="-122"/>
-                <a:ea typeface="微软雅黑" panose="020B0503020204020204" pitchFamily="34" charset="-122"/>
-              </a:rPr>
-              <a:t>flat_store_dword</a:t>
-            </a:r>
-            <a:r>
-              <a:rPr lang="en-US" altLang="zh-CN" b="1" dirty="0">
-                <a:solidFill>
-                  <a:schemeClr val="tx2">
-                    <a:lumMod val="75000"/>
-                  </a:schemeClr>
-                </a:solidFill>
-                <a:latin typeface="微软雅黑" panose="020B0503020204020204" pitchFamily="34" charset="-122"/>
-                <a:ea typeface="微软雅黑" panose="020B0503020204020204" pitchFamily="34" charset="-122"/>
-              </a:rPr>
-              <a:t> v[4:5], v1</a:t>
-            </a:r>
-            <a:r>
               <a:rPr lang="zh-CN" altLang="en-US" b="1" dirty="0">
                 <a:solidFill>
                   <a:schemeClr val="tx2">
@@ -4863,7 +4842,7 @@
                 <a:latin typeface="微软雅黑" panose="020B0503020204020204" pitchFamily="34" charset="-122"/>
                 <a:ea typeface="微软雅黑" panose="020B0503020204020204" pitchFamily="34" charset="-122"/>
               </a:rPr>
-              <a:t>：</a:t>
+              <a:t>发送请求</a:t>
             </a:r>
             <a:endParaRPr lang="en-US" altLang="zh-CN" b="1" dirty="0">
               <a:solidFill>
@@ -4882,94 +4861,28 @@
               </a:lnSpc>
             </a:pPr>
             <a:r>
-              <a:rPr lang="zh-CN" altLang="en-US" b="1" dirty="0">
-                <a:solidFill>
-                  <a:schemeClr val="tx2">
-                    <a:lumMod val="75000"/>
-                  </a:schemeClr>
-                </a:solidFill>
-                <a:latin typeface="微软雅黑" panose="020B0503020204020204" pitchFamily="34" charset="-122"/>
-                <a:ea typeface="微软雅黑" panose="020B0503020204020204" pitchFamily="34" charset="-122"/>
-              </a:rPr>
-              <a:t>将</a:t>
-            </a:r>
-            <a:r>
               <a:rPr lang="en-US" altLang="zh-CN" b="1" dirty="0">
                 <a:solidFill>
-                  <a:schemeClr val="tx2">
-                    <a:lumMod val="75000"/>
-                  </a:schemeClr>
-                </a:solidFill>
-                <a:latin typeface="微软雅黑" panose="020B0503020204020204" pitchFamily="34" charset="-122"/>
-                <a:ea typeface="微软雅黑" panose="020B0503020204020204" pitchFamily="34" charset="-122"/>
-              </a:rPr>
-              <a:t>v1</a:t>
-            </a:r>
-            <a:r>
-              <a:rPr lang="zh-CN" altLang="en-US" b="1" dirty="0">
-                <a:solidFill>
-                  <a:schemeClr val="tx2">
-                    <a:lumMod val="75000"/>
-                  </a:schemeClr>
-                </a:solidFill>
-                <a:latin typeface="微软雅黑" panose="020B0503020204020204" pitchFamily="34" charset="-122"/>
-                <a:ea typeface="微软雅黑" panose="020B0503020204020204" pitchFamily="34" charset="-122"/>
-              </a:rPr>
-              <a:t>向量寄存器的值存入</a:t>
-            </a:r>
-            <a:r>
-              <a:rPr lang="en-US" altLang="zh-CN" b="1" dirty="0">
-                <a:solidFill>
-                  <a:schemeClr val="tx2">
-                    <a:lumMod val="75000"/>
-                  </a:schemeClr>
-                </a:solidFill>
-                <a:latin typeface="微软雅黑" panose="020B0503020204020204" pitchFamily="34" charset="-122"/>
-                <a:ea typeface="微软雅黑" panose="020B0503020204020204" pitchFamily="34" charset="-122"/>
-              </a:rPr>
-              <a:t>v[5]v[4]</a:t>
-            </a:r>
-            <a:r>
-              <a:rPr lang="zh-CN" altLang="en-US" b="1" dirty="0">
-                <a:solidFill>
-                  <a:schemeClr val="tx2">
-                    <a:lumMod val="75000"/>
-                  </a:schemeClr>
-                </a:solidFill>
-                <a:latin typeface="微软雅黑" panose="020B0503020204020204" pitchFamily="34" charset="-122"/>
-                <a:ea typeface="微软雅黑" panose="020B0503020204020204" pitchFamily="34" charset="-122"/>
-              </a:rPr>
-              <a:t>组成的</a:t>
-            </a:r>
-            <a:r>
-              <a:rPr lang="en-US" altLang="zh-CN" b="1" dirty="0">
-                <a:solidFill>
-                  <a:schemeClr val="tx2">
-                    <a:lumMod val="75000"/>
-                  </a:schemeClr>
-                </a:solidFill>
-                <a:latin typeface="微软雅黑" panose="020B0503020204020204" pitchFamily="34" charset="-122"/>
-                <a:ea typeface="微软雅黑" panose="020B0503020204020204" pitchFamily="34" charset="-122"/>
-              </a:rPr>
-              <a:t>64bit</a:t>
-            </a:r>
-            <a:r>
-              <a:rPr lang="zh-CN" altLang="en-US" b="1" dirty="0">
-                <a:solidFill>
-                  <a:schemeClr val="tx2">
-                    <a:lumMod val="75000"/>
-                  </a:schemeClr>
-                </a:solidFill>
-                <a:latin typeface="微软雅黑" panose="020B0503020204020204" pitchFamily="34" charset="-122"/>
-                <a:ea typeface="微软雅黑" panose="020B0503020204020204" pitchFamily="34" charset="-122"/>
-              </a:rPr>
-              <a:t>地址</a:t>
+                  <a:schemeClr val="accent1"/>
+                </a:solidFill>
+                <a:latin typeface="微软雅黑" panose="020B0503020204020204" pitchFamily="34" charset="-122"/>
+                <a:ea typeface="微软雅黑" panose="020B0503020204020204" pitchFamily="34" charset="-122"/>
+              </a:rPr>
+              <a:t>Execute/</a:t>
+            </a:r>
+            <a:r>
+              <a:rPr lang="en-US" altLang="zh-CN" b="1" dirty="0" err="1">
+                <a:solidFill>
+                  <a:schemeClr val="accent1"/>
+                </a:solidFill>
+                <a:latin typeface="微软雅黑" panose="020B0503020204020204" pitchFamily="34" charset="-122"/>
+                <a:ea typeface="微软雅黑" panose="020B0503020204020204" pitchFamily="34" charset="-122"/>
+              </a:rPr>
+              <a:t>initiateAcc</a:t>
             </a:r>
             <a:endParaRPr lang="en-US" altLang="zh-CN" b="1" dirty="0">
               <a:solidFill>
-                <a:schemeClr val="tx2">
-                  <a:lumMod val="75000"/>
-                </a:schemeClr>
+                <a:schemeClr val="accent1"/>
               </a:solidFill>
               <a:latin typeface="微软雅黑" panose="020B0503020204020204" pitchFamily="34" charset="-122"/>
               <a:ea typeface="微软雅黑" panose="020B0503020204020204" pitchFamily="34" charset="-122"/>
@@ -4977,214 +4890,12 @@
           </a:p>
         </p:txBody>
       </p:sp>
-      <p:sp>
-        <p:nvSpPr>
-          <p:cNvPr id="8" name="文本框 7">
-            <a:extLst>
-              <a:ext uri="{FF2B5EF4-FFF2-40B4-BE49-F238E27FC236}">
-                <a16:creationId xmlns:a16="http://schemas.microsoft.com/office/drawing/2014/main" id="{B217C9A5-7C85-FC6F-CDA8-04236166F1E3}"/>
-              </a:ext>
-            </a:extLst>
-          </p:cNvPr>
-          <p:cNvSpPr txBox="1"/>
-          <p:nvPr/>
-        </p:nvSpPr>
-        <p:spPr>
-          <a:xfrm>
-            <a:off x="7641281" y="3208446"/>
-            <a:ext cx="3788719" cy="2138214"/>
-          </a:xfrm>
-          <a:prstGeom prst="rect">
-            <a:avLst/>
-          </a:prstGeom>
-          <a:noFill/>
-        </p:spPr>
-        <p:txBody>
-          <a:bodyPr wrap="square" rtlCol="0">
-            <a:spAutoFit/>
-          </a:bodyPr>
-          <a:lstStyle/>
-          <a:p>
-            <a:pPr>
-              <a:lnSpc>
-                <a:spcPct val="125000"/>
-              </a:lnSpc>
-            </a:pPr>
-            <a:r>
-              <a:rPr lang="en-US" altLang="zh-CN" b="1" dirty="0">
-                <a:solidFill>
-                  <a:schemeClr val="tx2">
-                    <a:lumMod val="75000"/>
-                  </a:schemeClr>
-                </a:solidFill>
-                <a:latin typeface="微软雅黑" panose="020B0503020204020204" pitchFamily="34" charset="-122"/>
-                <a:ea typeface="微软雅黑" panose="020B0503020204020204" pitchFamily="34" charset="-122"/>
-              </a:rPr>
-              <a:t>Execute</a:t>
-            </a:r>
-            <a:r>
-              <a:rPr lang="zh-CN" altLang="en-US" b="1" dirty="0">
-                <a:solidFill>
-                  <a:schemeClr val="tx2">
-                    <a:lumMod val="75000"/>
-                  </a:schemeClr>
-                </a:solidFill>
-                <a:latin typeface="微软雅黑" panose="020B0503020204020204" pitchFamily="34" charset="-122"/>
-                <a:ea typeface="微软雅黑" panose="020B0503020204020204" pitchFamily="34" charset="-122"/>
-              </a:rPr>
-              <a:t>：</a:t>
-            </a:r>
-            <a:endParaRPr lang="en-US" altLang="zh-CN" b="1" dirty="0">
-              <a:solidFill>
-                <a:schemeClr val="tx2">
-                  <a:lumMod val="75000"/>
-                </a:schemeClr>
-              </a:solidFill>
-              <a:latin typeface="微软雅黑" panose="020B0503020204020204" pitchFamily="34" charset="-122"/>
-              <a:ea typeface="微软雅黑" panose="020B0503020204020204" pitchFamily="34" charset="-122"/>
-            </a:endParaRPr>
-          </a:p>
-          <a:p>
-            <a:pPr marL="342900" indent="-342900">
-              <a:lnSpc>
-                <a:spcPct val="125000"/>
-              </a:lnSpc>
-              <a:buAutoNum type="arabicPeriod"/>
-            </a:pPr>
-            <a:r>
-              <a:rPr lang="zh-CN" altLang="en-US" b="1" dirty="0">
-                <a:solidFill>
-                  <a:schemeClr val="tx2">
-                    <a:lumMod val="75000"/>
-                  </a:schemeClr>
-                </a:solidFill>
-                <a:latin typeface="微软雅黑" panose="020B0503020204020204" pitchFamily="34" charset="-122"/>
-                <a:ea typeface="微软雅黑" panose="020B0503020204020204" pitchFamily="34" charset="-122"/>
-              </a:rPr>
-              <a:t>从向量寄存器中读取操作数</a:t>
-            </a:r>
-            <a:endParaRPr lang="en-US" altLang="zh-CN" b="1" dirty="0">
-              <a:solidFill>
-                <a:schemeClr val="tx2">
-                  <a:lumMod val="75000"/>
-                </a:schemeClr>
-              </a:solidFill>
-              <a:latin typeface="微软雅黑" panose="020B0503020204020204" pitchFamily="34" charset="-122"/>
-              <a:ea typeface="微软雅黑" panose="020B0503020204020204" pitchFamily="34" charset="-122"/>
-            </a:endParaRPr>
-          </a:p>
-          <a:p>
-            <a:pPr marL="342900" indent="-342900">
-              <a:lnSpc>
-                <a:spcPct val="125000"/>
-              </a:lnSpc>
-              <a:buAutoNum type="arabicPeriod"/>
-            </a:pPr>
-            <a:r>
-              <a:rPr lang="zh-CN" altLang="en-US" b="1" dirty="0">
-                <a:solidFill>
-                  <a:schemeClr val="tx2">
-                    <a:lumMod val="75000"/>
-                  </a:schemeClr>
-                </a:solidFill>
-                <a:latin typeface="微软雅黑" panose="020B0503020204020204" pitchFamily="34" charset="-122"/>
-                <a:ea typeface="微软雅黑" panose="020B0503020204020204" pitchFamily="34" charset="-122"/>
-              </a:rPr>
-              <a:t>准备数据</a:t>
-            </a:r>
-            <a:endParaRPr lang="en-US" altLang="zh-CN" b="1" dirty="0">
-              <a:solidFill>
-                <a:schemeClr val="tx2">
-                  <a:lumMod val="75000"/>
-                </a:schemeClr>
-              </a:solidFill>
-              <a:latin typeface="微软雅黑" panose="020B0503020204020204" pitchFamily="34" charset="-122"/>
-              <a:ea typeface="微软雅黑" panose="020B0503020204020204" pitchFamily="34" charset="-122"/>
-            </a:endParaRPr>
-          </a:p>
-          <a:p>
-            <a:pPr marL="342900" indent="-342900">
-              <a:lnSpc>
-                <a:spcPct val="125000"/>
-              </a:lnSpc>
-              <a:buAutoNum type="arabicPeriod"/>
-            </a:pPr>
-            <a:r>
-              <a:rPr lang="zh-CN" altLang="en-US" b="1" dirty="0">
-                <a:solidFill>
-                  <a:schemeClr val="tx2">
-                    <a:lumMod val="75000"/>
-                  </a:schemeClr>
-                </a:solidFill>
-                <a:latin typeface="微软雅黑" panose="020B0503020204020204" pitchFamily="34" charset="-122"/>
-                <a:ea typeface="微软雅黑" panose="020B0503020204020204" pitchFamily="34" charset="-122"/>
-              </a:rPr>
-              <a:t>计算地址</a:t>
-            </a:r>
-            <a:endParaRPr lang="en-US" altLang="zh-CN" b="1" dirty="0">
-              <a:solidFill>
-                <a:schemeClr val="tx2">
-                  <a:lumMod val="75000"/>
-                </a:schemeClr>
-              </a:solidFill>
-              <a:latin typeface="微软雅黑" panose="020B0503020204020204" pitchFamily="34" charset="-122"/>
-              <a:ea typeface="微软雅黑" panose="020B0503020204020204" pitchFamily="34" charset="-122"/>
-            </a:endParaRPr>
-          </a:p>
-          <a:p>
-            <a:pPr marL="342900" indent="-342900">
-              <a:lnSpc>
-                <a:spcPct val="125000"/>
-              </a:lnSpc>
-              <a:buAutoNum type="arabicPeriod"/>
-            </a:pPr>
-            <a:r>
-              <a:rPr lang="zh-CN" altLang="en-US" b="1" dirty="0">
-                <a:solidFill>
-                  <a:schemeClr val="tx2">
-                    <a:lumMod val="75000"/>
-                  </a:schemeClr>
-                </a:solidFill>
-                <a:latin typeface="微软雅黑" panose="020B0503020204020204" pitchFamily="34" charset="-122"/>
-                <a:ea typeface="微软雅黑" panose="020B0503020204020204" pitchFamily="34" charset="-122"/>
-              </a:rPr>
-              <a:t>把请求推入对应的访存队列</a:t>
-            </a:r>
-            <a:endParaRPr lang="en-US" altLang="zh-CN" b="1" dirty="0">
-              <a:solidFill>
-                <a:schemeClr val="tx2">
-                  <a:lumMod val="75000"/>
-                </a:schemeClr>
-              </a:solidFill>
-              <a:latin typeface="微软雅黑" panose="020B0503020204020204" pitchFamily="34" charset="-122"/>
-              <a:ea typeface="微软雅黑" panose="020B0503020204020204" pitchFamily="34" charset="-122"/>
-            </a:endParaRPr>
-          </a:p>
-          <a:p>
-            <a:pPr marL="342900" indent="-342900">
-              <a:lnSpc>
-                <a:spcPct val="125000"/>
-              </a:lnSpc>
-              <a:buAutoNum type="arabicPeriod"/>
-            </a:pPr>
-            <a:endParaRPr lang="en-US" altLang="zh-CN" b="1" dirty="0">
-              <a:solidFill>
-                <a:schemeClr val="tx2">
-                  <a:lumMod val="75000"/>
-                </a:schemeClr>
-              </a:solidFill>
-              <a:latin typeface="微软雅黑" panose="020B0503020204020204" pitchFamily="34" charset="-122"/>
-              <a:ea typeface="微软雅黑" panose="020B0503020204020204" pitchFamily="34" charset="-122"/>
-            </a:endParaRPr>
-          </a:p>
-        </p:txBody>
-      </p:sp>
       <p:pic>
         <p:nvPicPr>
-          <p:cNvPr id="13" name="图片 12">
+          <p:cNvPr id="6" name="图片 5">
             <a:extLst>
               <a:ext uri="{FF2B5EF4-FFF2-40B4-BE49-F238E27FC236}">
-                <a16:creationId xmlns:a16="http://schemas.microsoft.com/office/drawing/2014/main" id="{68154723-1EAA-5DC0-C428-3210B182D33D}"/>
+                <a16:creationId xmlns:a16="http://schemas.microsoft.com/office/drawing/2014/main" id="{52E7ACD7-72DC-1831-A6F3-84822041C097}"/>
               </a:ext>
             </a:extLst>
           </p:cNvPr>
@@ -5201,8 +4912,8 @@
         </p:blipFill>
         <p:spPr>
           <a:xfrm>
-            <a:off x="461375" y="2060532"/>
-            <a:ext cx="6183531" cy="3525122"/>
+            <a:off x="312983" y="1225358"/>
+            <a:ext cx="7391098" cy="4407284"/>
           </a:xfrm>
           <a:prstGeom prst="rect">
             <a:avLst/>
@@ -5211,60 +4922,289 @@
       </p:pic>
       <p:sp>
         <p:nvSpPr>
-          <p:cNvPr id="11" name="矩形 10">
+          <p:cNvPr id="2" name="文本框 1">
             <a:extLst>
               <a:ext uri="{FF2B5EF4-FFF2-40B4-BE49-F238E27FC236}">
-                <a16:creationId xmlns:a16="http://schemas.microsoft.com/office/drawing/2014/main" id="{2B053C19-A656-51AC-8161-75D4D4E06E4E}"/>
+                <a16:creationId xmlns:a16="http://schemas.microsoft.com/office/drawing/2014/main" id="{895D69D4-FC03-56FD-492A-F51CA5D5988D}"/>
               </a:ext>
             </a:extLst>
           </p:cNvPr>
-          <p:cNvSpPr/>
+          <p:cNvSpPr txBox="1"/>
           <p:nvPr/>
         </p:nvSpPr>
         <p:spPr>
           <a:xfrm>
-            <a:off x="762000" y="3526077"/>
-            <a:ext cx="5801638" cy="2059577"/>
+            <a:off x="5342350" y="423770"/>
+            <a:ext cx="2298310" cy="511807"/>
           </a:xfrm>
           <a:prstGeom prst="rect">
             <a:avLst/>
           </a:prstGeom>
           <a:noFill/>
-          <a:ln w="28575">
-            <a:solidFill>
-              <a:srgbClr val="FF0000"/>
-            </a:solidFill>
-          </a:ln>
         </p:spPr>
-        <p:style>
-          <a:lnRef idx="2">
-            <a:schemeClr val="accent1">
-              <a:shade val="15000"/>
-            </a:schemeClr>
-          </a:lnRef>
-          <a:fillRef idx="1">
-            <a:schemeClr val="accent1"/>
-          </a:fillRef>
-          <a:effectRef idx="0">
-            <a:schemeClr val="accent1"/>
-          </a:effectRef>
-          <a:fontRef idx="minor">
-            <a:schemeClr val="lt1"/>
-          </a:fontRef>
-        </p:style>
         <p:txBody>
-          <a:bodyPr rtlCol="0" anchor="ctr"/>
+          <a:bodyPr wrap="square" rtlCol="0">
+            <a:spAutoFit/>
+          </a:bodyPr>
           <a:lstStyle/>
           <a:p>
-            <a:pPr algn="ctr"/>
-            <a:endParaRPr lang="zh-CN" altLang="en-US"/>
+            <a:pPr>
+              <a:lnSpc>
+                <a:spcPct val="125000"/>
+              </a:lnSpc>
+            </a:pPr>
+            <a:r>
+              <a:rPr lang="zh-CN" altLang="en-US" sz="2400" b="1" dirty="0">
+                <a:solidFill>
+                  <a:schemeClr val="tx2">
+                    <a:lumMod val="75000"/>
+                  </a:schemeClr>
+                </a:solidFill>
+                <a:latin typeface="微软雅黑" panose="020B0503020204020204" pitchFamily="34" charset="-122"/>
+                <a:ea typeface="微软雅黑" panose="020B0503020204020204" pitchFamily="34" charset="-122"/>
+              </a:rPr>
+              <a:t>访存过程总览</a:t>
+            </a:r>
+            <a:endParaRPr lang="en-US" altLang="zh-CN" sz="2400" b="1" dirty="0">
+              <a:solidFill>
+                <a:schemeClr val="tx2">
+                  <a:lumMod val="75000"/>
+                </a:schemeClr>
+              </a:solidFill>
+              <a:latin typeface="微软雅黑" panose="020B0503020204020204" pitchFamily="34" charset="-122"/>
+              <a:ea typeface="微软雅黑" panose="020B0503020204020204" pitchFamily="34" charset="-122"/>
+            </a:endParaRPr>
+          </a:p>
+        </p:txBody>
+      </p:sp>
+      <p:sp>
+        <p:nvSpPr>
+          <p:cNvPr id="3" name="文本框 2">
+            <a:extLst>
+              <a:ext uri="{FF2B5EF4-FFF2-40B4-BE49-F238E27FC236}">
+                <a16:creationId xmlns:a16="http://schemas.microsoft.com/office/drawing/2014/main" id="{952ABA7C-4274-1BF6-EA47-B1B1FBA6FCA7}"/>
+              </a:ext>
+            </a:extLst>
+          </p:cNvPr>
+          <p:cNvSpPr txBox="1"/>
+          <p:nvPr/>
+        </p:nvSpPr>
+        <p:spPr>
+          <a:xfrm>
+            <a:off x="7943993" y="2947627"/>
+            <a:ext cx="3667634" cy="753220"/>
+          </a:xfrm>
+          <a:prstGeom prst="rect">
+            <a:avLst/>
+          </a:prstGeom>
+          <a:noFill/>
+        </p:spPr>
+        <p:txBody>
+          <a:bodyPr wrap="square" rtlCol="0">
+            <a:spAutoFit/>
+          </a:bodyPr>
+          <a:lstStyle/>
+          <a:p>
+            <a:pPr>
+              <a:lnSpc>
+                <a:spcPct val="125000"/>
+              </a:lnSpc>
+            </a:pPr>
+            <a:r>
+              <a:rPr lang="en-US" altLang="zh-CN" b="1" dirty="0">
+                <a:solidFill>
+                  <a:schemeClr val="tx2">
+                    <a:lumMod val="75000"/>
+                  </a:schemeClr>
+                </a:solidFill>
+                <a:latin typeface="微软雅黑" panose="020B0503020204020204" pitchFamily="34" charset="-122"/>
+                <a:ea typeface="微软雅黑" panose="020B0503020204020204" pitchFamily="34" charset="-122"/>
+              </a:rPr>
+              <a:t>Cache</a:t>
+            </a:r>
+            <a:r>
+              <a:rPr lang="zh-CN" altLang="en-US" b="1" dirty="0">
+                <a:solidFill>
+                  <a:schemeClr val="tx2">
+                    <a:lumMod val="75000"/>
+                  </a:schemeClr>
+                </a:solidFill>
+                <a:latin typeface="微软雅黑" panose="020B0503020204020204" pitchFamily="34" charset="-122"/>
+                <a:ea typeface="微软雅黑" panose="020B0503020204020204" pitchFamily="34" charset="-122"/>
+              </a:rPr>
+              <a:t>对应的</a:t>
+            </a:r>
+            <a:r>
+              <a:rPr lang="en-US" altLang="zh-CN" b="1" dirty="0">
+                <a:solidFill>
+                  <a:schemeClr val="tx2">
+                    <a:lumMod val="75000"/>
+                  </a:schemeClr>
+                </a:solidFill>
+                <a:latin typeface="微软雅黑" panose="020B0503020204020204" pitchFamily="34" charset="-122"/>
+                <a:ea typeface="微软雅黑" panose="020B0503020204020204" pitchFamily="34" charset="-122"/>
+              </a:rPr>
+              <a:t>coalescer</a:t>
+            </a:r>
+          </a:p>
+          <a:p>
+            <a:pPr>
+              <a:lnSpc>
+                <a:spcPct val="125000"/>
+              </a:lnSpc>
+            </a:pPr>
+            <a:r>
+              <a:rPr lang="zh-CN" altLang="en-US" b="1" dirty="0">
+                <a:solidFill>
+                  <a:schemeClr val="tx2">
+                    <a:lumMod val="75000"/>
+                  </a:schemeClr>
+                </a:solidFill>
+                <a:latin typeface="微软雅黑" panose="020B0503020204020204" pitchFamily="34" charset="-122"/>
+                <a:ea typeface="微软雅黑" panose="020B0503020204020204" pitchFamily="34" charset="-122"/>
+              </a:rPr>
+              <a:t>和并请求，放入请求队列</a:t>
+            </a:r>
+            <a:endParaRPr lang="en-US" altLang="zh-CN" b="1" dirty="0">
+              <a:solidFill>
+                <a:schemeClr val="tx2">
+                  <a:lumMod val="75000"/>
+                </a:schemeClr>
+              </a:solidFill>
+              <a:latin typeface="微软雅黑" panose="020B0503020204020204" pitchFamily="34" charset="-122"/>
+              <a:ea typeface="微软雅黑" panose="020B0503020204020204" pitchFamily="34" charset="-122"/>
+            </a:endParaRPr>
+          </a:p>
+        </p:txBody>
+      </p:sp>
+      <p:sp>
+        <p:nvSpPr>
+          <p:cNvPr id="8" name="文本框 7">
+            <a:extLst>
+              <a:ext uri="{FF2B5EF4-FFF2-40B4-BE49-F238E27FC236}">
+                <a16:creationId xmlns:a16="http://schemas.microsoft.com/office/drawing/2014/main" id="{FCF894AC-D736-DC78-4D6B-012B4B2992CC}"/>
+              </a:ext>
+            </a:extLst>
+          </p:cNvPr>
+          <p:cNvSpPr txBox="1"/>
+          <p:nvPr/>
+        </p:nvSpPr>
+        <p:spPr>
+          <a:xfrm>
+            <a:off x="7943993" y="4458755"/>
+            <a:ext cx="3788719" cy="1099468"/>
+          </a:xfrm>
+          <a:prstGeom prst="rect">
+            <a:avLst/>
+          </a:prstGeom>
+          <a:noFill/>
+        </p:spPr>
+        <p:txBody>
+          <a:bodyPr wrap="square" rtlCol="0">
+            <a:spAutoFit/>
+          </a:bodyPr>
+          <a:lstStyle/>
+          <a:p>
+            <a:pPr>
+              <a:lnSpc>
+                <a:spcPct val="125000"/>
+              </a:lnSpc>
+            </a:pPr>
+            <a:r>
+              <a:rPr lang="en-US" altLang="zh-CN" b="1" dirty="0">
+                <a:solidFill>
+                  <a:schemeClr val="tx2">
+                    <a:lumMod val="75000"/>
+                  </a:schemeClr>
+                </a:solidFill>
+                <a:latin typeface="微软雅黑" panose="020B0503020204020204" pitchFamily="34" charset="-122"/>
+                <a:ea typeface="微软雅黑" panose="020B0503020204020204" pitchFamily="34" charset="-122"/>
+              </a:rPr>
+              <a:t>Cache</a:t>
+            </a:r>
+          </a:p>
+          <a:p>
+            <a:pPr>
+              <a:lnSpc>
+                <a:spcPct val="125000"/>
+              </a:lnSpc>
+            </a:pPr>
+            <a:r>
+              <a:rPr lang="zh-CN" altLang="en-US" b="1" dirty="0">
+                <a:solidFill>
+                  <a:schemeClr val="tx2">
+                    <a:lumMod val="75000"/>
+                  </a:schemeClr>
+                </a:solidFill>
+                <a:latin typeface="微软雅黑" panose="020B0503020204020204" pitchFamily="34" charset="-122"/>
+                <a:ea typeface="微软雅黑" panose="020B0503020204020204" pitchFamily="34" charset="-122"/>
+              </a:rPr>
+              <a:t>从队列中取出请求并响应</a:t>
+            </a:r>
+            <a:endParaRPr lang="en-US" altLang="zh-CN" b="1" dirty="0">
+              <a:solidFill>
+                <a:schemeClr val="tx2">
+                  <a:lumMod val="75000"/>
+                </a:schemeClr>
+              </a:solidFill>
+              <a:latin typeface="微软雅黑" panose="020B0503020204020204" pitchFamily="34" charset="-122"/>
+              <a:ea typeface="微软雅黑" panose="020B0503020204020204" pitchFamily="34" charset="-122"/>
+            </a:endParaRPr>
+          </a:p>
+          <a:p>
+            <a:pPr>
+              <a:lnSpc>
+                <a:spcPct val="125000"/>
+              </a:lnSpc>
+            </a:pPr>
+            <a:r>
+              <a:rPr lang="en-US" altLang="zh-CN" b="1" dirty="0">
+                <a:solidFill>
+                  <a:schemeClr val="tx2">
+                    <a:lumMod val="75000"/>
+                  </a:schemeClr>
+                </a:solidFill>
+                <a:latin typeface="微软雅黑" panose="020B0503020204020204" pitchFamily="34" charset="-122"/>
+                <a:ea typeface="微软雅黑" panose="020B0503020204020204" pitchFamily="34" charset="-122"/>
+              </a:rPr>
+              <a:t>Cu</a:t>
+            </a:r>
+            <a:r>
+              <a:rPr lang="zh-CN" altLang="en-US" b="1" dirty="0">
+                <a:solidFill>
+                  <a:schemeClr val="tx2">
+                    <a:lumMod val="75000"/>
+                  </a:schemeClr>
+                </a:solidFill>
+                <a:latin typeface="微软雅黑" panose="020B0503020204020204" pitchFamily="34" charset="-122"/>
+                <a:ea typeface="微软雅黑" panose="020B0503020204020204" pitchFamily="34" charset="-122"/>
+              </a:rPr>
+              <a:t>收到响应</a:t>
+            </a:r>
+            <a:r>
+              <a:rPr lang="en-US" altLang="zh-CN" b="1" dirty="0" err="1">
+                <a:solidFill>
+                  <a:schemeClr val="accent1"/>
+                </a:solidFill>
+                <a:latin typeface="微软雅黑" panose="020B0503020204020204" pitchFamily="34" charset="-122"/>
+                <a:ea typeface="微软雅黑" panose="020B0503020204020204" pitchFamily="34" charset="-122"/>
+              </a:rPr>
+              <a:t>completeAcc</a:t>
+            </a:r>
+            <a:endParaRPr lang="en-US" altLang="zh-CN" b="1" dirty="0">
+              <a:solidFill>
+                <a:schemeClr val="accent1"/>
+              </a:solidFill>
+              <a:latin typeface="微软雅黑" panose="020B0503020204020204" pitchFamily="34" charset="-122"/>
+              <a:ea typeface="微软雅黑" panose="020B0503020204020204" pitchFamily="34" charset="-122"/>
+            </a:endParaRPr>
           </a:p>
         </p:txBody>
       </p:sp>
     </p:spTree>
     <p:extLst>
       <p:ext uri="{BB962C8B-B14F-4D97-AF65-F5344CB8AC3E}">
-        <p14:creationId xmlns:p14="http://schemas.microsoft.com/office/powerpoint/2010/main" val="406344993"/>
+        <p14:creationId xmlns:p14="http://schemas.microsoft.com/office/powerpoint/2010/main" val="708200248"/>
       </p:ext>
     </p:extLst>
   </p:cSld>
@@ -5282,7 +5222,7 @@
         <p:cNvPr id="1" name="">
           <a:extLst>
             <a:ext uri="{FF2B5EF4-FFF2-40B4-BE49-F238E27FC236}">
-              <a16:creationId xmlns:a16="http://schemas.microsoft.com/office/drawing/2014/main" id="{7BF78B55-8C8A-88B4-0C45-80F992E7B564}"/>
+              <a16:creationId xmlns:a16="http://schemas.microsoft.com/office/drawing/2014/main" id="{A31EEA37-ACFC-2AE3-CE69-A1354C252A03}"/>
             </a:ext>
           </a:extLst>
         </p:cNvPr>
@@ -5302,7 +5242,7 @@
           <p:cNvPr id="4" name="Picture 2" descr="哈工大物联网智慧校园设计方案_Lighton（来同）品牌">
             <a:extLst>
               <a:ext uri="{FF2B5EF4-FFF2-40B4-BE49-F238E27FC236}">
-                <a16:creationId xmlns:a16="http://schemas.microsoft.com/office/drawing/2014/main" id="{3D339DA2-3BCD-2E5A-4539-29EF8C27CEC7}"/>
+                <a16:creationId xmlns:a16="http://schemas.microsoft.com/office/drawing/2014/main" id="{C80922D5-E562-024C-F890-84173897355D}"/>
               </a:ext>
             </a:extLst>
           </p:cNvPr>
@@ -5349,7 +5289,7 @@
           <p:cNvPr id="5" name="矩形 4">
             <a:extLst>
               <a:ext uri="{FF2B5EF4-FFF2-40B4-BE49-F238E27FC236}">
-                <a16:creationId xmlns:a16="http://schemas.microsoft.com/office/drawing/2014/main" id="{03D57C19-0426-DB50-CF7A-7E0D9699E5CF}"/>
+                <a16:creationId xmlns:a16="http://schemas.microsoft.com/office/drawing/2014/main" id="{8C94B85E-AE37-2910-B998-893EB094F6B7}"/>
               </a:ext>
             </a:extLst>
           </p:cNvPr>
@@ -5423,7 +5363,7 @@
           <p:cNvPr id="7" name="文本框 6">
             <a:extLst>
               <a:ext uri="{FF2B5EF4-FFF2-40B4-BE49-F238E27FC236}">
-                <a16:creationId xmlns:a16="http://schemas.microsoft.com/office/drawing/2014/main" id="{BE206EA1-6B47-D408-9696-BB147497D1A6}"/>
+                <a16:creationId xmlns:a16="http://schemas.microsoft.com/office/drawing/2014/main" id="{AB21FF6A-DB95-3032-9699-F63F34EE80C7}"/>
               </a:ext>
             </a:extLst>
           </p:cNvPr>
@@ -5463,6 +5403,829 @@
       </p:sp>
       <p:sp>
         <p:nvSpPr>
+          <p:cNvPr id="21" name="文本框 20">
+            <a:extLst>
+              <a:ext uri="{FF2B5EF4-FFF2-40B4-BE49-F238E27FC236}">
+                <a16:creationId xmlns:a16="http://schemas.microsoft.com/office/drawing/2014/main" id="{B9371D52-475B-97A0-A9F8-C3BBCFE014E2}"/>
+              </a:ext>
+            </a:extLst>
+          </p:cNvPr>
+          <p:cNvSpPr txBox="1"/>
+          <p:nvPr/>
+        </p:nvSpPr>
+        <p:spPr>
+          <a:xfrm>
+            <a:off x="1296444" y="1453920"/>
+            <a:ext cx="4177429" cy="406971"/>
+          </a:xfrm>
+          <a:prstGeom prst="rect">
+            <a:avLst/>
+          </a:prstGeom>
+          <a:noFill/>
+        </p:spPr>
+        <p:txBody>
+          <a:bodyPr wrap="square" rtlCol="0">
+            <a:spAutoFit/>
+          </a:bodyPr>
+          <a:lstStyle/>
+          <a:p>
+            <a:pPr>
+              <a:lnSpc>
+                <a:spcPct val="125000"/>
+              </a:lnSpc>
+            </a:pPr>
+            <a:r>
+              <a:rPr lang="en-US" altLang="zh-CN" b="1" dirty="0" err="1">
+                <a:solidFill>
+                  <a:schemeClr val="tx2">
+                    <a:lumMod val="75000"/>
+                  </a:schemeClr>
+                </a:solidFill>
+                <a:latin typeface="微软雅黑" panose="020B0503020204020204" pitchFamily="34" charset="-122"/>
+                <a:ea typeface="微软雅黑" panose="020B0503020204020204" pitchFamily="34" charset="-122"/>
+              </a:rPr>
+              <a:t>Flat_store_dword</a:t>
+            </a:r>
+            <a:r>
+              <a:rPr lang="zh-CN" altLang="en-US" b="1" dirty="0">
+                <a:solidFill>
+                  <a:schemeClr val="tx2">
+                    <a:lumMod val="75000"/>
+                  </a:schemeClr>
+                </a:solidFill>
+                <a:latin typeface="微软雅黑" panose="020B0503020204020204" pitchFamily="34" charset="-122"/>
+                <a:ea typeface="微软雅黑" panose="020B0503020204020204" pitchFamily="34" charset="-122"/>
+              </a:rPr>
+              <a:t>：</a:t>
+            </a:r>
+            <a:r>
+              <a:rPr lang="en-US" altLang="zh-CN" b="1" dirty="0">
+                <a:solidFill>
+                  <a:schemeClr val="tx2">
+                    <a:lumMod val="75000"/>
+                  </a:schemeClr>
+                </a:solidFill>
+                <a:latin typeface="微软雅黑" panose="020B0503020204020204" pitchFamily="34" charset="-122"/>
+                <a:ea typeface="微软雅黑" panose="020B0503020204020204" pitchFamily="34" charset="-122"/>
+              </a:rPr>
+              <a:t>flat</a:t>
+            </a:r>
+            <a:r>
+              <a:rPr lang="zh-CN" altLang="en-US" b="1" dirty="0">
+                <a:solidFill>
+                  <a:schemeClr val="tx2">
+                    <a:lumMod val="75000"/>
+                  </a:schemeClr>
+                </a:solidFill>
+                <a:latin typeface="微软雅黑" panose="020B0503020204020204" pitchFamily="34" charset="-122"/>
+                <a:ea typeface="微软雅黑" panose="020B0503020204020204" pitchFamily="34" charset="-122"/>
+              </a:rPr>
+              <a:t>向量存数指令</a:t>
+            </a:r>
+            <a:endParaRPr lang="en-US" altLang="zh-CN" b="1" dirty="0">
+              <a:solidFill>
+                <a:schemeClr val="tx2">
+                  <a:lumMod val="75000"/>
+                </a:schemeClr>
+              </a:solidFill>
+              <a:latin typeface="微软雅黑" panose="020B0503020204020204" pitchFamily="34" charset="-122"/>
+              <a:ea typeface="微软雅黑" panose="020B0503020204020204" pitchFamily="34" charset="-122"/>
+            </a:endParaRPr>
+          </a:p>
+        </p:txBody>
+      </p:sp>
+      <p:sp>
+        <p:nvSpPr>
+          <p:cNvPr id="2" name="文本框 1">
+            <a:extLst>
+              <a:ext uri="{FF2B5EF4-FFF2-40B4-BE49-F238E27FC236}">
+                <a16:creationId xmlns:a16="http://schemas.microsoft.com/office/drawing/2014/main" id="{452B7528-2E87-302C-10ED-6EC094331242}"/>
+              </a:ext>
+            </a:extLst>
+          </p:cNvPr>
+          <p:cNvSpPr txBox="1"/>
+          <p:nvPr/>
+        </p:nvSpPr>
+        <p:spPr>
+          <a:xfrm>
+            <a:off x="4323675" y="448110"/>
+            <a:ext cx="3544649" cy="511807"/>
+          </a:xfrm>
+          <a:prstGeom prst="rect">
+            <a:avLst/>
+          </a:prstGeom>
+          <a:noFill/>
+        </p:spPr>
+        <p:txBody>
+          <a:bodyPr wrap="square" rtlCol="0">
+            <a:spAutoFit/>
+          </a:bodyPr>
+          <a:lstStyle/>
+          <a:p>
+            <a:pPr>
+              <a:lnSpc>
+                <a:spcPct val="125000"/>
+              </a:lnSpc>
+            </a:pPr>
+            <a:r>
+              <a:rPr lang="en-US" altLang="zh-CN" sz="2400" b="1" dirty="0" err="1">
+                <a:solidFill>
+                  <a:srgbClr val="FF0000"/>
+                </a:solidFill>
+                <a:latin typeface="微软雅黑" panose="020B0503020204020204" pitchFamily="34" charset="-122"/>
+                <a:ea typeface="微软雅黑" panose="020B0503020204020204" pitchFamily="34" charset="-122"/>
+              </a:rPr>
+              <a:t>GPUDynInst</a:t>
+            </a:r>
+            <a:r>
+              <a:rPr lang="en-US" altLang="zh-CN" sz="2400" b="1" dirty="0">
+                <a:solidFill>
+                  <a:srgbClr val="FF0000"/>
+                </a:solidFill>
+                <a:latin typeface="微软雅黑" panose="020B0503020204020204" pitchFamily="34" charset="-122"/>
+                <a:ea typeface="微软雅黑" panose="020B0503020204020204" pitchFamily="34" charset="-122"/>
+              </a:rPr>
+              <a:t>::execute</a:t>
+            </a:r>
+            <a:endParaRPr lang="en-US" altLang="zh-CN" sz="2400" b="1" dirty="0">
+              <a:solidFill>
+                <a:schemeClr val="tx2">
+                  <a:lumMod val="75000"/>
+                </a:schemeClr>
+              </a:solidFill>
+              <a:latin typeface="微软雅黑" panose="020B0503020204020204" pitchFamily="34" charset="-122"/>
+              <a:ea typeface="微软雅黑" panose="020B0503020204020204" pitchFamily="34" charset="-122"/>
+            </a:endParaRPr>
+          </a:p>
+        </p:txBody>
+      </p:sp>
+      <p:sp>
+        <p:nvSpPr>
+          <p:cNvPr id="3" name="文本框 2">
+            <a:extLst>
+              <a:ext uri="{FF2B5EF4-FFF2-40B4-BE49-F238E27FC236}">
+                <a16:creationId xmlns:a16="http://schemas.microsoft.com/office/drawing/2014/main" id="{95847E12-47E1-E799-71BF-ECC12966D149}"/>
+              </a:ext>
+            </a:extLst>
+          </p:cNvPr>
+          <p:cNvSpPr txBox="1"/>
+          <p:nvPr/>
+        </p:nvSpPr>
+        <p:spPr>
+          <a:xfrm>
+            <a:off x="6754745" y="2001870"/>
+            <a:ext cx="5473868" cy="753220"/>
+          </a:xfrm>
+          <a:prstGeom prst="rect">
+            <a:avLst/>
+          </a:prstGeom>
+          <a:noFill/>
+        </p:spPr>
+        <p:txBody>
+          <a:bodyPr wrap="square" rtlCol="0">
+            <a:spAutoFit/>
+          </a:bodyPr>
+          <a:lstStyle/>
+          <a:p>
+            <a:pPr>
+              <a:lnSpc>
+                <a:spcPct val="125000"/>
+              </a:lnSpc>
+            </a:pPr>
+            <a:r>
+              <a:rPr lang="en-US" altLang="zh-CN" b="1" dirty="0" err="1">
+                <a:solidFill>
+                  <a:schemeClr val="tx2">
+                    <a:lumMod val="75000"/>
+                  </a:schemeClr>
+                </a:solidFill>
+                <a:latin typeface="微软雅黑" panose="020B0503020204020204" pitchFamily="34" charset="-122"/>
+                <a:ea typeface="微软雅黑" panose="020B0503020204020204" pitchFamily="34" charset="-122"/>
+              </a:rPr>
+              <a:t>flat_store_dword</a:t>
+            </a:r>
+            <a:r>
+              <a:rPr lang="en-US" altLang="zh-CN" b="1" dirty="0">
+                <a:solidFill>
+                  <a:schemeClr val="tx2">
+                    <a:lumMod val="75000"/>
+                  </a:schemeClr>
+                </a:solidFill>
+                <a:latin typeface="微软雅黑" panose="020B0503020204020204" pitchFamily="34" charset="-122"/>
+                <a:ea typeface="微软雅黑" panose="020B0503020204020204" pitchFamily="34" charset="-122"/>
+              </a:rPr>
+              <a:t> v[4:5], v1</a:t>
+            </a:r>
+            <a:r>
+              <a:rPr lang="zh-CN" altLang="en-US" b="1" dirty="0">
+                <a:solidFill>
+                  <a:schemeClr val="tx2">
+                    <a:lumMod val="75000"/>
+                  </a:schemeClr>
+                </a:solidFill>
+                <a:latin typeface="微软雅黑" panose="020B0503020204020204" pitchFamily="34" charset="-122"/>
+                <a:ea typeface="微软雅黑" panose="020B0503020204020204" pitchFamily="34" charset="-122"/>
+              </a:rPr>
+              <a:t>：</a:t>
+            </a:r>
+            <a:endParaRPr lang="en-US" altLang="zh-CN" b="1" dirty="0">
+              <a:solidFill>
+                <a:schemeClr val="tx2">
+                  <a:lumMod val="75000"/>
+                </a:schemeClr>
+              </a:solidFill>
+              <a:latin typeface="微软雅黑" panose="020B0503020204020204" pitchFamily="34" charset="-122"/>
+              <a:ea typeface="微软雅黑" panose="020B0503020204020204" pitchFamily="34" charset="-122"/>
+            </a:endParaRPr>
+          </a:p>
+          <a:p>
+            <a:pPr>
+              <a:lnSpc>
+                <a:spcPct val="125000"/>
+              </a:lnSpc>
+            </a:pPr>
+            <a:r>
+              <a:rPr lang="zh-CN" altLang="en-US" b="1" dirty="0">
+                <a:solidFill>
+                  <a:schemeClr val="tx2">
+                    <a:lumMod val="75000"/>
+                  </a:schemeClr>
+                </a:solidFill>
+                <a:latin typeface="微软雅黑" panose="020B0503020204020204" pitchFamily="34" charset="-122"/>
+                <a:ea typeface="微软雅黑" panose="020B0503020204020204" pitchFamily="34" charset="-122"/>
+              </a:rPr>
+              <a:t>将</a:t>
+            </a:r>
+            <a:r>
+              <a:rPr lang="en-US" altLang="zh-CN" b="1" dirty="0">
+                <a:solidFill>
+                  <a:schemeClr val="tx2">
+                    <a:lumMod val="75000"/>
+                  </a:schemeClr>
+                </a:solidFill>
+                <a:latin typeface="微软雅黑" panose="020B0503020204020204" pitchFamily="34" charset="-122"/>
+                <a:ea typeface="微软雅黑" panose="020B0503020204020204" pitchFamily="34" charset="-122"/>
+              </a:rPr>
+              <a:t>v1</a:t>
+            </a:r>
+            <a:r>
+              <a:rPr lang="zh-CN" altLang="en-US" b="1" dirty="0">
+                <a:solidFill>
+                  <a:schemeClr val="tx2">
+                    <a:lumMod val="75000"/>
+                  </a:schemeClr>
+                </a:solidFill>
+                <a:latin typeface="微软雅黑" panose="020B0503020204020204" pitchFamily="34" charset="-122"/>
+                <a:ea typeface="微软雅黑" panose="020B0503020204020204" pitchFamily="34" charset="-122"/>
+              </a:rPr>
+              <a:t>向量寄存器的值存入</a:t>
+            </a:r>
+            <a:r>
+              <a:rPr lang="en-US" altLang="zh-CN" b="1" dirty="0">
+                <a:solidFill>
+                  <a:schemeClr val="tx2">
+                    <a:lumMod val="75000"/>
+                  </a:schemeClr>
+                </a:solidFill>
+                <a:latin typeface="微软雅黑" panose="020B0503020204020204" pitchFamily="34" charset="-122"/>
+                <a:ea typeface="微软雅黑" panose="020B0503020204020204" pitchFamily="34" charset="-122"/>
+              </a:rPr>
+              <a:t>v[5]v[4]</a:t>
+            </a:r>
+            <a:r>
+              <a:rPr lang="zh-CN" altLang="en-US" b="1" dirty="0">
+                <a:solidFill>
+                  <a:schemeClr val="tx2">
+                    <a:lumMod val="75000"/>
+                  </a:schemeClr>
+                </a:solidFill>
+                <a:latin typeface="微软雅黑" panose="020B0503020204020204" pitchFamily="34" charset="-122"/>
+                <a:ea typeface="微软雅黑" panose="020B0503020204020204" pitchFamily="34" charset="-122"/>
+              </a:rPr>
+              <a:t>组成的</a:t>
+            </a:r>
+            <a:r>
+              <a:rPr lang="en-US" altLang="zh-CN" b="1" dirty="0">
+                <a:solidFill>
+                  <a:schemeClr val="tx2">
+                    <a:lumMod val="75000"/>
+                  </a:schemeClr>
+                </a:solidFill>
+                <a:latin typeface="微软雅黑" panose="020B0503020204020204" pitchFamily="34" charset="-122"/>
+                <a:ea typeface="微软雅黑" panose="020B0503020204020204" pitchFamily="34" charset="-122"/>
+              </a:rPr>
+              <a:t>64bit</a:t>
+            </a:r>
+            <a:r>
+              <a:rPr lang="zh-CN" altLang="en-US" b="1" dirty="0">
+                <a:solidFill>
+                  <a:schemeClr val="tx2">
+                    <a:lumMod val="75000"/>
+                  </a:schemeClr>
+                </a:solidFill>
+                <a:latin typeface="微软雅黑" panose="020B0503020204020204" pitchFamily="34" charset="-122"/>
+                <a:ea typeface="微软雅黑" panose="020B0503020204020204" pitchFamily="34" charset="-122"/>
+              </a:rPr>
+              <a:t>地址</a:t>
+            </a:r>
+            <a:endParaRPr lang="en-US" altLang="zh-CN" b="1" dirty="0">
+              <a:solidFill>
+                <a:schemeClr val="tx2">
+                  <a:lumMod val="75000"/>
+                </a:schemeClr>
+              </a:solidFill>
+              <a:latin typeface="微软雅黑" panose="020B0503020204020204" pitchFamily="34" charset="-122"/>
+              <a:ea typeface="微软雅黑" panose="020B0503020204020204" pitchFamily="34" charset="-122"/>
+            </a:endParaRPr>
+          </a:p>
+        </p:txBody>
+      </p:sp>
+      <p:sp>
+        <p:nvSpPr>
+          <p:cNvPr id="8" name="文本框 7">
+            <a:extLst>
+              <a:ext uri="{FF2B5EF4-FFF2-40B4-BE49-F238E27FC236}">
+                <a16:creationId xmlns:a16="http://schemas.microsoft.com/office/drawing/2014/main" id="{B217C9A5-7C85-FC6F-CDA8-04236166F1E3}"/>
+              </a:ext>
+            </a:extLst>
+          </p:cNvPr>
+          <p:cNvSpPr txBox="1"/>
+          <p:nvPr/>
+        </p:nvSpPr>
+        <p:spPr>
+          <a:xfrm>
+            <a:off x="7641281" y="3208446"/>
+            <a:ext cx="3788719" cy="2138214"/>
+          </a:xfrm>
+          <a:prstGeom prst="rect">
+            <a:avLst/>
+          </a:prstGeom>
+          <a:noFill/>
+        </p:spPr>
+        <p:txBody>
+          <a:bodyPr wrap="square" rtlCol="0">
+            <a:spAutoFit/>
+          </a:bodyPr>
+          <a:lstStyle/>
+          <a:p>
+            <a:pPr>
+              <a:lnSpc>
+                <a:spcPct val="125000"/>
+              </a:lnSpc>
+            </a:pPr>
+            <a:r>
+              <a:rPr lang="en-US" altLang="zh-CN" b="1" dirty="0">
+                <a:solidFill>
+                  <a:schemeClr val="tx2">
+                    <a:lumMod val="75000"/>
+                  </a:schemeClr>
+                </a:solidFill>
+                <a:latin typeface="微软雅黑" panose="020B0503020204020204" pitchFamily="34" charset="-122"/>
+                <a:ea typeface="微软雅黑" panose="020B0503020204020204" pitchFamily="34" charset="-122"/>
+              </a:rPr>
+              <a:t>Execute</a:t>
+            </a:r>
+            <a:r>
+              <a:rPr lang="zh-CN" altLang="en-US" b="1" dirty="0">
+                <a:solidFill>
+                  <a:schemeClr val="tx2">
+                    <a:lumMod val="75000"/>
+                  </a:schemeClr>
+                </a:solidFill>
+                <a:latin typeface="微软雅黑" panose="020B0503020204020204" pitchFamily="34" charset="-122"/>
+                <a:ea typeface="微软雅黑" panose="020B0503020204020204" pitchFamily="34" charset="-122"/>
+              </a:rPr>
+              <a:t>：</a:t>
+            </a:r>
+            <a:endParaRPr lang="en-US" altLang="zh-CN" b="1" dirty="0">
+              <a:solidFill>
+                <a:schemeClr val="tx2">
+                  <a:lumMod val="75000"/>
+                </a:schemeClr>
+              </a:solidFill>
+              <a:latin typeface="微软雅黑" panose="020B0503020204020204" pitchFamily="34" charset="-122"/>
+              <a:ea typeface="微软雅黑" panose="020B0503020204020204" pitchFamily="34" charset="-122"/>
+            </a:endParaRPr>
+          </a:p>
+          <a:p>
+            <a:pPr marL="342900" indent="-342900">
+              <a:lnSpc>
+                <a:spcPct val="125000"/>
+              </a:lnSpc>
+              <a:buAutoNum type="arabicPeriod"/>
+            </a:pPr>
+            <a:r>
+              <a:rPr lang="zh-CN" altLang="en-US" b="1" dirty="0">
+                <a:solidFill>
+                  <a:schemeClr val="tx2">
+                    <a:lumMod val="75000"/>
+                  </a:schemeClr>
+                </a:solidFill>
+                <a:latin typeface="微软雅黑" panose="020B0503020204020204" pitchFamily="34" charset="-122"/>
+                <a:ea typeface="微软雅黑" panose="020B0503020204020204" pitchFamily="34" charset="-122"/>
+              </a:rPr>
+              <a:t>从向量寄存器中读取操作数</a:t>
+            </a:r>
+            <a:endParaRPr lang="en-US" altLang="zh-CN" b="1" dirty="0">
+              <a:solidFill>
+                <a:schemeClr val="tx2">
+                  <a:lumMod val="75000"/>
+                </a:schemeClr>
+              </a:solidFill>
+              <a:latin typeface="微软雅黑" panose="020B0503020204020204" pitchFamily="34" charset="-122"/>
+              <a:ea typeface="微软雅黑" panose="020B0503020204020204" pitchFamily="34" charset="-122"/>
+            </a:endParaRPr>
+          </a:p>
+          <a:p>
+            <a:pPr marL="342900" indent="-342900">
+              <a:lnSpc>
+                <a:spcPct val="125000"/>
+              </a:lnSpc>
+              <a:buAutoNum type="arabicPeriod"/>
+            </a:pPr>
+            <a:r>
+              <a:rPr lang="zh-CN" altLang="en-US" b="1" dirty="0">
+                <a:solidFill>
+                  <a:schemeClr val="tx2">
+                    <a:lumMod val="75000"/>
+                  </a:schemeClr>
+                </a:solidFill>
+                <a:latin typeface="微软雅黑" panose="020B0503020204020204" pitchFamily="34" charset="-122"/>
+                <a:ea typeface="微软雅黑" panose="020B0503020204020204" pitchFamily="34" charset="-122"/>
+              </a:rPr>
+              <a:t>准备数据</a:t>
+            </a:r>
+            <a:endParaRPr lang="en-US" altLang="zh-CN" b="1" dirty="0">
+              <a:solidFill>
+                <a:schemeClr val="tx2">
+                  <a:lumMod val="75000"/>
+                </a:schemeClr>
+              </a:solidFill>
+              <a:latin typeface="微软雅黑" panose="020B0503020204020204" pitchFamily="34" charset="-122"/>
+              <a:ea typeface="微软雅黑" panose="020B0503020204020204" pitchFamily="34" charset="-122"/>
+            </a:endParaRPr>
+          </a:p>
+          <a:p>
+            <a:pPr marL="342900" indent="-342900">
+              <a:lnSpc>
+                <a:spcPct val="125000"/>
+              </a:lnSpc>
+              <a:buAutoNum type="arabicPeriod"/>
+            </a:pPr>
+            <a:r>
+              <a:rPr lang="zh-CN" altLang="en-US" b="1" dirty="0">
+                <a:solidFill>
+                  <a:schemeClr val="tx2">
+                    <a:lumMod val="75000"/>
+                  </a:schemeClr>
+                </a:solidFill>
+                <a:latin typeface="微软雅黑" panose="020B0503020204020204" pitchFamily="34" charset="-122"/>
+                <a:ea typeface="微软雅黑" panose="020B0503020204020204" pitchFamily="34" charset="-122"/>
+              </a:rPr>
+              <a:t>计算地址</a:t>
+            </a:r>
+            <a:endParaRPr lang="en-US" altLang="zh-CN" b="1" dirty="0">
+              <a:solidFill>
+                <a:schemeClr val="tx2">
+                  <a:lumMod val="75000"/>
+                </a:schemeClr>
+              </a:solidFill>
+              <a:latin typeface="微软雅黑" panose="020B0503020204020204" pitchFamily="34" charset="-122"/>
+              <a:ea typeface="微软雅黑" panose="020B0503020204020204" pitchFamily="34" charset="-122"/>
+            </a:endParaRPr>
+          </a:p>
+          <a:p>
+            <a:pPr marL="342900" indent="-342900">
+              <a:lnSpc>
+                <a:spcPct val="125000"/>
+              </a:lnSpc>
+              <a:buAutoNum type="arabicPeriod"/>
+            </a:pPr>
+            <a:r>
+              <a:rPr lang="zh-CN" altLang="en-US" b="1" dirty="0">
+                <a:solidFill>
+                  <a:schemeClr val="tx2">
+                    <a:lumMod val="75000"/>
+                  </a:schemeClr>
+                </a:solidFill>
+                <a:latin typeface="微软雅黑" panose="020B0503020204020204" pitchFamily="34" charset="-122"/>
+                <a:ea typeface="微软雅黑" panose="020B0503020204020204" pitchFamily="34" charset="-122"/>
+              </a:rPr>
+              <a:t>把请求推入对应的访存队列</a:t>
+            </a:r>
+            <a:endParaRPr lang="en-US" altLang="zh-CN" b="1" dirty="0">
+              <a:solidFill>
+                <a:schemeClr val="tx2">
+                  <a:lumMod val="75000"/>
+                </a:schemeClr>
+              </a:solidFill>
+              <a:latin typeface="微软雅黑" panose="020B0503020204020204" pitchFamily="34" charset="-122"/>
+              <a:ea typeface="微软雅黑" panose="020B0503020204020204" pitchFamily="34" charset="-122"/>
+            </a:endParaRPr>
+          </a:p>
+          <a:p>
+            <a:pPr marL="342900" indent="-342900">
+              <a:lnSpc>
+                <a:spcPct val="125000"/>
+              </a:lnSpc>
+              <a:buAutoNum type="arabicPeriod"/>
+            </a:pPr>
+            <a:endParaRPr lang="en-US" altLang="zh-CN" b="1" dirty="0">
+              <a:solidFill>
+                <a:schemeClr val="tx2">
+                  <a:lumMod val="75000"/>
+                </a:schemeClr>
+              </a:solidFill>
+              <a:latin typeface="微软雅黑" panose="020B0503020204020204" pitchFamily="34" charset="-122"/>
+              <a:ea typeface="微软雅黑" panose="020B0503020204020204" pitchFamily="34" charset="-122"/>
+            </a:endParaRPr>
+          </a:p>
+        </p:txBody>
+      </p:sp>
+      <p:pic>
+        <p:nvPicPr>
+          <p:cNvPr id="13" name="图片 12">
+            <a:extLst>
+              <a:ext uri="{FF2B5EF4-FFF2-40B4-BE49-F238E27FC236}">
+                <a16:creationId xmlns:a16="http://schemas.microsoft.com/office/drawing/2014/main" id="{68154723-1EAA-5DC0-C428-3210B182D33D}"/>
+              </a:ext>
+            </a:extLst>
+          </p:cNvPr>
+          <p:cNvPicPr>
+            <a:picLocks noChangeAspect="1"/>
+          </p:cNvPicPr>
+          <p:nvPr/>
+        </p:nvPicPr>
+        <p:blipFill>
+          <a:blip r:embed="rId4"/>
+          <a:stretch>
+            <a:fillRect/>
+          </a:stretch>
+        </p:blipFill>
+        <p:spPr>
+          <a:xfrm>
+            <a:off x="461375" y="2060532"/>
+            <a:ext cx="6183531" cy="3525122"/>
+          </a:xfrm>
+          <a:prstGeom prst="rect">
+            <a:avLst/>
+          </a:prstGeom>
+        </p:spPr>
+      </p:pic>
+      <p:sp>
+        <p:nvSpPr>
+          <p:cNvPr id="11" name="矩形 10">
+            <a:extLst>
+              <a:ext uri="{FF2B5EF4-FFF2-40B4-BE49-F238E27FC236}">
+                <a16:creationId xmlns:a16="http://schemas.microsoft.com/office/drawing/2014/main" id="{2B053C19-A656-51AC-8161-75D4D4E06E4E}"/>
+              </a:ext>
+            </a:extLst>
+          </p:cNvPr>
+          <p:cNvSpPr/>
+          <p:nvPr/>
+        </p:nvSpPr>
+        <p:spPr>
+          <a:xfrm>
+            <a:off x="762000" y="3526077"/>
+            <a:ext cx="5801638" cy="2059577"/>
+          </a:xfrm>
+          <a:prstGeom prst="rect">
+            <a:avLst/>
+          </a:prstGeom>
+          <a:noFill/>
+          <a:ln w="28575">
+            <a:solidFill>
+              <a:srgbClr val="FF0000"/>
+            </a:solidFill>
+          </a:ln>
+        </p:spPr>
+        <p:style>
+          <a:lnRef idx="2">
+            <a:schemeClr val="accent1">
+              <a:shade val="15000"/>
+            </a:schemeClr>
+          </a:lnRef>
+          <a:fillRef idx="1">
+            <a:schemeClr val="accent1"/>
+          </a:fillRef>
+          <a:effectRef idx="0">
+            <a:schemeClr val="accent1"/>
+          </a:effectRef>
+          <a:fontRef idx="minor">
+            <a:schemeClr val="lt1"/>
+          </a:fontRef>
+        </p:style>
+        <p:txBody>
+          <a:bodyPr rtlCol="0" anchor="ctr"/>
+          <a:lstStyle/>
+          <a:p>
+            <a:pPr algn="ctr"/>
+            <a:endParaRPr lang="zh-CN" altLang="en-US"/>
+          </a:p>
+        </p:txBody>
+      </p:sp>
+    </p:spTree>
+    <p:extLst>
+      <p:ext uri="{BB962C8B-B14F-4D97-AF65-F5344CB8AC3E}">
+        <p14:creationId xmlns:p14="http://schemas.microsoft.com/office/powerpoint/2010/main" val="406344993"/>
+      </p:ext>
+    </p:extLst>
+  </p:cSld>
+  <p:clrMapOvr>
+    <a:masterClrMapping/>
+  </p:clrMapOvr>
+</p:sld>
+</file>
+
+<file path=ppt/slides/slide12.xml><?xml version="1.0" encoding="utf-8"?>
+<p:sld xmlns:a="http://schemas.openxmlformats.org/drawingml/2006/main" xmlns:r="http://schemas.openxmlformats.org/officeDocument/2006/relationships" xmlns:p="http://schemas.openxmlformats.org/presentationml/2006/main">
+  <p:cSld>
+    <p:spTree>
+      <p:nvGrpSpPr>
+        <p:cNvPr id="1" name="">
+          <a:extLst>
+            <a:ext uri="{FF2B5EF4-FFF2-40B4-BE49-F238E27FC236}">
+              <a16:creationId xmlns:a16="http://schemas.microsoft.com/office/drawing/2014/main" id="{7BF78B55-8C8A-88B4-0C45-80F992E7B564}"/>
+            </a:ext>
+          </a:extLst>
+        </p:cNvPr>
+        <p:cNvGrpSpPr/>
+        <p:nvPr/>
+      </p:nvGrpSpPr>
+      <p:grpSpPr>
+        <a:xfrm>
+          <a:off x="0" y="0"/>
+          <a:ext cx="0" cy="0"/>
+          <a:chOff x="0" y="0"/>
+          <a:chExt cx="0" cy="0"/>
+        </a:xfrm>
+      </p:grpSpPr>
+      <p:pic>
+        <p:nvPicPr>
+          <p:cNvPr id="4" name="Picture 2" descr="哈工大物联网智慧校园设计方案_Lighton（来同）品牌">
+            <a:extLst>
+              <a:ext uri="{FF2B5EF4-FFF2-40B4-BE49-F238E27FC236}">
+                <a16:creationId xmlns:a16="http://schemas.microsoft.com/office/drawing/2014/main" id="{3D339DA2-3BCD-2E5A-4539-29EF8C27CEC7}"/>
+              </a:ext>
+            </a:extLst>
+          </p:cNvPr>
+          <p:cNvPicPr>
+            <a:picLocks noChangeAspect="1" noChangeArrowheads="1"/>
+          </p:cNvPicPr>
+          <p:nvPr/>
+        </p:nvPicPr>
+        <p:blipFill rotWithShape="1">
+          <a:blip r:embed="rId3">
+            <a:extLst>
+              <a:ext uri="{28A0092B-C50C-407E-A947-70E740481C1C}">
+                <a14:useLocalDpi xmlns:a14="http://schemas.microsoft.com/office/drawing/2010/main" val="0"/>
+              </a:ext>
+            </a:extLst>
+          </a:blip>
+          <a:srcRect l="127" t="3204" r="-127" b="6070"/>
+          <a:stretch>
+            <a:fillRect/>
+          </a:stretch>
+        </p:blipFill>
+        <p:spPr bwMode="auto">
+          <a:xfrm>
+            <a:off x="1" y="0"/>
+            <a:ext cx="12192000" cy="6858000"/>
+          </a:xfrm>
+          <a:prstGeom prst="rect">
+            <a:avLst/>
+          </a:prstGeom>
+          <a:noFill/>
+          <a:extLst>
+            <a:ext uri="{909E8E84-426E-40DD-AFC4-6F175D3DCCD1}">
+              <a14:hiddenFill xmlns:a14="http://schemas.microsoft.com/office/drawing/2010/main">
+                <a:solidFill>
+                  <a:srgbClr val="FFFFFF"/>
+                </a:solidFill>
+              </a14:hiddenFill>
+            </a:ext>
+          </a:extLst>
+        </p:spPr>
+      </p:pic>
+      <p:sp>
+        <p:nvSpPr>
+          <p:cNvPr id="5" name="矩形 4">
+            <a:extLst>
+              <a:ext uri="{FF2B5EF4-FFF2-40B4-BE49-F238E27FC236}">
+                <a16:creationId xmlns:a16="http://schemas.microsoft.com/office/drawing/2014/main" id="{03D57C19-0426-DB50-CF7A-7E0D9699E5CF}"/>
+              </a:ext>
+            </a:extLst>
+          </p:cNvPr>
+          <p:cNvSpPr/>
+          <p:nvPr/>
+        </p:nvSpPr>
+        <p:spPr>
+          <a:xfrm>
+            <a:off x="2" y="0"/>
+            <a:ext cx="12191998" cy="6858000"/>
+          </a:xfrm>
+          <a:prstGeom prst="rect">
+            <a:avLst/>
+          </a:prstGeom>
+          <a:gradFill>
+            <a:gsLst>
+              <a:gs pos="0">
+                <a:schemeClr val="accent1">
+                  <a:lumMod val="5000"/>
+                  <a:lumOff val="95000"/>
+                  <a:alpha val="80000"/>
+                </a:schemeClr>
+              </a:gs>
+              <a:gs pos="34000">
+                <a:srgbClr val="FFFFFF">
+                  <a:alpha val="90000"/>
+                </a:srgbClr>
+              </a:gs>
+              <a:gs pos="68000">
+                <a:srgbClr val="FFFFFF">
+                  <a:alpha val="95000"/>
+                </a:srgbClr>
+              </a:gs>
+              <a:gs pos="100000">
+                <a:srgbClr val="FFFFFF"/>
+              </a:gs>
+            </a:gsLst>
+            <a:lin ang="5400000" scaled="1"/>
+          </a:gradFill>
+          <a:ln>
+            <a:noFill/>
+          </a:ln>
+        </p:spPr>
+        <p:style>
+          <a:lnRef idx="2">
+            <a:schemeClr val="accent1">
+              <a:shade val="15000"/>
+            </a:schemeClr>
+          </a:lnRef>
+          <a:fillRef idx="1">
+            <a:schemeClr val="accent1"/>
+          </a:fillRef>
+          <a:effectRef idx="0">
+            <a:schemeClr val="accent1"/>
+          </a:effectRef>
+          <a:fontRef idx="minor">
+            <a:schemeClr val="lt1"/>
+          </a:fontRef>
+        </p:style>
+        <p:txBody>
+          <a:bodyPr rtlCol="0" anchor="ctr"/>
+          <a:lstStyle/>
+          <a:p>
+            <a:pPr algn="ctr"/>
+            <a:endParaRPr lang="zh-CN" altLang="en-US" dirty="0"/>
+          </a:p>
+        </p:txBody>
+      </p:sp>
+      <p:sp>
+        <p:nvSpPr>
+          <p:cNvPr id="7" name="文本框 6">
+            <a:extLst>
+              <a:ext uri="{FF2B5EF4-FFF2-40B4-BE49-F238E27FC236}">
+                <a16:creationId xmlns:a16="http://schemas.microsoft.com/office/drawing/2014/main" id="{BE206EA1-6B47-D408-9696-BB147497D1A6}"/>
+              </a:ext>
+            </a:extLst>
+          </p:cNvPr>
+          <p:cNvSpPr txBox="1"/>
+          <p:nvPr/>
+        </p:nvSpPr>
+        <p:spPr>
+          <a:xfrm>
+            <a:off x="111125" y="122578"/>
+            <a:ext cx="6959600" cy="523220"/>
+          </a:xfrm>
+          <a:prstGeom prst="rect">
+            <a:avLst/>
+          </a:prstGeom>
+          <a:noFill/>
+        </p:spPr>
+        <p:txBody>
+          <a:bodyPr wrap="square" rtlCol="0">
+            <a:spAutoFit/>
+          </a:bodyPr>
+          <a:lstStyle/>
+          <a:p>
+            <a:r>
+              <a:rPr lang="en-US" altLang="zh-CN" sz="2800" b="1" dirty="0">
+                <a:solidFill>
+                  <a:schemeClr val="tx2">
+                    <a:lumMod val="75000"/>
+                  </a:schemeClr>
+                </a:solidFill>
+                <a:latin typeface="微软雅黑" panose="020B0503020204020204" pitchFamily="34" charset="-122"/>
+                <a:ea typeface="微软雅黑" panose="020B0503020204020204" pitchFamily="34" charset="-122"/>
+              </a:rPr>
+              <a:t>03  Mem</a:t>
+            </a:r>
+          </a:p>
+        </p:txBody>
+      </p:sp>
+      <p:sp>
+        <p:nvSpPr>
           <p:cNvPr id="2" name="文本框 1">
             <a:extLst>
               <a:ext uri="{FF2B5EF4-FFF2-40B4-BE49-F238E27FC236}">
@@ -5904,7 +6667,7 @@
 </p:sld>
 </file>
 
-<file path=ppt/slides/slide12.xml><?xml version="1.0" encoding="utf-8"?>
+<file path=ppt/slides/slide13.xml><?xml version="1.0" encoding="utf-8"?>
 <p:sld xmlns:a="http://schemas.openxmlformats.org/drawingml/2006/main" xmlns:r="http://schemas.openxmlformats.org/officeDocument/2006/relationships" xmlns:p="http://schemas.openxmlformats.org/presentationml/2006/main">
   <p:cSld>
     <p:spTree>
@@ -6807,7 +7570,7 @@
 </p:sld>
 </file>
 
-<file path=ppt/slides/slide13.xml><?xml version="1.0" encoding="utf-8"?>
+<file path=ppt/slides/slide14.xml><?xml version="1.0" encoding="utf-8"?>
 <p:sld xmlns:a="http://schemas.openxmlformats.org/drawingml/2006/main" xmlns:r="http://schemas.openxmlformats.org/officeDocument/2006/relationships" xmlns:p="http://schemas.openxmlformats.org/presentationml/2006/main">
   <p:cSld>
     <p:spTree>
@@ -8406,7 +9169,7 @@
 </p:sld>
 </file>
 
-<file path=ppt/slides/slide14.xml><?xml version="1.0" encoding="utf-8"?>
+<file path=ppt/slides/slide15.xml><?xml version="1.0" encoding="utf-8"?>
 <p:sld xmlns:a="http://schemas.openxmlformats.org/drawingml/2006/main" xmlns:r="http://schemas.openxmlformats.org/officeDocument/2006/relationships" xmlns:p="http://schemas.openxmlformats.org/presentationml/2006/main">
   <p:cSld>
     <p:spTree>
@@ -9575,7 +10338,7 @@
 </p:sld>
 </file>
 
-<file path=ppt/slides/slide15.xml><?xml version="1.0" encoding="utf-8"?>
+<file path=ppt/slides/slide16.xml><?xml version="1.0" encoding="utf-8"?>
 <p:sld xmlns:a="http://schemas.openxmlformats.org/drawingml/2006/main" xmlns:r="http://schemas.openxmlformats.org/officeDocument/2006/relationships" xmlns:p="http://schemas.openxmlformats.org/presentationml/2006/main">
   <p:cSld>
     <p:spTree>
@@ -10831,7 +11594,7 @@
 </p:sld>
 </file>
 
-<file path=ppt/slides/slide16.xml><?xml version="1.0" encoding="utf-8"?>
+<file path=ppt/slides/slide17.xml><?xml version="1.0" encoding="utf-8"?>
 <p:sld xmlns:a="http://schemas.openxmlformats.org/drawingml/2006/main" xmlns:r="http://schemas.openxmlformats.org/officeDocument/2006/relationships" xmlns:p="http://schemas.openxmlformats.org/presentationml/2006/main">
   <p:cSld>
     <p:spTree>
@@ -13675,7 +14438,7 @@
 </p:sld>
 </file>
 
-<file path=ppt/slides/slide17.xml><?xml version="1.0" encoding="utf-8"?>
+<file path=ppt/slides/slide18.xml><?xml version="1.0" encoding="utf-8"?>
 <p:sld xmlns:a="http://schemas.openxmlformats.org/drawingml/2006/main" xmlns:r="http://schemas.openxmlformats.org/officeDocument/2006/relationships" xmlns:p="http://schemas.openxmlformats.org/presentationml/2006/main">
   <p:cSld>
     <p:spTree>
@@ -14714,7 +15477,7 @@
 </p:sld>
 </file>
 
-<file path=ppt/slides/slide18.xml><?xml version="1.0" encoding="utf-8"?>
+<file path=ppt/slides/slide19.xml><?xml version="1.0" encoding="utf-8"?>
 <p:sld xmlns:a="http://schemas.openxmlformats.org/drawingml/2006/main" xmlns:r="http://schemas.openxmlformats.org/officeDocument/2006/relationships" xmlns:p="http://schemas.openxmlformats.org/presentationml/2006/main">
   <p:cSld>
     <p:spTree>
@@ -16252,7 +17015,912 @@
 </p:sld>
 </file>
 
-<file path=ppt/slides/slide19.xml><?xml version="1.0" encoding="utf-8"?>
+<file path=ppt/slides/slide2.xml><?xml version="1.0" encoding="utf-8"?>
+<p:sld xmlns:a="http://schemas.openxmlformats.org/drawingml/2006/main" xmlns:r="http://schemas.openxmlformats.org/officeDocument/2006/relationships" xmlns:p="http://schemas.openxmlformats.org/presentationml/2006/main">
+  <p:cSld>
+    <p:spTree>
+      <p:nvGrpSpPr>
+        <p:cNvPr id="1" name="">
+          <a:extLst>
+            <a:ext uri="{FF2B5EF4-FFF2-40B4-BE49-F238E27FC236}">
+              <a16:creationId xmlns:a16="http://schemas.microsoft.com/office/drawing/2014/main" id="{D6BBE18A-A9A0-3F66-8D06-DAA3E5676FB0}"/>
+            </a:ext>
+          </a:extLst>
+        </p:cNvPr>
+        <p:cNvGrpSpPr/>
+        <p:nvPr/>
+      </p:nvGrpSpPr>
+      <p:grpSpPr>
+        <a:xfrm>
+          <a:off x="0" y="0"/>
+          <a:ext cx="0" cy="0"/>
+          <a:chOff x="0" y="0"/>
+          <a:chExt cx="0" cy="0"/>
+        </a:xfrm>
+      </p:grpSpPr>
+      <p:pic>
+        <p:nvPicPr>
+          <p:cNvPr id="4" name="Picture 2" descr="哈工大物联网智慧校园设计方案_Lighton（来同）品牌">
+            <a:extLst>
+              <a:ext uri="{FF2B5EF4-FFF2-40B4-BE49-F238E27FC236}">
+                <a16:creationId xmlns:a16="http://schemas.microsoft.com/office/drawing/2014/main" id="{7F766F17-F9B1-582C-D282-C64AD66622BE}"/>
+              </a:ext>
+            </a:extLst>
+          </p:cNvPr>
+          <p:cNvPicPr>
+            <a:picLocks noChangeAspect="1" noChangeArrowheads="1"/>
+          </p:cNvPicPr>
+          <p:nvPr/>
+        </p:nvPicPr>
+        <p:blipFill rotWithShape="1">
+          <a:blip r:embed="rId3">
+            <a:extLst>
+              <a:ext uri="{28A0092B-C50C-407E-A947-70E740481C1C}">
+                <a14:useLocalDpi xmlns:a14="http://schemas.microsoft.com/office/drawing/2010/main" val="0"/>
+              </a:ext>
+            </a:extLst>
+          </a:blip>
+          <a:srcRect l="127" t="3204" r="-127" b="6070"/>
+          <a:stretch>
+            <a:fillRect/>
+          </a:stretch>
+        </p:blipFill>
+        <p:spPr bwMode="auto">
+          <a:xfrm>
+            <a:off x="1" y="0"/>
+            <a:ext cx="12192000" cy="6858000"/>
+          </a:xfrm>
+          <a:prstGeom prst="rect">
+            <a:avLst/>
+          </a:prstGeom>
+          <a:noFill/>
+          <a:extLst>
+            <a:ext uri="{909E8E84-426E-40DD-AFC4-6F175D3DCCD1}">
+              <a14:hiddenFill xmlns:a14="http://schemas.microsoft.com/office/drawing/2010/main">
+                <a:solidFill>
+                  <a:srgbClr val="FFFFFF"/>
+                </a:solidFill>
+              </a14:hiddenFill>
+            </a:ext>
+          </a:extLst>
+        </p:spPr>
+      </p:pic>
+      <p:sp>
+        <p:nvSpPr>
+          <p:cNvPr id="5" name="矩形 4">
+            <a:extLst>
+              <a:ext uri="{FF2B5EF4-FFF2-40B4-BE49-F238E27FC236}">
+                <a16:creationId xmlns:a16="http://schemas.microsoft.com/office/drawing/2014/main" id="{968E61B3-75BB-C662-ABD1-DFBBBD3E0795}"/>
+              </a:ext>
+            </a:extLst>
+          </p:cNvPr>
+          <p:cNvSpPr/>
+          <p:nvPr/>
+        </p:nvSpPr>
+        <p:spPr>
+          <a:xfrm>
+            <a:off x="2" y="0"/>
+            <a:ext cx="12191998" cy="6858000"/>
+          </a:xfrm>
+          <a:prstGeom prst="rect">
+            <a:avLst/>
+          </a:prstGeom>
+          <a:gradFill>
+            <a:gsLst>
+              <a:gs pos="0">
+                <a:schemeClr val="accent1">
+                  <a:lumMod val="5000"/>
+                  <a:lumOff val="95000"/>
+                  <a:alpha val="80000"/>
+                </a:schemeClr>
+              </a:gs>
+              <a:gs pos="34000">
+                <a:srgbClr val="FFFFFF">
+                  <a:alpha val="90000"/>
+                </a:srgbClr>
+              </a:gs>
+              <a:gs pos="68000">
+                <a:srgbClr val="FFFFFF">
+                  <a:alpha val="95000"/>
+                </a:srgbClr>
+              </a:gs>
+              <a:gs pos="100000">
+                <a:srgbClr val="FFFFFF"/>
+              </a:gs>
+            </a:gsLst>
+            <a:lin ang="5400000" scaled="1"/>
+          </a:gradFill>
+          <a:ln>
+            <a:noFill/>
+          </a:ln>
+        </p:spPr>
+        <p:style>
+          <a:lnRef idx="2">
+            <a:schemeClr val="accent1">
+              <a:shade val="15000"/>
+            </a:schemeClr>
+          </a:lnRef>
+          <a:fillRef idx="1">
+            <a:schemeClr val="accent1"/>
+          </a:fillRef>
+          <a:effectRef idx="0">
+            <a:schemeClr val="accent1"/>
+          </a:effectRef>
+          <a:fontRef idx="minor">
+            <a:schemeClr val="lt1"/>
+          </a:fontRef>
+        </p:style>
+        <p:txBody>
+          <a:bodyPr rtlCol="0" anchor="ctr"/>
+          <a:lstStyle/>
+          <a:p>
+            <a:pPr algn="ctr"/>
+            <a:endParaRPr lang="zh-CN" altLang="en-US" dirty="0"/>
+          </a:p>
+        </p:txBody>
+      </p:sp>
+      <p:sp>
+        <p:nvSpPr>
+          <p:cNvPr id="7" name="文本框 6">
+            <a:extLst>
+              <a:ext uri="{FF2B5EF4-FFF2-40B4-BE49-F238E27FC236}">
+                <a16:creationId xmlns:a16="http://schemas.microsoft.com/office/drawing/2014/main" id="{D0175AAA-358A-CC16-8381-09A5D35D3A84}"/>
+              </a:ext>
+            </a:extLst>
+          </p:cNvPr>
+          <p:cNvSpPr txBox="1"/>
+          <p:nvPr/>
+        </p:nvSpPr>
+        <p:spPr>
+          <a:xfrm>
+            <a:off x="111125" y="122578"/>
+            <a:ext cx="6959600" cy="523220"/>
+          </a:xfrm>
+          <a:prstGeom prst="rect">
+            <a:avLst/>
+          </a:prstGeom>
+          <a:noFill/>
+        </p:spPr>
+        <p:txBody>
+          <a:bodyPr wrap="square" rtlCol="0">
+            <a:spAutoFit/>
+          </a:bodyPr>
+          <a:lstStyle/>
+          <a:p>
+            <a:r>
+              <a:rPr lang="en-US" altLang="zh-CN" sz="2800" b="1" dirty="0">
+                <a:solidFill>
+                  <a:schemeClr val="tx2">
+                    <a:lumMod val="75000"/>
+                  </a:schemeClr>
+                </a:solidFill>
+                <a:latin typeface="微软雅黑" panose="020B0503020204020204" pitchFamily="34" charset="-122"/>
+                <a:ea typeface="微软雅黑" panose="020B0503020204020204" pitchFamily="34" charset="-122"/>
+              </a:rPr>
+              <a:t>01  Trace</a:t>
+            </a:r>
+            <a:r>
+              <a:rPr lang="zh-CN" altLang="en-US" sz="2800" b="1" dirty="0">
+                <a:solidFill>
+                  <a:schemeClr val="tx2">
+                    <a:lumMod val="75000"/>
+                  </a:schemeClr>
+                </a:solidFill>
+                <a:latin typeface="微软雅黑" panose="020B0503020204020204" pitchFamily="34" charset="-122"/>
+                <a:ea typeface="微软雅黑" panose="020B0503020204020204" pitchFamily="34" charset="-122"/>
+              </a:rPr>
+              <a:t>可视化</a:t>
+            </a:r>
+            <a:endParaRPr lang="en-US" altLang="zh-CN" sz="2800" b="1" dirty="0">
+              <a:solidFill>
+                <a:schemeClr val="tx2">
+                  <a:lumMod val="75000"/>
+                </a:schemeClr>
+              </a:solidFill>
+              <a:latin typeface="微软雅黑" panose="020B0503020204020204" pitchFamily="34" charset="-122"/>
+              <a:ea typeface="微软雅黑" panose="020B0503020204020204" pitchFamily="34" charset="-122"/>
+            </a:endParaRPr>
+          </a:p>
+        </p:txBody>
+      </p:sp>
+      <p:sp>
+        <p:nvSpPr>
+          <p:cNvPr id="10" name="文本框 9">
+            <a:extLst>
+              <a:ext uri="{FF2B5EF4-FFF2-40B4-BE49-F238E27FC236}">
+                <a16:creationId xmlns:a16="http://schemas.microsoft.com/office/drawing/2014/main" id="{DF79A6FF-BDF7-8289-2C7E-7F7616975A33}"/>
+              </a:ext>
+            </a:extLst>
+          </p:cNvPr>
+          <p:cNvSpPr txBox="1"/>
+          <p:nvPr/>
+        </p:nvSpPr>
+        <p:spPr>
+          <a:xfrm>
+            <a:off x="2429710" y="1102063"/>
+            <a:ext cx="7332579" cy="1144929"/>
+          </a:xfrm>
+          <a:prstGeom prst="rect">
+            <a:avLst/>
+          </a:prstGeom>
+          <a:noFill/>
+        </p:spPr>
+        <p:txBody>
+          <a:bodyPr wrap="square" rtlCol="0">
+            <a:spAutoFit/>
+          </a:bodyPr>
+          <a:lstStyle/>
+          <a:p>
+            <a:pPr>
+              <a:lnSpc>
+                <a:spcPct val="125000"/>
+              </a:lnSpc>
+            </a:pPr>
+            <a:r>
+              <a:rPr lang="zh-CN" altLang="en-US" sz="1400" b="1" dirty="0">
+                <a:solidFill>
+                  <a:schemeClr val="tx2">
+                    <a:lumMod val="75000"/>
+                  </a:schemeClr>
+                </a:solidFill>
+                <a:latin typeface="微软雅黑" panose="020B0503020204020204" pitchFamily="34" charset="-122"/>
+                <a:ea typeface="微软雅黑" panose="020B0503020204020204" pitchFamily="34" charset="-122"/>
+              </a:rPr>
+              <a:t>总体思路：</a:t>
+            </a:r>
+            <a:endParaRPr lang="en-US" altLang="zh-CN" sz="1400" b="1" dirty="0">
+              <a:solidFill>
+                <a:schemeClr val="tx2">
+                  <a:lumMod val="75000"/>
+                </a:schemeClr>
+              </a:solidFill>
+              <a:latin typeface="微软雅黑" panose="020B0503020204020204" pitchFamily="34" charset="-122"/>
+              <a:ea typeface="微软雅黑" panose="020B0503020204020204" pitchFamily="34" charset="-122"/>
+            </a:endParaRPr>
+          </a:p>
+          <a:p>
+            <a:pPr marL="342900" indent="-342900">
+              <a:lnSpc>
+                <a:spcPct val="125000"/>
+              </a:lnSpc>
+              <a:buAutoNum type="arabicPeriod"/>
+            </a:pPr>
+            <a:r>
+              <a:rPr lang="en-US" altLang="zh-CN" sz="1400" b="1" dirty="0">
+                <a:solidFill>
+                  <a:schemeClr val="tx2">
+                    <a:lumMod val="75000"/>
+                  </a:schemeClr>
+                </a:solidFill>
+                <a:latin typeface="微软雅黑" panose="020B0503020204020204" pitchFamily="34" charset="-122"/>
+                <a:ea typeface="微软雅黑" panose="020B0503020204020204" pitchFamily="34" charset="-122"/>
+              </a:rPr>
+              <a:t>Trace</a:t>
+            </a:r>
+            <a:r>
+              <a:rPr lang="zh-CN" altLang="en-US" sz="1400" b="1" dirty="0">
+                <a:solidFill>
+                  <a:schemeClr val="tx2">
+                    <a:lumMod val="75000"/>
+                  </a:schemeClr>
+                </a:solidFill>
+                <a:latin typeface="微软雅黑" panose="020B0503020204020204" pitchFamily="34" charset="-122"/>
+                <a:ea typeface="微软雅黑" panose="020B0503020204020204" pitchFamily="34" charset="-122"/>
+              </a:rPr>
+              <a:t>中应包含 流水级 的名称以及 </a:t>
+            </a:r>
+            <a:r>
+              <a:rPr lang="en-US" altLang="zh-CN" sz="1400" b="1" dirty="0">
+                <a:solidFill>
+                  <a:schemeClr val="tx2">
+                    <a:lumMod val="75000"/>
+                  </a:schemeClr>
+                </a:solidFill>
+                <a:latin typeface="微软雅黑" panose="020B0503020204020204" pitchFamily="34" charset="-122"/>
+                <a:ea typeface="微软雅黑" panose="020B0503020204020204" pitchFamily="34" charset="-122"/>
+              </a:rPr>
+              <a:t>Tick</a:t>
+            </a:r>
+          </a:p>
+          <a:p>
+            <a:pPr marL="342900" indent="-342900">
+              <a:lnSpc>
+                <a:spcPct val="125000"/>
+              </a:lnSpc>
+              <a:buAutoNum type="arabicPeriod"/>
+            </a:pPr>
+            <a:r>
+              <a:rPr lang="zh-CN" altLang="en-US" sz="1400" b="1" dirty="0">
+                <a:solidFill>
+                  <a:schemeClr val="tx2">
+                    <a:lumMod val="75000"/>
+                  </a:schemeClr>
+                </a:solidFill>
+                <a:latin typeface="微软雅黑" panose="020B0503020204020204" pitchFamily="34" charset="-122"/>
+                <a:ea typeface="微软雅黑" panose="020B0503020204020204" pitchFamily="34" charset="-122"/>
+              </a:rPr>
+              <a:t>为了复用可视化软件</a:t>
+            </a:r>
+            <a:r>
+              <a:rPr lang="en-US" altLang="zh-CN" sz="1400" b="1" dirty="0" err="1">
+                <a:solidFill>
+                  <a:schemeClr val="tx2">
+                    <a:lumMod val="75000"/>
+                  </a:schemeClr>
+                </a:solidFill>
+                <a:latin typeface="微软雅黑" panose="020B0503020204020204" pitchFamily="34" charset="-122"/>
+                <a:ea typeface="微软雅黑" panose="020B0503020204020204" pitchFamily="34" charset="-122"/>
+              </a:rPr>
+              <a:t>konata</a:t>
+            </a:r>
+            <a:r>
+              <a:rPr lang="zh-CN" altLang="en-US" sz="1400" b="1" dirty="0">
+                <a:solidFill>
+                  <a:schemeClr val="tx2">
+                    <a:lumMod val="75000"/>
+                  </a:schemeClr>
+                </a:solidFill>
+                <a:latin typeface="微软雅黑" panose="020B0503020204020204" pitchFamily="34" charset="-122"/>
+                <a:ea typeface="微软雅黑" panose="020B0503020204020204" pitchFamily="34" charset="-122"/>
+              </a:rPr>
+              <a:t>，需要将</a:t>
+            </a:r>
+            <a:r>
+              <a:rPr lang="en-US" altLang="zh-CN" sz="1400" b="1" dirty="0">
+                <a:solidFill>
+                  <a:schemeClr val="tx2">
+                    <a:lumMod val="75000"/>
+                  </a:schemeClr>
+                </a:solidFill>
+                <a:latin typeface="微软雅黑" panose="020B0503020204020204" pitchFamily="34" charset="-122"/>
+                <a:ea typeface="微软雅黑" panose="020B0503020204020204" pitchFamily="34" charset="-122"/>
+              </a:rPr>
+              <a:t>trace</a:t>
+            </a:r>
+            <a:r>
+              <a:rPr lang="zh-CN" altLang="en-US" sz="1400" b="1" dirty="0">
+                <a:solidFill>
+                  <a:schemeClr val="tx2">
+                    <a:lumMod val="75000"/>
+                  </a:schemeClr>
+                </a:solidFill>
+                <a:latin typeface="微软雅黑" panose="020B0503020204020204" pitchFamily="34" charset="-122"/>
+                <a:ea typeface="微软雅黑" panose="020B0503020204020204" pitchFamily="34" charset="-122"/>
+              </a:rPr>
+              <a:t>的格式转化为之前</a:t>
+            </a:r>
+            <a:r>
+              <a:rPr lang="en-US" altLang="zh-CN" sz="1400" b="1" dirty="0">
+                <a:solidFill>
+                  <a:schemeClr val="tx2">
+                    <a:lumMod val="75000"/>
+                  </a:schemeClr>
+                </a:solidFill>
+                <a:latin typeface="微软雅黑" panose="020B0503020204020204" pitchFamily="34" charset="-122"/>
+                <a:ea typeface="微软雅黑" panose="020B0503020204020204" pitchFamily="34" charset="-122"/>
+              </a:rPr>
+              <a:t>O3PipeView</a:t>
+            </a:r>
+            <a:r>
+              <a:rPr lang="zh-CN" altLang="en-US" sz="1400" b="1" dirty="0">
+                <a:solidFill>
+                  <a:schemeClr val="tx2">
+                    <a:lumMod val="75000"/>
+                  </a:schemeClr>
+                </a:solidFill>
+                <a:latin typeface="微软雅黑" panose="020B0503020204020204" pitchFamily="34" charset="-122"/>
+                <a:ea typeface="微软雅黑" panose="020B0503020204020204" pitchFamily="34" charset="-122"/>
+              </a:rPr>
+              <a:t>的格式</a:t>
+            </a:r>
+            <a:endParaRPr lang="en-US" altLang="zh-CN" sz="1400" b="1" dirty="0">
+              <a:solidFill>
+                <a:schemeClr val="tx2">
+                  <a:lumMod val="75000"/>
+                </a:schemeClr>
+              </a:solidFill>
+              <a:latin typeface="微软雅黑" panose="020B0503020204020204" pitchFamily="34" charset="-122"/>
+              <a:ea typeface="微软雅黑" panose="020B0503020204020204" pitchFamily="34" charset="-122"/>
+            </a:endParaRPr>
+          </a:p>
+          <a:p>
+            <a:pPr marL="342900" indent="-342900">
+              <a:lnSpc>
+                <a:spcPct val="125000"/>
+              </a:lnSpc>
+              <a:buAutoNum type="arabicPeriod"/>
+            </a:pPr>
+            <a:endParaRPr lang="en-US" altLang="zh-CN" sz="1400" b="1" dirty="0">
+              <a:solidFill>
+                <a:schemeClr val="tx2">
+                  <a:lumMod val="75000"/>
+                </a:schemeClr>
+              </a:solidFill>
+              <a:latin typeface="微软雅黑" panose="020B0503020204020204" pitchFamily="34" charset="-122"/>
+              <a:ea typeface="微软雅黑" panose="020B0503020204020204" pitchFamily="34" charset="-122"/>
+            </a:endParaRPr>
+          </a:p>
+        </p:txBody>
+      </p:sp>
+      <p:sp>
+        <p:nvSpPr>
+          <p:cNvPr id="3" name="文本框 2">
+            <a:extLst>
+              <a:ext uri="{FF2B5EF4-FFF2-40B4-BE49-F238E27FC236}">
+                <a16:creationId xmlns:a16="http://schemas.microsoft.com/office/drawing/2014/main" id="{B0A37BEC-0BEE-4540-E4A6-2177FC2D54F0}"/>
+              </a:ext>
+            </a:extLst>
+          </p:cNvPr>
+          <p:cNvSpPr txBox="1"/>
+          <p:nvPr/>
+        </p:nvSpPr>
+        <p:spPr>
+          <a:xfrm>
+            <a:off x="2532068" y="2493638"/>
+            <a:ext cx="5846430" cy="1144929"/>
+          </a:xfrm>
+          <a:prstGeom prst="rect">
+            <a:avLst/>
+          </a:prstGeom>
+          <a:noFill/>
+        </p:spPr>
+        <p:txBody>
+          <a:bodyPr wrap="square" rtlCol="0">
+            <a:spAutoFit/>
+          </a:bodyPr>
+          <a:lstStyle/>
+          <a:p>
+            <a:pPr>
+              <a:lnSpc>
+                <a:spcPct val="125000"/>
+              </a:lnSpc>
+            </a:pPr>
+            <a:r>
+              <a:rPr lang="zh-CN" altLang="en-US" sz="1400" b="1" dirty="0">
+                <a:solidFill>
+                  <a:schemeClr val="tx2">
+                    <a:lumMod val="75000"/>
+                  </a:schemeClr>
+                </a:solidFill>
+                <a:latin typeface="微软雅黑" panose="020B0503020204020204" pitchFamily="34" charset="-122"/>
+                <a:ea typeface="微软雅黑" panose="020B0503020204020204" pitchFamily="34" charset="-122"/>
+              </a:rPr>
+              <a:t>完成的内容：针对</a:t>
+            </a:r>
+            <a:r>
+              <a:rPr lang="zh-CN" altLang="en-US" sz="1400" b="1" dirty="0">
+                <a:solidFill>
+                  <a:srgbClr val="FF0000"/>
+                </a:solidFill>
+                <a:latin typeface="微软雅黑" panose="020B0503020204020204" pitchFamily="34" charset="-122"/>
+                <a:ea typeface="微软雅黑" panose="020B0503020204020204" pitchFamily="34" charset="-122"/>
+              </a:rPr>
+              <a:t>某个</a:t>
+            </a:r>
+            <a:r>
+              <a:rPr lang="en-US" altLang="zh-CN" sz="1400" b="1" dirty="0">
+                <a:solidFill>
+                  <a:srgbClr val="FF0000"/>
+                </a:solidFill>
+                <a:latin typeface="微软雅黑" panose="020B0503020204020204" pitchFamily="34" charset="-122"/>
+                <a:ea typeface="微软雅黑" panose="020B0503020204020204" pitchFamily="34" charset="-122"/>
+              </a:rPr>
+              <a:t>Wavefront</a:t>
+            </a:r>
+            <a:r>
+              <a:rPr lang="zh-CN" altLang="en-US" sz="1400" b="1" dirty="0">
+                <a:solidFill>
+                  <a:srgbClr val="FF0000"/>
+                </a:solidFill>
+                <a:latin typeface="微软雅黑" panose="020B0503020204020204" pitchFamily="34" charset="-122"/>
+                <a:ea typeface="微软雅黑" panose="020B0503020204020204" pitchFamily="34" charset="-122"/>
+              </a:rPr>
+              <a:t>指令</a:t>
+            </a:r>
+            <a:r>
+              <a:rPr lang="zh-CN" altLang="en-US" sz="1400" b="1" dirty="0">
+                <a:solidFill>
+                  <a:schemeClr val="tx2">
+                    <a:lumMod val="75000"/>
+                  </a:schemeClr>
+                </a:solidFill>
+                <a:latin typeface="微软雅黑" panose="020B0503020204020204" pitchFamily="34" charset="-122"/>
+                <a:ea typeface="微软雅黑" panose="020B0503020204020204" pitchFamily="34" charset="-122"/>
+              </a:rPr>
+              <a:t>执行情况</a:t>
+            </a:r>
+            <a:endParaRPr lang="en-US" altLang="zh-CN" sz="1400" b="1" dirty="0">
+              <a:solidFill>
+                <a:schemeClr val="tx2">
+                  <a:lumMod val="75000"/>
+                </a:schemeClr>
+              </a:solidFill>
+              <a:latin typeface="微软雅黑" panose="020B0503020204020204" pitchFamily="34" charset="-122"/>
+              <a:ea typeface="微软雅黑" panose="020B0503020204020204" pitchFamily="34" charset="-122"/>
+            </a:endParaRPr>
+          </a:p>
+          <a:p>
+            <a:pPr marL="342900" indent="-342900">
+              <a:lnSpc>
+                <a:spcPct val="125000"/>
+              </a:lnSpc>
+              <a:buAutoNum type="arabicPeriod"/>
+            </a:pPr>
+            <a:r>
+              <a:rPr lang="en-US" altLang="zh-CN" sz="1400" b="1" dirty="0">
+                <a:solidFill>
+                  <a:schemeClr val="tx2">
+                    <a:lumMod val="75000"/>
+                  </a:schemeClr>
+                </a:solidFill>
+                <a:latin typeface="微软雅黑" panose="020B0503020204020204" pitchFamily="34" charset="-122"/>
+                <a:ea typeface="微软雅黑" panose="020B0503020204020204" pitchFamily="34" charset="-122"/>
+              </a:rPr>
+              <a:t>Trace</a:t>
+            </a:r>
+            <a:r>
+              <a:rPr lang="zh-CN" altLang="en-US" sz="1400" b="1" dirty="0">
+                <a:solidFill>
+                  <a:schemeClr val="tx2">
+                    <a:lumMod val="75000"/>
+                  </a:schemeClr>
+                </a:solidFill>
+                <a:latin typeface="微软雅黑" panose="020B0503020204020204" pitchFamily="34" charset="-122"/>
+                <a:ea typeface="微软雅黑" panose="020B0503020204020204" pitchFamily="34" charset="-122"/>
+              </a:rPr>
+              <a:t>文件：每条指令在每一流水级耗费的</a:t>
+            </a:r>
+            <a:r>
+              <a:rPr lang="en-US" altLang="zh-CN" sz="1400" b="1" dirty="0">
+                <a:solidFill>
+                  <a:schemeClr val="tx2">
+                    <a:lumMod val="75000"/>
+                  </a:schemeClr>
+                </a:solidFill>
+                <a:latin typeface="微软雅黑" panose="020B0503020204020204" pitchFamily="34" charset="-122"/>
+                <a:ea typeface="微软雅黑" panose="020B0503020204020204" pitchFamily="34" charset="-122"/>
+              </a:rPr>
+              <a:t>tick</a:t>
+            </a:r>
+          </a:p>
+          <a:p>
+            <a:pPr marL="342900" indent="-342900">
+              <a:lnSpc>
+                <a:spcPct val="125000"/>
+              </a:lnSpc>
+              <a:buAutoNum type="arabicPeriod"/>
+            </a:pPr>
+            <a:r>
+              <a:rPr lang="zh-CN" altLang="en-US" sz="1400" b="1" dirty="0">
+                <a:solidFill>
+                  <a:schemeClr val="tx2">
+                    <a:lumMod val="75000"/>
+                  </a:schemeClr>
+                </a:solidFill>
+                <a:latin typeface="微软雅黑" panose="020B0503020204020204" pitchFamily="34" charset="-122"/>
+                <a:ea typeface="微软雅黑" panose="020B0503020204020204" pitchFamily="34" charset="-122"/>
+              </a:rPr>
+              <a:t>流水线可视化：使用</a:t>
+            </a:r>
+            <a:r>
+              <a:rPr lang="en-US" altLang="zh-CN" sz="1400" b="1" dirty="0" err="1">
+                <a:solidFill>
+                  <a:schemeClr val="tx2">
+                    <a:lumMod val="75000"/>
+                  </a:schemeClr>
+                </a:solidFill>
+                <a:latin typeface="微软雅黑" panose="020B0503020204020204" pitchFamily="34" charset="-122"/>
+                <a:ea typeface="微软雅黑" panose="020B0503020204020204" pitchFamily="34" charset="-122"/>
+              </a:rPr>
+              <a:t>konata</a:t>
+            </a:r>
+            <a:r>
+              <a:rPr lang="zh-CN" altLang="en-US" sz="1400" b="1" dirty="0">
+                <a:solidFill>
+                  <a:schemeClr val="tx2">
+                    <a:lumMod val="75000"/>
+                  </a:schemeClr>
+                </a:solidFill>
+                <a:latin typeface="微软雅黑" panose="020B0503020204020204" pitchFamily="34" charset="-122"/>
+                <a:ea typeface="微软雅黑" panose="020B0503020204020204" pitchFamily="34" charset="-122"/>
+              </a:rPr>
+              <a:t>软件：图</a:t>
+            </a:r>
+            <a:endParaRPr lang="en-US" altLang="zh-CN" sz="1400" b="1" dirty="0">
+              <a:solidFill>
+                <a:schemeClr val="tx2">
+                  <a:lumMod val="75000"/>
+                </a:schemeClr>
+              </a:solidFill>
+              <a:latin typeface="微软雅黑" panose="020B0503020204020204" pitchFamily="34" charset="-122"/>
+              <a:ea typeface="微软雅黑" panose="020B0503020204020204" pitchFamily="34" charset="-122"/>
+            </a:endParaRPr>
+          </a:p>
+          <a:p>
+            <a:pPr marL="342900" indent="-342900">
+              <a:lnSpc>
+                <a:spcPct val="125000"/>
+              </a:lnSpc>
+              <a:buAutoNum type="arabicPeriod"/>
+            </a:pPr>
+            <a:r>
+              <a:rPr lang="zh-CN" altLang="en-US" sz="1400" b="1" dirty="0">
+                <a:solidFill>
+                  <a:schemeClr val="tx2">
+                    <a:lumMod val="75000"/>
+                  </a:schemeClr>
+                </a:solidFill>
+                <a:latin typeface="微软雅黑" panose="020B0503020204020204" pitchFamily="34" charset="-122"/>
+                <a:ea typeface="微软雅黑" panose="020B0503020204020204" pitchFamily="34" charset="-122"/>
+              </a:rPr>
+              <a:t>尚有不完善之处：名称</a:t>
+            </a:r>
+            <a:r>
+              <a:rPr lang="en-US" altLang="zh-CN" sz="1400" b="1" dirty="0">
+                <a:solidFill>
+                  <a:schemeClr val="tx2">
+                    <a:lumMod val="75000"/>
+                  </a:schemeClr>
+                </a:solidFill>
+                <a:latin typeface="微软雅黑" panose="020B0503020204020204" pitchFamily="34" charset="-122"/>
+                <a:ea typeface="微软雅黑" panose="020B0503020204020204" pitchFamily="34" charset="-122"/>
+              </a:rPr>
+              <a:t>/</a:t>
+            </a:r>
+            <a:r>
+              <a:rPr lang="zh-CN" altLang="en-US" sz="1400" b="1" dirty="0">
+                <a:solidFill>
+                  <a:schemeClr val="tx2">
+                    <a:lumMod val="75000"/>
+                  </a:schemeClr>
+                </a:solidFill>
+                <a:latin typeface="微软雅黑" panose="020B0503020204020204" pitchFamily="34" charset="-122"/>
+                <a:ea typeface="微软雅黑" panose="020B0503020204020204" pitchFamily="34" charset="-122"/>
+              </a:rPr>
+              <a:t>取指</a:t>
+            </a:r>
+            <a:r>
+              <a:rPr lang="en-US" altLang="zh-CN" sz="1400" b="1" dirty="0">
+                <a:solidFill>
+                  <a:schemeClr val="tx2">
+                    <a:lumMod val="75000"/>
+                  </a:schemeClr>
+                </a:solidFill>
+                <a:latin typeface="微软雅黑" panose="020B0503020204020204" pitchFamily="34" charset="-122"/>
+                <a:ea typeface="微软雅黑" panose="020B0503020204020204" pitchFamily="34" charset="-122"/>
+              </a:rPr>
+              <a:t>/</a:t>
+            </a:r>
+            <a:r>
+              <a:rPr lang="zh-CN" altLang="en-US" sz="1400" b="1" dirty="0">
+                <a:solidFill>
+                  <a:schemeClr val="tx2">
+                    <a:lumMod val="75000"/>
+                  </a:schemeClr>
+                </a:solidFill>
+                <a:latin typeface="微软雅黑" panose="020B0503020204020204" pitchFamily="34" charset="-122"/>
+                <a:ea typeface="微软雅黑" panose="020B0503020204020204" pitchFamily="34" charset="-122"/>
+              </a:rPr>
+              <a:t>访存</a:t>
+            </a:r>
+            <a:endParaRPr lang="en-US" altLang="zh-CN" sz="1400" b="1" dirty="0">
+              <a:solidFill>
+                <a:schemeClr val="tx2">
+                  <a:lumMod val="75000"/>
+                </a:schemeClr>
+              </a:solidFill>
+              <a:latin typeface="微软雅黑" panose="020B0503020204020204" pitchFamily="34" charset="-122"/>
+              <a:ea typeface="微软雅黑" panose="020B0503020204020204" pitchFamily="34" charset="-122"/>
+            </a:endParaRPr>
+          </a:p>
+        </p:txBody>
+      </p:sp>
+      <p:sp>
+        <p:nvSpPr>
+          <p:cNvPr id="8" name="文本框 7">
+            <a:extLst>
+              <a:ext uri="{FF2B5EF4-FFF2-40B4-BE49-F238E27FC236}">
+                <a16:creationId xmlns:a16="http://schemas.microsoft.com/office/drawing/2014/main" id="{C04D8109-68D6-A396-C57E-33BE168571E4}"/>
+              </a:ext>
+            </a:extLst>
+          </p:cNvPr>
+          <p:cNvSpPr txBox="1"/>
+          <p:nvPr/>
+        </p:nvSpPr>
+        <p:spPr>
+          <a:xfrm>
+            <a:off x="2620779" y="4307832"/>
+            <a:ext cx="5846430" cy="1144929"/>
+          </a:xfrm>
+          <a:prstGeom prst="rect">
+            <a:avLst/>
+          </a:prstGeom>
+          <a:noFill/>
+        </p:spPr>
+        <p:txBody>
+          <a:bodyPr wrap="square" rtlCol="0">
+            <a:spAutoFit/>
+          </a:bodyPr>
+          <a:lstStyle/>
+          <a:p>
+            <a:pPr>
+              <a:lnSpc>
+                <a:spcPct val="125000"/>
+              </a:lnSpc>
+            </a:pPr>
+            <a:r>
+              <a:rPr lang="zh-CN" altLang="en-US" sz="1400" b="1" dirty="0">
+                <a:solidFill>
+                  <a:schemeClr val="tx2">
+                    <a:lumMod val="75000"/>
+                  </a:schemeClr>
+                </a:solidFill>
+                <a:latin typeface="微软雅黑" panose="020B0503020204020204" pitchFamily="34" charset="-122"/>
+                <a:ea typeface="微软雅黑" panose="020B0503020204020204" pitchFamily="34" charset="-122"/>
+              </a:rPr>
+              <a:t>待完成的内容：</a:t>
+            </a:r>
+            <a:endParaRPr lang="en-US" altLang="zh-CN" sz="1400" b="1" dirty="0">
+              <a:solidFill>
+                <a:schemeClr val="tx2">
+                  <a:lumMod val="75000"/>
+                </a:schemeClr>
+              </a:solidFill>
+              <a:latin typeface="微软雅黑" panose="020B0503020204020204" pitchFamily="34" charset="-122"/>
+              <a:ea typeface="微软雅黑" panose="020B0503020204020204" pitchFamily="34" charset="-122"/>
+            </a:endParaRPr>
+          </a:p>
+          <a:p>
+            <a:pPr marL="342900" indent="-342900">
+              <a:lnSpc>
+                <a:spcPct val="125000"/>
+              </a:lnSpc>
+              <a:buAutoNum type="arabicPeriod"/>
+            </a:pPr>
+            <a:r>
+              <a:rPr lang="zh-CN" altLang="en-US" sz="1400" b="1" dirty="0">
+                <a:solidFill>
+                  <a:schemeClr val="tx2">
+                    <a:lumMod val="75000"/>
+                  </a:schemeClr>
+                </a:solidFill>
+                <a:latin typeface="微软雅黑" panose="020B0503020204020204" pitchFamily="34" charset="-122"/>
+                <a:ea typeface="微软雅黑" panose="020B0503020204020204" pitchFamily="34" charset="-122"/>
+              </a:rPr>
+              <a:t>打印出流水级停顿的原因</a:t>
+            </a:r>
+            <a:endParaRPr lang="en-US" altLang="zh-CN" sz="1400" b="1" dirty="0">
+              <a:solidFill>
+                <a:schemeClr val="tx2">
+                  <a:lumMod val="75000"/>
+                </a:schemeClr>
+              </a:solidFill>
+              <a:latin typeface="微软雅黑" panose="020B0503020204020204" pitchFamily="34" charset="-122"/>
+              <a:ea typeface="微软雅黑" panose="020B0503020204020204" pitchFamily="34" charset="-122"/>
+            </a:endParaRPr>
+          </a:p>
+          <a:p>
+            <a:pPr marL="342900" indent="-342900">
+              <a:lnSpc>
+                <a:spcPct val="125000"/>
+              </a:lnSpc>
+              <a:buAutoNum type="arabicPeriod"/>
+            </a:pPr>
+            <a:r>
+              <a:rPr lang="zh-CN" altLang="en-US" sz="1400" b="1" dirty="0">
+                <a:solidFill>
+                  <a:schemeClr val="tx2">
+                    <a:lumMod val="75000"/>
+                  </a:schemeClr>
+                </a:solidFill>
+                <a:latin typeface="微软雅黑" panose="020B0503020204020204" pitchFamily="34" charset="-122"/>
+                <a:ea typeface="微软雅黑" panose="020B0503020204020204" pitchFamily="34" charset="-122"/>
+              </a:rPr>
+              <a:t>支持</a:t>
+            </a:r>
+            <a:r>
+              <a:rPr lang="en-US" altLang="zh-CN" sz="1400" b="1" dirty="0">
+                <a:solidFill>
+                  <a:schemeClr val="tx2">
+                    <a:lumMod val="75000"/>
+                  </a:schemeClr>
+                </a:solidFill>
+                <a:latin typeface="微软雅黑" panose="020B0503020204020204" pitchFamily="34" charset="-122"/>
+                <a:ea typeface="微软雅黑" panose="020B0503020204020204" pitchFamily="34" charset="-122"/>
+              </a:rPr>
+              <a:t>miss</a:t>
+            </a:r>
+            <a:r>
+              <a:rPr lang="zh-CN" altLang="en-US" sz="1400" b="1" dirty="0">
+                <a:solidFill>
+                  <a:schemeClr val="tx2">
+                    <a:lumMod val="75000"/>
+                  </a:schemeClr>
+                </a:solidFill>
+                <a:latin typeface="微软雅黑" panose="020B0503020204020204" pitchFamily="34" charset="-122"/>
+                <a:ea typeface="微软雅黑" panose="020B0503020204020204" pitchFamily="34" charset="-122"/>
+              </a:rPr>
+              <a:t>指令</a:t>
+            </a:r>
+            <a:endParaRPr lang="en-US" altLang="zh-CN" sz="1400" b="1" dirty="0">
+              <a:solidFill>
+                <a:schemeClr val="tx2">
+                  <a:lumMod val="75000"/>
+                </a:schemeClr>
+              </a:solidFill>
+              <a:latin typeface="微软雅黑" panose="020B0503020204020204" pitchFamily="34" charset="-122"/>
+              <a:ea typeface="微软雅黑" panose="020B0503020204020204" pitchFamily="34" charset="-122"/>
+            </a:endParaRPr>
+          </a:p>
+          <a:p>
+            <a:pPr marL="342900" indent="-342900">
+              <a:lnSpc>
+                <a:spcPct val="125000"/>
+              </a:lnSpc>
+              <a:buAutoNum type="arabicPeriod"/>
+            </a:pPr>
+            <a:r>
+              <a:rPr lang="zh-CN" altLang="en-US" sz="1400" b="1" dirty="0">
+                <a:solidFill>
+                  <a:schemeClr val="tx2">
+                    <a:lumMod val="75000"/>
+                  </a:schemeClr>
+                </a:solidFill>
+                <a:latin typeface="微软雅黑" panose="020B0503020204020204" pitchFamily="34" charset="-122"/>
+                <a:ea typeface="微软雅黑" panose="020B0503020204020204" pitchFamily="34" charset="-122"/>
+              </a:rPr>
+              <a:t>分析各个</a:t>
+            </a:r>
+            <a:r>
+              <a:rPr lang="en-US" altLang="zh-CN" sz="1400" b="1" dirty="0" err="1">
+                <a:solidFill>
+                  <a:schemeClr val="tx2">
+                    <a:lumMod val="75000"/>
+                  </a:schemeClr>
+                </a:solidFill>
+                <a:latin typeface="微软雅黑" panose="020B0503020204020204" pitchFamily="34" charset="-122"/>
+                <a:ea typeface="微软雅黑" panose="020B0503020204020204" pitchFamily="34" charset="-122"/>
+              </a:rPr>
+              <a:t>simd</a:t>
+            </a:r>
+            <a:r>
+              <a:rPr lang="zh-CN" altLang="en-US" sz="1400" b="1" dirty="0">
+                <a:solidFill>
+                  <a:schemeClr val="tx2">
+                    <a:lumMod val="75000"/>
+                  </a:schemeClr>
+                </a:solidFill>
+                <a:latin typeface="微软雅黑" panose="020B0503020204020204" pitchFamily="34" charset="-122"/>
+                <a:ea typeface="微软雅黑" panose="020B0503020204020204" pitchFamily="34" charset="-122"/>
+              </a:rPr>
+              <a:t>情况</a:t>
+            </a:r>
+            <a:endParaRPr lang="en-US" altLang="zh-CN" sz="1400" b="1" dirty="0">
+              <a:solidFill>
+                <a:schemeClr val="tx2">
+                  <a:lumMod val="75000"/>
+                </a:schemeClr>
+              </a:solidFill>
+              <a:latin typeface="微软雅黑" panose="020B0503020204020204" pitchFamily="34" charset="-122"/>
+              <a:ea typeface="微软雅黑" panose="020B0503020204020204" pitchFamily="34" charset="-122"/>
+            </a:endParaRPr>
+          </a:p>
+        </p:txBody>
+      </p:sp>
+    </p:spTree>
+    <p:extLst>
+      <p:ext uri="{BB962C8B-B14F-4D97-AF65-F5344CB8AC3E}">
+        <p14:creationId xmlns:p14="http://schemas.microsoft.com/office/powerpoint/2010/main" val="501469793"/>
+      </p:ext>
+    </p:extLst>
+  </p:cSld>
+  <p:clrMapOvr>
+    <a:masterClrMapping/>
+  </p:clrMapOvr>
+</p:sld>
+</file>
+
+<file path=ppt/slides/slide20.xml><?xml version="1.0" encoding="utf-8"?>
 <p:sld xmlns:a="http://schemas.openxmlformats.org/drawingml/2006/main" xmlns:r="http://schemas.openxmlformats.org/officeDocument/2006/relationships" xmlns:p="http://schemas.openxmlformats.org/presentationml/2006/main">
   <p:cSld>
     <p:spTree>
@@ -17637,912 +19305,7 @@
 </p:sld>
 </file>
 
-<file path=ppt/slides/slide2.xml><?xml version="1.0" encoding="utf-8"?>
-<p:sld xmlns:a="http://schemas.openxmlformats.org/drawingml/2006/main" xmlns:r="http://schemas.openxmlformats.org/officeDocument/2006/relationships" xmlns:p="http://schemas.openxmlformats.org/presentationml/2006/main">
-  <p:cSld>
-    <p:spTree>
-      <p:nvGrpSpPr>
-        <p:cNvPr id="1" name="">
-          <a:extLst>
-            <a:ext uri="{FF2B5EF4-FFF2-40B4-BE49-F238E27FC236}">
-              <a16:creationId xmlns:a16="http://schemas.microsoft.com/office/drawing/2014/main" id="{D6BBE18A-A9A0-3F66-8D06-DAA3E5676FB0}"/>
-            </a:ext>
-          </a:extLst>
-        </p:cNvPr>
-        <p:cNvGrpSpPr/>
-        <p:nvPr/>
-      </p:nvGrpSpPr>
-      <p:grpSpPr>
-        <a:xfrm>
-          <a:off x="0" y="0"/>
-          <a:ext cx="0" cy="0"/>
-          <a:chOff x="0" y="0"/>
-          <a:chExt cx="0" cy="0"/>
-        </a:xfrm>
-      </p:grpSpPr>
-      <p:pic>
-        <p:nvPicPr>
-          <p:cNvPr id="4" name="Picture 2" descr="哈工大物联网智慧校园设计方案_Lighton（来同）品牌">
-            <a:extLst>
-              <a:ext uri="{FF2B5EF4-FFF2-40B4-BE49-F238E27FC236}">
-                <a16:creationId xmlns:a16="http://schemas.microsoft.com/office/drawing/2014/main" id="{7F766F17-F9B1-582C-D282-C64AD66622BE}"/>
-              </a:ext>
-            </a:extLst>
-          </p:cNvPr>
-          <p:cNvPicPr>
-            <a:picLocks noChangeAspect="1" noChangeArrowheads="1"/>
-          </p:cNvPicPr>
-          <p:nvPr/>
-        </p:nvPicPr>
-        <p:blipFill rotWithShape="1">
-          <a:blip r:embed="rId3">
-            <a:extLst>
-              <a:ext uri="{28A0092B-C50C-407E-A947-70E740481C1C}">
-                <a14:useLocalDpi xmlns:a14="http://schemas.microsoft.com/office/drawing/2010/main" val="0"/>
-              </a:ext>
-            </a:extLst>
-          </a:blip>
-          <a:srcRect l="127" t="3204" r="-127" b="6070"/>
-          <a:stretch>
-            <a:fillRect/>
-          </a:stretch>
-        </p:blipFill>
-        <p:spPr bwMode="auto">
-          <a:xfrm>
-            <a:off x="1" y="0"/>
-            <a:ext cx="12192000" cy="6858000"/>
-          </a:xfrm>
-          <a:prstGeom prst="rect">
-            <a:avLst/>
-          </a:prstGeom>
-          <a:noFill/>
-          <a:extLst>
-            <a:ext uri="{909E8E84-426E-40DD-AFC4-6F175D3DCCD1}">
-              <a14:hiddenFill xmlns:a14="http://schemas.microsoft.com/office/drawing/2010/main">
-                <a:solidFill>
-                  <a:srgbClr val="FFFFFF"/>
-                </a:solidFill>
-              </a14:hiddenFill>
-            </a:ext>
-          </a:extLst>
-        </p:spPr>
-      </p:pic>
-      <p:sp>
-        <p:nvSpPr>
-          <p:cNvPr id="5" name="矩形 4">
-            <a:extLst>
-              <a:ext uri="{FF2B5EF4-FFF2-40B4-BE49-F238E27FC236}">
-                <a16:creationId xmlns:a16="http://schemas.microsoft.com/office/drawing/2014/main" id="{968E61B3-75BB-C662-ABD1-DFBBBD3E0795}"/>
-              </a:ext>
-            </a:extLst>
-          </p:cNvPr>
-          <p:cNvSpPr/>
-          <p:nvPr/>
-        </p:nvSpPr>
-        <p:spPr>
-          <a:xfrm>
-            <a:off x="2" y="0"/>
-            <a:ext cx="12191998" cy="6858000"/>
-          </a:xfrm>
-          <a:prstGeom prst="rect">
-            <a:avLst/>
-          </a:prstGeom>
-          <a:gradFill>
-            <a:gsLst>
-              <a:gs pos="0">
-                <a:schemeClr val="accent1">
-                  <a:lumMod val="5000"/>
-                  <a:lumOff val="95000"/>
-                  <a:alpha val="80000"/>
-                </a:schemeClr>
-              </a:gs>
-              <a:gs pos="34000">
-                <a:srgbClr val="FFFFFF">
-                  <a:alpha val="90000"/>
-                </a:srgbClr>
-              </a:gs>
-              <a:gs pos="68000">
-                <a:srgbClr val="FFFFFF">
-                  <a:alpha val="95000"/>
-                </a:srgbClr>
-              </a:gs>
-              <a:gs pos="100000">
-                <a:srgbClr val="FFFFFF"/>
-              </a:gs>
-            </a:gsLst>
-            <a:lin ang="5400000" scaled="1"/>
-          </a:gradFill>
-          <a:ln>
-            <a:noFill/>
-          </a:ln>
-        </p:spPr>
-        <p:style>
-          <a:lnRef idx="2">
-            <a:schemeClr val="accent1">
-              <a:shade val="15000"/>
-            </a:schemeClr>
-          </a:lnRef>
-          <a:fillRef idx="1">
-            <a:schemeClr val="accent1"/>
-          </a:fillRef>
-          <a:effectRef idx="0">
-            <a:schemeClr val="accent1"/>
-          </a:effectRef>
-          <a:fontRef idx="minor">
-            <a:schemeClr val="lt1"/>
-          </a:fontRef>
-        </p:style>
-        <p:txBody>
-          <a:bodyPr rtlCol="0" anchor="ctr"/>
-          <a:lstStyle/>
-          <a:p>
-            <a:pPr algn="ctr"/>
-            <a:endParaRPr lang="zh-CN" altLang="en-US" dirty="0"/>
-          </a:p>
-        </p:txBody>
-      </p:sp>
-      <p:sp>
-        <p:nvSpPr>
-          <p:cNvPr id="7" name="文本框 6">
-            <a:extLst>
-              <a:ext uri="{FF2B5EF4-FFF2-40B4-BE49-F238E27FC236}">
-                <a16:creationId xmlns:a16="http://schemas.microsoft.com/office/drawing/2014/main" id="{D0175AAA-358A-CC16-8381-09A5D35D3A84}"/>
-              </a:ext>
-            </a:extLst>
-          </p:cNvPr>
-          <p:cNvSpPr txBox="1"/>
-          <p:nvPr/>
-        </p:nvSpPr>
-        <p:spPr>
-          <a:xfrm>
-            <a:off x="111125" y="122578"/>
-            <a:ext cx="6959600" cy="523220"/>
-          </a:xfrm>
-          <a:prstGeom prst="rect">
-            <a:avLst/>
-          </a:prstGeom>
-          <a:noFill/>
-        </p:spPr>
-        <p:txBody>
-          <a:bodyPr wrap="square" rtlCol="0">
-            <a:spAutoFit/>
-          </a:bodyPr>
-          <a:lstStyle/>
-          <a:p>
-            <a:r>
-              <a:rPr lang="en-US" altLang="zh-CN" sz="2800" b="1" dirty="0">
-                <a:solidFill>
-                  <a:schemeClr val="tx2">
-                    <a:lumMod val="75000"/>
-                  </a:schemeClr>
-                </a:solidFill>
-                <a:latin typeface="微软雅黑" panose="020B0503020204020204" pitchFamily="34" charset="-122"/>
-                <a:ea typeface="微软雅黑" panose="020B0503020204020204" pitchFamily="34" charset="-122"/>
-              </a:rPr>
-              <a:t>01  Trace</a:t>
-            </a:r>
-            <a:r>
-              <a:rPr lang="zh-CN" altLang="en-US" sz="2800" b="1" dirty="0">
-                <a:solidFill>
-                  <a:schemeClr val="tx2">
-                    <a:lumMod val="75000"/>
-                  </a:schemeClr>
-                </a:solidFill>
-                <a:latin typeface="微软雅黑" panose="020B0503020204020204" pitchFamily="34" charset="-122"/>
-                <a:ea typeface="微软雅黑" panose="020B0503020204020204" pitchFamily="34" charset="-122"/>
-              </a:rPr>
-              <a:t>可视化</a:t>
-            </a:r>
-            <a:endParaRPr lang="en-US" altLang="zh-CN" sz="2800" b="1" dirty="0">
-              <a:solidFill>
-                <a:schemeClr val="tx2">
-                  <a:lumMod val="75000"/>
-                </a:schemeClr>
-              </a:solidFill>
-              <a:latin typeface="微软雅黑" panose="020B0503020204020204" pitchFamily="34" charset="-122"/>
-              <a:ea typeface="微软雅黑" panose="020B0503020204020204" pitchFamily="34" charset="-122"/>
-            </a:endParaRPr>
-          </a:p>
-        </p:txBody>
-      </p:sp>
-      <p:sp>
-        <p:nvSpPr>
-          <p:cNvPr id="10" name="文本框 9">
-            <a:extLst>
-              <a:ext uri="{FF2B5EF4-FFF2-40B4-BE49-F238E27FC236}">
-                <a16:creationId xmlns:a16="http://schemas.microsoft.com/office/drawing/2014/main" id="{DF79A6FF-BDF7-8289-2C7E-7F7616975A33}"/>
-              </a:ext>
-            </a:extLst>
-          </p:cNvPr>
-          <p:cNvSpPr txBox="1"/>
-          <p:nvPr/>
-        </p:nvSpPr>
-        <p:spPr>
-          <a:xfrm>
-            <a:off x="2429710" y="1102063"/>
-            <a:ext cx="7332579" cy="1144929"/>
-          </a:xfrm>
-          <a:prstGeom prst="rect">
-            <a:avLst/>
-          </a:prstGeom>
-          <a:noFill/>
-        </p:spPr>
-        <p:txBody>
-          <a:bodyPr wrap="square" rtlCol="0">
-            <a:spAutoFit/>
-          </a:bodyPr>
-          <a:lstStyle/>
-          <a:p>
-            <a:pPr>
-              <a:lnSpc>
-                <a:spcPct val="125000"/>
-              </a:lnSpc>
-            </a:pPr>
-            <a:r>
-              <a:rPr lang="zh-CN" altLang="en-US" sz="1400" b="1" dirty="0">
-                <a:solidFill>
-                  <a:schemeClr val="tx2">
-                    <a:lumMod val="75000"/>
-                  </a:schemeClr>
-                </a:solidFill>
-                <a:latin typeface="微软雅黑" panose="020B0503020204020204" pitchFamily="34" charset="-122"/>
-                <a:ea typeface="微软雅黑" panose="020B0503020204020204" pitchFamily="34" charset="-122"/>
-              </a:rPr>
-              <a:t>总体思路：</a:t>
-            </a:r>
-            <a:endParaRPr lang="en-US" altLang="zh-CN" sz="1400" b="1" dirty="0">
-              <a:solidFill>
-                <a:schemeClr val="tx2">
-                  <a:lumMod val="75000"/>
-                </a:schemeClr>
-              </a:solidFill>
-              <a:latin typeface="微软雅黑" panose="020B0503020204020204" pitchFamily="34" charset="-122"/>
-              <a:ea typeface="微软雅黑" panose="020B0503020204020204" pitchFamily="34" charset="-122"/>
-            </a:endParaRPr>
-          </a:p>
-          <a:p>
-            <a:pPr marL="342900" indent="-342900">
-              <a:lnSpc>
-                <a:spcPct val="125000"/>
-              </a:lnSpc>
-              <a:buAutoNum type="arabicPeriod"/>
-            </a:pPr>
-            <a:r>
-              <a:rPr lang="en-US" altLang="zh-CN" sz="1400" b="1" dirty="0">
-                <a:solidFill>
-                  <a:schemeClr val="tx2">
-                    <a:lumMod val="75000"/>
-                  </a:schemeClr>
-                </a:solidFill>
-                <a:latin typeface="微软雅黑" panose="020B0503020204020204" pitchFamily="34" charset="-122"/>
-                <a:ea typeface="微软雅黑" panose="020B0503020204020204" pitchFamily="34" charset="-122"/>
-              </a:rPr>
-              <a:t>Trace</a:t>
-            </a:r>
-            <a:r>
-              <a:rPr lang="zh-CN" altLang="en-US" sz="1400" b="1" dirty="0">
-                <a:solidFill>
-                  <a:schemeClr val="tx2">
-                    <a:lumMod val="75000"/>
-                  </a:schemeClr>
-                </a:solidFill>
-                <a:latin typeface="微软雅黑" panose="020B0503020204020204" pitchFamily="34" charset="-122"/>
-                <a:ea typeface="微软雅黑" panose="020B0503020204020204" pitchFamily="34" charset="-122"/>
-              </a:rPr>
-              <a:t>中应包含 流水级 的名称以及 </a:t>
-            </a:r>
-            <a:r>
-              <a:rPr lang="en-US" altLang="zh-CN" sz="1400" b="1" dirty="0">
-                <a:solidFill>
-                  <a:schemeClr val="tx2">
-                    <a:lumMod val="75000"/>
-                  </a:schemeClr>
-                </a:solidFill>
-                <a:latin typeface="微软雅黑" panose="020B0503020204020204" pitchFamily="34" charset="-122"/>
-                <a:ea typeface="微软雅黑" panose="020B0503020204020204" pitchFamily="34" charset="-122"/>
-              </a:rPr>
-              <a:t>Tick</a:t>
-            </a:r>
-          </a:p>
-          <a:p>
-            <a:pPr marL="342900" indent="-342900">
-              <a:lnSpc>
-                <a:spcPct val="125000"/>
-              </a:lnSpc>
-              <a:buAutoNum type="arabicPeriod"/>
-            </a:pPr>
-            <a:r>
-              <a:rPr lang="zh-CN" altLang="en-US" sz="1400" b="1" dirty="0">
-                <a:solidFill>
-                  <a:schemeClr val="tx2">
-                    <a:lumMod val="75000"/>
-                  </a:schemeClr>
-                </a:solidFill>
-                <a:latin typeface="微软雅黑" panose="020B0503020204020204" pitchFamily="34" charset="-122"/>
-                <a:ea typeface="微软雅黑" panose="020B0503020204020204" pitchFamily="34" charset="-122"/>
-              </a:rPr>
-              <a:t>为了复用可视化软件</a:t>
-            </a:r>
-            <a:r>
-              <a:rPr lang="en-US" altLang="zh-CN" sz="1400" b="1" dirty="0" err="1">
-                <a:solidFill>
-                  <a:schemeClr val="tx2">
-                    <a:lumMod val="75000"/>
-                  </a:schemeClr>
-                </a:solidFill>
-                <a:latin typeface="微软雅黑" panose="020B0503020204020204" pitchFamily="34" charset="-122"/>
-                <a:ea typeface="微软雅黑" panose="020B0503020204020204" pitchFamily="34" charset="-122"/>
-              </a:rPr>
-              <a:t>konata</a:t>
-            </a:r>
-            <a:r>
-              <a:rPr lang="zh-CN" altLang="en-US" sz="1400" b="1" dirty="0">
-                <a:solidFill>
-                  <a:schemeClr val="tx2">
-                    <a:lumMod val="75000"/>
-                  </a:schemeClr>
-                </a:solidFill>
-                <a:latin typeface="微软雅黑" panose="020B0503020204020204" pitchFamily="34" charset="-122"/>
-                <a:ea typeface="微软雅黑" panose="020B0503020204020204" pitchFamily="34" charset="-122"/>
-              </a:rPr>
-              <a:t>，需要将</a:t>
-            </a:r>
-            <a:r>
-              <a:rPr lang="en-US" altLang="zh-CN" sz="1400" b="1" dirty="0">
-                <a:solidFill>
-                  <a:schemeClr val="tx2">
-                    <a:lumMod val="75000"/>
-                  </a:schemeClr>
-                </a:solidFill>
-                <a:latin typeface="微软雅黑" panose="020B0503020204020204" pitchFamily="34" charset="-122"/>
-                <a:ea typeface="微软雅黑" panose="020B0503020204020204" pitchFamily="34" charset="-122"/>
-              </a:rPr>
-              <a:t>trace</a:t>
-            </a:r>
-            <a:r>
-              <a:rPr lang="zh-CN" altLang="en-US" sz="1400" b="1" dirty="0">
-                <a:solidFill>
-                  <a:schemeClr val="tx2">
-                    <a:lumMod val="75000"/>
-                  </a:schemeClr>
-                </a:solidFill>
-                <a:latin typeface="微软雅黑" panose="020B0503020204020204" pitchFamily="34" charset="-122"/>
-                <a:ea typeface="微软雅黑" panose="020B0503020204020204" pitchFamily="34" charset="-122"/>
-              </a:rPr>
-              <a:t>的格式转化为之前</a:t>
-            </a:r>
-            <a:r>
-              <a:rPr lang="en-US" altLang="zh-CN" sz="1400" b="1" dirty="0">
-                <a:solidFill>
-                  <a:schemeClr val="tx2">
-                    <a:lumMod val="75000"/>
-                  </a:schemeClr>
-                </a:solidFill>
-                <a:latin typeface="微软雅黑" panose="020B0503020204020204" pitchFamily="34" charset="-122"/>
-                <a:ea typeface="微软雅黑" panose="020B0503020204020204" pitchFamily="34" charset="-122"/>
-              </a:rPr>
-              <a:t>O3PipeView</a:t>
-            </a:r>
-            <a:r>
-              <a:rPr lang="zh-CN" altLang="en-US" sz="1400" b="1" dirty="0">
-                <a:solidFill>
-                  <a:schemeClr val="tx2">
-                    <a:lumMod val="75000"/>
-                  </a:schemeClr>
-                </a:solidFill>
-                <a:latin typeface="微软雅黑" panose="020B0503020204020204" pitchFamily="34" charset="-122"/>
-                <a:ea typeface="微软雅黑" panose="020B0503020204020204" pitchFamily="34" charset="-122"/>
-              </a:rPr>
-              <a:t>的格式</a:t>
-            </a:r>
-            <a:endParaRPr lang="en-US" altLang="zh-CN" sz="1400" b="1" dirty="0">
-              <a:solidFill>
-                <a:schemeClr val="tx2">
-                  <a:lumMod val="75000"/>
-                </a:schemeClr>
-              </a:solidFill>
-              <a:latin typeface="微软雅黑" panose="020B0503020204020204" pitchFamily="34" charset="-122"/>
-              <a:ea typeface="微软雅黑" panose="020B0503020204020204" pitchFamily="34" charset="-122"/>
-            </a:endParaRPr>
-          </a:p>
-          <a:p>
-            <a:pPr marL="342900" indent="-342900">
-              <a:lnSpc>
-                <a:spcPct val="125000"/>
-              </a:lnSpc>
-              <a:buAutoNum type="arabicPeriod"/>
-            </a:pPr>
-            <a:endParaRPr lang="en-US" altLang="zh-CN" sz="1400" b="1" dirty="0">
-              <a:solidFill>
-                <a:schemeClr val="tx2">
-                  <a:lumMod val="75000"/>
-                </a:schemeClr>
-              </a:solidFill>
-              <a:latin typeface="微软雅黑" panose="020B0503020204020204" pitchFamily="34" charset="-122"/>
-              <a:ea typeface="微软雅黑" panose="020B0503020204020204" pitchFamily="34" charset="-122"/>
-            </a:endParaRPr>
-          </a:p>
-        </p:txBody>
-      </p:sp>
-      <p:sp>
-        <p:nvSpPr>
-          <p:cNvPr id="3" name="文本框 2">
-            <a:extLst>
-              <a:ext uri="{FF2B5EF4-FFF2-40B4-BE49-F238E27FC236}">
-                <a16:creationId xmlns:a16="http://schemas.microsoft.com/office/drawing/2014/main" id="{B0A37BEC-0BEE-4540-E4A6-2177FC2D54F0}"/>
-              </a:ext>
-            </a:extLst>
-          </p:cNvPr>
-          <p:cNvSpPr txBox="1"/>
-          <p:nvPr/>
-        </p:nvSpPr>
-        <p:spPr>
-          <a:xfrm>
-            <a:off x="2532068" y="2493638"/>
-            <a:ext cx="5846430" cy="1144929"/>
-          </a:xfrm>
-          <a:prstGeom prst="rect">
-            <a:avLst/>
-          </a:prstGeom>
-          <a:noFill/>
-        </p:spPr>
-        <p:txBody>
-          <a:bodyPr wrap="square" rtlCol="0">
-            <a:spAutoFit/>
-          </a:bodyPr>
-          <a:lstStyle/>
-          <a:p>
-            <a:pPr>
-              <a:lnSpc>
-                <a:spcPct val="125000"/>
-              </a:lnSpc>
-            </a:pPr>
-            <a:r>
-              <a:rPr lang="zh-CN" altLang="en-US" sz="1400" b="1" dirty="0">
-                <a:solidFill>
-                  <a:schemeClr val="tx2">
-                    <a:lumMod val="75000"/>
-                  </a:schemeClr>
-                </a:solidFill>
-                <a:latin typeface="微软雅黑" panose="020B0503020204020204" pitchFamily="34" charset="-122"/>
-                <a:ea typeface="微软雅黑" panose="020B0503020204020204" pitchFamily="34" charset="-122"/>
-              </a:rPr>
-              <a:t>完成的内容：针对</a:t>
-            </a:r>
-            <a:r>
-              <a:rPr lang="zh-CN" altLang="en-US" sz="1400" b="1" dirty="0">
-                <a:solidFill>
-                  <a:srgbClr val="FF0000"/>
-                </a:solidFill>
-                <a:latin typeface="微软雅黑" panose="020B0503020204020204" pitchFamily="34" charset="-122"/>
-                <a:ea typeface="微软雅黑" panose="020B0503020204020204" pitchFamily="34" charset="-122"/>
-              </a:rPr>
-              <a:t>某个</a:t>
-            </a:r>
-            <a:r>
-              <a:rPr lang="en-US" altLang="zh-CN" sz="1400" b="1" dirty="0">
-                <a:solidFill>
-                  <a:srgbClr val="FF0000"/>
-                </a:solidFill>
-                <a:latin typeface="微软雅黑" panose="020B0503020204020204" pitchFamily="34" charset="-122"/>
-                <a:ea typeface="微软雅黑" panose="020B0503020204020204" pitchFamily="34" charset="-122"/>
-              </a:rPr>
-              <a:t>Wavefront</a:t>
-            </a:r>
-            <a:r>
-              <a:rPr lang="zh-CN" altLang="en-US" sz="1400" b="1" dirty="0">
-                <a:solidFill>
-                  <a:srgbClr val="FF0000"/>
-                </a:solidFill>
-                <a:latin typeface="微软雅黑" panose="020B0503020204020204" pitchFamily="34" charset="-122"/>
-                <a:ea typeface="微软雅黑" panose="020B0503020204020204" pitchFamily="34" charset="-122"/>
-              </a:rPr>
-              <a:t>指令</a:t>
-            </a:r>
-            <a:r>
-              <a:rPr lang="zh-CN" altLang="en-US" sz="1400" b="1" dirty="0">
-                <a:solidFill>
-                  <a:schemeClr val="tx2">
-                    <a:lumMod val="75000"/>
-                  </a:schemeClr>
-                </a:solidFill>
-                <a:latin typeface="微软雅黑" panose="020B0503020204020204" pitchFamily="34" charset="-122"/>
-                <a:ea typeface="微软雅黑" panose="020B0503020204020204" pitchFamily="34" charset="-122"/>
-              </a:rPr>
-              <a:t>执行情况</a:t>
-            </a:r>
-            <a:endParaRPr lang="en-US" altLang="zh-CN" sz="1400" b="1" dirty="0">
-              <a:solidFill>
-                <a:schemeClr val="tx2">
-                  <a:lumMod val="75000"/>
-                </a:schemeClr>
-              </a:solidFill>
-              <a:latin typeface="微软雅黑" panose="020B0503020204020204" pitchFamily="34" charset="-122"/>
-              <a:ea typeface="微软雅黑" panose="020B0503020204020204" pitchFamily="34" charset="-122"/>
-            </a:endParaRPr>
-          </a:p>
-          <a:p>
-            <a:pPr marL="342900" indent="-342900">
-              <a:lnSpc>
-                <a:spcPct val="125000"/>
-              </a:lnSpc>
-              <a:buAutoNum type="arabicPeriod"/>
-            </a:pPr>
-            <a:r>
-              <a:rPr lang="en-US" altLang="zh-CN" sz="1400" b="1" dirty="0">
-                <a:solidFill>
-                  <a:schemeClr val="tx2">
-                    <a:lumMod val="75000"/>
-                  </a:schemeClr>
-                </a:solidFill>
-                <a:latin typeface="微软雅黑" panose="020B0503020204020204" pitchFamily="34" charset="-122"/>
-                <a:ea typeface="微软雅黑" panose="020B0503020204020204" pitchFamily="34" charset="-122"/>
-              </a:rPr>
-              <a:t>Trace</a:t>
-            </a:r>
-            <a:r>
-              <a:rPr lang="zh-CN" altLang="en-US" sz="1400" b="1" dirty="0">
-                <a:solidFill>
-                  <a:schemeClr val="tx2">
-                    <a:lumMod val="75000"/>
-                  </a:schemeClr>
-                </a:solidFill>
-                <a:latin typeface="微软雅黑" panose="020B0503020204020204" pitchFamily="34" charset="-122"/>
-                <a:ea typeface="微软雅黑" panose="020B0503020204020204" pitchFamily="34" charset="-122"/>
-              </a:rPr>
-              <a:t>文件：每条指令在每一流水级耗费的</a:t>
-            </a:r>
-            <a:r>
-              <a:rPr lang="en-US" altLang="zh-CN" sz="1400" b="1" dirty="0">
-                <a:solidFill>
-                  <a:schemeClr val="tx2">
-                    <a:lumMod val="75000"/>
-                  </a:schemeClr>
-                </a:solidFill>
-                <a:latin typeface="微软雅黑" panose="020B0503020204020204" pitchFamily="34" charset="-122"/>
-                <a:ea typeface="微软雅黑" panose="020B0503020204020204" pitchFamily="34" charset="-122"/>
-              </a:rPr>
-              <a:t>tick</a:t>
-            </a:r>
-          </a:p>
-          <a:p>
-            <a:pPr marL="342900" indent="-342900">
-              <a:lnSpc>
-                <a:spcPct val="125000"/>
-              </a:lnSpc>
-              <a:buAutoNum type="arabicPeriod"/>
-            </a:pPr>
-            <a:r>
-              <a:rPr lang="zh-CN" altLang="en-US" sz="1400" b="1" dirty="0">
-                <a:solidFill>
-                  <a:schemeClr val="tx2">
-                    <a:lumMod val="75000"/>
-                  </a:schemeClr>
-                </a:solidFill>
-                <a:latin typeface="微软雅黑" panose="020B0503020204020204" pitchFamily="34" charset="-122"/>
-                <a:ea typeface="微软雅黑" panose="020B0503020204020204" pitchFamily="34" charset="-122"/>
-              </a:rPr>
-              <a:t>流水线可视化：使用</a:t>
-            </a:r>
-            <a:r>
-              <a:rPr lang="en-US" altLang="zh-CN" sz="1400" b="1" dirty="0" err="1">
-                <a:solidFill>
-                  <a:schemeClr val="tx2">
-                    <a:lumMod val="75000"/>
-                  </a:schemeClr>
-                </a:solidFill>
-                <a:latin typeface="微软雅黑" panose="020B0503020204020204" pitchFamily="34" charset="-122"/>
-                <a:ea typeface="微软雅黑" panose="020B0503020204020204" pitchFamily="34" charset="-122"/>
-              </a:rPr>
-              <a:t>konata</a:t>
-            </a:r>
-            <a:r>
-              <a:rPr lang="zh-CN" altLang="en-US" sz="1400" b="1" dirty="0">
-                <a:solidFill>
-                  <a:schemeClr val="tx2">
-                    <a:lumMod val="75000"/>
-                  </a:schemeClr>
-                </a:solidFill>
-                <a:latin typeface="微软雅黑" panose="020B0503020204020204" pitchFamily="34" charset="-122"/>
-                <a:ea typeface="微软雅黑" panose="020B0503020204020204" pitchFamily="34" charset="-122"/>
-              </a:rPr>
-              <a:t>软件：图</a:t>
-            </a:r>
-            <a:endParaRPr lang="en-US" altLang="zh-CN" sz="1400" b="1" dirty="0">
-              <a:solidFill>
-                <a:schemeClr val="tx2">
-                  <a:lumMod val="75000"/>
-                </a:schemeClr>
-              </a:solidFill>
-              <a:latin typeface="微软雅黑" panose="020B0503020204020204" pitchFamily="34" charset="-122"/>
-              <a:ea typeface="微软雅黑" panose="020B0503020204020204" pitchFamily="34" charset="-122"/>
-            </a:endParaRPr>
-          </a:p>
-          <a:p>
-            <a:pPr marL="342900" indent="-342900">
-              <a:lnSpc>
-                <a:spcPct val="125000"/>
-              </a:lnSpc>
-              <a:buAutoNum type="arabicPeriod"/>
-            </a:pPr>
-            <a:r>
-              <a:rPr lang="zh-CN" altLang="en-US" sz="1400" b="1" dirty="0">
-                <a:solidFill>
-                  <a:schemeClr val="tx2">
-                    <a:lumMod val="75000"/>
-                  </a:schemeClr>
-                </a:solidFill>
-                <a:latin typeface="微软雅黑" panose="020B0503020204020204" pitchFamily="34" charset="-122"/>
-                <a:ea typeface="微软雅黑" panose="020B0503020204020204" pitchFamily="34" charset="-122"/>
-              </a:rPr>
-              <a:t>尚有不完善之处：名称</a:t>
-            </a:r>
-            <a:r>
-              <a:rPr lang="en-US" altLang="zh-CN" sz="1400" b="1" dirty="0">
-                <a:solidFill>
-                  <a:schemeClr val="tx2">
-                    <a:lumMod val="75000"/>
-                  </a:schemeClr>
-                </a:solidFill>
-                <a:latin typeface="微软雅黑" panose="020B0503020204020204" pitchFamily="34" charset="-122"/>
-                <a:ea typeface="微软雅黑" panose="020B0503020204020204" pitchFamily="34" charset="-122"/>
-              </a:rPr>
-              <a:t>/</a:t>
-            </a:r>
-            <a:r>
-              <a:rPr lang="zh-CN" altLang="en-US" sz="1400" b="1" dirty="0">
-                <a:solidFill>
-                  <a:schemeClr val="tx2">
-                    <a:lumMod val="75000"/>
-                  </a:schemeClr>
-                </a:solidFill>
-                <a:latin typeface="微软雅黑" panose="020B0503020204020204" pitchFamily="34" charset="-122"/>
-                <a:ea typeface="微软雅黑" panose="020B0503020204020204" pitchFamily="34" charset="-122"/>
-              </a:rPr>
-              <a:t>取指</a:t>
-            </a:r>
-            <a:r>
-              <a:rPr lang="en-US" altLang="zh-CN" sz="1400" b="1" dirty="0">
-                <a:solidFill>
-                  <a:schemeClr val="tx2">
-                    <a:lumMod val="75000"/>
-                  </a:schemeClr>
-                </a:solidFill>
-                <a:latin typeface="微软雅黑" panose="020B0503020204020204" pitchFamily="34" charset="-122"/>
-                <a:ea typeface="微软雅黑" panose="020B0503020204020204" pitchFamily="34" charset="-122"/>
-              </a:rPr>
-              <a:t>/</a:t>
-            </a:r>
-            <a:r>
-              <a:rPr lang="zh-CN" altLang="en-US" sz="1400" b="1" dirty="0">
-                <a:solidFill>
-                  <a:schemeClr val="tx2">
-                    <a:lumMod val="75000"/>
-                  </a:schemeClr>
-                </a:solidFill>
-                <a:latin typeface="微软雅黑" panose="020B0503020204020204" pitchFamily="34" charset="-122"/>
-                <a:ea typeface="微软雅黑" panose="020B0503020204020204" pitchFamily="34" charset="-122"/>
-              </a:rPr>
-              <a:t>访存</a:t>
-            </a:r>
-            <a:endParaRPr lang="en-US" altLang="zh-CN" sz="1400" b="1" dirty="0">
-              <a:solidFill>
-                <a:schemeClr val="tx2">
-                  <a:lumMod val="75000"/>
-                </a:schemeClr>
-              </a:solidFill>
-              <a:latin typeface="微软雅黑" panose="020B0503020204020204" pitchFamily="34" charset="-122"/>
-              <a:ea typeface="微软雅黑" panose="020B0503020204020204" pitchFamily="34" charset="-122"/>
-            </a:endParaRPr>
-          </a:p>
-        </p:txBody>
-      </p:sp>
-      <p:sp>
-        <p:nvSpPr>
-          <p:cNvPr id="8" name="文本框 7">
-            <a:extLst>
-              <a:ext uri="{FF2B5EF4-FFF2-40B4-BE49-F238E27FC236}">
-                <a16:creationId xmlns:a16="http://schemas.microsoft.com/office/drawing/2014/main" id="{C04D8109-68D6-A396-C57E-33BE168571E4}"/>
-              </a:ext>
-            </a:extLst>
-          </p:cNvPr>
-          <p:cNvSpPr txBox="1"/>
-          <p:nvPr/>
-        </p:nvSpPr>
-        <p:spPr>
-          <a:xfrm>
-            <a:off x="2620779" y="4307832"/>
-            <a:ext cx="5846430" cy="1144929"/>
-          </a:xfrm>
-          <a:prstGeom prst="rect">
-            <a:avLst/>
-          </a:prstGeom>
-          <a:noFill/>
-        </p:spPr>
-        <p:txBody>
-          <a:bodyPr wrap="square" rtlCol="0">
-            <a:spAutoFit/>
-          </a:bodyPr>
-          <a:lstStyle/>
-          <a:p>
-            <a:pPr>
-              <a:lnSpc>
-                <a:spcPct val="125000"/>
-              </a:lnSpc>
-            </a:pPr>
-            <a:r>
-              <a:rPr lang="zh-CN" altLang="en-US" sz="1400" b="1" dirty="0">
-                <a:solidFill>
-                  <a:schemeClr val="tx2">
-                    <a:lumMod val="75000"/>
-                  </a:schemeClr>
-                </a:solidFill>
-                <a:latin typeface="微软雅黑" panose="020B0503020204020204" pitchFamily="34" charset="-122"/>
-                <a:ea typeface="微软雅黑" panose="020B0503020204020204" pitchFamily="34" charset="-122"/>
-              </a:rPr>
-              <a:t>待完成的内容：</a:t>
-            </a:r>
-            <a:endParaRPr lang="en-US" altLang="zh-CN" sz="1400" b="1" dirty="0">
-              <a:solidFill>
-                <a:schemeClr val="tx2">
-                  <a:lumMod val="75000"/>
-                </a:schemeClr>
-              </a:solidFill>
-              <a:latin typeface="微软雅黑" panose="020B0503020204020204" pitchFamily="34" charset="-122"/>
-              <a:ea typeface="微软雅黑" panose="020B0503020204020204" pitchFamily="34" charset="-122"/>
-            </a:endParaRPr>
-          </a:p>
-          <a:p>
-            <a:pPr marL="342900" indent="-342900">
-              <a:lnSpc>
-                <a:spcPct val="125000"/>
-              </a:lnSpc>
-              <a:buAutoNum type="arabicPeriod"/>
-            </a:pPr>
-            <a:r>
-              <a:rPr lang="zh-CN" altLang="en-US" sz="1400" b="1" dirty="0">
-                <a:solidFill>
-                  <a:schemeClr val="tx2">
-                    <a:lumMod val="75000"/>
-                  </a:schemeClr>
-                </a:solidFill>
-                <a:latin typeface="微软雅黑" panose="020B0503020204020204" pitchFamily="34" charset="-122"/>
-                <a:ea typeface="微软雅黑" panose="020B0503020204020204" pitchFamily="34" charset="-122"/>
-              </a:rPr>
-              <a:t>打印出流水级停顿的原因</a:t>
-            </a:r>
-            <a:endParaRPr lang="en-US" altLang="zh-CN" sz="1400" b="1" dirty="0">
-              <a:solidFill>
-                <a:schemeClr val="tx2">
-                  <a:lumMod val="75000"/>
-                </a:schemeClr>
-              </a:solidFill>
-              <a:latin typeface="微软雅黑" panose="020B0503020204020204" pitchFamily="34" charset="-122"/>
-              <a:ea typeface="微软雅黑" panose="020B0503020204020204" pitchFamily="34" charset="-122"/>
-            </a:endParaRPr>
-          </a:p>
-          <a:p>
-            <a:pPr marL="342900" indent="-342900">
-              <a:lnSpc>
-                <a:spcPct val="125000"/>
-              </a:lnSpc>
-              <a:buAutoNum type="arabicPeriod"/>
-            </a:pPr>
-            <a:r>
-              <a:rPr lang="zh-CN" altLang="en-US" sz="1400" b="1" dirty="0">
-                <a:solidFill>
-                  <a:schemeClr val="tx2">
-                    <a:lumMod val="75000"/>
-                  </a:schemeClr>
-                </a:solidFill>
-                <a:latin typeface="微软雅黑" panose="020B0503020204020204" pitchFamily="34" charset="-122"/>
-                <a:ea typeface="微软雅黑" panose="020B0503020204020204" pitchFamily="34" charset="-122"/>
-              </a:rPr>
-              <a:t>支持</a:t>
-            </a:r>
-            <a:r>
-              <a:rPr lang="en-US" altLang="zh-CN" sz="1400" b="1" dirty="0">
-                <a:solidFill>
-                  <a:schemeClr val="tx2">
-                    <a:lumMod val="75000"/>
-                  </a:schemeClr>
-                </a:solidFill>
-                <a:latin typeface="微软雅黑" panose="020B0503020204020204" pitchFamily="34" charset="-122"/>
-                <a:ea typeface="微软雅黑" panose="020B0503020204020204" pitchFamily="34" charset="-122"/>
-              </a:rPr>
-              <a:t>miss</a:t>
-            </a:r>
-            <a:r>
-              <a:rPr lang="zh-CN" altLang="en-US" sz="1400" b="1" dirty="0">
-                <a:solidFill>
-                  <a:schemeClr val="tx2">
-                    <a:lumMod val="75000"/>
-                  </a:schemeClr>
-                </a:solidFill>
-                <a:latin typeface="微软雅黑" panose="020B0503020204020204" pitchFamily="34" charset="-122"/>
-                <a:ea typeface="微软雅黑" panose="020B0503020204020204" pitchFamily="34" charset="-122"/>
-              </a:rPr>
-              <a:t>指令</a:t>
-            </a:r>
-            <a:endParaRPr lang="en-US" altLang="zh-CN" sz="1400" b="1" dirty="0">
-              <a:solidFill>
-                <a:schemeClr val="tx2">
-                  <a:lumMod val="75000"/>
-                </a:schemeClr>
-              </a:solidFill>
-              <a:latin typeface="微软雅黑" panose="020B0503020204020204" pitchFamily="34" charset="-122"/>
-              <a:ea typeface="微软雅黑" panose="020B0503020204020204" pitchFamily="34" charset="-122"/>
-            </a:endParaRPr>
-          </a:p>
-          <a:p>
-            <a:pPr marL="342900" indent="-342900">
-              <a:lnSpc>
-                <a:spcPct val="125000"/>
-              </a:lnSpc>
-              <a:buAutoNum type="arabicPeriod"/>
-            </a:pPr>
-            <a:r>
-              <a:rPr lang="zh-CN" altLang="en-US" sz="1400" b="1" dirty="0">
-                <a:solidFill>
-                  <a:schemeClr val="tx2">
-                    <a:lumMod val="75000"/>
-                  </a:schemeClr>
-                </a:solidFill>
-                <a:latin typeface="微软雅黑" panose="020B0503020204020204" pitchFamily="34" charset="-122"/>
-                <a:ea typeface="微软雅黑" panose="020B0503020204020204" pitchFamily="34" charset="-122"/>
-              </a:rPr>
-              <a:t>分析各个</a:t>
-            </a:r>
-            <a:r>
-              <a:rPr lang="en-US" altLang="zh-CN" sz="1400" b="1" dirty="0" err="1">
-                <a:solidFill>
-                  <a:schemeClr val="tx2">
-                    <a:lumMod val="75000"/>
-                  </a:schemeClr>
-                </a:solidFill>
-                <a:latin typeface="微软雅黑" panose="020B0503020204020204" pitchFamily="34" charset="-122"/>
-                <a:ea typeface="微软雅黑" panose="020B0503020204020204" pitchFamily="34" charset="-122"/>
-              </a:rPr>
-              <a:t>simd</a:t>
-            </a:r>
-            <a:r>
-              <a:rPr lang="zh-CN" altLang="en-US" sz="1400" b="1" dirty="0">
-                <a:solidFill>
-                  <a:schemeClr val="tx2">
-                    <a:lumMod val="75000"/>
-                  </a:schemeClr>
-                </a:solidFill>
-                <a:latin typeface="微软雅黑" panose="020B0503020204020204" pitchFamily="34" charset="-122"/>
-                <a:ea typeface="微软雅黑" panose="020B0503020204020204" pitchFamily="34" charset="-122"/>
-              </a:rPr>
-              <a:t>情况</a:t>
-            </a:r>
-            <a:endParaRPr lang="en-US" altLang="zh-CN" sz="1400" b="1" dirty="0">
-              <a:solidFill>
-                <a:schemeClr val="tx2">
-                  <a:lumMod val="75000"/>
-                </a:schemeClr>
-              </a:solidFill>
-              <a:latin typeface="微软雅黑" panose="020B0503020204020204" pitchFamily="34" charset="-122"/>
-              <a:ea typeface="微软雅黑" panose="020B0503020204020204" pitchFamily="34" charset="-122"/>
-            </a:endParaRPr>
-          </a:p>
-        </p:txBody>
-      </p:sp>
-    </p:spTree>
-    <p:extLst>
-      <p:ext uri="{BB962C8B-B14F-4D97-AF65-F5344CB8AC3E}">
-        <p14:creationId xmlns:p14="http://schemas.microsoft.com/office/powerpoint/2010/main" val="501469793"/>
-      </p:ext>
-    </p:extLst>
-  </p:cSld>
-  <p:clrMapOvr>
-    <a:masterClrMapping/>
-  </p:clrMapOvr>
-</p:sld>
-</file>
-
-<file path=ppt/slides/slide20.xml><?xml version="1.0" encoding="utf-8"?>
+<file path=ppt/slides/slide21.xml><?xml version="1.0" encoding="utf-8"?>
 <p:sld xmlns:a="http://schemas.openxmlformats.org/drawingml/2006/main" xmlns:r="http://schemas.openxmlformats.org/officeDocument/2006/relationships" xmlns:p="http://schemas.openxmlformats.org/presentationml/2006/main">
   <p:cSld>
     <p:spTree>
@@ -19573,7 +20336,7 @@
 </p:sld>
 </file>
 
-<file path=ppt/slides/slide21.xml><?xml version="1.0" encoding="utf-8"?>
+<file path=ppt/slides/slide22.xml><?xml version="1.0" encoding="utf-8"?>
 <p:sld xmlns:a="http://schemas.openxmlformats.org/drawingml/2006/main" xmlns:r="http://schemas.openxmlformats.org/officeDocument/2006/relationships" xmlns:p="http://schemas.openxmlformats.org/presentationml/2006/main">
   <p:cSld>
     <p:spTree>
@@ -20649,7 +21412,7 @@
 </p:sld>
 </file>
 
-<file path=ppt/slides/slide22.xml><?xml version="1.0" encoding="utf-8"?>
+<file path=ppt/slides/slide23.xml><?xml version="1.0" encoding="utf-8"?>
 <p:sld xmlns:a="http://schemas.openxmlformats.org/drawingml/2006/main" xmlns:r="http://schemas.openxmlformats.org/officeDocument/2006/relationships" xmlns:p="http://schemas.openxmlformats.org/presentationml/2006/main">
   <p:cSld>
     <p:spTree>
@@ -22641,7 +23404,7 @@
               <a:t>EXE</a:t>
             </a:r>
             <a:r>
-              <a:rPr lang="zh-CN" altLang="en-US" sz="1400" b="1">
+              <a:rPr lang="zh-CN" altLang="en-US" sz="1400" b="1" dirty="0">
                 <a:solidFill>
                   <a:schemeClr val="tx2">
                     <a:lumMod val="75000"/>
@@ -23106,7 +23869,7 @@
         <p:cNvPr id="1" name="">
           <a:extLst>
             <a:ext uri="{FF2B5EF4-FFF2-40B4-BE49-F238E27FC236}">
-              <a16:creationId xmlns:a16="http://schemas.microsoft.com/office/drawing/2014/main" id="{5829C03B-38BB-5A49-5B94-FC16BB154F99}"/>
+              <a16:creationId xmlns:a16="http://schemas.microsoft.com/office/drawing/2014/main" id="{7112BC0E-EF7A-1262-00CF-EC0EB0E29DB1}"/>
             </a:ext>
           </a:extLst>
         </p:cNvPr>
@@ -23126,7 +23889,7 @@
           <p:cNvPr id="4" name="Picture 2" descr="哈工大物联网智慧校园设计方案_Lighton（来同）品牌">
             <a:extLst>
               <a:ext uri="{FF2B5EF4-FFF2-40B4-BE49-F238E27FC236}">
-                <a16:creationId xmlns:a16="http://schemas.microsoft.com/office/drawing/2014/main" id="{1F254252-58DD-1E02-12B9-3033B9ACD947}"/>
+                <a16:creationId xmlns:a16="http://schemas.microsoft.com/office/drawing/2014/main" id="{6BB75779-0162-C947-5D0D-0F1801B2CB81}"/>
               </a:ext>
             </a:extLst>
           </p:cNvPr>
@@ -23173,7 +23936,7 @@
           <p:cNvPr id="5" name="矩形 4">
             <a:extLst>
               <a:ext uri="{FF2B5EF4-FFF2-40B4-BE49-F238E27FC236}">
-                <a16:creationId xmlns:a16="http://schemas.microsoft.com/office/drawing/2014/main" id="{426F82F4-821C-6DAB-BC3B-11F186848458}"/>
+                <a16:creationId xmlns:a16="http://schemas.microsoft.com/office/drawing/2014/main" id="{019EC285-9F83-B1B7-3945-4AF423F6B0B6}"/>
               </a:ext>
             </a:extLst>
           </p:cNvPr>
@@ -23247,7 +24010,7 @@
           <p:cNvPr id="7" name="文本框 6">
             <a:extLst>
               <a:ext uri="{FF2B5EF4-FFF2-40B4-BE49-F238E27FC236}">
-                <a16:creationId xmlns:a16="http://schemas.microsoft.com/office/drawing/2014/main" id="{BBE837A5-51F7-19A6-4D0F-B1A068ACE75D}"/>
+                <a16:creationId xmlns:a16="http://schemas.microsoft.com/office/drawing/2014/main" id="{FA446940-6B49-CD4D-4369-9BB7BB675CFC}"/>
               </a:ext>
             </a:extLst>
           </p:cNvPr>
@@ -23280,19 +24043,19 @@
                 <a:latin typeface="微软雅黑" panose="020B0503020204020204" pitchFamily="34" charset="-122"/>
                 <a:ea typeface="微软雅黑" panose="020B0503020204020204" pitchFamily="34" charset="-122"/>
               </a:rPr>
-              <a:t>02  </a:t>
-            </a:r>
-            <a:r>
-              <a:rPr lang="en-US" altLang="zh-CN" sz="2800" b="1" dirty="0" err="1">
-                <a:solidFill>
-                  <a:schemeClr val="tx2">
-                    <a:lumMod val="75000"/>
-                  </a:schemeClr>
-                </a:solidFill>
-                <a:latin typeface="微软雅黑" panose="020B0503020204020204" pitchFamily="34" charset="-122"/>
-                <a:ea typeface="微软雅黑" panose="020B0503020204020204" pitchFamily="34" charset="-122"/>
-              </a:rPr>
-              <a:t>inst</a:t>
+              <a:t>03 </a:t>
+            </a:r>
+            <a:r>
+              <a:rPr lang="zh-CN" altLang="en-US" sz="2800" b="1" dirty="0">
+                <a:solidFill>
+                  <a:schemeClr val="tx2">
+                    <a:lumMod val="75000"/>
+                  </a:schemeClr>
+                </a:solidFill>
+                <a:latin typeface="微软雅黑" panose="020B0503020204020204" pitchFamily="34" charset="-122"/>
+                <a:ea typeface="微软雅黑" panose="020B0503020204020204" pitchFamily="34" charset="-122"/>
+              </a:rPr>
+              <a:t>遗留问题</a:t>
             </a:r>
             <a:endParaRPr lang="en-US" altLang="zh-CN" sz="2800" b="1" dirty="0">
               <a:solidFill>
@@ -23308,10 +24071,10 @@
       </p:sp>
       <p:sp>
         <p:nvSpPr>
-          <p:cNvPr id="10" name="文本框 9">
+          <p:cNvPr id="8" name="文本框 7">
             <a:extLst>
               <a:ext uri="{FF2B5EF4-FFF2-40B4-BE49-F238E27FC236}">
-                <a16:creationId xmlns:a16="http://schemas.microsoft.com/office/drawing/2014/main" id="{3B26483A-42AF-3060-20B6-4E2984EA9C3A}"/>
+                <a16:creationId xmlns:a16="http://schemas.microsoft.com/office/drawing/2014/main" id="{442160BA-CF95-389D-61C9-F9EAF60C80D2}"/>
               </a:ext>
             </a:extLst>
           </p:cNvPr>
@@ -23320,8 +24083,8 @@
         </p:nvSpPr>
         <p:spPr>
           <a:xfrm>
-            <a:off x="8762781" y="1772477"/>
-            <a:ext cx="2943372" cy="4457054"/>
+            <a:off x="3365808" y="1533745"/>
+            <a:ext cx="5805487" cy="337015"/>
           </a:xfrm>
           <a:prstGeom prst="rect">
             <a:avLst/>
@@ -23340,817 +24103,16 @@
               </a:lnSpc>
             </a:pPr>
             <a:r>
-              <a:rPr lang="en-US" altLang="zh-CN" sz="1200" b="1" dirty="0" err="1">
-                <a:solidFill>
-                  <a:schemeClr val="tx2">
-                    <a:lumMod val="75000"/>
-                  </a:schemeClr>
-                </a:solidFill>
-                <a:latin typeface="微软雅黑" panose="020B0503020204020204" pitchFamily="34" charset="-122"/>
-                <a:ea typeface="微软雅黑" panose="020B0503020204020204" pitchFamily="34" charset="-122"/>
-              </a:rPr>
-              <a:t>VectorALU</a:t>
-            </a:r>
-            <a:r>
-              <a:rPr lang="zh-CN" altLang="en-US" sz="1200" b="1" dirty="0">
-                <a:solidFill>
-                  <a:schemeClr val="tx2">
-                    <a:lumMod val="75000"/>
-                  </a:schemeClr>
-                </a:solidFill>
-                <a:latin typeface="微软雅黑" panose="020B0503020204020204" pitchFamily="34" charset="-122"/>
-                <a:ea typeface="微软雅黑" panose="020B0503020204020204" pitchFamily="34" charset="-122"/>
-              </a:rPr>
-              <a:t>：</a:t>
-            </a:r>
-            <a:endParaRPr lang="en-US" altLang="zh-CN" sz="1200" b="1" dirty="0">
-              <a:solidFill>
-                <a:schemeClr val="tx2">
-                  <a:lumMod val="75000"/>
-                </a:schemeClr>
-              </a:solidFill>
-              <a:latin typeface="微软雅黑" panose="020B0503020204020204" pitchFamily="34" charset="-122"/>
-              <a:ea typeface="微软雅黑" panose="020B0503020204020204" pitchFamily="34" charset="-122"/>
-            </a:endParaRPr>
-          </a:p>
-          <a:p>
-            <a:pPr marL="342900" indent="-342900">
-              <a:lnSpc>
-                <a:spcPct val="125000"/>
-              </a:lnSpc>
-              <a:buAutoNum type="arabicPeriod"/>
-            </a:pPr>
-            <a:r>
-              <a:rPr lang="en-US" altLang="zh-CN" sz="1200" b="1" dirty="0">
-                <a:solidFill>
-                  <a:schemeClr val="tx2">
-                    <a:lumMod val="75000"/>
-                  </a:schemeClr>
-                </a:solidFill>
-                <a:latin typeface="微软雅黑" panose="020B0503020204020204" pitchFamily="34" charset="-122"/>
-                <a:ea typeface="微软雅黑" panose="020B0503020204020204" pitchFamily="34" charset="-122"/>
-              </a:rPr>
-              <a:t>VOPC/VOP1/VOP2/VOP3</a:t>
-            </a:r>
-          </a:p>
-          <a:p>
-            <a:pPr marL="342900" indent="-342900">
-              <a:lnSpc>
-                <a:spcPct val="125000"/>
-              </a:lnSpc>
-              <a:buAutoNum type="arabicPeriod"/>
-            </a:pPr>
-            <a:endParaRPr lang="en-US" altLang="zh-CN" sz="1200" b="1" dirty="0">
-              <a:solidFill>
-                <a:schemeClr val="tx2">
-                  <a:lumMod val="75000"/>
-                </a:schemeClr>
-              </a:solidFill>
-              <a:latin typeface="微软雅黑" panose="020B0503020204020204" pitchFamily="34" charset="-122"/>
-              <a:ea typeface="微软雅黑" panose="020B0503020204020204" pitchFamily="34" charset="-122"/>
-            </a:endParaRPr>
-          </a:p>
-          <a:p>
-            <a:pPr>
-              <a:lnSpc>
-                <a:spcPct val="125000"/>
-              </a:lnSpc>
-            </a:pPr>
-            <a:r>
-              <a:rPr lang="en-US" altLang="zh-CN" sz="1200" b="1" dirty="0" err="1">
-                <a:solidFill>
-                  <a:schemeClr val="tx2">
-                    <a:lumMod val="75000"/>
-                  </a:schemeClr>
-                </a:solidFill>
-                <a:latin typeface="微软雅黑" panose="020B0503020204020204" pitchFamily="34" charset="-122"/>
-                <a:ea typeface="微软雅黑" panose="020B0503020204020204" pitchFamily="34" charset="-122"/>
-              </a:rPr>
-              <a:t>ScalarALU</a:t>
-            </a:r>
-            <a:r>
-              <a:rPr lang="zh-CN" altLang="en-US" sz="1200" b="1" dirty="0">
-                <a:solidFill>
-                  <a:schemeClr val="tx2">
-                    <a:lumMod val="75000"/>
-                  </a:schemeClr>
-                </a:solidFill>
-                <a:latin typeface="微软雅黑" panose="020B0503020204020204" pitchFamily="34" charset="-122"/>
-                <a:ea typeface="微软雅黑" panose="020B0503020204020204" pitchFamily="34" charset="-122"/>
-              </a:rPr>
-              <a:t>：</a:t>
-            </a:r>
-            <a:endParaRPr lang="en-US" altLang="zh-CN" sz="1200" b="1" dirty="0">
-              <a:solidFill>
-                <a:schemeClr val="tx2">
-                  <a:lumMod val="75000"/>
-                </a:schemeClr>
-              </a:solidFill>
-              <a:latin typeface="微软雅黑" panose="020B0503020204020204" pitchFamily="34" charset="-122"/>
-              <a:ea typeface="微软雅黑" panose="020B0503020204020204" pitchFamily="34" charset="-122"/>
-            </a:endParaRPr>
-          </a:p>
-          <a:p>
-            <a:pPr marL="342900" indent="-342900">
-              <a:lnSpc>
-                <a:spcPct val="125000"/>
-              </a:lnSpc>
-              <a:buAutoNum type="arabicPeriod"/>
-            </a:pPr>
-            <a:r>
-              <a:rPr lang="en-US" altLang="zh-CN" sz="1200" b="1" dirty="0">
-                <a:solidFill>
-                  <a:schemeClr val="tx2">
-                    <a:lumMod val="75000"/>
-                  </a:schemeClr>
-                </a:solidFill>
-                <a:latin typeface="微软雅黑" panose="020B0503020204020204" pitchFamily="34" charset="-122"/>
-                <a:ea typeface="微软雅黑" panose="020B0503020204020204" pitchFamily="34" charset="-122"/>
-              </a:rPr>
-              <a:t>SOPP</a:t>
-            </a:r>
-            <a:r>
-              <a:rPr lang="zh-CN" altLang="en-US" sz="1200" b="1" dirty="0">
-                <a:solidFill>
-                  <a:schemeClr val="tx2">
-                    <a:lumMod val="75000"/>
-                  </a:schemeClr>
-                </a:solidFill>
-                <a:latin typeface="微软雅黑" panose="020B0503020204020204" pitchFamily="34" charset="-122"/>
-                <a:ea typeface="微软雅黑" panose="020B0503020204020204" pitchFamily="34" charset="-122"/>
-              </a:rPr>
-              <a:t>：分支 空操作等</a:t>
-            </a:r>
-            <a:endParaRPr lang="en-US" altLang="zh-CN" sz="1200" b="1" dirty="0">
-              <a:solidFill>
-                <a:schemeClr val="tx2">
-                  <a:lumMod val="75000"/>
-                </a:schemeClr>
-              </a:solidFill>
-              <a:latin typeface="微软雅黑" panose="020B0503020204020204" pitchFamily="34" charset="-122"/>
-              <a:ea typeface="微软雅黑" panose="020B0503020204020204" pitchFamily="34" charset="-122"/>
-            </a:endParaRPr>
-          </a:p>
-          <a:p>
-            <a:pPr marL="342900" indent="-342900">
-              <a:lnSpc>
-                <a:spcPct val="125000"/>
-              </a:lnSpc>
-              <a:buAutoNum type="arabicPeriod"/>
-            </a:pPr>
-            <a:r>
-              <a:rPr lang="en-US" altLang="zh-CN" sz="1200" b="1" dirty="0">
-                <a:solidFill>
-                  <a:schemeClr val="tx2">
-                    <a:lumMod val="75000"/>
-                  </a:schemeClr>
-                </a:solidFill>
-                <a:latin typeface="微软雅黑" panose="020B0503020204020204" pitchFamily="34" charset="-122"/>
-                <a:ea typeface="微软雅黑" panose="020B0503020204020204" pitchFamily="34" charset="-122"/>
-              </a:rPr>
-              <a:t>SOPC/SOPK/SOP1/SOP2</a:t>
-            </a:r>
-            <a:r>
-              <a:rPr lang="zh-CN" altLang="en-US" sz="1200" b="1" dirty="0">
-                <a:solidFill>
-                  <a:schemeClr val="tx2">
-                    <a:lumMod val="75000"/>
-                  </a:schemeClr>
-                </a:solidFill>
-                <a:latin typeface="微软雅黑" panose="020B0503020204020204" pitchFamily="34" charset="-122"/>
-                <a:ea typeface="微软雅黑" panose="020B0503020204020204" pitchFamily="34" charset="-122"/>
-              </a:rPr>
-              <a:t>：普通计算 </a:t>
-            </a:r>
-            <a:r>
-              <a:rPr lang="en-US" altLang="zh-CN" sz="1200" b="1" dirty="0">
-                <a:solidFill>
-                  <a:schemeClr val="tx2">
-                    <a:lumMod val="75000"/>
-                  </a:schemeClr>
-                </a:solidFill>
-                <a:latin typeface="微软雅黑" panose="020B0503020204020204" pitchFamily="34" charset="-122"/>
-                <a:ea typeface="微软雅黑" panose="020B0503020204020204" pitchFamily="34" charset="-122"/>
-              </a:rPr>
-              <a:t>divergence</a:t>
-            </a:r>
-          </a:p>
-          <a:p>
-            <a:pPr marL="342900" indent="-342900">
-              <a:lnSpc>
-                <a:spcPct val="125000"/>
-              </a:lnSpc>
-              <a:buAutoNum type="arabicPeriod"/>
-            </a:pPr>
-            <a:endParaRPr lang="en-US" altLang="zh-CN" sz="1200" b="1" dirty="0">
-              <a:solidFill>
-                <a:schemeClr val="tx2">
-                  <a:lumMod val="75000"/>
-                </a:schemeClr>
-              </a:solidFill>
-              <a:latin typeface="微软雅黑" panose="020B0503020204020204" pitchFamily="34" charset="-122"/>
-              <a:ea typeface="微软雅黑" panose="020B0503020204020204" pitchFamily="34" charset="-122"/>
-            </a:endParaRPr>
-          </a:p>
-          <a:p>
-            <a:pPr>
-              <a:lnSpc>
-                <a:spcPct val="125000"/>
-              </a:lnSpc>
-            </a:pPr>
-            <a:r>
-              <a:rPr lang="en-US" altLang="zh-CN" sz="1200" b="1" dirty="0" err="1">
-                <a:solidFill>
-                  <a:schemeClr val="tx2">
-                    <a:lumMod val="75000"/>
-                  </a:schemeClr>
-                </a:solidFill>
-                <a:latin typeface="微软雅黑" panose="020B0503020204020204" pitchFamily="34" charset="-122"/>
-                <a:ea typeface="微软雅黑" panose="020B0503020204020204" pitchFamily="34" charset="-122"/>
-              </a:rPr>
-              <a:t>globalMem</a:t>
-            </a:r>
-            <a:r>
-              <a:rPr lang="zh-CN" altLang="en-US" sz="1200" b="1" dirty="0">
-                <a:solidFill>
-                  <a:schemeClr val="tx2">
-                    <a:lumMod val="75000"/>
-                  </a:schemeClr>
-                </a:solidFill>
-                <a:latin typeface="微软雅黑" panose="020B0503020204020204" pitchFamily="34" charset="-122"/>
-                <a:ea typeface="微软雅黑" panose="020B0503020204020204" pitchFamily="34" charset="-122"/>
-              </a:rPr>
-              <a:t>：</a:t>
-            </a:r>
-            <a:endParaRPr lang="en-US" altLang="zh-CN" sz="1200" b="1" dirty="0">
-              <a:solidFill>
-                <a:schemeClr val="tx2">
-                  <a:lumMod val="75000"/>
-                </a:schemeClr>
-              </a:solidFill>
-              <a:latin typeface="微软雅黑" panose="020B0503020204020204" pitchFamily="34" charset="-122"/>
-              <a:ea typeface="微软雅黑" panose="020B0503020204020204" pitchFamily="34" charset="-122"/>
-            </a:endParaRPr>
-          </a:p>
-          <a:p>
-            <a:pPr marL="342900" indent="-342900">
-              <a:lnSpc>
-                <a:spcPct val="125000"/>
-              </a:lnSpc>
-              <a:buAutoNum type="arabicPeriod"/>
-            </a:pPr>
-            <a:r>
-              <a:rPr lang="en-US" altLang="zh-CN" sz="1200" b="1" dirty="0">
-                <a:solidFill>
-                  <a:schemeClr val="tx2">
-                    <a:lumMod val="75000"/>
-                  </a:schemeClr>
-                </a:solidFill>
-                <a:latin typeface="微软雅黑" panose="020B0503020204020204" pitchFamily="34" charset="-122"/>
-                <a:ea typeface="微软雅黑" panose="020B0503020204020204" pitchFamily="34" charset="-122"/>
-              </a:rPr>
-              <a:t>MUBUF</a:t>
-            </a:r>
-            <a:r>
-              <a:rPr lang="zh-CN" altLang="en-US" sz="1200" b="1" dirty="0">
-                <a:solidFill>
-                  <a:schemeClr val="tx2">
-                    <a:lumMod val="75000"/>
-                  </a:schemeClr>
-                </a:solidFill>
-                <a:latin typeface="微软雅黑" panose="020B0503020204020204" pitchFamily="34" charset="-122"/>
-                <a:ea typeface="微软雅黑" panose="020B0503020204020204" pitchFamily="34" charset="-122"/>
-              </a:rPr>
-              <a:t>：访问向量存储 </a:t>
-            </a:r>
-            <a:r>
-              <a:rPr lang="en-US" altLang="zh-CN" sz="1200" b="1" dirty="0">
-                <a:solidFill>
-                  <a:schemeClr val="tx2">
-                    <a:lumMod val="75000"/>
-                  </a:schemeClr>
-                </a:solidFill>
-                <a:latin typeface="微软雅黑" panose="020B0503020204020204" pitchFamily="34" charset="-122"/>
-                <a:ea typeface="微软雅黑" panose="020B0503020204020204" pitchFamily="34" charset="-122"/>
-              </a:rPr>
-              <a:t>cache</a:t>
-            </a:r>
-            <a:r>
-              <a:rPr lang="zh-CN" altLang="en-US" sz="1200" b="1" dirty="0">
-                <a:solidFill>
-                  <a:schemeClr val="tx2">
-                    <a:lumMod val="75000"/>
-                  </a:schemeClr>
-                </a:solidFill>
-                <a:latin typeface="微软雅黑" panose="020B0503020204020204" pitchFamily="34" charset="-122"/>
-                <a:ea typeface="微软雅黑" panose="020B0503020204020204" pitchFamily="34" charset="-122"/>
-              </a:rPr>
-              <a:t>维护</a:t>
-            </a:r>
-            <a:endParaRPr lang="en-US" altLang="zh-CN" sz="1200" b="1" dirty="0">
-              <a:solidFill>
-                <a:schemeClr val="tx2">
-                  <a:lumMod val="75000"/>
-                </a:schemeClr>
-              </a:solidFill>
-              <a:latin typeface="微软雅黑" panose="020B0503020204020204" pitchFamily="34" charset="-122"/>
-              <a:ea typeface="微软雅黑" panose="020B0503020204020204" pitchFamily="34" charset="-122"/>
-            </a:endParaRPr>
-          </a:p>
-          <a:p>
-            <a:pPr marL="342900" indent="-342900">
-              <a:lnSpc>
-                <a:spcPct val="125000"/>
-              </a:lnSpc>
-              <a:buAutoNum type="arabicPeriod"/>
-            </a:pPr>
-            <a:r>
-              <a:rPr lang="en-US" altLang="zh-CN" sz="1200" b="1" dirty="0">
-                <a:solidFill>
-                  <a:schemeClr val="tx2">
-                    <a:lumMod val="75000"/>
-                  </a:schemeClr>
-                </a:solidFill>
-                <a:latin typeface="微软雅黑" panose="020B0503020204020204" pitchFamily="34" charset="-122"/>
-                <a:ea typeface="微软雅黑" panose="020B0503020204020204" pitchFamily="34" charset="-122"/>
-              </a:rPr>
-              <a:t>FLAT</a:t>
-            </a:r>
-            <a:r>
-              <a:rPr lang="zh-CN" altLang="en-US" sz="1200" b="1" dirty="0">
-                <a:solidFill>
-                  <a:schemeClr val="tx2">
-                    <a:lumMod val="75000"/>
-                  </a:schemeClr>
-                </a:solidFill>
-                <a:latin typeface="微软雅黑" panose="020B0503020204020204" pitchFamily="34" charset="-122"/>
-                <a:ea typeface="微软雅黑" panose="020B0503020204020204" pitchFamily="34" charset="-122"/>
-              </a:rPr>
-              <a:t>：地址映射到</a:t>
-            </a:r>
-            <a:r>
-              <a:rPr lang="en-US" altLang="zh-CN" sz="1200" b="1" dirty="0">
-                <a:solidFill>
-                  <a:schemeClr val="tx2">
-                    <a:lumMod val="75000"/>
-                  </a:schemeClr>
-                </a:solidFill>
-                <a:latin typeface="微软雅黑" panose="020B0503020204020204" pitchFamily="34" charset="-122"/>
-                <a:ea typeface="微软雅黑" panose="020B0503020204020204" pitchFamily="34" charset="-122"/>
-              </a:rPr>
-              <a:t>GM</a:t>
-            </a:r>
-            <a:r>
-              <a:rPr lang="zh-CN" altLang="en-US" sz="1200" b="1" dirty="0">
-                <a:solidFill>
-                  <a:schemeClr val="tx2">
-                    <a:lumMod val="75000"/>
-                  </a:schemeClr>
-                </a:solidFill>
-                <a:latin typeface="微软雅黑" panose="020B0503020204020204" pitchFamily="34" charset="-122"/>
-                <a:ea typeface="微软雅黑" panose="020B0503020204020204" pitchFamily="34" charset="-122"/>
-              </a:rPr>
-              <a:t>部分</a:t>
-            </a:r>
-            <a:endParaRPr lang="en-US" altLang="zh-CN" sz="1200" b="1" dirty="0">
-              <a:solidFill>
-                <a:schemeClr val="tx2">
-                  <a:lumMod val="75000"/>
-                </a:schemeClr>
-              </a:solidFill>
-              <a:latin typeface="微软雅黑" panose="020B0503020204020204" pitchFamily="34" charset="-122"/>
-              <a:ea typeface="微软雅黑" panose="020B0503020204020204" pitchFamily="34" charset="-122"/>
-            </a:endParaRPr>
-          </a:p>
-          <a:p>
-            <a:pPr marL="342900" indent="-342900">
-              <a:lnSpc>
-                <a:spcPct val="125000"/>
-              </a:lnSpc>
-              <a:buAutoNum type="arabicPeriod"/>
-            </a:pPr>
-            <a:endParaRPr lang="en-US" altLang="zh-CN" sz="1200" b="1" dirty="0">
-              <a:solidFill>
-                <a:schemeClr val="tx2">
-                  <a:lumMod val="75000"/>
-                </a:schemeClr>
-              </a:solidFill>
-              <a:latin typeface="微软雅黑" panose="020B0503020204020204" pitchFamily="34" charset="-122"/>
-              <a:ea typeface="微软雅黑" panose="020B0503020204020204" pitchFamily="34" charset="-122"/>
-            </a:endParaRPr>
-          </a:p>
-          <a:p>
-            <a:pPr>
-              <a:lnSpc>
-                <a:spcPct val="125000"/>
-              </a:lnSpc>
-            </a:pPr>
-            <a:r>
-              <a:rPr lang="en-US" altLang="zh-CN" sz="1200" b="1" dirty="0" err="1">
-                <a:solidFill>
-                  <a:schemeClr val="tx2">
-                    <a:lumMod val="75000"/>
-                  </a:schemeClr>
-                </a:solidFill>
-                <a:latin typeface="微软雅黑" panose="020B0503020204020204" pitchFamily="34" charset="-122"/>
-                <a:ea typeface="微软雅黑" panose="020B0503020204020204" pitchFamily="34" charset="-122"/>
-              </a:rPr>
-              <a:t>localMem</a:t>
-            </a:r>
-            <a:r>
-              <a:rPr lang="zh-CN" altLang="en-US" sz="1200" b="1" dirty="0">
-                <a:solidFill>
-                  <a:schemeClr val="tx2">
-                    <a:lumMod val="75000"/>
-                  </a:schemeClr>
-                </a:solidFill>
-                <a:latin typeface="微软雅黑" panose="020B0503020204020204" pitchFamily="34" charset="-122"/>
-                <a:ea typeface="微软雅黑" panose="020B0503020204020204" pitchFamily="34" charset="-122"/>
-              </a:rPr>
-              <a:t>：</a:t>
-            </a:r>
-            <a:endParaRPr lang="en-US" altLang="zh-CN" sz="1200" b="1" dirty="0">
-              <a:solidFill>
-                <a:schemeClr val="tx2">
-                  <a:lumMod val="75000"/>
-                </a:schemeClr>
-              </a:solidFill>
-              <a:latin typeface="微软雅黑" panose="020B0503020204020204" pitchFamily="34" charset="-122"/>
-              <a:ea typeface="微软雅黑" panose="020B0503020204020204" pitchFamily="34" charset="-122"/>
-            </a:endParaRPr>
-          </a:p>
-          <a:p>
-            <a:pPr marL="342900" indent="-342900">
-              <a:lnSpc>
-                <a:spcPct val="125000"/>
-              </a:lnSpc>
-              <a:buAutoNum type="arabicPeriod"/>
-            </a:pPr>
-            <a:r>
-              <a:rPr lang="en-US" altLang="zh-CN" sz="1200" b="1" dirty="0">
-                <a:solidFill>
-                  <a:schemeClr val="tx2">
-                    <a:lumMod val="75000"/>
-                  </a:schemeClr>
-                </a:solidFill>
-                <a:latin typeface="微软雅黑" panose="020B0503020204020204" pitchFamily="34" charset="-122"/>
-                <a:ea typeface="微软雅黑" panose="020B0503020204020204" pitchFamily="34" charset="-122"/>
-              </a:rPr>
-              <a:t>DS</a:t>
-            </a:r>
-            <a:r>
-              <a:rPr lang="zh-CN" altLang="en-US" sz="1200" b="1" dirty="0">
-                <a:solidFill>
-                  <a:schemeClr val="tx2">
-                    <a:lumMod val="75000"/>
-                  </a:schemeClr>
-                </a:solidFill>
-                <a:latin typeface="微软雅黑" panose="020B0503020204020204" pitchFamily="34" charset="-122"/>
-                <a:ea typeface="微软雅黑" panose="020B0503020204020204" pitchFamily="34" charset="-122"/>
-              </a:rPr>
-              <a:t>：私有</a:t>
-            </a:r>
-            <a:r>
-              <a:rPr lang="en-US" altLang="zh-CN" sz="1200" b="1" dirty="0">
-                <a:solidFill>
-                  <a:schemeClr val="tx2">
-                    <a:lumMod val="75000"/>
-                  </a:schemeClr>
-                </a:solidFill>
-                <a:latin typeface="微软雅黑" panose="020B0503020204020204" pitchFamily="34" charset="-122"/>
-                <a:ea typeface="微软雅黑" panose="020B0503020204020204" pitchFamily="34" charset="-122"/>
-              </a:rPr>
-              <a:t>scratch pad memory</a:t>
-            </a:r>
-          </a:p>
-          <a:p>
-            <a:pPr marL="342900" indent="-342900">
-              <a:lnSpc>
-                <a:spcPct val="125000"/>
-              </a:lnSpc>
-              <a:buAutoNum type="arabicPeriod"/>
-            </a:pPr>
-            <a:r>
-              <a:rPr lang="en-US" altLang="zh-CN" sz="1200" b="1" dirty="0">
-                <a:solidFill>
-                  <a:schemeClr val="tx2">
-                    <a:lumMod val="75000"/>
-                  </a:schemeClr>
-                </a:solidFill>
-                <a:latin typeface="微软雅黑" panose="020B0503020204020204" pitchFamily="34" charset="-122"/>
-                <a:ea typeface="微软雅黑" panose="020B0503020204020204" pitchFamily="34" charset="-122"/>
-              </a:rPr>
-              <a:t>FLAT</a:t>
-            </a:r>
-            <a:r>
-              <a:rPr lang="zh-CN" altLang="en-US" sz="1200" b="1" dirty="0">
-                <a:solidFill>
-                  <a:schemeClr val="tx2">
-                    <a:lumMod val="75000"/>
-                  </a:schemeClr>
-                </a:solidFill>
-                <a:latin typeface="微软雅黑" panose="020B0503020204020204" pitchFamily="34" charset="-122"/>
-                <a:ea typeface="微软雅黑" panose="020B0503020204020204" pitchFamily="34" charset="-122"/>
-              </a:rPr>
-              <a:t>：地址映射到</a:t>
-            </a:r>
-            <a:r>
-              <a:rPr lang="en-US" altLang="zh-CN" sz="1200" b="1" dirty="0">
-                <a:solidFill>
-                  <a:schemeClr val="tx2">
-                    <a:lumMod val="75000"/>
-                  </a:schemeClr>
-                </a:solidFill>
-                <a:latin typeface="微软雅黑" panose="020B0503020204020204" pitchFamily="34" charset="-122"/>
-                <a:ea typeface="微软雅黑" panose="020B0503020204020204" pitchFamily="34" charset="-122"/>
-              </a:rPr>
-              <a:t>LM</a:t>
-            </a:r>
-            <a:r>
-              <a:rPr lang="zh-CN" altLang="en-US" sz="1200" b="1" dirty="0">
-                <a:solidFill>
-                  <a:schemeClr val="tx2">
-                    <a:lumMod val="75000"/>
-                  </a:schemeClr>
-                </a:solidFill>
-                <a:latin typeface="微软雅黑" panose="020B0503020204020204" pitchFamily="34" charset="-122"/>
-                <a:ea typeface="微软雅黑" panose="020B0503020204020204" pitchFamily="34" charset="-122"/>
-              </a:rPr>
-              <a:t>部分</a:t>
-            </a:r>
-            <a:endParaRPr lang="en-US" altLang="zh-CN" sz="1200" b="1" dirty="0">
-              <a:solidFill>
-                <a:schemeClr val="tx2">
-                  <a:lumMod val="75000"/>
-                </a:schemeClr>
-              </a:solidFill>
-              <a:latin typeface="微软雅黑" panose="020B0503020204020204" pitchFamily="34" charset="-122"/>
-              <a:ea typeface="微软雅黑" panose="020B0503020204020204" pitchFamily="34" charset="-122"/>
-            </a:endParaRPr>
-          </a:p>
-          <a:p>
-            <a:pPr marL="342900" indent="-342900">
-              <a:lnSpc>
-                <a:spcPct val="125000"/>
-              </a:lnSpc>
-              <a:buAutoNum type="arabicPeriod"/>
-            </a:pPr>
-            <a:endParaRPr lang="en-US" altLang="zh-CN" sz="1200" b="1" dirty="0">
-              <a:solidFill>
-                <a:schemeClr val="tx2">
-                  <a:lumMod val="75000"/>
-                </a:schemeClr>
-              </a:solidFill>
-              <a:latin typeface="微软雅黑" panose="020B0503020204020204" pitchFamily="34" charset="-122"/>
-              <a:ea typeface="微软雅黑" panose="020B0503020204020204" pitchFamily="34" charset="-122"/>
-            </a:endParaRPr>
-          </a:p>
-          <a:p>
-            <a:pPr>
-              <a:lnSpc>
-                <a:spcPct val="125000"/>
-              </a:lnSpc>
-            </a:pPr>
-            <a:r>
-              <a:rPr lang="en-US" altLang="zh-CN" sz="1200" b="1" dirty="0" err="1">
-                <a:solidFill>
-                  <a:schemeClr val="tx2">
-                    <a:lumMod val="75000"/>
-                  </a:schemeClr>
-                </a:solidFill>
-                <a:latin typeface="微软雅黑" panose="020B0503020204020204" pitchFamily="34" charset="-122"/>
-                <a:ea typeface="微软雅黑" panose="020B0503020204020204" pitchFamily="34" charset="-122"/>
-              </a:rPr>
-              <a:t>scalarMem</a:t>
-            </a:r>
-            <a:r>
-              <a:rPr lang="zh-CN" altLang="en-US" sz="1200" b="1" dirty="0">
-                <a:solidFill>
-                  <a:schemeClr val="tx2">
-                    <a:lumMod val="75000"/>
-                  </a:schemeClr>
-                </a:solidFill>
-                <a:latin typeface="微软雅黑" panose="020B0503020204020204" pitchFamily="34" charset="-122"/>
-                <a:ea typeface="微软雅黑" panose="020B0503020204020204" pitchFamily="34" charset="-122"/>
-              </a:rPr>
-              <a:t>：</a:t>
-            </a:r>
-            <a:endParaRPr lang="en-US" altLang="zh-CN" sz="1200" b="1" dirty="0">
-              <a:solidFill>
-                <a:schemeClr val="tx2">
-                  <a:lumMod val="75000"/>
-                </a:schemeClr>
-              </a:solidFill>
-              <a:latin typeface="微软雅黑" panose="020B0503020204020204" pitchFamily="34" charset="-122"/>
-              <a:ea typeface="微软雅黑" panose="020B0503020204020204" pitchFamily="34" charset="-122"/>
-            </a:endParaRPr>
-          </a:p>
-          <a:p>
-            <a:pPr>
-              <a:lnSpc>
-                <a:spcPct val="125000"/>
-              </a:lnSpc>
-            </a:pPr>
-            <a:r>
-              <a:rPr lang="en-US" altLang="zh-CN" sz="1200" b="1" dirty="0">
-                <a:solidFill>
-                  <a:schemeClr val="tx2">
-                    <a:lumMod val="75000"/>
-                  </a:schemeClr>
-                </a:solidFill>
-                <a:latin typeface="微软雅黑" panose="020B0503020204020204" pitchFamily="34" charset="-122"/>
-                <a:ea typeface="微软雅黑" panose="020B0503020204020204" pitchFamily="34" charset="-122"/>
-              </a:rPr>
-              <a:t>1.    SMEM</a:t>
-            </a:r>
-            <a:r>
-              <a:rPr lang="zh-CN" altLang="en-US" sz="1200" b="1" dirty="0">
-                <a:solidFill>
-                  <a:schemeClr val="tx2">
-                    <a:lumMod val="75000"/>
-                  </a:schemeClr>
-                </a:solidFill>
-                <a:latin typeface="微软雅黑" panose="020B0503020204020204" pitchFamily="34" charset="-122"/>
-                <a:ea typeface="微软雅黑" panose="020B0503020204020204" pitchFamily="34" charset="-122"/>
-              </a:rPr>
-              <a:t>：访问标量存储 </a:t>
-            </a:r>
-            <a:r>
-              <a:rPr lang="en-US" altLang="zh-CN" sz="1200" b="1" dirty="0">
-                <a:solidFill>
-                  <a:schemeClr val="tx2">
-                    <a:lumMod val="75000"/>
-                  </a:schemeClr>
-                </a:solidFill>
-                <a:latin typeface="微软雅黑" panose="020B0503020204020204" pitchFamily="34" charset="-122"/>
-                <a:ea typeface="微软雅黑" panose="020B0503020204020204" pitchFamily="34" charset="-122"/>
-              </a:rPr>
-              <a:t>cache</a:t>
-            </a:r>
-            <a:r>
-              <a:rPr lang="zh-CN" altLang="en-US" sz="1200" b="1" dirty="0">
-                <a:solidFill>
-                  <a:schemeClr val="tx2">
-                    <a:lumMod val="75000"/>
-                  </a:schemeClr>
-                </a:solidFill>
-                <a:latin typeface="微软雅黑" panose="020B0503020204020204" pitchFamily="34" charset="-122"/>
-                <a:ea typeface="微软雅黑" panose="020B0503020204020204" pitchFamily="34" charset="-122"/>
-              </a:rPr>
-              <a:t>维护</a:t>
-            </a:r>
-            <a:endParaRPr lang="en-US" altLang="zh-CN" sz="1200" b="1" dirty="0">
-              <a:solidFill>
-                <a:schemeClr val="tx2">
-                  <a:lumMod val="75000"/>
-                </a:schemeClr>
-              </a:solidFill>
-              <a:latin typeface="微软雅黑" panose="020B0503020204020204" pitchFamily="34" charset="-122"/>
-              <a:ea typeface="微软雅黑" panose="020B0503020204020204" pitchFamily="34" charset="-122"/>
-            </a:endParaRPr>
-          </a:p>
-        </p:txBody>
-      </p:sp>
-      <p:sp>
-        <p:nvSpPr>
-          <p:cNvPr id="8" name="文本框 7">
-            <a:extLst>
-              <a:ext uri="{FF2B5EF4-FFF2-40B4-BE49-F238E27FC236}">
-                <a16:creationId xmlns:a16="http://schemas.microsoft.com/office/drawing/2014/main" id="{ADC4DDAD-5195-321F-9CA9-D30D0340FE48}"/>
-              </a:ext>
-            </a:extLst>
-          </p:cNvPr>
-          <p:cNvSpPr txBox="1"/>
-          <p:nvPr/>
-        </p:nvSpPr>
-        <p:spPr>
-          <a:xfrm>
-            <a:off x="4614340" y="667763"/>
-            <a:ext cx="2802467" cy="441916"/>
-          </a:xfrm>
-          <a:prstGeom prst="rect">
-            <a:avLst/>
-          </a:prstGeom>
-          <a:noFill/>
-        </p:spPr>
-        <p:txBody>
-          <a:bodyPr wrap="square" rtlCol="0">
-            <a:spAutoFit/>
-          </a:bodyPr>
-          <a:lstStyle/>
-          <a:p>
-            <a:pPr>
-              <a:lnSpc>
-                <a:spcPct val="125000"/>
-              </a:lnSpc>
-            </a:pPr>
-            <a:r>
-              <a:rPr lang="en-US" altLang="zh-CN" sz="2000" b="1" dirty="0">
-                <a:solidFill>
-                  <a:schemeClr val="tx2">
-                    <a:lumMod val="75000"/>
-                  </a:schemeClr>
-                </a:solidFill>
-                <a:latin typeface="微软雅黑" panose="020B0503020204020204" pitchFamily="34" charset="-122"/>
-                <a:ea typeface="微软雅黑" panose="020B0503020204020204" pitchFamily="34" charset="-122"/>
-              </a:rPr>
-              <a:t>wavefront</a:t>
-            </a:r>
-            <a:r>
-              <a:rPr lang="zh-CN" altLang="en-US" sz="2000" b="1" dirty="0">
-                <a:solidFill>
-                  <a:schemeClr val="tx2">
-                    <a:lumMod val="75000"/>
-                  </a:schemeClr>
-                </a:solidFill>
-                <a:latin typeface="微软雅黑" panose="020B0503020204020204" pitchFamily="34" charset="-122"/>
-                <a:ea typeface="微软雅黑" panose="020B0503020204020204" pitchFamily="34" charset="-122"/>
-              </a:rPr>
-              <a:t>：</a:t>
-            </a:r>
-            <a:r>
-              <a:rPr lang="en-US" altLang="zh-CN" sz="2000" b="1" dirty="0">
-                <a:solidFill>
-                  <a:schemeClr val="tx2">
-                    <a:lumMod val="75000"/>
-                  </a:schemeClr>
-                </a:solidFill>
-                <a:latin typeface="微软雅黑" panose="020B0503020204020204" pitchFamily="34" charset="-122"/>
-                <a:ea typeface="微软雅黑" panose="020B0503020204020204" pitchFamily="34" charset="-122"/>
-              </a:rPr>
-              <a:t>exec</a:t>
-            </a:r>
-          </a:p>
-        </p:txBody>
-      </p:sp>
-      <p:sp>
-        <p:nvSpPr>
-          <p:cNvPr id="2" name="文本框 1">
-            <a:extLst>
-              <a:ext uri="{FF2B5EF4-FFF2-40B4-BE49-F238E27FC236}">
-                <a16:creationId xmlns:a16="http://schemas.microsoft.com/office/drawing/2014/main" id="{B50B1400-25EE-566B-B61A-DE92CE829CF2}"/>
-              </a:ext>
-            </a:extLst>
-          </p:cNvPr>
-          <p:cNvSpPr txBox="1"/>
-          <p:nvPr/>
-        </p:nvSpPr>
-        <p:spPr>
-          <a:xfrm>
-            <a:off x="8805478" y="1007171"/>
-            <a:ext cx="2653026" cy="606320"/>
-          </a:xfrm>
-          <a:prstGeom prst="rect">
-            <a:avLst/>
-          </a:prstGeom>
-          <a:noFill/>
-        </p:spPr>
-        <p:txBody>
-          <a:bodyPr wrap="square" rtlCol="0">
-            <a:spAutoFit/>
-          </a:bodyPr>
-          <a:lstStyle/>
-          <a:p>
-            <a:pPr>
-              <a:lnSpc>
-                <a:spcPct val="125000"/>
-              </a:lnSpc>
-            </a:pPr>
-            <a:r>
-              <a:rPr lang="zh-CN" altLang="en-US" sz="1400" b="1" dirty="0">
-                <a:solidFill>
-                  <a:schemeClr val="tx2">
-                    <a:lumMod val="75000"/>
-                  </a:schemeClr>
-                </a:solidFill>
-                <a:latin typeface="微软雅黑" panose="020B0503020204020204" pitchFamily="34" charset="-122"/>
-                <a:ea typeface="微软雅黑" panose="020B0503020204020204" pitchFamily="34" charset="-122"/>
-              </a:rPr>
-              <a:t>指令在</a:t>
-            </a:r>
-            <a:r>
-              <a:rPr lang="en-US" altLang="zh-CN" sz="1400" b="1" dirty="0" err="1">
-                <a:solidFill>
-                  <a:schemeClr val="tx2">
-                    <a:lumMod val="75000"/>
-                  </a:schemeClr>
-                </a:solidFill>
-                <a:latin typeface="微软雅黑" panose="020B0503020204020204" pitchFamily="34" charset="-122"/>
-                <a:ea typeface="微软雅黑" panose="020B0503020204020204" pitchFamily="34" charset="-122"/>
-              </a:rPr>
-              <a:t>scoreboardCheck</a:t>
-            </a:r>
-            <a:r>
-              <a:rPr lang="zh-CN" altLang="en-US" sz="1400" b="1" dirty="0">
-                <a:solidFill>
-                  <a:schemeClr val="tx2">
-                    <a:lumMod val="75000"/>
-                  </a:schemeClr>
-                </a:solidFill>
-                <a:latin typeface="微软雅黑" panose="020B0503020204020204" pitchFamily="34" charset="-122"/>
-                <a:ea typeface="微软雅黑" panose="020B0503020204020204" pitchFamily="34" charset="-122"/>
-              </a:rPr>
-              <a:t>阶段会被映射到对应的执行单元</a:t>
+              <a:rPr lang="zh-CN" altLang="en-US" sz="1400" b="1">
+                <a:solidFill>
+                  <a:schemeClr val="tx2">
+                    <a:lumMod val="75000"/>
+                  </a:schemeClr>
+                </a:solidFill>
+                <a:latin typeface="微软雅黑" panose="020B0503020204020204" pitchFamily="34" charset="-122"/>
+                <a:ea typeface="微软雅黑" panose="020B0503020204020204" pitchFamily="34" charset="-122"/>
+              </a:rPr>
+              <a:t>访存地址计算</a:t>
             </a:r>
             <a:endParaRPr lang="en-US" altLang="zh-CN" sz="1400" b="1" dirty="0">
               <a:solidFill>
@@ -24164,552 +24126,10 @@
           </a:p>
         </p:txBody>
       </p:sp>
-      <p:pic>
-        <p:nvPicPr>
-          <p:cNvPr id="9" name="图片 8">
-            <a:extLst>
-              <a:ext uri="{FF2B5EF4-FFF2-40B4-BE49-F238E27FC236}">
-                <a16:creationId xmlns:a16="http://schemas.microsoft.com/office/drawing/2014/main" id="{EF6A63FB-8BCB-3108-FC6A-AEB4BF6F399C}"/>
-              </a:ext>
-            </a:extLst>
-          </p:cNvPr>
-          <p:cNvPicPr>
-            <a:picLocks noChangeAspect="1"/>
-          </p:cNvPicPr>
-          <p:nvPr/>
-        </p:nvPicPr>
-        <p:blipFill>
-          <a:blip r:embed="rId4"/>
-          <a:srcRect r="22125"/>
-          <a:stretch/>
-        </p:blipFill>
-        <p:spPr>
-          <a:xfrm>
-            <a:off x="3621063" y="1249519"/>
-            <a:ext cx="4901853" cy="4021089"/>
-          </a:xfrm>
-          <a:prstGeom prst="rect">
-            <a:avLst/>
-          </a:prstGeom>
-        </p:spPr>
-      </p:pic>
-      <p:sp>
-        <p:nvSpPr>
-          <p:cNvPr id="11" name="矩形 10">
-            <a:extLst>
-              <a:ext uri="{FF2B5EF4-FFF2-40B4-BE49-F238E27FC236}">
-                <a16:creationId xmlns:a16="http://schemas.microsoft.com/office/drawing/2014/main" id="{445BFB8C-787D-EB3C-FDC7-0DC958664BCF}"/>
-              </a:ext>
-            </a:extLst>
-          </p:cNvPr>
-          <p:cNvSpPr/>
-          <p:nvPr/>
-        </p:nvSpPr>
-        <p:spPr>
-          <a:xfrm>
-            <a:off x="3666076" y="4191003"/>
-            <a:ext cx="4809067" cy="1075267"/>
-          </a:xfrm>
-          <a:prstGeom prst="rect">
-            <a:avLst/>
-          </a:prstGeom>
-          <a:noFill/>
-          <a:ln w="28575">
-            <a:solidFill>
-              <a:srgbClr val="FF0000"/>
-            </a:solidFill>
-          </a:ln>
-        </p:spPr>
-        <p:style>
-          <a:lnRef idx="2">
-            <a:schemeClr val="accent1">
-              <a:shade val="15000"/>
-            </a:schemeClr>
-          </a:lnRef>
-          <a:fillRef idx="1">
-            <a:schemeClr val="accent1"/>
-          </a:fillRef>
-          <a:effectRef idx="0">
-            <a:schemeClr val="accent1"/>
-          </a:effectRef>
-          <a:fontRef idx="minor">
-            <a:schemeClr val="lt1"/>
-          </a:fontRef>
-        </p:style>
-        <p:txBody>
-          <a:bodyPr rtlCol="0" anchor="ctr"/>
-          <a:lstStyle/>
-          <a:p>
-            <a:pPr algn="ctr"/>
-            <a:endParaRPr lang="zh-CN" altLang="en-US"/>
-          </a:p>
-        </p:txBody>
-      </p:sp>
-      <p:sp>
-        <p:nvSpPr>
-          <p:cNvPr id="12" name="矩形 11">
-            <a:extLst>
-              <a:ext uri="{FF2B5EF4-FFF2-40B4-BE49-F238E27FC236}">
-                <a16:creationId xmlns:a16="http://schemas.microsoft.com/office/drawing/2014/main" id="{56D3CF4C-91F7-1605-901D-17CDEAEA82A4}"/>
-              </a:ext>
-            </a:extLst>
-          </p:cNvPr>
-          <p:cNvSpPr/>
-          <p:nvPr/>
-        </p:nvSpPr>
-        <p:spPr>
-          <a:xfrm>
-            <a:off x="3621062" y="2556936"/>
-            <a:ext cx="1636747" cy="283086"/>
-          </a:xfrm>
-          <a:prstGeom prst="rect">
-            <a:avLst/>
-          </a:prstGeom>
-          <a:noFill/>
-          <a:ln w="28575">
-            <a:solidFill>
-              <a:srgbClr val="FF0000"/>
-            </a:solidFill>
-          </a:ln>
-        </p:spPr>
-        <p:style>
-          <a:lnRef idx="2">
-            <a:schemeClr val="accent1">
-              <a:shade val="15000"/>
-            </a:schemeClr>
-          </a:lnRef>
-          <a:fillRef idx="1">
-            <a:schemeClr val="accent1"/>
-          </a:fillRef>
-          <a:effectRef idx="0">
-            <a:schemeClr val="accent1"/>
-          </a:effectRef>
-          <a:fontRef idx="minor">
-            <a:schemeClr val="lt1"/>
-          </a:fontRef>
-        </p:style>
-        <p:txBody>
-          <a:bodyPr rtlCol="0" anchor="ctr"/>
-          <a:lstStyle/>
-          <a:p>
-            <a:pPr algn="ctr"/>
-            <a:endParaRPr lang="zh-CN" altLang="en-US"/>
-          </a:p>
-        </p:txBody>
-      </p:sp>
-      <p:sp>
-        <p:nvSpPr>
-          <p:cNvPr id="14" name="文本框 13">
-            <a:extLst>
-              <a:ext uri="{FF2B5EF4-FFF2-40B4-BE49-F238E27FC236}">
-                <a16:creationId xmlns:a16="http://schemas.microsoft.com/office/drawing/2014/main" id="{803C279B-E00A-929D-59DC-36E13D25F91D}"/>
-              </a:ext>
-            </a:extLst>
-          </p:cNvPr>
-          <p:cNvSpPr txBox="1"/>
-          <p:nvPr/>
-        </p:nvSpPr>
-        <p:spPr>
-          <a:xfrm>
-            <a:off x="282297" y="1100304"/>
-            <a:ext cx="2943372" cy="763735"/>
-          </a:xfrm>
-          <a:prstGeom prst="rect">
-            <a:avLst/>
-          </a:prstGeom>
-          <a:noFill/>
-        </p:spPr>
-        <p:txBody>
-          <a:bodyPr wrap="square" rtlCol="0">
-            <a:spAutoFit/>
-          </a:bodyPr>
-          <a:lstStyle/>
-          <a:p>
-            <a:pPr>
-              <a:lnSpc>
-                <a:spcPct val="125000"/>
-              </a:lnSpc>
-            </a:pPr>
-            <a:r>
-              <a:rPr lang="en-US" altLang="zh-CN" sz="1200" b="1" dirty="0">
-                <a:solidFill>
-                  <a:schemeClr val="tx2">
-                    <a:lumMod val="75000"/>
-                  </a:schemeClr>
-                </a:solidFill>
-                <a:latin typeface="微软雅黑" panose="020B0503020204020204" pitchFamily="34" charset="-122"/>
-                <a:ea typeface="微软雅黑" panose="020B0503020204020204" pitchFamily="34" charset="-122"/>
-              </a:rPr>
-              <a:t>ii-&gt;execute</a:t>
-            </a:r>
-          </a:p>
-          <a:p>
-            <a:pPr>
-              <a:lnSpc>
-                <a:spcPct val="125000"/>
-              </a:lnSpc>
-            </a:pPr>
-            <a:r>
-              <a:rPr lang="zh-CN" altLang="en-US" sz="1200" b="1" dirty="0">
-                <a:solidFill>
-                  <a:schemeClr val="tx2">
-                    <a:lumMod val="75000"/>
-                  </a:schemeClr>
-                </a:solidFill>
-                <a:latin typeface="微软雅黑" panose="020B0503020204020204" pitchFamily="34" charset="-122"/>
-                <a:ea typeface="微软雅黑" panose="020B0503020204020204" pitchFamily="34" charset="-122"/>
-              </a:rPr>
-              <a:t>普通指令：读操作数、写操作数</a:t>
-            </a:r>
-            <a:endParaRPr lang="en-US" altLang="zh-CN" sz="1200" b="1" dirty="0">
-              <a:solidFill>
-                <a:schemeClr val="tx2">
-                  <a:lumMod val="75000"/>
-                </a:schemeClr>
-              </a:solidFill>
-              <a:latin typeface="微软雅黑" panose="020B0503020204020204" pitchFamily="34" charset="-122"/>
-              <a:ea typeface="微软雅黑" panose="020B0503020204020204" pitchFamily="34" charset="-122"/>
-            </a:endParaRPr>
-          </a:p>
-          <a:p>
-            <a:pPr>
-              <a:lnSpc>
-                <a:spcPct val="125000"/>
-              </a:lnSpc>
-            </a:pPr>
-            <a:r>
-              <a:rPr lang="zh-CN" altLang="en-US" sz="1200" b="1" dirty="0">
-                <a:solidFill>
-                  <a:schemeClr val="tx2">
-                    <a:lumMod val="75000"/>
-                  </a:schemeClr>
-                </a:solidFill>
-                <a:latin typeface="微软雅黑" panose="020B0503020204020204" pitchFamily="34" charset="-122"/>
-                <a:ea typeface="微软雅黑" panose="020B0503020204020204" pitchFamily="34" charset="-122"/>
-              </a:rPr>
-              <a:t>访存指令：读操作数 计算地址 加入</a:t>
-            </a:r>
-            <a:r>
-              <a:rPr lang="en-US" altLang="zh-CN" sz="1200" b="1" dirty="0">
-                <a:solidFill>
-                  <a:schemeClr val="tx2">
-                    <a:lumMod val="75000"/>
-                  </a:schemeClr>
-                </a:solidFill>
-                <a:latin typeface="微软雅黑" panose="020B0503020204020204" pitchFamily="34" charset="-122"/>
-                <a:ea typeface="微软雅黑" panose="020B0503020204020204" pitchFamily="34" charset="-122"/>
-              </a:rPr>
-              <a:t>FIFO</a:t>
-            </a:r>
-          </a:p>
-        </p:txBody>
-      </p:sp>
-      <p:pic>
-        <p:nvPicPr>
-          <p:cNvPr id="16" name="图片 15">
-            <a:extLst>
-              <a:ext uri="{FF2B5EF4-FFF2-40B4-BE49-F238E27FC236}">
-                <a16:creationId xmlns:a16="http://schemas.microsoft.com/office/drawing/2014/main" id="{6A7C7BF3-6254-DA5C-04CC-BA475834FA66}"/>
-              </a:ext>
-            </a:extLst>
-          </p:cNvPr>
-          <p:cNvPicPr>
-            <a:picLocks noChangeAspect="1"/>
-          </p:cNvPicPr>
-          <p:nvPr/>
-        </p:nvPicPr>
-        <p:blipFill>
-          <a:blip r:embed="rId5"/>
-          <a:stretch>
-            <a:fillRect/>
-          </a:stretch>
-        </p:blipFill>
-        <p:spPr>
-          <a:xfrm>
-            <a:off x="324630" y="1867706"/>
-            <a:ext cx="2802468" cy="1662209"/>
-          </a:xfrm>
-          <a:prstGeom prst="rect">
-            <a:avLst/>
-          </a:prstGeom>
-        </p:spPr>
-      </p:pic>
-      <p:sp>
-        <p:nvSpPr>
-          <p:cNvPr id="17" name="文本框 16">
-            <a:extLst>
-              <a:ext uri="{FF2B5EF4-FFF2-40B4-BE49-F238E27FC236}">
-                <a16:creationId xmlns:a16="http://schemas.microsoft.com/office/drawing/2014/main" id="{5C438043-7520-8E85-7BA2-01F45ED62667}"/>
-              </a:ext>
-            </a:extLst>
-          </p:cNvPr>
-          <p:cNvSpPr txBox="1"/>
-          <p:nvPr/>
-        </p:nvSpPr>
-        <p:spPr>
-          <a:xfrm>
-            <a:off x="303425" y="3631332"/>
-            <a:ext cx="2943372" cy="1225400"/>
-          </a:xfrm>
-          <a:prstGeom prst="rect">
-            <a:avLst/>
-          </a:prstGeom>
-          <a:noFill/>
-        </p:spPr>
-        <p:txBody>
-          <a:bodyPr wrap="square" rtlCol="0">
-            <a:spAutoFit/>
-          </a:bodyPr>
-          <a:lstStyle/>
-          <a:p>
-            <a:pPr>
-              <a:lnSpc>
-                <a:spcPct val="125000"/>
-              </a:lnSpc>
-            </a:pPr>
-            <a:r>
-              <a:rPr lang="en-US" altLang="zh-CN" sz="1200" b="1" dirty="0" err="1">
-                <a:solidFill>
-                  <a:schemeClr val="tx2">
-                    <a:lumMod val="75000"/>
-                  </a:schemeClr>
-                </a:solidFill>
-                <a:latin typeface="微软雅黑" panose="020B0503020204020204" pitchFamily="34" charset="-122"/>
-                <a:ea typeface="微软雅黑" panose="020B0503020204020204" pitchFamily="34" charset="-122"/>
-              </a:rPr>
-              <a:t>Vrf</a:t>
-            </a:r>
-            <a:r>
-              <a:rPr lang="en-US" altLang="zh-CN" sz="1200" b="1" dirty="0">
-                <a:solidFill>
-                  <a:schemeClr val="tx2">
-                    <a:lumMod val="75000"/>
-                  </a:schemeClr>
-                </a:solidFill>
-                <a:latin typeface="微软雅黑" panose="020B0503020204020204" pitchFamily="34" charset="-122"/>
-                <a:ea typeface="微软雅黑" panose="020B0503020204020204" pitchFamily="34" charset="-122"/>
-              </a:rPr>
-              <a:t>-&gt;</a:t>
-            </a:r>
-            <a:r>
-              <a:rPr lang="en-US" altLang="zh-CN" sz="1200" b="1" dirty="0" err="1">
-                <a:solidFill>
-                  <a:schemeClr val="tx2">
-                    <a:lumMod val="75000"/>
-                  </a:schemeClr>
-                </a:solidFill>
-                <a:latin typeface="微软雅黑" panose="020B0503020204020204" pitchFamily="34" charset="-122"/>
-                <a:ea typeface="微软雅黑" panose="020B0503020204020204" pitchFamily="34" charset="-122"/>
-              </a:rPr>
-              <a:t>waveExecuteInst</a:t>
-            </a:r>
-            <a:endParaRPr lang="en-US" altLang="zh-CN" sz="1200" b="1" dirty="0">
-              <a:solidFill>
-                <a:schemeClr val="tx2">
-                  <a:lumMod val="75000"/>
-                </a:schemeClr>
-              </a:solidFill>
-              <a:latin typeface="微软雅黑" panose="020B0503020204020204" pitchFamily="34" charset="-122"/>
-              <a:ea typeface="微软雅黑" panose="020B0503020204020204" pitchFamily="34" charset="-122"/>
-            </a:endParaRPr>
-          </a:p>
-          <a:p>
-            <a:pPr marL="228600" indent="-228600">
-              <a:lnSpc>
-                <a:spcPct val="125000"/>
-              </a:lnSpc>
-              <a:buAutoNum type="arabicPeriod"/>
-            </a:pPr>
-            <a:r>
-              <a:rPr lang="zh-CN" altLang="en-US" sz="1200" b="1" dirty="0">
-                <a:solidFill>
-                  <a:schemeClr val="tx2">
-                    <a:lumMod val="75000"/>
-                  </a:schemeClr>
-                </a:solidFill>
-                <a:latin typeface="微软雅黑" panose="020B0503020204020204" pitchFamily="34" charset="-122"/>
-                <a:ea typeface="微软雅黑" panose="020B0503020204020204" pitchFamily="34" charset="-122"/>
-              </a:rPr>
-              <a:t>设定指定周期后目的寄存器完成写回</a:t>
-            </a:r>
-            <a:endParaRPr lang="en-US" altLang="zh-CN" sz="1200" b="1" dirty="0">
-              <a:solidFill>
-                <a:schemeClr val="tx2">
-                  <a:lumMod val="75000"/>
-                </a:schemeClr>
-              </a:solidFill>
-              <a:latin typeface="微软雅黑" panose="020B0503020204020204" pitchFamily="34" charset="-122"/>
-              <a:ea typeface="微软雅黑" panose="020B0503020204020204" pitchFamily="34" charset="-122"/>
-            </a:endParaRPr>
-          </a:p>
-          <a:p>
-            <a:pPr marL="228600" indent="-228600">
-              <a:lnSpc>
-                <a:spcPct val="125000"/>
-              </a:lnSpc>
-              <a:buAutoNum type="arabicPeriod"/>
-            </a:pPr>
-            <a:r>
-              <a:rPr lang="zh-CN" altLang="en-US" sz="1200" b="1" dirty="0">
-                <a:solidFill>
-                  <a:schemeClr val="tx2">
-                    <a:lumMod val="75000"/>
-                  </a:schemeClr>
-                </a:solidFill>
-                <a:latin typeface="微软雅黑" panose="020B0503020204020204" pitchFamily="34" charset="-122"/>
-                <a:ea typeface="微软雅黑" panose="020B0503020204020204" pitchFamily="34" charset="-122"/>
-              </a:rPr>
-              <a:t>根据最大</a:t>
-            </a:r>
-            <a:r>
-              <a:rPr lang="en-US" altLang="zh-CN" sz="1200" b="1" dirty="0">
-                <a:solidFill>
-                  <a:schemeClr val="tx2">
-                    <a:lumMod val="75000"/>
-                  </a:schemeClr>
-                </a:solidFill>
-                <a:latin typeface="微软雅黑" panose="020B0503020204020204" pitchFamily="34" charset="-122"/>
-                <a:ea typeface="微软雅黑" panose="020B0503020204020204" pitchFamily="34" charset="-122"/>
-              </a:rPr>
-              <a:t>size</a:t>
-            </a:r>
-            <a:r>
-              <a:rPr lang="zh-CN" altLang="en-US" sz="1200" b="1" dirty="0">
-                <a:solidFill>
-                  <a:schemeClr val="tx2">
-                    <a:lumMod val="75000"/>
-                  </a:schemeClr>
-                </a:solidFill>
-                <a:latin typeface="微软雅黑" panose="020B0503020204020204" pitchFamily="34" charset="-122"/>
-                <a:ea typeface="微软雅黑" panose="020B0503020204020204" pitchFamily="34" charset="-122"/>
-              </a:rPr>
-              <a:t>操作数设定延迟</a:t>
-            </a:r>
-            <a:r>
-              <a:rPr lang="en-US" altLang="zh-CN" sz="1200" b="1" dirty="0">
-                <a:solidFill>
-                  <a:schemeClr val="tx2">
-                    <a:lumMod val="75000"/>
-                  </a:schemeClr>
-                </a:solidFill>
-                <a:latin typeface="微软雅黑" panose="020B0503020204020204" pitchFamily="34" charset="-122"/>
-                <a:ea typeface="微软雅黑" panose="020B0503020204020204" pitchFamily="34" charset="-122"/>
-              </a:rPr>
-              <a:t>(TODO)</a:t>
-            </a:r>
-          </a:p>
-          <a:p>
-            <a:pPr marL="228600" indent="-228600">
-              <a:lnSpc>
-                <a:spcPct val="125000"/>
-              </a:lnSpc>
-              <a:buAutoNum type="arabicPeriod"/>
-            </a:pPr>
-            <a:r>
-              <a:rPr lang="zh-CN" altLang="en-US" sz="1200" b="1" dirty="0">
-                <a:solidFill>
-                  <a:schemeClr val="tx2">
-                    <a:lumMod val="75000"/>
-                  </a:schemeClr>
-                </a:solidFill>
-                <a:latin typeface="微软雅黑" panose="020B0503020204020204" pitchFamily="34" charset="-122"/>
-                <a:ea typeface="微软雅黑" panose="020B0503020204020204" pitchFamily="34" charset="-122"/>
-              </a:rPr>
-              <a:t>相当于处理写后读</a:t>
-            </a:r>
-            <a:endParaRPr lang="en-US" altLang="zh-CN" sz="1200" b="1" dirty="0">
-              <a:solidFill>
-                <a:schemeClr val="tx2">
-                  <a:lumMod val="75000"/>
-                </a:schemeClr>
-              </a:solidFill>
-              <a:latin typeface="微软雅黑" panose="020B0503020204020204" pitchFamily="34" charset="-122"/>
-              <a:ea typeface="微软雅黑" panose="020B0503020204020204" pitchFamily="34" charset="-122"/>
-            </a:endParaRPr>
-          </a:p>
-          <a:p>
-            <a:pPr marL="228600" indent="-228600">
-              <a:lnSpc>
-                <a:spcPct val="125000"/>
-              </a:lnSpc>
-              <a:buAutoNum type="arabicPeriod"/>
-            </a:pPr>
-            <a:endParaRPr lang="en-US" altLang="zh-CN" sz="1200" b="1" dirty="0">
-              <a:solidFill>
-                <a:schemeClr val="tx2">
-                  <a:lumMod val="75000"/>
-                </a:schemeClr>
-              </a:solidFill>
-              <a:latin typeface="微软雅黑" panose="020B0503020204020204" pitchFamily="34" charset="-122"/>
-              <a:ea typeface="微软雅黑" panose="020B0503020204020204" pitchFamily="34" charset="-122"/>
-            </a:endParaRPr>
-          </a:p>
-        </p:txBody>
-      </p:sp>
-      <p:pic>
-        <p:nvPicPr>
-          <p:cNvPr id="19" name="图片 18">
-            <a:extLst>
-              <a:ext uri="{FF2B5EF4-FFF2-40B4-BE49-F238E27FC236}">
-                <a16:creationId xmlns:a16="http://schemas.microsoft.com/office/drawing/2014/main" id="{BCC74FB7-6FED-A7F3-B26F-D269A7581AA5}"/>
-              </a:ext>
-            </a:extLst>
-          </p:cNvPr>
-          <p:cNvPicPr>
-            <a:picLocks noChangeAspect="1"/>
-          </p:cNvPicPr>
-          <p:nvPr/>
-        </p:nvPicPr>
-        <p:blipFill>
-          <a:blip r:embed="rId6"/>
-          <a:stretch>
-            <a:fillRect/>
-          </a:stretch>
-        </p:blipFill>
-        <p:spPr>
-          <a:xfrm>
-            <a:off x="163959" y="4616759"/>
-            <a:ext cx="3265262" cy="943415"/>
-          </a:xfrm>
-          <a:prstGeom prst="rect">
-            <a:avLst/>
-          </a:prstGeom>
-        </p:spPr>
-      </p:pic>
-      <p:pic>
-        <p:nvPicPr>
-          <p:cNvPr id="21" name="图片 20">
-            <a:extLst>
-              <a:ext uri="{FF2B5EF4-FFF2-40B4-BE49-F238E27FC236}">
-                <a16:creationId xmlns:a16="http://schemas.microsoft.com/office/drawing/2014/main" id="{1A629881-B55B-F0E3-D66B-CD35E501831F}"/>
-              </a:ext>
-            </a:extLst>
-          </p:cNvPr>
-          <p:cNvPicPr>
-            <a:picLocks noChangeAspect="1"/>
-          </p:cNvPicPr>
-          <p:nvPr/>
-        </p:nvPicPr>
-        <p:blipFill>
-          <a:blip r:embed="rId7"/>
-          <a:stretch>
-            <a:fillRect/>
-          </a:stretch>
-        </p:blipFill>
-        <p:spPr>
-          <a:xfrm>
-            <a:off x="163959" y="5611768"/>
-            <a:ext cx="4255047" cy="903681"/>
-          </a:xfrm>
-          <a:prstGeom prst="rect">
-            <a:avLst/>
-          </a:prstGeom>
-        </p:spPr>
-      </p:pic>
     </p:spTree>
     <p:extLst>
       <p:ext uri="{BB962C8B-B14F-4D97-AF65-F5344CB8AC3E}">
-        <p14:creationId xmlns:p14="http://schemas.microsoft.com/office/powerpoint/2010/main" val="1912482994"/>
+        <p14:creationId xmlns:p14="http://schemas.microsoft.com/office/powerpoint/2010/main" val="2388735229"/>
       </p:ext>
     </p:extLst>
   </p:cSld>
@@ -24727,7 +24147,7 @@
         <p:cNvPr id="1" name="">
           <a:extLst>
             <a:ext uri="{FF2B5EF4-FFF2-40B4-BE49-F238E27FC236}">
-              <a16:creationId xmlns:a16="http://schemas.microsoft.com/office/drawing/2014/main" id="{D38941F2-E90C-4AB0-C5D8-2D9F8B326B23}"/>
+              <a16:creationId xmlns:a16="http://schemas.microsoft.com/office/drawing/2014/main" id="{5829C03B-38BB-5A49-5B94-FC16BB154F99}"/>
             </a:ext>
           </a:extLst>
         </p:cNvPr>
@@ -24747,7 +24167,7 @@
           <p:cNvPr id="4" name="Picture 2" descr="哈工大物联网智慧校园设计方案_Lighton（来同）品牌">
             <a:extLst>
               <a:ext uri="{FF2B5EF4-FFF2-40B4-BE49-F238E27FC236}">
-                <a16:creationId xmlns:a16="http://schemas.microsoft.com/office/drawing/2014/main" id="{C1B3057D-EBFE-8FAD-46D0-E280096FDDD2}"/>
+                <a16:creationId xmlns:a16="http://schemas.microsoft.com/office/drawing/2014/main" id="{1F254252-58DD-1E02-12B9-3033B9ACD947}"/>
               </a:ext>
             </a:extLst>
           </p:cNvPr>
@@ -24794,7 +24214,7 @@
           <p:cNvPr id="5" name="矩形 4">
             <a:extLst>
               <a:ext uri="{FF2B5EF4-FFF2-40B4-BE49-F238E27FC236}">
-                <a16:creationId xmlns:a16="http://schemas.microsoft.com/office/drawing/2014/main" id="{54EC4A1F-A112-7692-5D60-5B148C0E826A}"/>
+                <a16:creationId xmlns:a16="http://schemas.microsoft.com/office/drawing/2014/main" id="{426F82F4-821C-6DAB-BC3B-11F186848458}"/>
               </a:ext>
             </a:extLst>
           </p:cNvPr>
@@ -24868,6 +24288,1627 @@
           <p:cNvPr id="7" name="文本框 6">
             <a:extLst>
               <a:ext uri="{FF2B5EF4-FFF2-40B4-BE49-F238E27FC236}">
+                <a16:creationId xmlns:a16="http://schemas.microsoft.com/office/drawing/2014/main" id="{BBE837A5-51F7-19A6-4D0F-B1A068ACE75D}"/>
+              </a:ext>
+            </a:extLst>
+          </p:cNvPr>
+          <p:cNvSpPr txBox="1"/>
+          <p:nvPr/>
+        </p:nvSpPr>
+        <p:spPr>
+          <a:xfrm>
+            <a:off x="111125" y="122578"/>
+            <a:ext cx="6959600" cy="523220"/>
+          </a:xfrm>
+          <a:prstGeom prst="rect">
+            <a:avLst/>
+          </a:prstGeom>
+          <a:noFill/>
+        </p:spPr>
+        <p:txBody>
+          <a:bodyPr wrap="square" rtlCol="0">
+            <a:spAutoFit/>
+          </a:bodyPr>
+          <a:lstStyle/>
+          <a:p>
+            <a:r>
+              <a:rPr lang="en-US" altLang="zh-CN" sz="2800" b="1" dirty="0">
+                <a:solidFill>
+                  <a:schemeClr val="tx2">
+                    <a:lumMod val="75000"/>
+                  </a:schemeClr>
+                </a:solidFill>
+                <a:latin typeface="微软雅黑" panose="020B0503020204020204" pitchFamily="34" charset="-122"/>
+                <a:ea typeface="微软雅黑" panose="020B0503020204020204" pitchFamily="34" charset="-122"/>
+              </a:rPr>
+              <a:t>02  </a:t>
+            </a:r>
+            <a:r>
+              <a:rPr lang="en-US" altLang="zh-CN" sz="2800" b="1" dirty="0" err="1">
+                <a:solidFill>
+                  <a:schemeClr val="tx2">
+                    <a:lumMod val="75000"/>
+                  </a:schemeClr>
+                </a:solidFill>
+                <a:latin typeface="微软雅黑" panose="020B0503020204020204" pitchFamily="34" charset="-122"/>
+                <a:ea typeface="微软雅黑" panose="020B0503020204020204" pitchFamily="34" charset="-122"/>
+              </a:rPr>
+              <a:t>inst</a:t>
+            </a:r>
+            <a:endParaRPr lang="en-US" altLang="zh-CN" sz="2800" b="1" dirty="0">
+              <a:solidFill>
+                <a:schemeClr val="tx2">
+                  <a:lumMod val="75000"/>
+                </a:schemeClr>
+              </a:solidFill>
+              <a:latin typeface="微软雅黑" panose="020B0503020204020204" pitchFamily="34" charset="-122"/>
+              <a:ea typeface="微软雅黑" panose="020B0503020204020204" pitchFamily="34" charset="-122"/>
+            </a:endParaRPr>
+          </a:p>
+        </p:txBody>
+      </p:sp>
+      <p:sp>
+        <p:nvSpPr>
+          <p:cNvPr id="10" name="文本框 9">
+            <a:extLst>
+              <a:ext uri="{FF2B5EF4-FFF2-40B4-BE49-F238E27FC236}">
+                <a16:creationId xmlns:a16="http://schemas.microsoft.com/office/drawing/2014/main" id="{3B26483A-42AF-3060-20B6-4E2984EA9C3A}"/>
+              </a:ext>
+            </a:extLst>
+          </p:cNvPr>
+          <p:cNvSpPr txBox="1"/>
+          <p:nvPr/>
+        </p:nvSpPr>
+        <p:spPr>
+          <a:xfrm>
+            <a:off x="8762781" y="1772477"/>
+            <a:ext cx="2943372" cy="4457054"/>
+          </a:xfrm>
+          <a:prstGeom prst="rect">
+            <a:avLst/>
+          </a:prstGeom>
+          <a:noFill/>
+        </p:spPr>
+        <p:txBody>
+          <a:bodyPr wrap="square" rtlCol="0">
+            <a:spAutoFit/>
+          </a:bodyPr>
+          <a:lstStyle/>
+          <a:p>
+            <a:pPr>
+              <a:lnSpc>
+                <a:spcPct val="125000"/>
+              </a:lnSpc>
+            </a:pPr>
+            <a:r>
+              <a:rPr lang="en-US" altLang="zh-CN" sz="1200" b="1" dirty="0" err="1">
+                <a:solidFill>
+                  <a:schemeClr val="tx2">
+                    <a:lumMod val="75000"/>
+                  </a:schemeClr>
+                </a:solidFill>
+                <a:latin typeface="微软雅黑" panose="020B0503020204020204" pitchFamily="34" charset="-122"/>
+                <a:ea typeface="微软雅黑" panose="020B0503020204020204" pitchFamily="34" charset="-122"/>
+              </a:rPr>
+              <a:t>VectorALU</a:t>
+            </a:r>
+            <a:r>
+              <a:rPr lang="zh-CN" altLang="en-US" sz="1200" b="1" dirty="0">
+                <a:solidFill>
+                  <a:schemeClr val="tx2">
+                    <a:lumMod val="75000"/>
+                  </a:schemeClr>
+                </a:solidFill>
+                <a:latin typeface="微软雅黑" panose="020B0503020204020204" pitchFamily="34" charset="-122"/>
+                <a:ea typeface="微软雅黑" panose="020B0503020204020204" pitchFamily="34" charset="-122"/>
+              </a:rPr>
+              <a:t>：</a:t>
+            </a:r>
+            <a:endParaRPr lang="en-US" altLang="zh-CN" sz="1200" b="1" dirty="0">
+              <a:solidFill>
+                <a:schemeClr val="tx2">
+                  <a:lumMod val="75000"/>
+                </a:schemeClr>
+              </a:solidFill>
+              <a:latin typeface="微软雅黑" panose="020B0503020204020204" pitchFamily="34" charset="-122"/>
+              <a:ea typeface="微软雅黑" panose="020B0503020204020204" pitchFamily="34" charset="-122"/>
+            </a:endParaRPr>
+          </a:p>
+          <a:p>
+            <a:pPr marL="342900" indent="-342900">
+              <a:lnSpc>
+                <a:spcPct val="125000"/>
+              </a:lnSpc>
+              <a:buAutoNum type="arabicPeriod"/>
+            </a:pPr>
+            <a:r>
+              <a:rPr lang="en-US" altLang="zh-CN" sz="1200" b="1" dirty="0">
+                <a:solidFill>
+                  <a:schemeClr val="tx2">
+                    <a:lumMod val="75000"/>
+                  </a:schemeClr>
+                </a:solidFill>
+                <a:latin typeface="微软雅黑" panose="020B0503020204020204" pitchFamily="34" charset="-122"/>
+                <a:ea typeface="微软雅黑" panose="020B0503020204020204" pitchFamily="34" charset="-122"/>
+              </a:rPr>
+              <a:t>VOPC/VOP1/VOP2/VOP3</a:t>
+            </a:r>
+          </a:p>
+          <a:p>
+            <a:pPr marL="342900" indent="-342900">
+              <a:lnSpc>
+                <a:spcPct val="125000"/>
+              </a:lnSpc>
+              <a:buAutoNum type="arabicPeriod"/>
+            </a:pPr>
+            <a:endParaRPr lang="en-US" altLang="zh-CN" sz="1200" b="1" dirty="0">
+              <a:solidFill>
+                <a:schemeClr val="tx2">
+                  <a:lumMod val="75000"/>
+                </a:schemeClr>
+              </a:solidFill>
+              <a:latin typeface="微软雅黑" panose="020B0503020204020204" pitchFamily="34" charset="-122"/>
+              <a:ea typeface="微软雅黑" panose="020B0503020204020204" pitchFamily="34" charset="-122"/>
+            </a:endParaRPr>
+          </a:p>
+          <a:p>
+            <a:pPr>
+              <a:lnSpc>
+                <a:spcPct val="125000"/>
+              </a:lnSpc>
+            </a:pPr>
+            <a:r>
+              <a:rPr lang="en-US" altLang="zh-CN" sz="1200" b="1" dirty="0" err="1">
+                <a:solidFill>
+                  <a:schemeClr val="tx2">
+                    <a:lumMod val="75000"/>
+                  </a:schemeClr>
+                </a:solidFill>
+                <a:latin typeface="微软雅黑" panose="020B0503020204020204" pitchFamily="34" charset="-122"/>
+                <a:ea typeface="微软雅黑" panose="020B0503020204020204" pitchFamily="34" charset="-122"/>
+              </a:rPr>
+              <a:t>ScalarALU</a:t>
+            </a:r>
+            <a:r>
+              <a:rPr lang="zh-CN" altLang="en-US" sz="1200" b="1" dirty="0">
+                <a:solidFill>
+                  <a:schemeClr val="tx2">
+                    <a:lumMod val="75000"/>
+                  </a:schemeClr>
+                </a:solidFill>
+                <a:latin typeface="微软雅黑" panose="020B0503020204020204" pitchFamily="34" charset="-122"/>
+                <a:ea typeface="微软雅黑" panose="020B0503020204020204" pitchFamily="34" charset="-122"/>
+              </a:rPr>
+              <a:t>：</a:t>
+            </a:r>
+            <a:endParaRPr lang="en-US" altLang="zh-CN" sz="1200" b="1" dirty="0">
+              <a:solidFill>
+                <a:schemeClr val="tx2">
+                  <a:lumMod val="75000"/>
+                </a:schemeClr>
+              </a:solidFill>
+              <a:latin typeface="微软雅黑" panose="020B0503020204020204" pitchFamily="34" charset="-122"/>
+              <a:ea typeface="微软雅黑" panose="020B0503020204020204" pitchFamily="34" charset="-122"/>
+            </a:endParaRPr>
+          </a:p>
+          <a:p>
+            <a:pPr marL="342900" indent="-342900">
+              <a:lnSpc>
+                <a:spcPct val="125000"/>
+              </a:lnSpc>
+              <a:buAutoNum type="arabicPeriod"/>
+            </a:pPr>
+            <a:r>
+              <a:rPr lang="en-US" altLang="zh-CN" sz="1200" b="1" dirty="0">
+                <a:solidFill>
+                  <a:schemeClr val="tx2">
+                    <a:lumMod val="75000"/>
+                  </a:schemeClr>
+                </a:solidFill>
+                <a:latin typeface="微软雅黑" panose="020B0503020204020204" pitchFamily="34" charset="-122"/>
+                <a:ea typeface="微软雅黑" panose="020B0503020204020204" pitchFamily="34" charset="-122"/>
+              </a:rPr>
+              <a:t>SOPP</a:t>
+            </a:r>
+            <a:r>
+              <a:rPr lang="zh-CN" altLang="en-US" sz="1200" b="1" dirty="0">
+                <a:solidFill>
+                  <a:schemeClr val="tx2">
+                    <a:lumMod val="75000"/>
+                  </a:schemeClr>
+                </a:solidFill>
+                <a:latin typeface="微软雅黑" panose="020B0503020204020204" pitchFamily="34" charset="-122"/>
+                <a:ea typeface="微软雅黑" panose="020B0503020204020204" pitchFamily="34" charset="-122"/>
+              </a:rPr>
+              <a:t>：分支 空操作等</a:t>
+            </a:r>
+            <a:endParaRPr lang="en-US" altLang="zh-CN" sz="1200" b="1" dirty="0">
+              <a:solidFill>
+                <a:schemeClr val="tx2">
+                  <a:lumMod val="75000"/>
+                </a:schemeClr>
+              </a:solidFill>
+              <a:latin typeface="微软雅黑" panose="020B0503020204020204" pitchFamily="34" charset="-122"/>
+              <a:ea typeface="微软雅黑" panose="020B0503020204020204" pitchFamily="34" charset="-122"/>
+            </a:endParaRPr>
+          </a:p>
+          <a:p>
+            <a:pPr marL="342900" indent="-342900">
+              <a:lnSpc>
+                <a:spcPct val="125000"/>
+              </a:lnSpc>
+              <a:buAutoNum type="arabicPeriod"/>
+            </a:pPr>
+            <a:r>
+              <a:rPr lang="en-US" altLang="zh-CN" sz="1200" b="1" dirty="0">
+                <a:solidFill>
+                  <a:schemeClr val="tx2">
+                    <a:lumMod val="75000"/>
+                  </a:schemeClr>
+                </a:solidFill>
+                <a:latin typeface="微软雅黑" panose="020B0503020204020204" pitchFamily="34" charset="-122"/>
+                <a:ea typeface="微软雅黑" panose="020B0503020204020204" pitchFamily="34" charset="-122"/>
+              </a:rPr>
+              <a:t>SOPC/SOPK/SOP1/SOP2</a:t>
+            </a:r>
+            <a:r>
+              <a:rPr lang="zh-CN" altLang="en-US" sz="1200" b="1" dirty="0">
+                <a:solidFill>
+                  <a:schemeClr val="tx2">
+                    <a:lumMod val="75000"/>
+                  </a:schemeClr>
+                </a:solidFill>
+                <a:latin typeface="微软雅黑" panose="020B0503020204020204" pitchFamily="34" charset="-122"/>
+                <a:ea typeface="微软雅黑" panose="020B0503020204020204" pitchFamily="34" charset="-122"/>
+              </a:rPr>
+              <a:t>：普通计算 </a:t>
+            </a:r>
+            <a:r>
+              <a:rPr lang="en-US" altLang="zh-CN" sz="1200" b="1" dirty="0">
+                <a:solidFill>
+                  <a:schemeClr val="tx2">
+                    <a:lumMod val="75000"/>
+                  </a:schemeClr>
+                </a:solidFill>
+                <a:latin typeface="微软雅黑" panose="020B0503020204020204" pitchFamily="34" charset="-122"/>
+                <a:ea typeface="微软雅黑" panose="020B0503020204020204" pitchFamily="34" charset="-122"/>
+              </a:rPr>
+              <a:t>divergence</a:t>
+            </a:r>
+          </a:p>
+          <a:p>
+            <a:pPr marL="342900" indent="-342900">
+              <a:lnSpc>
+                <a:spcPct val="125000"/>
+              </a:lnSpc>
+              <a:buAutoNum type="arabicPeriod"/>
+            </a:pPr>
+            <a:endParaRPr lang="en-US" altLang="zh-CN" sz="1200" b="1" dirty="0">
+              <a:solidFill>
+                <a:schemeClr val="tx2">
+                  <a:lumMod val="75000"/>
+                </a:schemeClr>
+              </a:solidFill>
+              <a:latin typeface="微软雅黑" panose="020B0503020204020204" pitchFamily="34" charset="-122"/>
+              <a:ea typeface="微软雅黑" panose="020B0503020204020204" pitchFamily="34" charset="-122"/>
+            </a:endParaRPr>
+          </a:p>
+          <a:p>
+            <a:pPr>
+              <a:lnSpc>
+                <a:spcPct val="125000"/>
+              </a:lnSpc>
+            </a:pPr>
+            <a:r>
+              <a:rPr lang="en-US" altLang="zh-CN" sz="1200" b="1" dirty="0" err="1">
+                <a:solidFill>
+                  <a:schemeClr val="tx2">
+                    <a:lumMod val="75000"/>
+                  </a:schemeClr>
+                </a:solidFill>
+                <a:latin typeface="微软雅黑" panose="020B0503020204020204" pitchFamily="34" charset="-122"/>
+                <a:ea typeface="微软雅黑" panose="020B0503020204020204" pitchFamily="34" charset="-122"/>
+              </a:rPr>
+              <a:t>globalMem</a:t>
+            </a:r>
+            <a:r>
+              <a:rPr lang="zh-CN" altLang="en-US" sz="1200" b="1" dirty="0">
+                <a:solidFill>
+                  <a:schemeClr val="tx2">
+                    <a:lumMod val="75000"/>
+                  </a:schemeClr>
+                </a:solidFill>
+                <a:latin typeface="微软雅黑" panose="020B0503020204020204" pitchFamily="34" charset="-122"/>
+                <a:ea typeface="微软雅黑" panose="020B0503020204020204" pitchFamily="34" charset="-122"/>
+              </a:rPr>
+              <a:t>：</a:t>
+            </a:r>
+            <a:endParaRPr lang="en-US" altLang="zh-CN" sz="1200" b="1" dirty="0">
+              <a:solidFill>
+                <a:schemeClr val="tx2">
+                  <a:lumMod val="75000"/>
+                </a:schemeClr>
+              </a:solidFill>
+              <a:latin typeface="微软雅黑" panose="020B0503020204020204" pitchFamily="34" charset="-122"/>
+              <a:ea typeface="微软雅黑" panose="020B0503020204020204" pitchFamily="34" charset="-122"/>
+            </a:endParaRPr>
+          </a:p>
+          <a:p>
+            <a:pPr marL="342900" indent="-342900">
+              <a:lnSpc>
+                <a:spcPct val="125000"/>
+              </a:lnSpc>
+              <a:buAutoNum type="arabicPeriod"/>
+            </a:pPr>
+            <a:r>
+              <a:rPr lang="en-US" altLang="zh-CN" sz="1200" b="1" dirty="0">
+                <a:solidFill>
+                  <a:schemeClr val="tx2">
+                    <a:lumMod val="75000"/>
+                  </a:schemeClr>
+                </a:solidFill>
+                <a:latin typeface="微软雅黑" panose="020B0503020204020204" pitchFamily="34" charset="-122"/>
+                <a:ea typeface="微软雅黑" panose="020B0503020204020204" pitchFamily="34" charset="-122"/>
+              </a:rPr>
+              <a:t>MUBUF</a:t>
+            </a:r>
+            <a:r>
+              <a:rPr lang="zh-CN" altLang="en-US" sz="1200" b="1" dirty="0">
+                <a:solidFill>
+                  <a:schemeClr val="tx2">
+                    <a:lumMod val="75000"/>
+                  </a:schemeClr>
+                </a:solidFill>
+                <a:latin typeface="微软雅黑" panose="020B0503020204020204" pitchFamily="34" charset="-122"/>
+                <a:ea typeface="微软雅黑" panose="020B0503020204020204" pitchFamily="34" charset="-122"/>
+              </a:rPr>
+              <a:t>：访问向量存储 </a:t>
+            </a:r>
+            <a:r>
+              <a:rPr lang="en-US" altLang="zh-CN" sz="1200" b="1" dirty="0">
+                <a:solidFill>
+                  <a:schemeClr val="tx2">
+                    <a:lumMod val="75000"/>
+                  </a:schemeClr>
+                </a:solidFill>
+                <a:latin typeface="微软雅黑" panose="020B0503020204020204" pitchFamily="34" charset="-122"/>
+                <a:ea typeface="微软雅黑" panose="020B0503020204020204" pitchFamily="34" charset="-122"/>
+              </a:rPr>
+              <a:t>cache</a:t>
+            </a:r>
+            <a:r>
+              <a:rPr lang="zh-CN" altLang="en-US" sz="1200" b="1" dirty="0">
+                <a:solidFill>
+                  <a:schemeClr val="tx2">
+                    <a:lumMod val="75000"/>
+                  </a:schemeClr>
+                </a:solidFill>
+                <a:latin typeface="微软雅黑" panose="020B0503020204020204" pitchFamily="34" charset="-122"/>
+                <a:ea typeface="微软雅黑" panose="020B0503020204020204" pitchFamily="34" charset="-122"/>
+              </a:rPr>
+              <a:t>维护</a:t>
+            </a:r>
+            <a:endParaRPr lang="en-US" altLang="zh-CN" sz="1200" b="1" dirty="0">
+              <a:solidFill>
+                <a:schemeClr val="tx2">
+                  <a:lumMod val="75000"/>
+                </a:schemeClr>
+              </a:solidFill>
+              <a:latin typeface="微软雅黑" panose="020B0503020204020204" pitchFamily="34" charset="-122"/>
+              <a:ea typeface="微软雅黑" panose="020B0503020204020204" pitchFamily="34" charset="-122"/>
+            </a:endParaRPr>
+          </a:p>
+          <a:p>
+            <a:pPr marL="342900" indent="-342900">
+              <a:lnSpc>
+                <a:spcPct val="125000"/>
+              </a:lnSpc>
+              <a:buAutoNum type="arabicPeriod"/>
+            </a:pPr>
+            <a:r>
+              <a:rPr lang="en-US" altLang="zh-CN" sz="1200" b="1" dirty="0">
+                <a:solidFill>
+                  <a:schemeClr val="tx2">
+                    <a:lumMod val="75000"/>
+                  </a:schemeClr>
+                </a:solidFill>
+                <a:latin typeface="微软雅黑" panose="020B0503020204020204" pitchFamily="34" charset="-122"/>
+                <a:ea typeface="微软雅黑" panose="020B0503020204020204" pitchFamily="34" charset="-122"/>
+              </a:rPr>
+              <a:t>FLAT</a:t>
+            </a:r>
+            <a:r>
+              <a:rPr lang="zh-CN" altLang="en-US" sz="1200" b="1" dirty="0">
+                <a:solidFill>
+                  <a:schemeClr val="tx2">
+                    <a:lumMod val="75000"/>
+                  </a:schemeClr>
+                </a:solidFill>
+                <a:latin typeface="微软雅黑" panose="020B0503020204020204" pitchFamily="34" charset="-122"/>
+                <a:ea typeface="微软雅黑" panose="020B0503020204020204" pitchFamily="34" charset="-122"/>
+              </a:rPr>
+              <a:t>：地址映射到</a:t>
+            </a:r>
+            <a:r>
+              <a:rPr lang="en-US" altLang="zh-CN" sz="1200" b="1" dirty="0">
+                <a:solidFill>
+                  <a:schemeClr val="tx2">
+                    <a:lumMod val="75000"/>
+                  </a:schemeClr>
+                </a:solidFill>
+                <a:latin typeface="微软雅黑" panose="020B0503020204020204" pitchFamily="34" charset="-122"/>
+                <a:ea typeface="微软雅黑" panose="020B0503020204020204" pitchFamily="34" charset="-122"/>
+              </a:rPr>
+              <a:t>GM</a:t>
+            </a:r>
+            <a:r>
+              <a:rPr lang="zh-CN" altLang="en-US" sz="1200" b="1" dirty="0">
+                <a:solidFill>
+                  <a:schemeClr val="tx2">
+                    <a:lumMod val="75000"/>
+                  </a:schemeClr>
+                </a:solidFill>
+                <a:latin typeface="微软雅黑" panose="020B0503020204020204" pitchFamily="34" charset="-122"/>
+                <a:ea typeface="微软雅黑" panose="020B0503020204020204" pitchFamily="34" charset="-122"/>
+              </a:rPr>
+              <a:t>部分</a:t>
+            </a:r>
+            <a:endParaRPr lang="en-US" altLang="zh-CN" sz="1200" b="1" dirty="0">
+              <a:solidFill>
+                <a:schemeClr val="tx2">
+                  <a:lumMod val="75000"/>
+                </a:schemeClr>
+              </a:solidFill>
+              <a:latin typeface="微软雅黑" panose="020B0503020204020204" pitchFamily="34" charset="-122"/>
+              <a:ea typeface="微软雅黑" panose="020B0503020204020204" pitchFamily="34" charset="-122"/>
+            </a:endParaRPr>
+          </a:p>
+          <a:p>
+            <a:pPr marL="342900" indent="-342900">
+              <a:lnSpc>
+                <a:spcPct val="125000"/>
+              </a:lnSpc>
+              <a:buAutoNum type="arabicPeriod"/>
+            </a:pPr>
+            <a:endParaRPr lang="en-US" altLang="zh-CN" sz="1200" b="1" dirty="0">
+              <a:solidFill>
+                <a:schemeClr val="tx2">
+                  <a:lumMod val="75000"/>
+                </a:schemeClr>
+              </a:solidFill>
+              <a:latin typeface="微软雅黑" panose="020B0503020204020204" pitchFamily="34" charset="-122"/>
+              <a:ea typeface="微软雅黑" panose="020B0503020204020204" pitchFamily="34" charset="-122"/>
+            </a:endParaRPr>
+          </a:p>
+          <a:p>
+            <a:pPr>
+              <a:lnSpc>
+                <a:spcPct val="125000"/>
+              </a:lnSpc>
+            </a:pPr>
+            <a:r>
+              <a:rPr lang="en-US" altLang="zh-CN" sz="1200" b="1" dirty="0" err="1">
+                <a:solidFill>
+                  <a:schemeClr val="tx2">
+                    <a:lumMod val="75000"/>
+                  </a:schemeClr>
+                </a:solidFill>
+                <a:latin typeface="微软雅黑" panose="020B0503020204020204" pitchFamily="34" charset="-122"/>
+                <a:ea typeface="微软雅黑" panose="020B0503020204020204" pitchFamily="34" charset="-122"/>
+              </a:rPr>
+              <a:t>localMem</a:t>
+            </a:r>
+            <a:r>
+              <a:rPr lang="zh-CN" altLang="en-US" sz="1200" b="1" dirty="0">
+                <a:solidFill>
+                  <a:schemeClr val="tx2">
+                    <a:lumMod val="75000"/>
+                  </a:schemeClr>
+                </a:solidFill>
+                <a:latin typeface="微软雅黑" panose="020B0503020204020204" pitchFamily="34" charset="-122"/>
+                <a:ea typeface="微软雅黑" panose="020B0503020204020204" pitchFamily="34" charset="-122"/>
+              </a:rPr>
+              <a:t>：</a:t>
+            </a:r>
+            <a:endParaRPr lang="en-US" altLang="zh-CN" sz="1200" b="1" dirty="0">
+              <a:solidFill>
+                <a:schemeClr val="tx2">
+                  <a:lumMod val="75000"/>
+                </a:schemeClr>
+              </a:solidFill>
+              <a:latin typeface="微软雅黑" panose="020B0503020204020204" pitchFamily="34" charset="-122"/>
+              <a:ea typeface="微软雅黑" panose="020B0503020204020204" pitchFamily="34" charset="-122"/>
+            </a:endParaRPr>
+          </a:p>
+          <a:p>
+            <a:pPr marL="342900" indent="-342900">
+              <a:lnSpc>
+                <a:spcPct val="125000"/>
+              </a:lnSpc>
+              <a:buAutoNum type="arabicPeriod"/>
+            </a:pPr>
+            <a:r>
+              <a:rPr lang="en-US" altLang="zh-CN" sz="1200" b="1" dirty="0">
+                <a:solidFill>
+                  <a:schemeClr val="tx2">
+                    <a:lumMod val="75000"/>
+                  </a:schemeClr>
+                </a:solidFill>
+                <a:latin typeface="微软雅黑" panose="020B0503020204020204" pitchFamily="34" charset="-122"/>
+                <a:ea typeface="微软雅黑" panose="020B0503020204020204" pitchFamily="34" charset="-122"/>
+              </a:rPr>
+              <a:t>DS</a:t>
+            </a:r>
+            <a:r>
+              <a:rPr lang="zh-CN" altLang="en-US" sz="1200" b="1" dirty="0">
+                <a:solidFill>
+                  <a:schemeClr val="tx2">
+                    <a:lumMod val="75000"/>
+                  </a:schemeClr>
+                </a:solidFill>
+                <a:latin typeface="微软雅黑" panose="020B0503020204020204" pitchFamily="34" charset="-122"/>
+                <a:ea typeface="微软雅黑" panose="020B0503020204020204" pitchFamily="34" charset="-122"/>
+              </a:rPr>
+              <a:t>：私有</a:t>
+            </a:r>
+            <a:r>
+              <a:rPr lang="en-US" altLang="zh-CN" sz="1200" b="1" dirty="0">
+                <a:solidFill>
+                  <a:schemeClr val="tx2">
+                    <a:lumMod val="75000"/>
+                  </a:schemeClr>
+                </a:solidFill>
+                <a:latin typeface="微软雅黑" panose="020B0503020204020204" pitchFamily="34" charset="-122"/>
+                <a:ea typeface="微软雅黑" panose="020B0503020204020204" pitchFamily="34" charset="-122"/>
+              </a:rPr>
+              <a:t>scratch pad memory</a:t>
+            </a:r>
+          </a:p>
+          <a:p>
+            <a:pPr marL="342900" indent="-342900">
+              <a:lnSpc>
+                <a:spcPct val="125000"/>
+              </a:lnSpc>
+              <a:buAutoNum type="arabicPeriod"/>
+            </a:pPr>
+            <a:r>
+              <a:rPr lang="en-US" altLang="zh-CN" sz="1200" b="1" dirty="0">
+                <a:solidFill>
+                  <a:schemeClr val="tx2">
+                    <a:lumMod val="75000"/>
+                  </a:schemeClr>
+                </a:solidFill>
+                <a:latin typeface="微软雅黑" panose="020B0503020204020204" pitchFamily="34" charset="-122"/>
+                <a:ea typeface="微软雅黑" panose="020B0503020204020204" pitchFamily="34" charset="-122"/>
+              </a:rPr>
+              <a:t>FLAT</a:t>
+            </a:r>
+            <a:r>
+              <a:rPr lang="zh-CN" altLang="en-US" sz="1200" b="1" dirty="0">
+                <a:solidFill>
+                  <a:schemeClr val="tx2">
+                    <a:lumMod val="75000"/>
+                  </a:schemeClr>
+                </a:solidFill>
+                <a:latin typeface="微软雅黑" panose="020B0503020204020204" pitchFamily="34" charset="-122"/>
+                <a:ea typeface="微软雅黑" panose="020B0503020204020204" pitchFamily="34" charset="-122"/>
+              </a:rPr>
+              <a:t>：地址映射到</a:t>
+            </a:r>
+            <a:r>
+              <a:rPr lang="en-US" altLang="zh-CN" sz="1200" b="1" dirty="0">
+                <a:solidFill>
+                  <a:schemeClr val="tx2">
+                    <a:lumMod val="75000"/>
+                  </a:schemeClr>
+                </a:solidFill>
+                <a:latin typeface="微软雅黑" panose="020B0503020204020204" pitchFamily="34" charset="-122"/>
+                <a:ea typeface="微软雅黑" panose="020B0503020204020204" pitchFamily="34" charset="-122"/>
+              </a:rPr>
+              <a:t>LM</a:t>
+            </a:r>
+            <a:r>
+              <a:rPr lang="zh-CN" altLang="en-US" sz="1200" b="1" dirty="0">
+                <a:solidFill>
+                  <a:schemeClr val="tx2">
+                    <a:lumMod val="75000"/>
+                  </a:schemeClr>
+                </a:solidFill>
+                <a:latin typeface="微软雅黑" panose="020B0503020204020204" pitchFamily="34" charset="-122"/>
+                <a:ea typeface="微软雅黑" panose="020B0503020204020204" pitchFamily="34" charset="-122"/>
+              </a:rPr>
+              <a:t>部分</a:t>
+            </a:r>
+            <a:endParaRPr lang="en-US" altLang="zh-CN" sz="1200" b="1" dirty="0">
+              <a:solidFill>
+                <a:schemeClr val="tx2">
+                  <a:lumMod val="75000"/>
+                </a:schemeClr>
+              </a:solidFill>
+              <a:latin typeface="微软雅黑" panose="020B0503020204020204" pitchFamily="34" charset="-122"/>
+              <a:ea typeface="微软雅黑" panose="020B0503020204020204" pitchFamily="34" charset="-122"/>
+            </a:endParaRPr>
+          </a:p>
+          <a:p>
+            <a:pPr marL="342900" indent="-342900">
+              <a:lnSpc>
+                <a:spcPct val="125000"/>
+              </a:lnSpc>
+              <a:buAutoNum type="arabicPeriod"/>
+            </a:pPr>
+            <a:endParaRPr lang="en-US" altLang="zh-CN" sz="1200" b="1" dirty="0">
+              <a:solidFill>
+                <a:schemeClr val="tx2">
+                  <a:lumMod val="75000"/>
+                </a:schemeClr>
+              </a:solidFill>
+              <a:latin typeface="微软雅黑" panose="020B0503020204020204" pitchFamily="34" charset="-122"/>
+              <a:ea typeface="微软雅黑" panose="020B0503020204020204" pitchFamily="34" charset="-122"/>
+            </a:endParaRPr>
+          </a:p>
+          <a:p>
+            <a:pPr>
+              <a:lnSpc>
+                <a:spcPct val="125000"/>
+              </a:lnSpc>
+            </a:pPr>
+            <a:r>
+              <a:rPr lang="en-US" altLang="zh-CN" sz="1200" b="1" dirty="0" err="1">
+                <a:solidFill>
+                  <a:schemeClr val="tx2">
+                    <a:lumMod val="75000"/>
+                  </a:schemeClr>
+                </a:solidFill>
+                <a:latin typeface="微软雅黑" panose="020B0503020204020204" pitchFamily="34" charset="-122"/>
+                <a:ea typeface="微软雅黑" panose="020B0503020204020204" pitchFamily="34" charset="-122"/>
+              </a:rPr>
+              <a:t>scalarMem</a:t>
+            </a:r>
+            <a:r>
+              <a:rPr lang="zh-CN" altLang="en-US" sz="1200" b="1" dirty="0">
+                <a:solidFill>
+                  <a:schemeClr val="tx2">
+                    <a:lumMod val="75000"/>
+                  </a:schemeClr>
+                </a:solidFill>
+                <a:latin typeface="微软雅黑" panose="020B0503020204020204" pitchFamily="34" charset="-122"/>
+                <a:ea typeface="微软雅黑" panose="020B0503020204020204" pitchFamily="34" charset="-122"/>
+              </a:rPr>
+              <a:t>：</a:t>
+            </a:r>
+            <a:endParaRPr lang="en-US" altLang="zh-CN" sz="1200" b="1" dirty="0">
+              <a:solidFill>
+                <a:schemeClr val="tx2">
+                  <a:lumMod val="75000"/>
+                </a:schemeClr>
+              </a:solidFill>
+              <a:latin typeface="微软雅黑" panose="020B0503020204020204" pitchFamily="34" charset="-122"/>
+              <a:ea typeface="微软雅黑" panose="020B0503020204020204" pitchFamily="34" charset="-122"/>
+            </a:endParaRPr>
+          </a:p>
+          <a:p>
+            <a:pPr>
+              <a:lnSpc>
+                <a:spcPct val="125000"/>
+              </a:lnSpc>
+            </a:pPr>
+            <a:r>
+              <a:rPr lang="en-US" altLang="zh-CN" sz="1200" b="1" dirty="0">
+                <a:solidFill>
+                  <a:schemeClr val="tx2">
+                    <a:lumMod val="75000"/>
+                  </a:schemeClr>
+                </a:solidFill>
+                <a:latin typeface="微软雅黑" panose="020B0503020204020204" pitchFamily="34" charset="-122"/>
+                <a:ea typeface="微软雅黑" panose="020B0503020204020204" pitchFamily="34" charset="-122"/>
+              </a:rPr>
+              <a:t>1.    SMEM</a:t>
+            </a:r>
+            <a:r>
+              <a:rPr lang="zh-CN" altLang="en-US" sz="1200" b="1" dirty="0">
+                <a:solidFill>
+                  <a:schemeClr val="tx2">
+                    <a:lumMod val="75000"/>
+                  </a:schemeClr>
+                </a:solidFill>
+                <a:latin typeface="微软雅黑" panose="020B0503020204020204" pitchFamily="34" charset="-122"/>
+                <a:ea typeface="微软雅黑" panose="020B0503020204020204" pitchFamily="34" charset="-122"/>
+              </a:rPr>
+              <a:t>：访问标量存储 </a:t>
+            </a:r>
+            <a:r>
+              <a:rPr lang="en-US" altLang="zh-CN" sz="1200" b="1" dirty="0">
+                <a:solidFill>
+                  <a:schemeClr val="tx2">
+                    <a:lumMod val="75000"/>
+                  </a:schemeClr>
+                </a:solidFill>
+                <a:latin typeface="微软雅黑" panose="020B0503020204020204" pitchFamily="34" charset="-122"/>
+                <a:ea typeface="微软雅黑" panose="020B0503020204020204" pitchFamily="34" charset="-122"/>
+              </a:rPr>
+              <a:t>cache</a:t>
+            </a:r>
+            <a:r>
+              <a:rPr lang="zh-CN" altLang="en-US" sz="1200" b="1" dirty="0">
+                <a:solidFill>
+                  <a:schemeClr val="tx2">
+                    <a:lumMod val="75000"/>
+                  </a:schemeClr>
+                </a:solidFill>
+                <a:latin typeface="微软雅黑" panose="020B0503020204020204" pitchFamily="34" charset="-122"/>
+                <a:ea typeface="微软雅黑" panose="020B0503020204020204" pitchFamily="34" charset="-122"/>
+              </a:rPr>
+              <a:t>维护</a:t>
+            </a:r>
+            <a:endParaRPr lang="en-US" altLang="zh-CN" sz="1200" b="1" dirty="0">
+              <a:solidFill>
+                <a:schemeClr val="tx2">
+                  <a:lumMod val="75000"/>
+                </a:schemeClr>
+              </a:solidFill>
+              <a:latin typeface="微软雅黑" panose="020B0503020204020204" pitchFamily="34" charset="-122"/>
+              <a:ea typeface="微软雅黑" panose="020B0503020204020204" pitchFamily="34" charset="-122"/>
+            </a:endParaRPr>
+          </a:p>
+        </p:txBody>
+      </p:sp>
+      <p:sp>
+        <p:nvSpPr>
+          <p:cNvPr id="8" name="文本框 7">
+            <a:extLst>
+              <a:ext uri="{FF2B5EF4-FFF2-40B4-BE49-F238E27FC236}">
+                <a16:creationId xmlns:a16="http://schemas.microsoft.com/office/drawing/2014/main" id="{ADC4DDAD-5195-321F-9CA9-D30D0340FE48}"/>
+              </a:ext>
+            </a:extLst>
+          </p:cNvPr>
+          <p:cNvSpPr txBox="1"/>
+          <p:nvPr/>
+        </p:nvSpPr>
+        <p:spPr>
+          <a:xfrm>
+            <a:off x="4614340" y="667763"/>
+            <a:ext cx="2802467" cy="441916"/>
+          </a:xfrm>
+          <a:prstGeom prst="rect">
+            <a:avLst/>
+          </a:prstGeom>
+          <a:noFill/>
+        </p:spPr>
+        <p:txBody>
+          <a:bodyPr wrap="square" rtlCol="0">
+            <a:spAutoFit/>
+          </a:bodyPr>
+          <a:lstStyle/>
+          <a:p>
+            <a:pPr>
+              <a:lnSpc>
+                <a:spcPct val="125000"/>
+              </a:lnSpc>
+            </a:pPr>
+            <a:r>
+              <a:rPr lang="en-US" altLang="zh-CN" sz="2000" b="1" dirty="0">
+                <a:solidFill>
+                  <a:schemeClr val="tx2">
+                    <a:lumMod val="75000"/>
+                  </a:schemeClr>
+                </a:solidFill>
+                <a:latin typeface="微软雅黑" panose="020B0503020204020204" pitchFamily="34" charset="-122"/>
+                <a:ea typeface="微软雅黑" panose="020B0503020204020204" pitchFamily="34" charset="-122"/>
+              </a:rPr>
+              <a:t>wavefront</a:t>
+            </a:r>
+            <a:r>
+              <a:rPr lang="zh-CN" altLang="en-US" sz="2000" b="1" dirty="0">
+                <a:solidFill>
+                  <a:schemeClr val="tx2">
+                    <a:lumMod val="75000"/>
+                  </a:schemeClr>
+                </a:solidFill>
+                <a:latin typeface="微软雅黑" panose="020B0503020204020204" pitchFamily="34" charset="-122"/>
+                <a:ea typeface="微软雅黑" panose="020B0503020204020204" pitchFamily="34" charset="-122"/>
+              </a:rPr>
+              <a:t>：</a:t>
+            </a:r>
+            <a:r>
+              <a:rPr lang="en-US" altLang="zh-CN" sz="2000" b="1" dirty="0">
+                <a:solidFill>
+                  <a:schemeClr val="tx2">
+                    <a:lumMod val="75000"/>
+                  </a:schemeClr>
+                </a:solidFill>
+                <a:latin typeface="微软雅黑" panose="020B0503020204020204" pitchFamily="34" charset="-122"/>
+                <a:ea typeface="微软雅黑" panose="020B0503020204020204" pitchFamily="34" charset="-122"/>
+              </a:rPr>
+              <a:t>exec</a:t>
+            </a:r>
+          </a:p>
+        </p:txBody>
+      </p:sp>
+      <p:sp>
+        <p:nvSpPr>
+          <p:cNvPr id="2" name="文本框 1">
+            <a:extLst>
+              <a:ext uri="{FF2B5EF4-FFF2-40B4-BE49-F238E27FC236}">
+                <a16:creationId xmlns:a16="http://schemas.microsoft.com/office/drawing/2014/main" id="{B50B1400-25EE-566B-B61A-DE92CE829CF2}"/>
+              </a:ext>
+            </a:extLst>
+          </p:cNvPr>
+          <p:cNvSpPr txBox="1"/>
+          <p:nvPr/>
+        </p:nvSpPr>
+        <p:spPr>
+          <a:xfrm>
+            <a:off x="8805478" y="1007171"/>
+            <a:ext cx="2653026" cy="606320"/>
+          </a:xfrm>
+          <a:prstGeom prst="rect">
+            <a:avLst/>
+          </a:prstGeom>
+          <a:noFill/>
+        </p:spPr>
+        <p:txBody>
+          <a:bodyPr wrap="square" rtlCol="0">
+            <a:spAutoFit/>
+          </a:bodyPr>
+          <a:lstStyle/>
+          <a:p>
+            <a:pPr>
+              <a:lnSpc>
+                <a:spcPct val="125000"/>
+              </a:lnSpc>
+            </a:pPr>
+            <a:r>
+              <a:rPr lang="zh-CN" altLang="en-US" sz="1400" b="1" dirty="0">
+                <a:solidFill>
+                  <a:schemeClr val="tx2">
+                    <a:lumMod val="75000"/>
+                  </a:schemeClr>
+                </a:solidFill>
+                <a:latin typeface="微软雅黑" panose="020B0503020204020204" pitchFamily="34" charset="-122"/>
+                <a:ea typeface="微软雅黑" panose="020B0503020204020204" pitchFamily="34" charset="-122"/>
+              </a:rPr>
+              <a:t>指令在</a:t>
+            </a:r>
+            <a:r>
+              <a:rPr lang="en-US" altLang="zh-CN" sz="1400" b="1" dirty="0" err="1">
+                <a:solidFill>
+                  <a:schemeClr val="tx2">
+                    <a:lumMod val="75000"/>
+                  </a:schemeClr>
+                </a:solidFill>
+                <a:latin typeface="微软雅黑" panose="020B0503020204020204" pitchFamily="34" charset="-122"/>
+                <a:ea typeface="微软雅黑" panose="020B0503020204020204" pitchFamily="34" charset="-122"/>
+              </a:rPr>
+              <a:t>scoreboardCheck</a:t>
+            </a:r>
+            <a:r>
+              <a:rPr lang="zh-CN" altLang="en-US" sz="1400" b="1" dirty="0">
+                <a:solidFill>
+                  <a:schemeClr val="tx2">
+                    <a:lumMod val="75000"/>
+                  </a:schemeClr>
+                </a:solidFill>
+                <a:latin typeface="微软雅黑" panose="020B0503020204020204" pitchFamily="34" charset="-122"/>
+                <a:ea typeface="微软雅黑" panose="020B0503020204020204" pitchFamily="34" charset="-122"/>
+              </a:rPr>
+              <a:t>阶段会被映射到对应的执行单元</a:t>
+            </a:r>
+            <a:endParaRPr lang="en-US" altLang="zh-CN" sz="1400" b="1" dirty="0">
+              <a:solidFill>
+                <a:schemeClr val="tx2">
+                  <a:lumMod val="75000"/>
+                </a:schemeClr>
+              </a:solidFill>
+              <a:latin typeface="微软雅黑" panose="020B0503020204020204" pitchFamily="34" charset="-122"/>
+              <a:ea typeface="微软雅黑" panose="020B0503020204020204" pitchFamily="34" charset="-122"/>
+            </a:endParaRPr>
+          </a:p>
+        </p:txBody>
+      </p:sp>
+      <p:pic>
+        <p:nvPicPr>
+          <p:cNvPr id="9" name="图片 8">
+            <a:extLst>
+              <a:ext uri="{FF2B5EF4-FFF2-40B4-BE49-F238E27FC236}">
+                <a16:creationId xmlns:a16="http://schemas.microsoft.com/office/drawing/2014/main" id="{EF6A63FB-8BCB-3108-FC6A-AEB4BF6F399C}"/>
+              </a:ext>
+            </a:extLst>
+          </p:cNvPr>
+          <p:cNvPicPr>
+            <a:picLocks noChangeAspect="1"/>
+          </p:cNvPicPr>
+          <p:nvPr/>
+        </p:nvPicPr>
+        <p:blipFill>
+          <a:blip r:embed="rId4"/>
+          <a:srcRect r="22125"/>
+          <a:stretch/>
+        </p:blipFill>
+        <p:spPr>
+          <a:xfrm>
+            <a:off x="3621063" y="1249519"/>
+            <a:ext cx="4901853" cy="4021089"/>
+          </a:xfrm>
+          <a:prstGeom prst="rect">
+            <a:avLst/>
+          </a:prstGeom>
+        </p:spPr>
+      </p:pic>
+      <p:sp>
+        <p:nvSpPr>
+          <p:cNvPr id="11" name="矩形 10">
+            <a:extLst>
+              <a:ext uri="{FF2B5EF4-FFF2-40B4-BE49-F238E27FC236}">
+                <a16:creationId xmlns:a16="http://schemas.microsoft.com/office/drawing/2014/main" id="{445BFB8C-787D-EB3C-FDC7-0DC958664BCF}"/>
+              </a:ext>
+            </a:extLst>
+          </p:cNvPr>
+          <p:cNvSpPr/>
+          <p:nvPr/>
+        </p:nvSpPr>
+        <p:spPr>
+          <a:xfrm>
+            <a:off x="3666076" y="4191003"/>
+            <a:ext cx="4809067" cy="1075267"/>
+          </a:xfrm>
+          <a:prstGeom prst="rect">
+            <a:avLst/>
+          </a:prstGeom>
+          <a:noFill/>
+          <a:ln w="28575">
+            <a:solidFill>
+              <a:srgbClr val="FF0000"/>
+            </a:solidFill>
+          </a:ln>
+        </p:spPr>
+        <p:style>
+          <a:lnRef idx="2">
+            <a:schemeClr val="accent1">
+              <a:shade val="15000"/>
+            </a:schemeClr>
+          </a:lnRef>
+          <a:fillRef idx="1">
+            <a:schemeClr val="accent1"/>
+          </a:fillRef>
+          <a:effectRef idx="0">
+            <a:schemeClr val="accent1"/>
+          </a:effectRef>
+          <a:fontRef idx="minor">
+            <a:schemeClr val="lt1"/>
+          </a:fontRef>
+        </p:style>
+        <p:txBody>
+          <a:bodyPr rtlCol="0" anchor="ctr"/>
+          <a:lstStyle/>
+          <a:p>
+            <a:pPr algn="ctr"/>
+            <a:endParaRPr lang="zh-CN" altLang="en-US"/>
+          </a:p>
+        </p:txBody>
+      </p:sp>
+      <p:sp>
+        <p:nvSpPr>
+          <p:cNvPr id="12" name="矩形 11">
+            <a:extLst>
+              <a:ext uri="{FF2B5EF4-FFF2-40B4-BE49-F238E27FC236}">
+                <a16:creationId xmlns:a16="http://schemas.microsoft.com/office/drawing/2014/main" id="{56D3CF4C-91F7-1605-901D-17CDEAEA82A4}"/>
+              </a:ext>
+            </a:extLst>
+          </p:cNvPr>
+          <p:cNvSpPr/>
+          <p:nvPr/>
+        </p:nvSpPr>
+        <p:spPr>
+          <a:xfrm>
+            <a:off x="3621062" y="2556936"/>
+            <a:ext cx="1636747" cy="283086"/>
+          </a:xfrm>
+          <a:prstGeom prst="rect">
+            <a:avLst/>
+          </a:prstGeom>
+          <a:noFill/>
+          <a:ln w="28575">
+            <a:solidFill>
+              <a:srgbClr val="FF0000"/>
+            </a:solidFill>
+          </a:ln>
+        </p:spPr>
+        <p:style>
+          <a:lnRef idx="2">
+            <a:schemeClr val="accent1">
+              <a:shade val="15000"/>
+            </a:schemeClr>
+          </a:lnRef>
+          <a:fillRef idx="1">
+            <a:schemeClr val="accent1"/>
+          </a:fillRef>
+          <a:effectRef idx="0">
+            <a:schemeClr val="accent1"/>
+          </a:effectRef>
+          <a:fontRef idx="minor">
+            <a:schemeClr val="lt1"/>
+          </a:fontRef>
+        </p:style>
+        <p:txBody>
+          <a:bodyPr rtlCol="0" anchor="ctr"/>
+          <a:lstStyle/>
+          <a:p>
+            <a:pPr algn="ctr"/>
+            <a:endParaRPr lang="zh-CN" altLang="en-US"/>
+          </a:p>
+        </p:txBody>
+      </p:sp>
+      <p:sp>
+        <p:nvSpPr>
+          <p:cNvPr id="14" name="文本框 13">
+            <a:extLst>
+              <a:ext uri="{FF2B5EF4-FFF2-40B4-BE49-F238E27FC236}">
+                <a16:creationId xmlns:a16="http://schemas.microsoft.com/office/drawing/2014/main" id="{803C279B-E00A-929D-59DC-36E13D25F91D}"/>
+              </a:ext>
+            </a:extLst>
+          </p:cNvPr>
+          <p:cNvSpPr txBox="1"/>
+          <p:nvPr/>
+        </p:nvSpPr>
+        <p:spPr>
+          <a:xfrm>
+            <a:off x="282297" y="1100304"/>
+            <a:ext cx="2943372" cy="763735"/>
+          </a:xfrm>
+          <a:prstGeom prst="rect">
+            <a:avLst/>
+          </a:prstGeom>
+          <a:noFill/>
+        </p:spPr>
+        <p:txBody>
+          <a:bodyPr wrap="square" rtlCol="0">
+            <a:spAutoFit/>
+          </a:bodyPr>
+          <a:lstStyle/>
+          <a:p>
+            <a:pPr>
+              <a:lnSpc>
+                <a:spcPct val="125000"/>
+              </a:lnSpc>
+            </a:pPr>
+            <a:r>
+              <a:rPr lang="en-US" altLang="zh-CN" sz="1200" b="1" dirty="0">
+                <a:solidFill>
+                  <a:schemeClr val="tx2">
+                    <a:lumMod val="75000"/>
+                  </a:schemeClr>
+                </a:solidFill>
+                <a:latin typeface="微软雅黑" panose="020B0503020204020204" pitchFamily="34" charset="-122"/>
+                <a:ea typeface="微软雅黑" panose="020B0503020204020204" pitchFamily="34" charset="-122"/>
+              </a:rPr>
+              <a:t>ii-&gt;execute</a:t>
+            </a:r>
+          </a:p>
+          <a:p>
+            <a:pPr>
+              <a:lnSpc>
+                <a:spcPct val="125000"/>
+              </a:lnSpc>
+            </a:pPr>
+            <a:r>
+              <a:rPr lang="zh-CN" altLang="en-US" sz="1200" b="1" dirty="0">
+                <a:solidFill>
+                  <a:schemeClr val="tx2">
+                    <a:lumMod val="75000"/>
+                  </a:schemeClr>
+                </a:solidFill>
+                <a:latin typeface="微软雅黑" panose="020B0503020204020204" pitchFamily="34" charset="-122"/>
+                <a:ea typeface="微软雅黑" panose="020B0503020204020204" pitchFamily="34" charset="-122"/>
+              </a:rPr>
+              <a:t>普通指令：读操作数、写操作数</a:t>
+            </a:r>
+            <a:endParaRPr lang="en-US" altLang="zh-CN" sz="1200" b="1" dirty="0">
+              <a:solidFill>
+                <a:schemeClr val="tx2">
+                  <a:lumMod val="75000"/>
+                </a:schemeClr>
+              </a:solidFill>
+              <a:latin typeface="微软雅黑" panose="020B0503020204020204" pitchFamily="34" charset="-122"/>
+              <a:ea typeface="微软雅黑" panose="020B0503020204020204" pitchFamily="34" charset="-122"/>
+            </a:endParaRPr>
+          </a:p>
+          <a:p>
+            <a:pPr>
+              <a:lnSpc>
+                <a:spcPct val="125000"/>
+              </a:lnSpc>
+            </a:pPr>
+            <a:r>
+              <a:rPr lang="zh-CN" altLang="en-US" sz="1200" b="1" dirty="0">
+                <a:solidFill>
+                  <a:schemeClr val="tx2">
+                    <a:lumMod val="75000"/>
+                  </a:schemeClr>
+                </a:solidFill>
+                <a:latin typeface="微软雅黑" panose="020B0503020204020204" pitchFamily="34" charset="-122"/>
+                <a:ea typeface="微软雅黑" panose="020B0503020204020204" pitchFamily="34" charset="-122"/>
+              </a:rPr>
+              <a:t>访存指令：读操作数 计算地址 加入</a:t>
+            </a:r>
+            <a:r>
+              <a:rPr lang="en-US" altLang="zh-CN" sz="1200" b="1" dirty="0">
+                <a:solidFill>
+                  <a:schemeClr val="tx2">
+                    <a:lumMod val="75000"/>
+                  </a:schemeClr>
+                </a:solidFill>
+                <a:latin typeface="微软雅黑" panose="020B0503020204020204" pitchFamily="34" charset="-122"/>
+                <a:ea typeface="微软雅黑" panose="020B0503020204020204" pitchFamily="34" charset="-122"/>
+              </a:rPr>
+              <a:t>FIFO</a:t>
+            </a:r>
+          </a:p>
+        </p:txBody>
+      </p:sp>
+      <p:pic>
+        <p:nvPicPr>
+          <p:cNvPr id="16" name="图片 15">
+            <a:extLst>
+              <a:ext uri="{FF2B5EF4-FFF2-40B4-BE49-F238E27FC236}">
+                <a16:creationId xmlns:a16="http://schemas.microsoft.com/office/drawing/2014/main" id="{6A7C7BF3-6254-DA5C-04CC-BA475834FA66}"/>
+              </a:ext>
+            </a:extLst>
+          </p:cNvPr>
+          <p:cNvPicPr>
+            <a:picLocks noChangeAspect="1"/>
+          </p:cNvPicPr>
+          <p:nvPr/>
+        </p:nvPicPr>
+        <p:blipFill>
+          <a:blip r:embed="rId5"/>
+          <a:stretch>
+            <a:fillRect/>
+          </a:stretch>
+        </p:blipFill>
+        <p:spPr>
+          <a:xfrm>
+            <a:off x="324630" y="1867706"/>
+            <a:ext cx="2802468" cy="1662209"/>
+          </a:xfrm>
+          <a:prstGeom prst="rect">
+            <a:avLst/>
+          </a:prstGeom>
+        </p:spPr>
+      </p:pic>
+      <p:sp>
+        <p:nvSpPr>
+          <p:cNvPr id="17" name="文本框 16">
+            <a:extLst>
+              <a:ext uri="{FF2B5EF4-FFF2-40B4-BE49-F238E27FC236}">
+                <a16:creationId xmlns:a16="http://schemas.microsoft.com/office/drawing/2014/main" id="{5C438043-7520-8E85-7BA2-01F45ED62667}"/>
+              </a:ext>
+            </a:extLst>
+          </p:cNvPr>
+          <p:cNvSpPr txBox="1"/>
+          <p:nvPr/>
+        </p:nvSpPr>
+        <p:spPr>
+          <a:xfrm>
+            <a:off x="303425" y="3631332"/>
+            <a:ext cx="2943372" cy="1225400"/>
+          </a:xfrm>
+          <a:prstGeom prst="rect">
+            <a:avLst/>
+          </a:prstGeom>
+          <a:noFill/>
+        </p:spPr>
+        <p:txBody>
+          <a:bodyPr wrap="square" rtlCol="0">
+            <a:spAutoFit/>
+          </a:bodyPr>
+          <a:lstStyle/>
+          <a:p>
+            <a:pPr>
+              <a:lnSpc>
+                <a:spcPct val="125000"/>
+              </a:lnSpc>
+            </a:pPr>
+            <a:r>
+              <a:rPr lang="en-US" altLang="zh-CN" sz="1200" b="1" dirty="0" err="1">
+                <a:solidFill>
+                  <a:schemeClr val="tx2">
+                    <a:lumMod val="75000"/>
+                  </a:schemeClr>
+                </a:solidFill>
+                <a:latin typeface="微软雅黑" panose="020B0503020204020204" pitchFamily="34" charset="-122"/>
+                <a:ea typeface="微软雅黑" panose="020B0503020204020204" pitchFamily="34" charset="-122"/>
+              </a:rPr>
+              <a:t>Vrf</a:t>
+            </a:r>
+            <a:r>
+              <a:rPr lang="en-US" altLang="zh-CN" sz="1200" b="1" dirty="0">
+                <a:solidFill>
+                  <a:schemeClr val="tx2">
+                    <a:lumMod val="75000"/>
+                  </a:schemeClr>
+                </a:solidFill>
+                <a:latin typeface="微软雅黑" panose="020B0503020204020204" pitchFamily="34" charset="-122"/>
+                <a:ea typeface="微软雅黑" panose="020B0503020204020204" pitchFamily="34" charset="-122"/>
+              </a:rPr>
+              <a:t>-&gt;</a:t>
+            </a:r>
+            <a:r>
+              <a:rPr lang="en-US" altLang="zh-CN" sz="1200" b="1" dirty="0" err="1">
+                <a:solidFill>
+                  <a:schemeClr val="tx2">
+                    <a:lumMod val="75000"/>
+                  </a:schemeClr>
+                </a:solidFill>
+                <a:latin typeface="微软雅黑" panose="020B0503020204020204" pitchFamily="34" charset="-122"/>
+                <a:ea typeface="微软雅黑" panose="020B0503020204020204" pitchFamily="34" charset="-122"/>
+              </a:rPr>
+              <a:t>waveExecuteInst</a:t>
+            </a:r>
+            <a:endParaRPr lang="en-US" altLang="zh-CN" sz="1200" b="1" dirty="0">
+              <a:solidFill>
+                <a:schemeClr val="tx2">
+                  <a:lumMod val="75000"/>
+                </a:schemeClr>
+              </a:solidFill>
+              <a:latin typeface="微软雅黑" panose="020B0503020204020204" pitchFamily="34" charset="-122"/>
+              <a:ea typeface="微软雅黑" panose="020B0503020204020204" pitchFamily="34" charset="-122"/>
+            </a:endParaRPr>
+          </a:p>
+          <a:p>
+            <a:pPr marL="228600" indent="-228600">
+              <a:lnSpc>
+                <a:spcPct val="125000"/>
+              </a:lnSpc>
+              <a:buAutoNum type="arabicPeriod"/>
+            </a:pPr>
+            <a:r>
+              <a:rPr lang="zh-CN" altLang="en-US" sz="1200" b="1" dirty="0">
+                <a:solidFill>
+                  <a:schemeClr val="tx2">
+                    <a:lumMod val="75000"/>
+                  </a:schemeClr>
+                </a:solidFill>
+                <a:latin typeface="微软雅黑" panose="020B0503020204020204" pitchFamily="34" charset="-122"/>
+                <a:ea typeface="微软雅黑" panose="020B0503020204020204" pitchFamily="34" charset="-122"/>
+              </a:rPr>
+              <a:t>设定指定周期后目的寄存器完成写回</a:t>
+            </a:r>
+            <a:endParaRPr lang="en-US" altLang="zh-CN" sz="1200" b="1" dirty="0">
+              <a:solidFill>
+                <a:schemeClr val="tx2">
+                  <a:lumMod val="75000"/>
+                </a:schemeClr>
+              </a:solidFill>
+              <a:latin typeface="微软雅黑" panose="020B0503020204020204" pitchFamily="34" charset="-122"/>
+              <a:ea typeface="微软雅黑" panose="020B0503020204020204" pitchFamily="34" charset="-122"/>
+            </a:endParaRPr>
+          </a:p>
+          <a:p>
+            <a:pPr marL="228600" indent="-228600">
+              <a:lnSpc>
+                <a:spcPct val="125000"/>
+              </a:lnSpc>
+              <a:buAutoNum type="arabicPeriod"/>
+            </a:pPr>
+            <a:r>
+              <a:rPr lang="zh-CN" altLang="en-US" sz="1200" b="1" dirty="0">
+                <a:solidFill>
+                  <a:schemeClr val="tx2">
+                    <a:lumMod val="75000"/>
+                  </a:schemeClr>
+                </a:solidFill>
+                <a:latin typeface="微软雅黑" panose="020B0503020204020204" pitchFamily="34" charset="-122"/>
+                <a:ea typeface="微软雅黑" panose="020B0503020204020204" pitchFamily="34" charset="-122"/>
+              </a:rPr>
+              <a:t>根据最大</a:t>
+            </a:r>
+            <a:r>
+              <a:rPr lang="en-US" altLang="zh-CN" sz="1200" b="1" dirty="0">
+                <a:solidFill>
+                  <a:schemeClr val="tx2">
+                    <a:lumMod val="75000"/>
+                  </a:schemeClr>
+                </a:solidFill>
+                <a:latin typeface="微软雅黑" panose="020B0503020204020204" pitchFamily="34" charset="-122"/>
+                <a:ea typeface="微软雅黑" panose="020B0503020204020204" pitchFamily="34" charset="-122"/>
+              </a:rPr>
+              <a:t>size</a:t>
+            </a:r>
+            <a:r>
+              <a:rPr lang="zh-CN" altLang="en-US" sz="1200" b="1" dirty="0">
+                <a:solidFill>
+                  <a:schemeClr val="tx2">
+                    <a:lumMod val="75000"/>
+                  </a:schemeClr>
+                </a:solidFill>
+                <a:latin typeface="微软雅黑" panose="020B0503020204020204" pitchFamily="34" charset="-122"/>
+                <a:ea typeface="微软雅黑" panose="020B0503020204020204" pitchFamily="34" charset="-122"/>
+              </a:rPr>
+              <a:t>操作数设定延迟</a:t>
+            </a:r>
+            <a:r>
+              <a:rPr lang="en-US" altLang="zh-CN" sz="1200" b="1" dirty="0">
+                <a:solidFill>
+                  <a:schemeClr val="tx2">
+                    <a:lumMod val="75000"/>
+                  </a:schemeClr>
+                </a:solidFill>
+                <a:latin typeface="微软雅黑" panose="020B0503020204020204" pitchFamily="34" charset="-122"/>
+                <a:ea typeface="微软雅黑" panose="020B0503020204020204" pitchFamily="34" charset="-122"/>
+              </a:rPr>
+              <a:t>(TODO)</a:t>
+            </a:r>
+          </a:p>
+          <a:p>
+            <a:pPr marL="228600" indent="-228600">
+              <a:lnSpc>
+                <a:spcPct val="125000"/>
+              </a:lnSpc>
+              <a:buAutoNum type="arabicPeriod"/>
+            </a:pPr>
+            <a:r>
+              <a:rPr lang="zh-CN" altLang="en-US" sz="1200" b="1" dirty="0">
+                <a:solidFill>
+                  <a:schemeClr val="tx2">
+                    <a:lumMod val="75000"/>
+                  </a:schemeClr>
+                </a:solidFill>
+                <a:latin typeface="微软雅黑" panose="020B0503020204020204" pitchFamily="34" charset="-122"/>
+                <a:ea typeface="微软雅黑" panose="020B0503020204020204" pitchFamily="34" charset="-122"/>
+              </a:rPr>
+              <a:t>相当于处理写后读</a:t>
+            </a:r>
+            <a:endParaRPr lang="en-US" altLang="zh-CN" sz="1200" b="1" dirty="0">
+              <a:solidFill>
+                <a:schemeClr val="tx2">
+                  <a:lumMod val="75000"/>
+                </a:schemeClr>
+              </a:solidFill>
+              <a:latin typeface="微软雅黑" panose="020B0503020204020204" pitchFamily="34" charset="-122"/>
+              <a:ea typeface="微软雅黑" panose="020B0503020204020204" pitchFamily="34" charset="-122"/>
+            </a:endParaRPr>
+          </a:p>
+          <a:p>
+            <a:pPr marL="228600" indent="-228600">
+              <a:lnSpc>
+                <a:spcPct val="125000"/>
+              </a:lnSpc>
+              <a:buAutoNum type="arabicPeriod"/>
+            </a:pPr>
+            <a:endParaRPr lang="en-US" altLang="zh-CN" sz="1200" b="1" dirty="0">
+              <a:solidFill>
+                <a:schemeClr val="tx2">
+                  <a:lumMod val="75000"/>
+                </a:schemeClr>
+              </a:solidFill>
+              <a:latin typeface="微软雅黑" panose="020B0503020204020204" pitchFamily="34" charset="-122"/>
+              <a:ea typeface="微软雅黑" panose="020B0503020204020204" pitchFamily="34" charset="-122"/>
+            </a:endParaRPr>
+          </a:p>
+        </p:txBody>
+      </p:sp>
+      <p:pic>
+        <p:nvPicPr>
+          <p:cNvPr id="19" name="图片 18">
+            <a:extLst>
+              <a:ext uri="{FF2B5EF4-FFF2-40B4-BE49-F238E27FC236}">
+                <a16:creationId xmlns:a16="http://schemas.microsoft.com/office/drawing/2014/main" id="{BCC74FB7-6FED-A7F3-B26F-D269A7581AA5}"/>
+              </a:ext>
+            </a:extLst>
+          </p:cNvPr>
+          <p:cNvPicPr>
+            <a:picLocks noChangeAspect="1"/>
+          </p:cNvPicPr>
+          <p:nvPr/>
+        </p:nvPicPr>
+        <p:blipFill>
+          <a:blip r:embed="rId6"/>
+          <a:stretch>
+            <a:fillRect/>
+          </a:stretch>
+        </p:blipFill>
+        <p:spPr>
+          <a:xfrm>
+            <a:off x="163959" y="4616759"/>
+            <a:ext cx="3265262" cy="943415"/>
+          </a:xfrm>
+          <a:prstGeom prst="rect">
+            <a:avLst/>
+          </a:prstGeom>
+        </p:spPr>
+      </p:pic>
+      <p:pic>
+        <p:nvPicPr>
+          <p:cNvPr id="21" name="图片 20">
+            <a:extLst>
+              <a:ext uri="{FF2B5EF4-FFF2-40B4-BE49-F238E27FC236}">
+                <a16:creationId xmlns:a16="http://schemas.microsoft.com/office/drawing/2014/main" id="{1A629881-B55B-F0E3-D66B-CD35E501831F}"/>
+              </a:ext>
+            </a:extLst>
+          </p:cNvPr>
+          <p:cNvPicPr>
+            <a:picLocks noChangeAspect="1"/>
+          </p:cNvPicPr>
+          <p:nvPr/>
+        </p:nvPicPr>
+        <p:blipFill>
+          <a:blip r:embed="rId7"/>
+          <a:stretch>
+            <a:fillRect/>
+          </a:stretch>
+        </p:blipFill>
+        <p:spPr>
+          <a:xfrm>
+            <a:off x="163959" y="5611768"/>
+            <a:ext cx="4255047" cy="903681"/>
+          </a:xfrm>
+          <a:prstGeom prst="rect">
+            <a:avLst/>
+          </a:prstGeom>
+        </p:spPr>
+      </p:pic>
+    </p:spTree>
+    <p:extLst>
+      <p:ext uri="{BB962C8B-B14F-4D97-AF65-F5344CB8AC3E}">
+        <p14:creationId xmlns:p14="http://schemas.microsoft.com/office/powerpoint/2010/main" val="1912482994"/>
+      </p:ext>
+    </p:extLst>
+  </p:cSld>
+  <p:clrMapOvr>
+    <a:masterClrMapping/>
+  </p:clrMapOvr>
+</p:sld>
+</file>
+
+<file path=ppt/slides/slide8.xml><?xml version="1.0" encoding="utf-8"?>
+<p:sld xmlns:a="http://schemas.openxmlformats.org/drawingml/2006/main" xmlns:r="http://schemas.openxmlformats.org/officeDocument/2006/relationships" xmlns:p="http://schemas.openxmlformats.org/presentationml/2006/main">
+  <p:cSld>
+    <p:spTree>
+      <p:nvGrpSpPr>
+        <p:cNvPr id="1" name="">
+          <a:extLst>
+            <a:ext uri="{FF2B5EF4-FFF2-40B4-BE49-F238E27FC236}">
+              <a16:creationId xmlns:a16="http://schemas.microsoft.com/office/drawing/2014/main" id="{D38941F2-E90C-4AB0-C5D8-2D9F8B326B23}"/>
+            </a:ext>
+          </a:extLst>
+        </p:cNvPr>
+        <p:cNvGrpSpPr/>
+        <p:nvPr/>
+      </p:nvGrpSpPr>
+      <p:grpSpPr>
+        <a:xfrm>
+          <a:off x="0" y="0"/>
+          <a:ext cx="0" cy="0"/>
+          <a:chOff x="0" y="0"/>
+          <a:chExt cx="0" cy="0"/>
+        </a:xfrm>
+      </p:grpSpPr>
+      <p:pic>
+        <p:nvPicPr>
+          <p:cNvPr id="4" name="Picture 2" descr="哈工大物联网智慧校园设计方案_Lighton（来同）品牌">
+            <a:extLst>
+              <a:ext uri="{FF2B5EF4-FFF2-40B4-BE49-F238E27FC236}">
+                <a16:creationId xmlns:a16="http://schemas.microsoft.com/office/drawing/2014/main" id="{C1B3057D-EBFE-8FAD-46D0-E280096FDDD2}"/>
+              </a:ext>
+            </a:extLst>
+          </p:cNvPr>
+          <p:cNvPicPr>
+            <a:picLocks noChangeAspect="1" noChangeArrowheads="1"/>
+          </p:cNvPicPr>
+          <p:nvPr/>
+        </p:nvPicPr>
+        <p:blipFill rotWithShape="1">
+          <a:blip r:embed="rId3">
+            <a:extLst>
+              <a:ext uri="{28A0092B-C50C-407E-A947-70E740481C1C}">
+                <a14:useLocalDpi xmlns:a14="http://schemas.microsoft.com/office/drawing/2010/main" val="0"/>
+              </a:ext>
+            </a:extLst>
+          </a:blip>
+          <a:srcRect l="127" t="3204" r="-127" b="6070"/>
+          <a:stretch>
+            <a:fillRect/>
+          </a:stretch>
+        </p:blipFill>
+        <p:spPr bwMode="auto">
+          <a:xfrm>
+            <a:off x="1" y="0"/>
+            <a:ext cx="12192000" cy="6858000"/>
+          </a:xfrm>
+          <a:prstGeom prst="rect">
+            <a:avLst/>
+          </a:prstGeom>
+          <a:noFill/>
+          <a:extLst>
+            <a:ext uri="{909E8E84-426E-40DD-AFC4-6F175D3DCCD1}">
+              <a14:hiddenFill xmlns:a14="http://schemas.microsoft.com/office/drawing/2010/main">
+                <a:solidFill>
+                  <a:srgbClr val="FFFFFF"/>
+                </a:solidFill>
+              </a14:hiddenFill>
+            </a:ext>
+          </a:extLst>
+        </p:spPr>
+      </p:pic>
+      <p:sp>
+        <p:nvSpPr>
+          <p:cNvPr id="5" name="矩形 4">
+            <a:extLst>
+              <a:ext uri="{FF2B5EF4-FFF2-40B4-BE49-F238E27FC236}">
+                <a16:creationId xmlns:a16="http://schemas.microsoft.com/office/drawing/2014/main" id="{54EC4A1F-A112-7692-5D60-5B148C0E826A}"/>
+              </a:ext>
+            </a:extLst>
+          </p:cNvPr>
+          <p:cNvSpPr/>
+          <p:nvPr/>
+        </p:nvSpPr>
+        <p:spPr>
+          <a:xfrm>
+            <a:off x="2" y="0"/>
+            <a:ext cx="12191998" cy="6858000"/>
+          </a:xfrm>
+          <a:prstGeom prst="rect">
+            <a:avLst/>
+          </a:prstGeom>
+          <a:gradFill>
+            <a:gsLst>
+              <a:gs pos="0">
+                <a:schemeClr val="accent1">
+                  <a:lumMod val="5000"/>
+                  <a:lumOff val="95000"/>
+                  <a:alpha val="80000"/>
+                </a:schemeClr>
+              </a:gs>
+              <a:gs pos="34000">
+                <a:srgbClr val="FFFFFF">
+                  <a:alpha val="90000"/>
+                </a:srgbClr>
+              </a:gs>
+              <a:gs pos="68000">
+                <a:srgbClr val="FFFFFF">
+                  <a:alpha val="95000"/>
+                </a:srgbClr>
+              </a:gs>
+              <a:gs pos="100000">
+                <a:srgbClr val="FFFFFF"/>
+              </a:gs>
+            </a:gsLst>
+            <a:lin ang="5400000" scaled="1"/>
+          </a:gradFill>
+          <a:ln>
+            <a:noFill/>
+          </a:ln>
+        </p:spPr>
+        <p:style>
+          <a:lnRef idx="2">
+            <a:schemeClr val="accent1">
+              <a:shade val="15000"/>
+            </a:schemeClr>
+          </a:lnRef>
+          <a:fillRef idx="1">
+            <a:schemeClr val="accent1"/>
+          </a:fillRef>
+          <a:effectRef idx="0">
+            <a:schemeClr val="accent1"/>
+          </a:effectRef>
+          <a:fontRef idx="minor">
+            <a:schemeClr val="lt1"/>
+          </a:fontRef>
+        </p:style>
+        <p:txBody>
+          <a:bodyPr rtlCol="0" anchor="ctr"/>
+          <a:lstStyle/>
+          <a:p>
+            <a:pPr algn="ctr"/>
+            <a:endParaRPr lang="zh-CN" altLang="en-US" dirty="0"/>
+          </a:p>
+        </p:txBody>
+      </p:sp>
+      <p:sp>
+        <p:nvSpPr>
+          <p:cNvPr id="7" name="文本框 6">
+            <a:extLst>
+              <a:ext uri="{FF2B5EF4-FFF2-40B4-BE49-F238E27FC236}">
                 <a16:creationId xmlns:a16="http://schemas.microsoft.com/office/drawing/2014/main" id="{88BB43E3-1C93-5FBB-673D-DC1C6FD2F469}"/>
               </a:ext>
             </a:extLst>
@@ -25709,7 +26750,7 @@
 </p:sld>
 </file>
 
-<file path=ppt/slides/slide8.xml><?xml version="1.0" encoding="utf-8"?>
+<file path=ppt/slides/slide9.xml><?xml version="1.0" encoding="utf-8"?>
 <p:sld xmlns:a="http://schemas.openxmlformats.org/drawingml/2006/main" xmlns:r="http://schemas.openxmlformats.org/officeDocument/2006/relationships" xmlns:p="http://schemas.openxmlformats.org/presentationml/2006/main">
   <p:cSld>
     <p:spTree>
@@ -27719,660 +28760,6 @@
     <p:extLst>
       <p:ext uri="{BB962C8B-B14F-4D97-AF65-F5344CB8AC3E}">
         <p14:creationId xmlns:p14="http://schemas.microsoft.com/office/powerpoint/2010/main" val="3234919524"/>
-      </p:ext>
-    </p:extLst>
-  </p:cSld>
-  <p:clrMapOvr>
-    <a:masterClrMapping/>
-  </p:clrMapOvr>
-</p:sld>
-</file>
-
-<file path=ppt/slides/slide9.xml><?xml version="1.0" encoding="utf-8"?>
-<p:sld xmlns:a="http://schemas.openxmlformats.org/drawingml/2006/main" xmlns:r="http://schemas.openxmlformats.org/officeDocument/2006/relationships" xmlns:p="http://schemas.openxmlformats.org/presentationml/2006/main">
-  <p:cSld>
-    <p:spTree>
-      <p:nvGrpSpPr>
-        <p:cNvPr id="1" name="">
-          <a:extLst>
-            <a:ext uri="{FF2B5EF4-FFF2-40B4-BE49-F238E27FC236}">
-              <a16:creationId xmlns:a16="http://schemas.microsoft.com/office/drawing/2014/main" id="{A1131FB4-3B28-4542-1E04-D6AE51662805}"/>
-            </a:ext>
-          </a:extLst>
-        </p:cNvPr>
-        <p:cNvGrpSpPr/>
-        <p:nvPr/>
-      </p:nvGrpSpPr>
-      <p:grpSpPr>
-        <a:xfrm>
-          <a:off x="0" y="0"/>
-          <a:ext cx="0" cy="0"/>
-          <a:chOff x="0" y="0"/>
-          <a:chExt cx="0" cy="0"/>
-        </a:xfrm>
-      </p:grpSpPr>
-      <p:pic>
-        <p:nvPicPr>
-          <p:cNvPr id="4" name="Picture 2" descr="哈工大物联网智慧校园设计方案_Lighton（来同）品牌">
-            <a:extLst>
-              <a:ext uri="{FF2B5EF4-FFF2-40B4-BE49-F238E27FC236}">
-                <a16:creationId xmlns:a16="http://schemas.microsoft.com/office/drawing/2014/main" id="{767ED668-9B45-876E-4F2B-C2D0632AFAAB}"/>
-              </a:ext>
-            </a:extLst>
-          </p:cNvPr>
-          <p:cNvPicPr>
-            <a:picLocks noChangeAspect="1" noChangeArrowheads="1"/>
-          </p:cNvPicPr>
-          <p:nvPr/>
-        </p:nvPicPr>
-        <p:blipFill rotWithShape="1">
-          <a:blip r:embed="rId3">
-            <a:extLst>
-              <a:ext uri="{28A0092B-C50C-407E-A947-70E740481C1C}">
-                <a14:useLocalDpi xmlns:a14="http://schemas.microsoft.com/office/drawing/2010/main" val="0"/>
-              </a:ext>
-            </a:extLst>
-          </a:blip>
-          <a:srcRect l="127" t="3204" r="-127" b="6070"/>
-          <a:stretch>
-            <a:fillRect/>
-          </a:stretch>
-        </p:blipFill>
-        <p:spPr bwMode="auto">
-          <a:xfrm>
-            <a:off x="1" y="0"/>
-            <a:ext cx="12192000" cy="6858000"/>
-          </a:xfrm>
-          <a:prstGeom prst="rect">
-            <a:avLst/>
-          </a:prstGeom>
-          <a:noFill/>
-          <a:extLst>
-            <a:ext uri="{909E8E84-426E-40DD-AFC4-6F175D3DCCD1}">
-              <a14:hiddenFill xmlns:a14="http://schemas.microsoft.com/office/drawing/2010/main">
-                <a:solidFill>
-                  <a:srgbClr val="FFFFFF"/>
-                </a:solidFill>
-              </a14:hiddenFill>
-            </a:ext>
-          </a:extLst>
-        </p:spPr>
-      </p:pic>
-      <p:sp>
-        <p:nvSpPr>
-          <p:cNvPr id="5" name="矩形 4">
-            <a:extLst>
-              <a:ext uri="{FF2B5EF4-FFF2-40B4-BE49-F238E27FC236}">
-                <a16:creationId xmlns:a16="http://schemas.microsoft.com/office/drawing/2014/main" id="{5E56D3E2-7EE8-355E-0879-BB91AFF13AAF}"/>
-              </a:ext>
-            </a:extLst>
-          </p:cNvPr>
-          <p:cNvSpPr/>
-          <p:nvPr/>
-        </p:nvSpPr>
-        <p:spPr>
-          <a:xfrm>
-            <a:off x="2" y="0"/>
-            <a:ext cx="12191998" cy="6858000"/>
-          </a:xfrm>
-          <a:prstGeom prst="rect">
-            <a:avLst/>
-          </a:prstGeom>
-          <a:gradFill>
-            <a:gsLst>
-              <a:gs pos="0">
-                <a:schemeClr val="accent1">
-                  <a:lumMod val="5000"/>
-                  <a:lumOff val="95000"/>
-                  <a:alpha val="80000"/>
-                </a:schemeClr>
-              </a:gs>
-              <a:gs pos="34000">
-                <a:srgbClr val="FFFFFF">
-                  <a:alpha val="90000"/>
-                </a:srgbClr>
-              </a:gs>
-              <a:gs pos="68000">
-                <a:srgbClr val="FFFFFF">
-                  <a:alpha val="95000"/>
-                </a:srgbClr>
-              </a:gs>
-              <a:gs pos="100000">
-                <a:srgbClr val="FFFFFF"/>
-              </a:gs>
-            </a:gsLst>
-            <a:lin ang="5400000" scaled="1"/>
-          </a:gradFill>
-          <a:ln>
-            <a:noFill/>
-          </a:ln>
-        </p:spPr>
-        <p:style>
-          <a:lnRef idx="2">
-            <a:schemeClr val="accent1">
-              <a:shade val="15000"/>
-            </a:schemeClr>
-          </a:lnRef>
-          <a:fillRef idx="1">
-            <a:schemeClr val="accent1"/>
-          </a:fillRef>
-          <a:effectRef idx="0">
-            <a:schemeClr val="accent1"/>
-          </a:effectRef>
-          <a:fontRef idx="minor">
-            <a:schemeClr val="lt1"/>
-          </a:fontRef>
-        </p:style>
-        <p:txBody>
-          <a:bodyPr rtlCol="0" anchor="ctr"/>
-          <a:lstStyle/>
-          <a:p>
-            <a:pPr algn="ctr"/>
-            <a:endParaRPr lang="zh-CN" altLang="en-US" dirty="0"/>
-          </a:p>
-        </p:txBody>
-      </p:sp>
-      <p:sp>
-        <p:nvSpPr>
-          <p:cNvPr id="7" name="文本框 6">
-            <a:extLst>
-              <a:ext uri="{FF2B5EF4-FFF2-40B4-BE49-F238E27FC236}">
-                <a16:creationId xmlns:a16="http://schemas.microsoft.com/office/drawing/2014/main" id="{46538E94-C424-81B1-25E8-DE39D0B13693}"/>
-              </a:ext>
-            </a:extLst>
-          </p:cNvPr>
-          <p:cNvSpPr txBox="1"/>
-          <p:nvPr/>
-        </p:nvSpPr>
-        <p:spPr>
-          <a:xfrm>
-            <a:off x="111125" y="122578"/>
-            <a:ext cx="6959600" cy="523220"/>
-          </a:xfrm>
-          <a:prstGeom prst="rect">
-            <a:avLst/>
-          </a:prstGeom>
-          <a:noFill/>
-        </p:spPr>
-        <p:txBody>
-          <a:bodyPr wrap="square" rtlCol="0">
-            <a:spAutoFit/>
-          </a:bodyPr>
-          <a:lstStyle/>
-          <a:p>
-            <a:r>
-              <a:rPr lang="en-US" altLang="zh-CN" sz="2800" b="1" dirty="0">
-                <a:solidFill>
-                  <a:schemeClr val="tx2">
-                    <a:lumMod val="75000"/>
-                  </a:schemeClr>
-                </a:solidFill>
-                <a:latin typeface="微软雅黑" panose="020B0503020204020204" pitchFamily="34" charset="-122"/>
-                <a:ea typeface="微软雅黑" panose="020B0503020204020204" pitchFamily="34" charset="-122"/>
-              </a:rPr>
-              <a:t>03  Mem</a:t>
-            </a:r>
-          </a:p>
-        </p:txBody>
-      </p:sp>
-      <p:sp>
-        <p:nvSpPr>
-          <p:cNvPr id="21" name="文本框 20">
-            <a:extLst>
-              <a:ext uri="{FF2B5EF4-FFF2-40B4-BE49-F238E27FC236}">
-                <a16:creationId xmlns:a16="http://schemas.microsoft.com/office/drawing/2014/main" id="{8BEC28CC-763E-990C-EE10-3D412F4170E5}"/>
-              </a:ext>
-            </a:extLst>
-          </p:cNvPr>
-          <p:cNvSpPr txBox="1"/>
-          <p:nvPr/>
-        </p:nvSpPr>
-        <p:spPr>
-          <a:xfrm>
-            <a:off x="7943993" y="1344355"/>
-            <a:ext cx="3484057" cy="1099468"/>
-          </a:xfrm>
-          <a:prstGeom prst="rect">
-            <a:avLst/>
-          </a:prstGeom>
-          <a:noFill/>
-        </p:spPr>
-        <p:txBody>
-          <a:bodyPr wrap="square" rtlCol="0">
-            <a:spAutoFit/>
-          </a:bodyPr>
-          <a:lstStyle/>
-          <a:p>
-            <a:pPr>
-              <a:lnSpc>
-                <a:spcPct val="125000"/>
-              </a:lnSpc>
-            </a:pPr>
-            <a:r>
-              <a:rPr lang="en-US" altLang="zh-CN" b="1" dirty="0">
-                <a:solidFill>
-                  <a:schemeClr val="tx2">
-                    <a:lumMod val="75000"/>
-                  </a:schemeClr>
-                </a:solidFill>
-                <a:latin typeface="微软雅黑" panose="020B0503020204020204" pitchFamily="34" charset="-122"/>
-                <a:ea typeface="微软雅黑" panose="020B0503020204020204" pitchFamily="34" charset="-122"/>
-              </a:rPr>
-              <a:t>Cu</a:t>
-            </a:r>
-            <a:r>
-              <a:rPr lang="zh-CN" altLang="en-US" b="1" dirty="0">
-                <a:solidFill>
-                  <a:schemeClr val="tx2">
-                    <a:lumMod val="75000"/>
-                  </a:schemeClr>
-                </a:solidFill>
-                <a:latin typeface="微软雅黑" panose="020B0503020204020204" pitchFamily="34" charset="-122"/>
-                <a:ea typeface="微软雅黑" panose="020B0503020204020204" pitchFamily="34" charset="-122"/>
-              </a:rPr>
-              <a:t>端的</a:t>
-            </a:r>
-            <a:r>
-              <a:rPr lang="en-US" altLang="zh-CN" b="1" dirty="0" err="1">
-                <a:solidFill>
-                  <a:schemeClr val="tx2">
-                    <a:lumMod val="75000"/>
-                  </a:schemeClr>
-                </a:solidFill>
-                <a:latin typeface="微软雅黑" panose="020B0503020204020204" pitchFamily="34" charset="-122"/>
-                <a:ea typeface="微软雅黑" panose="020B0503020204020204" pitchFamily="34" charset="-122"/>
-              </a:rPr>
-              <a:t>memory_ports</a:t>
-            </a:r>
-            <a:endParaRPr lang="en-US" altLang="zh-CN" b="1" dirty="0">
-              <a:solidFill>
-                <a:schemeClr val="tx2">
-                  <a:lumMod val="75000"/>
-                </a:schemeClr>
-              </a:solidFill>
-              <a:latin typeface="微软雅黑" panose="020B0503020204020204" pitchFamily="34" charset="-122"/>
-              <a:ea typeface="微软雅黑" panose="020B0503020204020204" pitchFamily="34" charset="-122"/>
-            </a:endParaRPr>
-          </a:p>
-          <a:p>
-            <a:pPr>
-              <a:lnSpc>
-                <a:spcPct val="125000"/>
-              </a:lnSpc>
-            </a:pPr>
-            <a:r>
-              <a:rPr lang="zh-CN" altLang="en-US" b="1" dirty="0">
-                <a:solidFill>
-                  <a:schemeClr val="tx2">
-                    <a:lumMod val="75000"/>
-                  </a:schemeClr>
-                </a:solidFill>
-                <a:latin typeface="微软雅黑" panose="020B0503020204020204" pitchFamily="34" charset="-122"/>
-                <a:ea typeface="微软雅黑" panose="020B0503020204020204" pitchFamily="34" charset="-122"/>
-              </a:rPr>
-              <a:t>发送请求</a:t>
-            </a:r>
-            <a:endParaRPr lang="en-US" altLang="zh-CN" b="1" dirty="0">
-              <a:solidFill>
-                <a:schemeClr val="tx2">
-                  <a:lumMod val="75000"/>
-                </a:schemeClr>
-              </a:solidFill>
-              <a:latin typeface="微软雅黑" panose="020B0503020204020204" pitchFamily="34" charset="-122"/>
-              <a:ea typeface="微软雅黑" panose="020B0503020204020204" pitchFamily="34" charset="-122"/>
-            </a:endParaRPr>
-          </a:p>
-          <a:p>
-            <a:pPr>
-              <a:lnSpc>
-                <a:spcPct val="125000"/>
-              </a:lnSpc>
-            </a:pPr>
-            <a:r>
-              <a:rPr lang="en-US" altLang="zh-CN" b="1" dirty="0">
-                <a:solidFill>
-                  <a:schemeClr val="accent1"/>
-                </a:solidFill>
-                <a:latin typeface="微软雅黑" panose="020B0503020204020204" pitchFamily="34" charset="-122"/>
-                <a:ea typeface="微软雅黑" panose="020B0503020204020204" pitchFamily="34" charset="-122"/>
-              </a:rPr>
-              <a:t>Execute/</a:t>
-            </a:r>
-            <a:r>
-              <a:rPr lang="en-US" altLang="zh-CN" b="1" dirty="0" err="1">
-                <a:solidFill>
-                  <a:schemeClr val="accent1"/>
-                </a:solidFill>
-                <a:latin typeface="微软雅黑" panose="020B0503020204020204" pitchFamily="34" charset="-122"/>
-                <a:ea typeface="微软雅黑" panose="020B0503020204020204" pitchFamily="34" charset="-122"/>
-              </a:rPr>
-              <a:t>initiateAcc</a:t>
-            </a:r>
-            <a:endParaRPr lang="en-US" altLang="zh-CN" b="1" dirty="0">
-              <a:solidFill>
-                <a:schemeClr val="accent1"/>
-              </a:solidFill>
-              <a:latin typeface="微软雅黑" panose="020B0503020204020204" pitchFamily="34" charset="-122"/>
-              <a:ea typeface="微软雅黑" panose="020B0503020204020204" pitchFamily="34" charset="-122"/>
-            </a:endParaRPr>
-          </a:p>
-        </p:txBody>
-      </p:sp>
-      <p:pic>
-        <p:nvPicPr>
-          <p:cNvPr id="6" name="图片 5">
-            <a:extLst>
-              <a:ext uri="{FF2B5EF4-FFF2-40B4-BE49-F238E27FC236}">
-                <a16:creationId xmlns:a16="http://schemas.microsoft.com/office/drawing/2014/main" id="{52E7ACD7-72DC-1831-A6F3-84822041C097}"/>
-              </a:ext>
-            </a:extLst>
-          </p:cNvPr>
-          <p:cNvPicPr>
-            <a:picLocks noChangeAspect="1"/>
-          </p:cNvPicPr>
-          <p:nvPr/>
-        </p:nvPicPr>
-        <p:blipFill>
-          <a:blip r:embed="rId4"/>
-          <a:stretch>
-            <a:fillRect/>
-          </a:stretch>
-        </p:blipFill>
-        <p:spPr>
-          <a:xfrm>
-            <a:off x="312983" y="1225358"/>
-            <a:ext cx="7391098" cy="4407284"/>
-          </a:xfrm>
-          <a:prstGeom prst="rect">
-            <a:avLst/>
-          </a:prstGeom>
-        </p:spPr>
-      </p:pic>
-      <p:sp>
-        <p:nvSpPr>
-          <p:cNvPr id="2" name="文本框 1">
-            <a:extLst>
-              <a:ext uri="{FF2B5EF4-FFF2-40B4-BE49-F238E27FC236}">
-                <a16:creationId xmlns:a16="http://schemas.microsoft.com/office/drawing/2014/main" id="{895D69D4-FC03-56FD-492A-F51CA5D5988D}"/>
-              </a:ext>
-            </a:extLst>
-          </p:cNvPr>
-          <p:cNvSpPr txBox="1"/>
-          <p:nvPr/>
-        </p:nvSpPr>
-        <p:spPr>
-          <a:xfrm>
-            <a:off x="5342350" y="423770"/>
-            <a:ext cx="2298310" cy="511807"/>
-          </a:xfrm>
-          <a:prstGeom prst="rect">
-            <a:avLst/>
-          </a:prstGeom>
-          <a:noFill/>
-        </p:spPr>
-        <p:txBody>
-          <a:bodyPr wrap="square" rtlCol="0">
-            <a:spAutoFit/>
-          </a:bodyPr>
-          <a:lstStyle/>
-          <a:p>
-            <a:pPr>
-              <a:lnSpc>
-                <a:spcPct val="125000"/>
-              </a:lnSpc>
-            </a:pPr>
-            <a:r>
-              <a:rPr lang="zh-CN" altLang="en-US" sz="2400" b="1" dirty="0">
-                <a:solidFill>
-                  <a:schemeClr val="tx2">
-                    <a:lumMod val="75000"/>
-                  </a:schemeClr>
-                </a:solidFill>
-                <a:latin typeface="微软雅黑" panose="020B0503020204020204" pitchFamily="34" charset="-122"/>
-                <a:ea typeface="微软雅黑" panose="020B0503020204020204" pitchFamily="34" charset="-122"/>
-              </a:rPr>
-              <a:t>访存过程总览</a:t>
-            </a:r>
-            <a:endParaRPr lang="en-US" altLang="zh-CN" sz="2400" b="1" dirty="0">
-              <a:solidFill>
-                <a:schemeClr val="tx2">
-                  <a:lumMod val="75000"/>
-                </a:schemeClr>
-              </a:solidFill>
-              <a:latin typeface="微软雅黑" panose="020B0503020204020204" pitchFamily="34" charset="-122"/>
-              <a:ea typeface="微软雅黑" panose="020B0503020204020204" pitchFamily="34" charset="-122"/>
-            </a:endParaRPr>
-          </a:p>
-        </p:txBody>
-      </p:sp>
-      <p:sp>
-        <p:nvSpPr>
-          <p:cNvPr id="3" name="文本框 2">
-            <a:extLst>
-              <a:ext uri="{FF2B5EF4-FFF2-40B4-BE49-F238E27FC236}">
-                <a16:creationId xmlns:a16="http://schemas.microsoft.com/office/drawing/2014/main" id="{952ABA7C-4274-1BF6-EA47-B1B1FBA6FCA7}"/>
-              </a:ext>
-            </a:extLst>
-          </p:cNvPr>
-          <p:cNvSpPr txBox="1"/>
-          <p:nvPr/>
-        </p:nvSpPr>
-        <p:spPr>
-          <a:xfrm>
-            <a:off x="7943993" y="2947627"/>
-            <a:ext cx="3667634" cy="753220"/>
-          </a:xfrm>
-          <a:prstGeom prst="rect">
-            <a:avLst/>
-          </a:prstGeom>
-          <a:noFill/>
-        </p:spPr>
-        <p:txBody>
-          <a:bodyPr wrap="square" rtlCol="0">
-            <a:spAutoFit/>
-          </a:bodyPr>
-          <a:lstStyle/>
-          <a:p>
-            <a:pPr>
-              <a:lnSpc>
-                <a:spcPct val="125000"/>
-              </a:lnSpc>
-            </a:pPr>
-            <a:r>
-              <a:rPr lang="en-US" altLang="zh-CN" b="1" dirty="0">
-                <a:solidFill>
-                  <a:schemeClr val="tx2">
-                    <a:lumMod val="75000"/>
-                  </a:schemeClr>
-                </a:solidFill>
-                <a:latin typeface="微软雅黑" panose="020B0503020204020204" pitchFamily="34" charset="-122"/>
-                <a:ea typeface="微软雅黑" panose="020B0503020204020204" pitchFamily="34" charset="-122"/>
-              </a:rPr>
-              <a:t>Cache</a:t>
-            </a:r>
-            <a:r>
-              <a:rPr lang="zh-CN" altLang="en-US" b="1" dirty="0">
-                <a:solidFill>
-                  <a:schemeClr val="tx2">
-                    <a:lumMod val="75000"/>
-                  </a:schemeClr>
-                </a:solidFill>
-                <a:latin typeface="微软雅黑" panose="020B0503020204020204" pitchFamily="34" charset="-122"/>
-                <a:ea typeface="微软雅黑" panose="020B0503020204020204" pitchFamily="34" charset="-122"/>
-              </a:rPr>
-              <a:t>对应的</a:t>
-            </a:r>
-            <a:r>
-              <a:rPr lang="en-US" altLang="zh-CN" b="1" dirty="0">
-                <a:solidFill>
-                  <a:schemeClr val="tx2">
-                    <a:lumMod val="75000"/>
-                  </a:schemeClr>
-                </a:solidFill>
-                <a:latin typeface="微软雅黑" panose="020B0503020204020204" pitchFamily="34" charset="-122"/>
-                <a:ea typeface="微软雅黑" panose="020B0503020204020204" pitchFamily="34" charset="-122"/>
-              </a:rPr>
-              <a:t>coalescer</a:t>
-            </a:r>
-          </a:p>
-          <a:p>
-            <a:pPr>
-              <a:lnSpc>
-                <a:spcPct val="125000"/>
-              </a:lnSpc>
-            </a:pPr>
-            <a:r>
-              <a:rPr lang="zh-CN" altLang="en-US" b="1" dirty="0">
-                <a:solidFill>
-                  <a:schemeClr val="tx2">
-                    <a:lumMod val="75000"/>
-                  </a:schemeClr>
-                </a:solidFill>
-                <a:latin typeface="微软雅黑" panose="020B0503020204020204" pitchFamily="34" charset="-122"/>
-                <a:ea typeface="微软雅黑" panose="020B0503020204020204" pitchFamily="34" charset="-122"/>
-              </a:rPr>
-              <a:t>和并请求，放入请求队列</a:t>
-            </a:r>
-            <a:endParaRPr lang="en-US" altLang="zh-CN" b="1" dirty="0">
-              <a:solidFill>
-                <a:schemeClr val="tx2">
-                  <a:lumMod val="75000"/>
-                </a:schemeClr>
-              </a:solidFill>
-              <a:latin typeface="微软雅黑" panose="020B0503020204020204" pitchFamily="34" charset="-122"/>
-              <a:ea typeface="微软雅黑" panose="020B0503020204020204" pitchFamily="34" charset="-122"/>
-            </a:endParaRPr>
-          </a:p>
-        </p:txBody>
-      </p:sp>
-      <p:sp>
-        <p:nvSpPr>
-          <p:cNvPr id="8" name="文本框 7">
-            <a:extLst>
-              <a:ext uri="{FF2B5EF4-FFF2-40B4-BE49-F238E27FC236}">
-                <a16:creationId xmlns:a16="http://schemas.microsoft.com/office/drawing/2014/main" id="{FCF894AC-D736-DC78-4D6B-012B4B2992CC}"/>
-              </a:ext>
-            </a:extLst>
-          </p:cNvPr>
-          <p:cNvSpPr txBox="1"/>
-          <p:nvPr/>
-        </p:nvSpPr>
-        <p:spPr>
-          <a:xfrm>
-            <a:off x="7943993" y="4458755"/>
-            <a:ext cx="3788719" cy="1099468"/>
-          </a:xfrm>
-          <a:prstGeom prst="rect">
-            <a:avLst/>
-          </a:prstGeom>
-          <a:noFill/>
-        </p:spPr>
-        <p:txBody>
-          <a:bodyPr wrap="square" rtlCol="0">
-            <a:spAutoFit/>
-          </a:bodyPr>
-          <a:lstStyle/>
-          <a:p>
-            <a:pPr>
-              <a:lnSpc>
-                <a:spcPct val="125000"/>
-              </a:lnSpc>
-            </a:pPr>
-            <a:r>
-              <a:rPr lang="en-US" altLang="zh-CN" b="1" dirty="0">
-                <a:solidFill>
-                  <a:schemeClr val="tx2">
-                    <a:lumMod val="75000"/>
-                  </a:schemeClr>
-                </a:solidFill>
-                <a:latin typeface="微软雅黑" panose="020B0503020204020204" pitchFamily="34" charset="-122"/>
-                <a:ea typeface="微软雅黑" panose="020B0503020204020204" pitchFamily="34" charset="-122"/>
-              </a:rPr>
-              <a:t>Cache</a:t>
-            </a:r>
-          </a:p>
-          <a:p>
-            <a:pPr>
-              <a:lnSpc>
-                <a:spcPct val="125000"/>
-              </a:lnSpc>
-            </a:pPr>
-            <a:r>
-              <a:rPr lang="zh-CN" altLang="en-US" b="1" dirty="0">
-                <a:solidFill>
-                  <a:schemeClr val="tx2">
-                    <a:lumMod val="75000"/>
-                  </a:schemeClr>
-                </a:solidFill>
-                <a:latin typeface="微软雅黑" panose="020B0503020204020204" pitchFamily="34" charset="-122"/>
-                <a:ea typeface="微软雅黑" panose="020B0503020204020204" pitchFamily="34" charset="-122"/>
-              </a:rPr>
-              <a:t>从队列中取出请求并响应</a:t>
-            </a:r>
-            <a:endParaRPr lang="en-US" altLang="zh-CN" b="1" dirty="0">
-              <a:solidFill>
-                <a:schemeClr val="tx2">
-                  <a:lumMod val="75000"/>
-                </a:schemeClr>
-              </a:solidFill>
-              <a:latin typeface="微软雅黑" panose="020B0503020204020204" pitchFamily="34" charset="-122"/>
-              <a:ea typeface="微软雅黑" panose="020B0503020204020204" pitchFamily="34" charset="-122"/>
-            </a:endParaRPr>
-          </a:p>
-          <a:p>
-            <a:pPr>
-              <a:lnSpc>
-                <a:spcPct val="125000"/>
-              </a:lnSpc>
-            </a:pPr>
-            <a:r>
-              <a:rPr lang="en-US" altLang="zh-CN" b="1" dirty="0">
-                <a:solidFill>
-                  <a:schemeClr val="tx2">
-                    <a:lumMod val="75000"/>
-                  </a:schemeClr>
-                </a:solidFill>
-                <a:latin typeface="微软雅黑" panose="020B0503020204020204" pitchFamily="34" charset="-122"/>
-                <a:ea typeface="微软雅黑" panose="020B0503020204020204" pitchFamily="34" charset="-122"/>
-              </a:rPr>
-              <a:t>Cu</a:t>
-            </a:r>
-            <a:r>
-              <a:rPr lang="zh-CN" altLang="en-US" b="1" dirty="0">
-                <a:solidFill>
-                  <a:schemeClr val="tx2">
-                    <a:lumMod val="75000"/>
-                  </a:schemeClr>
-                </a:solidFill>
-                <a:latin typeface="微软雅黑" panose="020B0503020204020204" pitchFamily="34" charset="-122"/>
-                <a:ea typeface="微软雅黑" panose="020B0503020204020204" pitchFamily="34" charset="-122"/>
-              </a:rPr>
-              <a:t>收到响应</a:t>
-            </a:r>
-            <a:r>
-              <a:rPr lang="en-US" altLang="zh-CN" b="1" dirty="0" err="1">
-                <a:solidFill>
-                  <a:schemeClr val="accent1"/>
-                </a:solidFill>
-                <a:latin typeface="微软雅黑" panose="020B0503020204020204" pitchFamily="34" charset="-122"/>
-                <a:ea typeface="微软雅黑" panose="020B0503020204020204" pitchFamily="34" charset="-122"/>
-              </a:rPr>
-              <a:t>completeAcc</a:t>
-            </a:r>
-            <a:endParaRPr lang="en-US" altLang="zh-CN" b="1" dirty="0">
-              <a:solidFill>
-                <a:schemeClr val="accent1"/>
-              </a:solidFill>
-              <a:latin typeface="微软雅黑" panose="020B0503020204020204" pitchFamily="34" charset="-122"/>
-              <a:ea typeface="微软雅黑" panose="020B0503020204020204" pitchFamily="34" charset="-122"/>
-            </a:endParaRPr>
-          </a:p>
-        </p:txBody>
-      </p:sp>
-    </p:spTree>
-    <p:extLst>
-      <p:ext uri="{BB962C8B-B14F-4D97-AF65-F5344CB8AC3E}">
-        <p14:creationId xmlns:p14="http://schemas.microsoft.com/office/powerpoint/2010/main" val="708200248"/>
       </p:ext>
     </p:extLst>
   </p:cSld>

--- a/AA/gpu/GEM5/PPT/Gem5-GPU_4.pptx
+++ b/AA/gpu/GEM5/PPT/Gem5-GPU_4.pptx
@@ -5,7 +5,7 @@
     <p:sldMasterId id="2147483648" r:id="rId1"/>
   </p:sldMasterIdLst>
   <p:notesMasterIdLst>
-    <p:notesMasterId r:id="rId17"/>
+    <p:notesMasterId r:id="rId18"/>
   </p:notesMasterIdLst>
   <p:sldIdLst>
     <p:sldId id="693" r:id="rId2"/>
@@ -23,11 +23,12 @@
     <p:sldId id="889" r:id="rId14"/>
     <p:sldId id="890" r:id="rId15"/>
     <p:sldId id="891" r:id="rId16"/>
+    <p:sldId id="892" r:id="rId17"/>
   </p:sldIdLst>
   <p:sldSz cx="12192000" cy="6858000"/>
   <p:notesSz cx="6858000" cy="9144000"/>
   <p:custDataLst>
-    <p:tags r:id="rId18"/>
+    <p:tags r:id="rId19"/>
   </p:custDataLst>
   <p:defaultTextStyle>
     <a:defPPr>
@@ -225,7 +226,7 @@
           <a:p>
             <a:fld id="{13C0E984-87FA-4EDC-9369-DD4CB28A5F20}" type="datetimeFigureOut">
               <a:rPr lang="zh-CN" altLang="en-US" smtClean="0"/>
-              <a:t>2025/6/8</a:t>
+              <a:t>2025/6/9</a:t>
             </a:fld>
             <a:endParaRPr lang="zh-CN" altLang="en-US"/>
           </a:p>
@@ -1135,6 +1136,114 @@
 </p:notes>
 </file>
 
+<file path=ppt/notesSlides/notesSlide15.xml><?xml version="1.0" encoding="utf-8"?>
+<p:notes xmlns:a="http://schemas.openxmlformats.org/drawingml/2006/main" xmlns:r="http://schemas.openxmlformats.org/officeDocument/2006/relationships" xmlns:p="http://schemas.openxmlformats.org/presentationml/2006/main">
+  <p:cSld>
+    <p:spTree>
+      <p:nvGrpSpPr>
+        <p:cNvPr id="1" name="">
+          <a:extLst>
+            <a:ext uri="{FF2B5EF4-FFF2-40B4-BE49-F238E27FC236}">
+              <a16:creationId xmlns:a16="http://schemas.microsoft.com/office/drawing/2014/main" id="{4BB4D901-0783-0326-1B54-8EC8917CADB5}"/>
+            </a:ext>
+          </a:extLst>
+        </p:cNvPr>
+        <p:cNvGrpSpPr/>
+        <p:nvPr/>
+      </p:nvGrpSpPr>
+      <p:grpSpPr>
+        <a:xfrm>
+          <a:off x="0" y="0"/>
+          <a:ext cx="0" cy="0"/>
+          <a:chOff x="0" y="0"/>
+          <a:chExt cx="0" cy="0"/>
+        </a:xfrm>
+      </p:grpSpPr>
+      <p:sp>
+        <p:nvSpPr>
+          <p:cNvPr id="2" name="幻灯片图像占位符 1">
+            <a:extLst>
+              <a:ext uri="{FF2B5EF4-FFF2-40B4-BE49-F238E27FC236}">
+                <a16:creationId xmlns:a16="http://schemas.microsoft.com/office/drawing/2014/main" id="{42B25C64-FB6F-8ACF-25E8-3AB24536CD79}"/>
+              </a:ext>
+            </a:extLst>
+          </p:cNvPr>
+          <p:cNvSpPr>
+            <a:spLocks noGrp="1" noRot="1" noChangeAspect="1"/>
+          </p:cNvSpPr>
+          <p:nvPr>
+            <p:ph type="sldImg"/>
+          </p:nvPr>
+        </p:nvSpPr>
+        <p:spPr/>
+      </p:sp>
+      <p:sp>
+        <p:nvSpPr>
+          <p:cNvPr id="3" name="备注占位符 2">
+            <a:extLst>
+              <a:ext uri="{FF2B5EF4-FFF2-40B4-BE49-F238E27FC236}">
+                <a16:creationId xmlns:a16="http://schemas.microsoft.com/office/drawing/2014/main" id="{84250DA2-CD12-588F-D413-6AE2AD29A476}"/>
+              </a:ext>
+            </a:extLst>
+          </p:cNvPr>
+          <p:cNvSpPr>
+            <a:spLocks noGrp="1"/>
+          </p:cNvSpPr>
+          <p:nvPr>
+            <p:ph type="body" idx="1"/>
+          </p:nvPr>
+        </p:nvSpPr>
+        <p:spPr/>
+        <p:txBody>
+          <a:bodyPr/>
+          <a:lstStyle/>
+          <a:p>
+            <a:endParaRPr lang="zh-CN" altLang="en-US" dirty="0"/>
+          </a:p>
+        </p:txBody>
+      </p:sp>
+      <p:sp>
+        <p:nvSpPr>
+          <p:cNvPr id="4" name="灯片编号占位符 3">
+            <a:extLst>
+              <a:ext uri="{FF2B5EF4-FFF2-40B4-BE49-F238E27FC236}">
+                <a16:creationId xmlns:a16="http://schemas.microsoft.com/office/drawing/2014/main" id="{AC25C1AD-5160-6502-A784-9DAF046FE01B}"/>
+              </a:ext>
+            </a:extLst>
+          </p:cNvPr>
+          <p:cNvSpPr>
+            <a:spLocks noGrp="1"/>
+          </p:cNvSpPr>
+          <p:nvPr>
+            <p:ph type="sldNum" sz="quarter" idx="5"/>
+          </p:nvPr>
+        </p:nvSpPr>
+        <p:spPr/>
+        <p:txBody>
+          <a:bodyPr/>
+          <a:lstStyle/>
+          <a:p>
+            <a:fld id="{602E9261-9A27-44B6-8C55-C12B787C810C}" type="slidenum">
+              <a:rPr lang="zh-CN" altLang="en-US" smtClean="0"/>
+              <a:t>16</a:t>
+            </a:fld>
+            <a:endParaRPr lang="zh-CN" altLang="en-US"/>
+          </a:p>
+        </p:txBody>
+      </p:sp>
+    </p:spTree>
+    <p:extLst>
+      <p:ext uri="{BB962C8B-B14F-4D97-AF65-F5344CB8AC3E}">
+        <p14:creationId xmlns:p14="http://schemas.microsoft.com/office/powerpoint/2010/main" val="2927933926"/>
+      </p:ext>
+    </p:extLst>
+  </p:cSld>
+  <p:clrMapOvr>
+    <a:masterClrMapping/>
+  </p:clrMapOvr>
+</p:notes>
+</file>
+
 <file path=ppt/notesSlides/notesSlide2.xml><?xml version="1.0" encoding="utf-8"?>
 <p:notes xmlns:a="http://schemas.openxmlformats.org/drawingml/2006/main" xmlns:r="http://schemas.openxmlformats.org/officeDocument/2006/relationships" xmlns:p="http://schemas.openxmlformats.org/presentationml/2006/main">
   <p:cSld>
@@ -2576,7 +2685,7 @@
           <a:p>
             <a:fld id="{167D5AC6-34AC-4EA2-A012-B11BC4470F9B}" type="datetimeFigureOut">
               <a:rPr lang="zh-CN" altLang="en-US" smtClean="0"/>
-              <a:t>2025/6/8</a:t>
+              <a:t>2025/6/9</a:t>
             </a:fld>
             <a:endParaRPr lang="zh-CN" altLang="en-US"/>
           </a:p>
@@ -3570,7 +3679,7 @@
         <p:spPr>
           <a:xfrm>
             <a:off x="3901441" y="3942771"/>
-            <a:ext cx="4690410" cy="1435136"/>
+            <a:ext cx="4690410" cy="973472"/>
           </a:xfrm>
           <a:prstGeom prst="rect">
             <a:avLst/>
@@ -3589,6 +3698,18 @@
               </a:lnSpc>
             </a:pPr>
             <a:r>
+              <a:rPr lang="zh-CN" altLang="en-US" sz="2400" b="1">
+                <a:solidFill>
+                  <a:schemeClr val="tx2">
+                    <a:lumMod val="75000"/>
+                  </a:schemeClr>
+                </a:solidFill>
+                <a:latin typeface="微软雅黑" panose="020B0503020204020204" pitchFamily="34" charset="-122"/>
+                <a:ea typeface="微软雅黑" panose="020B0503020204020204" pitchFamily="34" charset="-122"/>
+              </a:rPr>
+              <a:t>梳理</a:t>
+            </a:r>
+            <a:r>
               <a:rPr lang="zh-CN" altLang="en-US" sz="2400" b="1" dirty="0">
                 <a:solidFill>
                   <a:schemeClr val="tx2">
@@ -3598,35 +3719,7 @@
                 <a:latin typeface="微软雅黑" panose="020B0503020204020204" pitchFamily="34" charset="-122"/>
                 <a:ea typeface="微软雅黑" panose="020B0503020204020204" pitchFamily="34" charset="-122"/>
               </a:rPr>
-              <a:t>遗留问题</a:t>
-            </a:r>
-            <a:endParaRPr lang="en-US" altLang="zh-CN" sz="2400" b="1" dirty="0">
-              <a:solidFill>
-                <a:schemeClr val="tx2">
-                  <a:lumMod val="75000"/>
-                </a:schemeClr>
-              </a:solidFill>
-              <a:latin typeface="微软雅黑" panose="020B0503020204020204" pitchFamily="34" charset="-122"/>
-              <a:ea typeface="微软雅黑" panose="020B0503020204020204" pitchFamily="34" charset="-122"/>
-            </a:endParaRPr>
-          </a:p>
-          <a:p>
-            <a:pPr algn="ctr">
-              <a:lnSpc>
-                <a:spcPct val="125000"/>
-              </a:lnSpc>
-            </a:pPr>
-            <a:r>
-              <a:rPr lang="zh-CN" altLang="en-US" sz="2400" b="1" dirty="0">
-                <a:solidFill>
-                  <a:schemeClr val="tx2">
-                    <a:lumMod val="75000"/>
-                  </a:schemeClr>
-                </a:solidFill>
-                <a:latin typeface="微软雅黑" panose="020B0503020204020204" pitchFamily="34" charset="-122"/>
-                <a:ea typeface="微软雅黑" panose="020B0503020204020204" pitchFamily="34" charset="-122"/>
-              </a:rPr>
-              <a:t>梳理总结</a:t>
+              <a:t>总结</a:t>
             </a:r>
             <a:endParaRPr lang="en-US" altLang="zh-CN" sz="2400" b="1" dirty="0">
               <a:solidFill>
@@ -5002,7 +5095,7 @@
         <p:spPr>
           <a:xfrm>
             <a:off x="2579578" y="778001"/>
-            <a:ext cx="7190071" cy="5065617"/>
+            <a:ext cx="7622755" cy="5065617"/>
           </a:xfrm>
           <a:prstGeom prst="rect">
             <a:avLst/>
@@ -5700,7 +5793,7 @@
                 <a:latin typeface="微软雅黑" panose="020B0503020204020204" pitchFamily="34" charset="-122"/>
                 <a:ea typeface="微软雅黑" panose="020B0503020204020204" pitchFamily="34" charset="-122"/>
               </a:rPr>
-              <a:t>第一个</a:t>
+              <a:t>开始尝试第一个</a:t>
             </a:r>
             <a:r>
               <a:rPr lang="en-US" altLang="zh-CN" sz="1600" b="1" dirty="0">
@@ -8980,7 +9073,7 @@
 </p:sld>
 </file>
 
-<file path=ppt/slides/slide2.xml><?xml version="1.0" encoding="utf-8"?>
+<file path=ppt/slides/slide16.xml><?xml version="1.0" encoding="utf-8"?>
 <p:sld xmlns:a="http://schemas.openxmlformats.org/drawingml/2006/main" xmlns:r="http://schemas.openxmlformats.org/officeDocument/2006/relationships" xmlns:p="http://schemas.openxmlformats.org/presentationml/2006/main">
   <p:cSld>
     <p:spTree>
@@ -8988,7 +9081,7 @@
         <p:cNvPr id="1" name="">
           <a:extLst>
             <a:ext uri="{FF2B5EF4-FFF2-40B4-BE49-F238E27FC236}">
-              <a16:creationId xmlns:a16="http://schemas.microsoft.com/office/drawing/2014/main" id="{D6BBE18A-A9A0-3F66-8D06-DAA3E5676FB0}"/>
+              <a16:creationId xmlns:a16="http://schemas.microsoft.com/office/drawing/2014/main" id="{21721900-0A86-2A68-C3A7-F482C73EA6CF}"/>
             </a:ext>
           </a:extLst>
         </p:cNvPr>
@@ -9008,7 +9101,7 @@
           <p:cNvPr id="4" name="Picture 2" descr="哈工大物联网智慧校园设计方案_Lighton（来同）品牌">
             <a:extLst>
               <a:ext uri="{FF2B5EF4-FFF2-40B4-BE49-F238E27FC236}">
-                <a16:creationId xmlns:a16="http://schemas.microsoft.com/office/drawing/2014/main" id="{7F766F17-F9B1-582C-D282-C64AD66622BE}"/>
+                <a16:creationId xmlns:a16="http://schemas.microsoft.com/office/drawing/2014/main" id="{6F198D9C-AD20-CDEB-1C64-D853C0F45F97}"/>
               </a:ext>
             </a:extLst>
           </p:cNvPr>
@@ -9055,7 +9148,7 @@
           <p:cNvPr id="5" name="矩形 4">
             <a:extLst>
               <a:ext uri="{FF2B5EF4-FFF2-40B4-BE49-F238E27FC236}">
-                <a16:creationId xmlns:a16="http://schemas.microsoft.com/office/drawing/2014/main" id="{968E61B3-75BB-C662-ABD1-DFBBBD3E0795}"/>
+                <a16:creationId xmlns:a16="http://schemas.microsoft.com/office/drawing/2014/main" id="{3BF2B176-3504-5659-48F0-C9384FB5C810}"/>
               </a:ext>
             </a:extLst>
           </p:cNvPr>
@@ -9126,6 +9219,714 @@
       </p:sp>
       <p:sp>
         <p:nvSpPr>
+          <p:cNvPr id="8" name="文本框 7">
+            <a:extLst>
+              <a:ext uri="{FF2B5EF4-FFF2-40B4-BE49-F238E27FC236}">
+                <a16:creationId xmlns:a16="http://schemas.microsoft.com/office/drawing/2014/main" id="{634D5529-FBBB-86B6-B526-7EBACDAB7346}"/>
+              </a:ext>
+            </a:extLst>
+          </p:cNvPr>
+          <p:cNvSpPr txBox="1"/>
+          <p:nvPr/>
+        </p:nvSpPr>
+        <p:spPr>
+          <a:xfrm>
+            <a:off x="740226" y="1173368"/>
+            <a:ext cx="10896599" cy="1295355"/>
+          </a:xfrm>
+          <a:prstGeom prst="rect">
+            <a:avLst/>
+          </a:prstGeom>
+          <a:noFill/>
+        </p:spPr>
+        <p:txBody>
+          <a:bodyPr wrap="square" rtlCol="0">
+            <a:spAutoFit/>
+          </a:bodyPr>
+          <a:lstStyle/>
+          <a:p>
+            <a:pPr marL="342900" indent="-342900">
+              <a:lnSpc>
+                <a:spcPct val="125000"/>
+              </a:lnSpc>
+              <a:buAutoNum type="arabicPeriod"/>
+            </a:pPr>
+            <a:r>
+              <a:rPr lang="zh-CN" altLang="en-US" sz="1600" b="1" dirty="0">
+                <a:solidFill>
+                  <a:schemeClr val="tx2">
+                    <a:lumMod val="75000"/>
+                  </a:schemeClr>
+                </a:solidFill>
+                <a:latin typeface="微软雅黑" panose="020B0503020204020204" pitchFamily="34" charset="-122"/>
+                <a:ea typeface="微软雅黑" panose="020B0503020204020204" pitchFamily="34" charset="-122"/>
+              </a:rPr>
+              <a:t>寄存器访问冲突：没找到对应逻辑</a:t>
+            </a:r>
+            <a:endParaRPr lang="en-US" altLang="zh-CN" sz="1600" b="1" dirty="0">
+              <a:solidFill>
+                <a:schemeClr val="tx2">
+                  <a:lumMod val="75000"/>
+                </a:schemeClr>
+              </a:solidFill>
+              <a:latin typeface="微软雅黑" panose="020B0503020204020204" pitchFamily="34" charset="-122"/>
+              <a:ea typeface="微软雅黑" panose="020B0503020204020204" pitchFamily="34" charset="-122"/>
+            </a:endParaRPr>
+          </a:p>
+          <a:p>
+            <a:pPr marL="342900" indent="-342900">
+              <a:lnSpc>
+                <a:spcPct val="125000"/>
+              </a:lnSpc>
+              <a:buAutoNum type="arabicPeriod"/>
+            </a:pPr>
+            <a:r>
+              <a:rPr lang="zh-CN" altLang="en-US" sz="1600" b="1" dirty="0">
+                <a:solidFill>
+                  <a:schemeClr val="tx2">
+                    <a:lumMod val="75000"/>
+                  </a:schemeClr>
+                </a:solidFill>
+                <a:latin typeface="微软雅黑" panose="020B0503020204020204" pitchFamily="34" charset="-122"/>
+                <a:ea typeface="微软雅黑" panose="020B0503020204020204" pitchFamily="34" charset="-122"/>
+              </a:rPr>
+              <a:t>访存地址计算：应该是在访存流水线里，例如</a:t>
+            </a:r>
+            <a:r>
+              <a:rPr lang="en-US" altLang="zh-CN" sz="1600" b="1" dirty="0">
+                <a:solidFill>
+                  <a:schemeClr val="tx2">
+                    <a:lumMod val="75000"/>
+                  </a:schemeClr>
+                </a:solidFill>
+                <a:latin typeface="微软雅黑" panose="020B0503020204020204" pitchFamily="34" charset="-122"/>
+                <a:ea typeface="微软雅黑" panose="020B0503020204020204" pitchFamily="34" charset="-122"/>
+              </a:rPr>
+              <a:t>WF-A</a:t>
+            </a:r>
+            <a:r>
+              <a:rPr lang="zh-CN" altLang="en-US" sz="1600" b="1" dirty="0">
+                <a:solidFill>
+                  <a:schemeClr val="tx2">
+                    <a:lumMod val="75000"/>
+                  </a:schemeClr>
+                </a:solidFill>
+                <a:latin typeface="微软雅黑" panose="020B0503020204020204" pitchFamily="34" charset="-122"/>
+                <a:ea typeface="微软雅黑" panose="020B0503020204020204" pitchFamily="34" charset="-122"/>
+              </a:rPr>
+              <a:t>的计算指令可能和</a:t>
+            </a:r>
+            <a:r>
+              <a:rPr lang="en-US" altLang="zh-CN" sz="1600" b="1" dirty="0">
+                <a:solidFill>
+                  <a:schemeClr val="tx2">
+                    <a:lumMod val="75000"/>
+                  </a:schemeClr>
+                </a:solidFill>
+                <a:latin typeface="微软雅黑" panose="020B0503020204020204" pitchFamily="34" charset="-122"/>
+                <a:ea typeface="微软雅黑" panose="020B0503020204020204" pitchFamily="34" charset="-122"/>
+              </a:rPr>
+              <a:t>WF-B</a:t>
+            </a:r>
+            <a:r>
+              <a:rPr lang="zh-CN" altLang="en-US" sz="1600" b="1" dirty="0">
+                <a:solidFill>
+                  <a:schemeClr val="tx2">
+                    <a:lumMod val="75000"/>
+                  </a:schemeClr>
+                </a:solidFill>
+                <a:latin typeface="微软雅黑" panose="020B0503020204020204" pitchFamily="34" charset="-122"/>
+                <a:ea typeface="微软雅黑" panose="020B0503020204020204" pitchFamily="34" charset="-122"/>
+              </a:rPr>
+              <a:t>的访存指令交叠执行</a:t>
+            </a:r>
+            <a:r>
+              <a:rPr lang="en-US" altLang="zh-CN" sz="1600" b="1" dirty="0">
+                <a:solidFill>
+                  <a:schemeClr val="tx2">
+                    <a:lumMod val="75000"/>
+                  </a:schemeClr>
+                </a:solidFill>
+                <a:latin typeface="微软雅黑" panose="020B0503020204020204" pitchFamily="34" charset="-122"/>
+                <a:ea typeface="微软雅黑" panose="020B0503020204020204" pitchFamily="34" charset="-122"/>
+              </a:rPr>
+              <a:t>(</a:t>
+            </a:r>
+            <a:r>
+              <a:rPr lang="zh-CN" altLang="en-US" sz="1600" b="1" dirty="0">
+                <a:solidFill>
+                  <a:schemeClr val="tx2">
+                    <a:lumMod val="75000"/>
+                  </a:schemeClr>
+                </a:solidFill>
+                <a:latin typeface="微软雅黑" panose="020B0503020204020204" pitchFamily="34" charset="-122"/>
+                <a:ea typeface="微软雅黑" panose="020B0503020204020204" pitchFamily="34" charset="-122"/>
+              </a:rPr>
+              <a:t>都属于</a:t>
+            </a:r>
+            <a:r>
+              <a:rPr lang="en-US" altLang="zh-CN" sz="1600" b="1" dirty="0">
+                <a:solidFill>
+                  <a:schemeClr val="tx2">
+                    <a:lumMod val="75000"/>
+                  </a:schemeClr>
+                </a:solidFill>
+                <a:latin typeface="微软雅黑" panose="020B0503020204020204" pitchFamily="34" charset="-122"/>
+                <a:ea typeface="微软雅黑" panose="020B0503020204020204" pitchFamily="34" charset="-122"/>
+              </a:rPr>
+              <a:t>SIMD-0)</a:t>
+            </a:r>
+          </a:p>
+          <a:p>
+            <a:pPr marL="342900" indent="-342900">
+              <a:lnSpc>
+                <a:spcPct val="125000"/>
+              </a:lnSpc>
+              <a:buAutoNum type="arabicPeriod"/>
+            </a:pPr>
+            <a:r>
+              <a:rPr lang="en-US" altLang="zh-CN" sz="1600" b="1" dirty="0">
+                <a:solidFill>
+                  <a:schemeClr val="tx2">
+                    <a:lumMod val="75000"/>
+                  </a:schemeClr>
+                </a:solidFill>
+                <a:latin typeface="微软雅黑" panose="020B0503020204020204" pitchFamily="34" charset="-122"/>
+                <a:ea typeface="微软雅黑" panose="020B0503020204020204" pitchFamily="34" charset="-122"/>
+              </a:rPr>
+              <a:t>Cache</a:t>
+            </a:r>
+            <a:r>
+              <a:rPr lang="zh-CN" altLang="en-US" sz="1600" b="1" dirty="0">
+                <a:solidFill>
+                  <a:schemeClr val="tx2">
+                    <a:lumMod val="75000"/>
+                  </a:schemeClr>
+                </a:solidFill>
+                <a:latin typeface="微软雅黑" panose="020B0503020204020204" pitchFamily="34" charset="-122"/>
+                <a:ea typeface="微软雅黑" panose="020B0503020204020204" pitchFamily="34" charset="-122"/>
+              </a:rPr>
+              <a:t>访问拍数：</a:t>
+            </a:r>
+            <a:r>
+              <a:rPr lang="en-US" altLang="zh-CN" sz="1600" b="1" dirty="0">
+                <a:solidFill>
+                  <a:schemeClr val="tx2">
+                    <a:lumMod val="75000"/>
+                  </a:schemeClr>
+                </a:solidFill>
+                <a:latin typeface="微软雅黑" panose="020B0503020204020204" pitchFamily="34" charset="-122"/>
+                <a:ea typeface="微软雅黑" panose="020B0503020204020204" pitchFamily="34" charset="-122"/>
+              </a:rPr>
+              <a:t>scalar</a:t>
+            </a:r>
+            <a:r>
+              <a:rPr lang="zh-CN" altLang="en-US" sz="1600" b="1" dirty="0">
+                <a:solidFill>
+                  <a:schemeClr val="tx2">
+                    <a:lumMod val="75000"/>
+                  </a:schemeClr>
+                </a:solidFill>
+                <a:latin typeface="微软雅黑" panose="020B0503020204020204" pitchFamily="34" charset="-122"/>
+                <a:ea typeface="微软雅黑" panose="020B0503020204020204" pitchFamily="34" charset="-122"/>
+              </a:rPr>
+              <a:t>用的这个</a:t>
+            </a:r>
+            <a:r>
+              <a:rPr lang="en-US" altLang="zh-CN" sz="1600" b="1" dirty="0" err="1">
+                <a:solidFill>
+                  <a:schemeClr val="tx2">
+                    <a:lumMod val="75000"/>
+                  </a:schemeClr>
+                </a:solidFill>
+                <a:latin typeface="微软雅黑" panose="020B0503020204020204" pitchFamily="34" charset="-122"/>
+                <a:ea typeface="微软雅黑" panose="020B0503020204020204" pitchFamily="34" charset="-122"/>
+              </a:rPr>
+              <a:t>scalar_req_tick_latency</a:t>
+            </a:r>
+            <a:r>
+              <a:rPr lang="zh-CN" altLang="en-US" sz="1600" b="1" dirty="0">
+                <a:solidFill>
+                  <a:schemeClr val="tx2">
+                    <a:lumMod val="75000"/>
+                  </a:schemeClr>
+                </a:solidFill>
+                <a:latin typeface="微软雅黑" panose="020B0503020204020204" pitchFamily="34" charset="-122"/>
+                <a:ea typeface="微软雅黑" panose="020B0503020204020204" pitchFamily="34" charset="-122"/>
+              </a:rPr>
+              <a:t> </a:t>
+            </a:r>
+            <a:r>
+              <a:rPr lang="en-US" altLang="zh-CN" sz="1600" b="1" dirty="0" err="1">
+                <a:solidFill>
+                  <a:schemeClr val="tx2">
+                    <a:lumMod val="75000"/>
+                  </a:schemeClr>
+                </a:solidFill>
+                <a:latin typeface="微软雅黑" panose="020B0503020204020204" pitchFamily="34" charset="-122"/>
+                <a:ea typeface="微软雅黑" panose="020B0503020204020204" pitchFamily="34" charset="-122"/>
+              </a:rPr>
+              <a:t>tcp</a:t>
+            </a:r>
+            <a:r>
+              <a:rPr lang="zh-CN" altLang="en-US" sz="1600" b="1" dirty="0">
+                <a:solidFill>
+                  <a:schemeClr val="tx2">
+                    <a:lumMod val="75000"/>
+                  </a:schemeClr>
+                </a:solidFill>
+                <a:latin typeface="微软雅黑" panose="020B0503020204020204" pitchFamily="34" charset="-122"/>
+                <a:ea typeface="微软雅黑" panose="020B0503020204020204" pitchFamily="34" charset="-122"/>
+              </a:rPr>
+              <a:t>用的这个</a:t>
+            </a:r>
+            <a:r>
+              <a:rPr lang="en-US" altLang="zh-CN" sz="1600" b="1" dirty="0" err="1">
+                <a:solidFill>
+                  <a:schemeClr val="tx2">
+                    <a:lumMod val="75000"/>
+                  </a:schemeClr>
+                </a:solidFill>
+                <a:latin typeface="微软雅黑" panose="020B0503020204020204" pitchFamily="34" charset="-122"/>
+                <a:ea typeface="微软雅黑" panose="020B0503020204020204" pitchFamily="34" charset="-122"/>
+              </a:rPr>
+              <a:t>resp_tick_latency</a:t>
+            </a:r>
+            <a:endParaRPr lang="en-US" altLang="zh-CN" sz="1600" b="1" dirty="0">
+              <a:solidFill>
+                <a:schemeClr val="tx2">
+                  <a:lumMod val="75000"/>
+                </a:schemeClr>
+              </a:solidFill>
+              <a:latin typeface="微软雅黑" panose="020B0503020204020204" pitchFamily="34" charset="-122"/>
+              <a:ea typeface="微软雅黑" panose="020B0503020204020204" pitchFamily="34" charset="-122"/>
+            </a:endParaRPr>
+          </a:p>
+          <a:p>
+            <a:pPr marL="342900" indent="-342900">
+              <a:lnSpc>
+                <a:spcPct val="125000"/>
+              </a:lnSpc>
+              <a:buAutoNum type="arabicPeriod"/>
+            </a:pPr>
+            <a:r>
+              <a:rPr lang="zh-CN" altLang="en-US" sz="1600" b="1" dirty="0">
+                <a:solidFill>
+                  <a:schemeClr val="tx2">
+                    <a:lumMod val="75000"/>
+                  </a:schemeClr>
+                </a:solidFill>
+                <a:latin typeface="微软雅黑" panose="020B0503020204020204" pitchFamily="34" charset="-122"/>
+                <a:ea typeface="微软雅黑" panose="020B0503020204020204" pitchFamily="34" charset="-122"/>
+              </a:rPr>
+              <a:t>访存资源相关：具体的参数</a:t>
+            </a:r>
+            <a:endParaRPr lang="en-US" altLang="zh-CN" sz="1600" b="1" dirty="0">
+              <a:solidFill>
+                <a:schemeClr val="tx2">
+                  <a:lumMod val="75000"/>
+                </a:schemeClr>
+              </a:solidFill>
+              <a:latin typeface="微软雅黑" panose="020B0503020204020204" pitchFamily="34" charset="-122"/>
+              <a:ea typeface="微软雅黑" panose="020B0503020204020204" pitchFamily="34" charset="-122"/>
+            </a:endParaRPr>
+          </a:p>
+        </p:txBody>
+      </p:sp>
+      <p:sp>
+        <p:nvSpPr>
+          <p:cNvPr id="10" name="文本框 9">
+            <a:extLst>
+              <a:ext uri="{FF2B5EF4-FFF2-40B4-BE49-F238E27FC236}">
+                <a16:creationId xmlns:a16="http://schemas.microsoft.com/office/drawing/2014/main" id="{0108706A-553B-9F03-543F-727D784276BD}"/>
+              </a:ext>
+            </a:extLst>
+          </p:cNvPr>
+          <p:cNvSpPr txBox="1"/>
+          <p:nvPr/>
+        </p:nvSpPr>
+        <p:spPr>
+          <a:xfrm>
+            <a:off x="4936068" y="545142"/>
+            <a:ext cx="1778000" cy="511807"/>
+          </a:xfrm>
+          <a:prstGeom prst="rect">
+            <a:avLst/>
+          </a:prstGeom>
+          <a:noFill/>
+        </p:spPr>
+        <p:txBody>
+          <a:bodyPr wrap="square" rtlCol="0">
+            <a:spAutoFit/>
+          </a:bodyPr>
+          <a:lstStyle/>
+          <a:p>
+            <a:pPr>
+              <a:lnSpc>
+                <a:spcPct val="125000"/>
+              </a:lnSpc>
+            </a:pPr>
+            <a:r>
+              <a:rPr lang="zh-CN" altLang="en-US" sz="2400" b="1" dirty="0">
+                <a:solidFill>
+                  <a:schemeClr val="tx2">
+                    <a:lumMod val="75000"/>
+                  </a:schemeClr>
+                </a:solidFill>
+                <a:latin typeface="微软雅黑" panose="020B0503020204020204" pitchFamily="34" charset="-122"/>
+                <a:ea typeface="微软雅黑" panose="020B0503020204020204" pitchFamily="34" charset="-122"/>
+              </a:rPr>
+              <a:t>遗留的问题</a:t>
+            </a:r>
+            <a:endParaRPr lang="en-US" altLang="zh-CN" sz="2400" b="1" dirty="0">
+              <a:solidFill>
+                <a:schemeClr val="tx2">
+                  <a:lumMod val="75000"/>
+                </a:schemeClr>
+              </a:solidFill>
+              <a:latin typeface="微软雅黑" panose="020B0503020204020204" pitchFamily="34" charset="-122"/>
+              <a:ea typeface="微软雅黑" panose="020B0503020204020204" pitchFamily="34" charset="-122"/>
+            </a:endParaRPr>
+          </a:p>
+        </p:txBody>
+      </p:sp>
+      <p:pic>
+        <p:nvPicPr>
+          <p:cNvPr id="15" name="图片 14">
+            <a:extLst>
+              <a:ext uri="{FF2B5EF4-FFF2-40B4-BE49-F238E27FC236}">
+                <a16:creationId xmlns:a16="http://schemas.microsoft.com/office/drawing/2014/main" id="{0290F2C0-C087-C5B6-77DE-156C6A4B4298}"/>
+              </a:ext>
+            </a:extLst>
+          </p:cNvPr>
+          <p:cNvPicPr>
+            <a:picLocks noChangeAspect="1"/>
+          </p:cNvPicPr>
+          <p:nvPr/>
+        </p:nvPicPr>
+        <p:blipFill>
+          <a:blip r:embed="rId4"/>
+          <a:stretch>
+            <a:fillRect/>
+          </a:stretch>
+        </p:blipFill>
+        <p:spPr>
+          <a:xfrm>
+            <a:off x="4992923" y="2365071"/>
+            <a:ext cx="6458851" cy="3562847"/>
+          </a:xfrm>
+          <a:prstGeom prst="rect">
+            <a:avLst/>
+          </a:prstGeom>
+        </p:spPr>
+      </p:pic>
+      <p:sp>
+        <p:nvSpPr>
+          <p:cNvPr id="2" name="文本框 1">
+            <a:extLst>
+              <a:ext uri="{FF2B5EF4-FFF2-40B4-BE49-F238E27FC236}">
+                <a16:creationId xmlns:a16="http://schemas.microsoft.com/office/drawing/2014/main" id="{2FDB4926-E493-6796-75DC-DB22E1963972}"/>
+              </a:ext>
+            </a:extLst>
+          </p:cNvPr>
+          <p:cNvSpPr txBox="1"/>
+          <p:nvPr/>
+        </p:nvSpPr>
+        <p:spPr>
+          <a:xfrm>
+            <a:off x="875694" y="4632563"/>
+            <a:ext cx="3512471" cy="1295355"/>
+          </a:xfrm>
+          <a:prstGeom prst="rect">
+            <a:avLst/>
+          </a:prstGeom>
+          <a:noFill/>
+        </p:spPr>
+        <p:txBody>
+          <a:bodyPr wrap="square" rtlCol="0">
+            <a:spAutoFit/>
+          </a:bodyPr>
+          <a:lstStyle/>
+          <a:p>
+            <a:pPr marL="342900" indent="-342900">
+              <a:lnSpc>
+                <a:spcPct val="125000"/>
+              </a:lnSpc>
+              <a:buAutoNum type="arabicPeriod"/>
+            </a:pPr>
+            <a:r>
+              <a:rPr lang="zh-CN" altLang="en-US" sz="1600" b="1" dirty="0">
+                <a:solidFill>
+                  <a:schemeClr val="tx2">
+                    <a:lumMod val="75000"/>
+                  </a:schemeClr>
+                </a:solidFill>
+                <a:latin typeface="微软雅黑" panose="020B0503020204020204" pitchFamily="34" charset="-122"/>
+                <a:ea typeface="微软雅黑" panose="020B0503020204020204" pitchFamily="34" charset="-122"/>
+              </a:rPr>
+              <a:t>可视化名称</a:t>
+            </a:r>
+            <a:endParaRPr lang="en-US" altLang="zh-CN" sz="1600" b="1" dirty="0">
+              <a:solidFill>
+                <a:schemeClr val="tx2">
+                  <a:lumMod val="75000"/>
+                </a:schemeClr>
+              </a:solidFill>
+              <a:latin typeface="微软雅黑" panose="020B0503020204020204" pitchFamily="34" charset="-122"/>
+              <a:ea typeface="微软雅黑" panose="020B0503020204020204" pitchFamily="34" charset="-122"/>
+            </a:endParaRPr>
+          </a:p>
+          <a:p>
+            <a:pPr marL="342900" indent="-342900">
+              <a:lnSpc>
+                <a:spcPct val="125000"/>
+              </a:lnSpc>
+              <a:buAutoNum type="arabicPeriod"/>
+            </a:pPr>
+            <a:r>
+              <a:rPr lang="en-US" altLang="zh-CN" sz="1600" b="1" dirty="0">
+                <a:solidFill>
+                  <a:schemeClr val="tx2">
+                    <a:lumMod val="75000"/>
+                  </a:schemeClr>
+                </a:solidFill>
+                <a:latin typeface="微软雅黑" panose="020B0503020204020204" pitchFamily="34" charset="-122"/>
+                <a:ea typeface="微软雅黑" panose="020B0503020204020204" pitchFamily="34" charset="-122"/>
+              </a:rPr>
+              <a:t>Tick</a:t>
+            </a:r>
+            <a:r>
+              <a:rPr lang="zh-CN" altLang="en-US" sz="1600" b="1" dirty="0">
+                <a:solidFill>
+                  <a:schemeClr val="tx2">
+                    <a:lumMod val="75000"/>
+                  </a:schemeClr>
+                </a:solidFill>
+                <a:latin typeface="微软雅黑" panose="020B0503020204020204" pitchFamily="34" charset="-122"/>
+                <a:ea typeface="微软雅黑" panose="020B0503020204020204" pitchFamily="34" charset="-122"/>
+              </a:rPr>
+              <a:t>压缩</a:t>
+            </a:r>
+            <a:endParaRPr lang="en-US" altLang="zh-CN" sz="1600" b="1" dirty="0">
+              <a:solidFill>
+                <a:schemeClr val="tx2">
+                  <a:lumMod val="75000"/>
+                </a:schemeClr>
+              </a:solidFill>
+              <a:latin typeface="微软雅黑" panose="020B0503020204020204" pitchFamily="34" charset="-122"/>
+              <a:ea typeface="微软雅黑" panose="020B0503020204020204" pitchFamily="34" charset="-122"/>
+            </a:endParaRPr>
+          </a:p>
+          <a:p>
+            <a:pPr marL="342900" indent="-342900">
+              <a:lnSpc>
+                <a:spcPct val="125000"/>
+              </a:lnSpc>
+              <a:buAutoNum type="arabicPeriod"/>
+            </a:pPr>
+            <a:r>
+              <a:rPr lang="zh-CN" altLang="en-US" sz="1600" b="1" dirty="0">
+                <a:solidFill>
+                  <a:schemeClr val="tx2">
+                    <a:lumMod val="75000"/>
+                  </a:schemeClr>
+                </a:solidFill>
+                <a:latin typeface="微软雅黑" panose="020B0503020204020204" pitchFamily="34" charset="-122"/>
+                <a:ea typeface="微软雅黑" panose="020B0503020204020204" pitchFamily="34" charset="-122"/>
+              </a:rPr>
+              <a:t>继续梳理访存</a:t>
+            </a:r>
+            <a:endParaRPr lang="en-US" altLang="zh-CN" sz="1600" b="1" dirty="0">
+              <a:solidFill>
+                <a:schemeClr val="tx2">
+                  <a:lumMod val="75000"/>
+                </a:schemeClr>
+              </a:solidFill>
+              <a:latin typeface="微软雅黑" panose="020B0503020204020204" pitchFamily="34" charset="-122"/>
+              <a:ea typeface="微软雅黑" panose="020B0503020204020204" pitchFamily="34" charset="-122"/>
+            </a:endParaRPr>
+          </a:p>
+          <a:p>
+            <a:pPr marL="342900" indent="-342900">
+              <a:lnSpc>
+                <a:spcPct val="125000"/>
+              </a:lnSpc>
+              <a:buAutoNum type="arabicPeriod"/>
+            </a:pPr>
+            <a:r>
+              <a:rPr lang="en-US" altLang="zh-CN" sz="1600" b="1" dirty="0">
+                <a:solidFill>
+                  <a:schemeClr val="tx2">
+                    <a:lumMod val="75000"/>
+                  </a:schemeClr>
+                </a:solidFill>
+                <a:latin typeface="微软雅黑" panose="020B0503020204020204" pitchFamily="34" charset="-122"/>
+                <a:ea typeface="微软雅黑" panose="020B0503020204020204" pitchFamily="34" charset="-122"/>
+              </a:rPr>
+              <a:t>divergence</a:t>
+            </a:r>
+          </a:p>
+        </p:txBody>
+      </p:sp>
+    </p:spTree>
+    <p:extLst>
+      <p:ext uri="{BB962C8B-B14F-4D97-AF65-F5344CB8AC3E}">
+        <p14:creationId xmlns:p14="http://schemas.microsoft.com/office/powerpoint/2010/main" val="2768228803"/>
+      </p:ext>
+    </p:extLst>
+  </p:cSld>
+  <p:clrMapOvr>
+    <a:masterClrMapping/>
+  </p:clrMapOvr>
+</p:sld>
+</file>
+
+<file path=ppt/slides/slide2.xml><?xml version="1.0" encoding="utf-8"?>
+<p:sld xmlns:a="http://schemas.openxmlformats.org/drawingml/2006/main" xmlns:r="http://schemas.openxmlformats.org/officeDocument/2006/relationships" xmlns:p="http://schemas.openxmlformats.org/presentationml/2006/main">
+  <p:cSld>
+    <p:spTree>
+      <p:nvGrpSpPr>
+        <p:cNvPr id="1" name="">
+          <a:extLst>
+            <a:ext uri="{FF2B5EF4-FFF2-40B4-BE49-F238E27FC236}">
+              <a16:creationId xmlns:a16="http://schemas.microsoft.com/office/drawing/2014/main" id="{D6BBE18A-A9A0-3F66-8D06-DAA3E5676FB0}"/>
+            </a:ext>
+          </a:extLst>
+        </p:cNvPr>
+        <p:cNvGrpSpPr/>
+        <p:nvPr/>
+      </p:nvGrpSpPr>
+      <p:grpSpPr>
+        <a:xfrm>
+          <a:off x="0" y="0"/>
+          <a:ext cx="0" cy="0"/>
+          <a:chOff x="0" y="0"/>
+          <a:chExt cx="0" cy="0"/>
+        </a:xfrm>
+      </p:grpSpPr>
+      <p:pic>
+        <p:nvPicPr>
+          <p:cNvPr id="4" name="Picture 2" descr="哈工大物联网智慧校园设计方案_Lighton（来同）品牌">
+            <a:extLst>
+              <a:ext uri="{FF2B5EF4-FFF2-40B4-BE49-F238E27FC236}">
+                <a16:creationId xmlns:a16="http://schemas.microsoft.com/office/drawing/2014/main" id="{7F766F17-F9B1-582C-D282-C64AD66622BE}"/>
+              </a:ext>
+            </a:extLst>
+          </p:cNvPr>
+          <p:cNvPicPr>
+            <a:picLocks noChangeAspect="1" noChangeArrowheads="1"/>
+          </p:cNvPicPr>
+          <p:nvPr/>
+        </p:nvPicPr>
+        <p:blipFill rotWithShape="1">
+          <a:blip r:embed="rId3">
+            <a:extLst>
+              <a:ext uri="{28A0092B-C50C-407E-A947-70E740481C1C}">
+                <a14:useLocalDpi xmlns:a14="http://schemas.microsoft.com/office/drawing/2010/main" val="0"/>
+              </a:ext>
+            </a:extLst>
+          </a:blip>
+          <a:srcRect l="127" t="3204" r="-127" b="6070"/>
+          <a:stretch>
+            <a:fillRect/>
+          </a:stretch>
+        </p:blipFill>
+        <p:spPr bwMode="auto">
+          <a:xfrm>
+            <a:off x="1" y="0"/>
+            <a:ext cx="12192000" cy="6858000"/>
+          </a:xfrm>
+          <a:prstGeom prst="rect">
+            <a:avLst/>
+          </a:prstGeom>
+          <a:noFill/>
+          <a:extLst>
+            <a:ext uri="{909E8E84-426E-40DD-AFC4-6F175D3DCCD1}">
+              <a14:hiddenFill xmlns:a14="http://schemas.microsoft.com/office/drawing/2010/main">
+                <a:solidFill>
+                  <a:srgbClr val="FFFFFF"/>
+                </a:solidFill>
+              </a14:hiddenFill>
+            </a:ext>
+          </a:extLst>
+        </p:spPr>
+      </p:pic>
+      <p:sp>
+        <p:nvSpPr>
+          <p:cNvPr id="5" name="矩形 4">
+            <a:extLst>
+              <a:ext uri="{FF2B5EF4-FFF2-40B4-BE49-F238E27FC236}">
+                <a16:creationId xmlns:a16="http://schemas.microsoft.com/office/drawing/2014/main" id="{968E61B3-75BB-C662-ABD1-DFBBBD3E0795}"/>
+              </a:ext>
+            </a:extLst>
+          </p:cNvPr>
+          <p:cNvSpPr/>
+          <p:nvPr/>
+        </p:nvSpPr>
+        <p:spPr>
+          <a:xfrm>
+            <a:off x="2" y="0"/>
+            <a:ext cx="12191998" cy="6858000"/>
+          </a:xfrm>
+          <a:prstGeom prst="rect">
+            <a:avLst/>
+          </a:prstGeom>
+          <a:gradFill>
+            <a:gsLst>
+              <a:gs pos="0">
+                <a:schemeClr val="accent1">
+                  <a:lumMod val="5000"/>
+                  <a:lumOff val="95000"/>
+                  <a:alpha val="80000"/>
+                </a:schemeClr>
+              </a:gs>
+              <a:gs pos="34000">
+                <a:srgbClr val="FFFFFF">
+                  <a:alpha val="90000"/>
+                </a:srgbClr>
+              </a:gs>
+              <a:gs pos="68000">
+                <a:srgbClr val="FFFFFF">
+                  <a:alpha val="95000"/>
+                </a:srgbClr>
+              </a:gs>
+              <a:gs pos="100000">
+                <a:srgbClr val="FFFFFF"/>
+              </a:gs>
+            </a:gsLst>
+            <a:lin ang="5400000" scaled="1"/>
+          </a:gradFill>
+          <a:ln>
+            <a:noFill/>
+          </a:ln>
+        </p:spPr>
+        <p:style>
+          <a:lnRef idx="2">
+            <a:schemeClr val="accent1">
+              <a:shade val="15000"/>
+            </a:schemeClr>
+          </a:lnRef>
+          <a:fillRef idx="1">
+            <a:schemeClr val="accent1"/>
+          </a:fillRef>
+          <a:effectRef idx="0">
+            <a:schemeClr val="accent1"/>
+          </a:effectRef>
+          <a:fontRef idx="minor">
+            <a:schemeClr val="lt1"/>
+          </a:fontRef>
+        </p:style>
+        <p:txBody>
+          <a:bodyPr rtlCol="0" anchor="ctr"/>
+          <a:lstStyle/>
+          <a:p>
+            <a:pPr algn="ctr"/>
+            <a:endParaRPr lang="zh-CN" altLang="en-US" dirty="0"/>
+          </a:p>
+        </p:txBody>
+      </p:sp>
+      <p:sp>
+        <p:nvSpPr>
           <p:cNvPr id="7" name="文本框 6">
             <a:extLst>
               <a:ext uri="{FF2B5EF4-FFF2-40B4-BE49-F238E27FC236}">
@@ -9482,6 +10283,30 @@
                 <a:ea typeface="微软雅黑" panose="020B0503020204020204" pitchFamily="34" charset="-122"/>
               </a:rPr>
               <a:t>访存</a:t>
+            </a:r>
+            <a:r>
+              <a:rPr lang="en-US" altLang="zh-CN" sz="1600" b="1" dirty="0">
+                <a:solidFill>
+                  <a:schemeClr val="tx2">
+                    <a:lumMod val="75000"/>
+                  </a:schemeClr>
+                </a:solidFill>
+                <a:latin typeface="微软雅黑" panose="020B0503020204020204" pitchFamily="34" charset="-122"/>
+                <a:ea typeface="微软雅黑" panose="020B0503020204020204" pitchFamily="34" charset="-122"/>
+              </a:rPr>
+              <a:t>/</a:t>
+            </a:r>
+            <a:r>
+              <a:rPr lang="zh-CN" altLang="en-US" sz="1600" b="1" dirty="0">
+                <a:solidFill>
+                  <a:schemeClr val="tx2">
+                    <a:lumMod val="75000"/>
+                  </a:schemeClr>
+                </a:solidFill>
+                <a:latin typeface="微软雅黑" panose="020B0503020204020204" pitchFamily="34" charset="-122"/>
+                <a:ea typeface="微软雅黑" panose="020B0503020204020204" pitchFamily="34" charset="-122"/>
+              </a:rPr>
+              <a:t>部分指令执行延迟</a:t>
             </a:r>
             <a:endParaRPr lang="en-US" altLang="zh-CN" sz="1600" b="1" dirty="0">
               <a:solidFill>

--- a/AA/gpu/GEM5/PPT/Gem5-GPU_4.pptx
+++ b/AA/gpu/GEM5/PPT/Gem5-GPU_4.pptx
@@ -226,7 +226,7 @@
           <a:p>
             <a:fld id="{13C0E984-87FA-4EDC-9369-DD4CB28A5F20}" type="datetimeFigureOut">
               <a:rPr lang="zh-CN" altLang="en-US" smtClean="0"/>
-              <a:t>2025/6/9</a:t>
+              <a:t>2025/6/16</a:t>
             </a:fld>
             <a:endParaRPr lang="zh-CN" altLang="en-US"/>
           </a:p>
@@ -2685,7 +2685,7 @@
           <a:p>
             <a:fld id="{167D5AC6-34AC-4EA2-A012-B11BC4470F9B}" type="datetimeFigureOut">
               <a:rPr lang="zh-CN" altLang="en-US" smtClean="0"/>
-              <a:t>2025/6/9</a:t>
+              <a:t>2025/6/16</a:t>
             </a:fld>
             <a:endParaRPr lang="zh-CN" altLang="en-US"/>
           </a:p>

--- a/AA/gpu/GEM5/PPT/Gem5-GPU_4.pptx
+++ b/AA/gpu/GEM5/PPT/Gem5-GPU_4.pptx
@@ -5,7 +5,7 @@
     <p:sldMasterId id="2147483648" r:id="rId1"/>
   </p:sldMasterIdLst>
   <p:notesMasterIdLst>
-    <p:notesMasterId r:id="rId18"/>
+    <p:notesMasterId r:id="rId17"/>
   </p:notesMasterIdLst>
   <p:sldIdLst>
     <p:sldId id="693" r:id="rId2"/>
@@ -23,12 +23,11 @@
     <p:sldId id="889" r:id="rId14"/>
     <p:sldId id="890" r:id="rId15"/>
     <p:sldId id="891" r:id="rId16"/>
-    <p:sldId id="892" r:id="rId17"/>
   </p:sldIdLst>
   <p:sldSz cx="12192000" cy="6858000"/>
   <p:notesSz cx="6858000" cy="9144000"/>
   <p:custDataLst>
-    <p:tags r:id="rId19"/>
+    <p:tags r:id="rId18"/>
   </p:custDataLst>
   <p:defaultTextStyle>
     <a:defPPr>
@@ -226,7 +225,7 @@
           <a:p>
             <a:fld id="{13C0E984-87FA-4EDC-9369-DD4CB28A5F20}" type="datetimeFigureOut">
               <a:rPr lang="zh-CN" altLang="en-US" smtClean="0"/>
-              <a:t>2025/6/16</a:t>
+              <a:t>2025/6/8</a:t>
             </a:fld>
             <a:endParaRPr lang="zh-CN" altLang="en-US"/>
           </a:p>
@@ -1136,114 +1135,6 @@
 </p:notes>
 </file>
 
-<file path=ppt/notesSlides/notesSlide15.xml><?xml version="1.0" encoding="utf-8"?>
-<p:notes xmlns:a="http://schemas.openxmlformats.org/drawingml/2006/main" xmlns:r="http://schemas.openxmlformats.org/officeDocument/2006/relationships" xmlns:p="http://schemas.openxmlformats.org/presentationml/2006/main">
-  <p:cSld>
-    <p:spTree>
-      <p:nvGrpSpPr>
-        <p:cNvPr id="1" name="">
-          <a:extLst>
-            <a:ext uri="{FF2B5EF4-FFF2-40B4-BE49-F238E27FC236}">
-              <a16:creationId xmlns:a16="http://schemas.microsoft.com/office/drawing/2014/main" id="{4BB4D901-0783-0326-1B54-8EC8917CADB5}"/>
-            </a:ext>
-          </a:extLst>
-        </p:cNvPr>
-        <p:cNvGrpSpPr/>
-        <p:nvPr/>
-      </p:nvGrpSpPr>
-      <p:grpSpPr>
-        <a:xfrm>
-          <a:off x="0" y="0"/>
-          <a:ext cx="0" cy="0"/>
-          <a:chOff x="0" y="0"/>
-          <a:chExt cx="0" cy="0"/>
-        </a:xfrm>
-      </p:grpSpPr>
-      <p:sp>
-        <p:nvSpPr>
-          <p:cNvPr id="2" name="幻灯片图像占位符 1">
-            <a:extLst>
-              <a:ext uri="{FF2B5EF4-FFF2-40B4-BE49-F238E27FC236}">
-                <a16:creationId xmlns:a16="http://schemas.microsoft.com/office/drawing/2014/main" id="{42B25C64-FB6F-8ACF-25E8-3AB24536CD79}"/>
-              </a:ext>
-            </a:extLst>
-          </p:cNvPr>
-          <p:cNvSpPr>
-            <a:spLocks noGrp="1" noRot="1" noChangeAspect="1"/>
-          </p:cNvSpPr>
-          <p:nvPr>
-            <p:ph type="sldImg"/>
-          </p:nvPr>
-        </p:nvSpPr>
-        <p:spPr/>
-      </p:sp>
-      <p:sp>
-        <p:nvSpPr>
-          <p:cNvPr id="3" name="备注占位符 2">
-            <a:extLst>
-              <a:ext uri="{FF2B5EF4-FFF2-40B4-BE49-F238E27FC236}">
-                <a16:creationId xmlns:a16="http://schemas.microsoft.com/office/drawing/2014/main" id="{84250DA2-CD12-588F-D413-6AE2AD29A476}"/>
-              </a:ext>
-            </a:extLst>
-          </p:cNvPr>
-          <p:cNvSpPr>
-            <a:spLocks noGrp="1"/>
-          </p:cNvSpPr>
-          <p:nvPr>
-            <p:ph type="body" idx="1"/>
-          </p:nvPr>
-        </p:nvSpPr>
-        <p:spPr/>
-        <p:txBody>
-          <a:bodyPr/>
-          <a:lstStyle/>
-          <a:p>
-            <a:endParaRPr lang="zh-CN" altLang="en-US" dirty="0"/>
-          </a:p>
-        </p:txBody>
-      </p:sp>
-      <p:sp>
-        <p:nvSpPr>
-          <p:cNvPr id="4" name="灯片编号占位符 3">
-            <a:extLst>
-              <a:ext uri="{FF2B5EF4-FFF2-40B4-BE49-F238E27FC236}">
-                <a16:creationId xmlns:a16="http://schemas.microsoft.com/office/drawing/2014/main" id="{AC25C1AD-5160-6502-A784-9DAF046FE01B}"/>
-              </a:ext>
-            </a:extLst>
-          </p:cNvPr>
-          <p:cNvSpPr>
-            <a:spLocks noGrp="1"/>
-          </p:cNvSpPr>
-          <p:nvPr>
-            <p:ph type="sldNum" sz="quarter" idx="5"/>
-          </p:nvPr>
-        </p:nvSpPr>
-        <p:spPr/>
-        <p:txBody>
-          <a:bodyPr/>
-          <a:lstStyle/>
-          <a:p>
-            <a:fld id="{602E9261-9A27-44B6-8C55-C12B787C810C}" type="slidenum">
-              <a:rPr lang="zh-CN" altLang="en-US" smtClean="0"/>
-              <a:t>16</a:t>
-            </a:fld>
-            <a:endParaRPr lang="zh-CN" altLang="en-US"/>
-          </a:p>
-        </p:txBody>
-      </p:sp>
-    </p:spTree>
-    <p:extLst>
-      <p:ext uri="{BB962C8B-B14F-4D97-AF65-F5344CB8AC3E}">
-        <p14:creationId xmlns:p14="http://schemas.microsoft.com/office/powerpoint/2010/main" val="2927933926"/>
-      </p:ext>
-    </p:extLst>
-  </p:cSld>
-  <p:clrMapOvr>
-    <a:masterClrMapping/>
-  </p:clrMapOvr>
-</p:notes>
-</file>
-
 <file path=ppt/notesSlides/notesSlide2.xml><?xml version="1.0" encoding="utf-8"?>
 <p:notes xmlns:a="http://schemas.openxmlformats.org/drawingml/2006/main" xmlns:r="http://schemas.openxmlformats.org/officeDocument/2006/relationships" xmlns:p="http://schemas.openxmlformats.org/presentationml/2006/main">
   <p:cSld>
@@ -2685,7 +2576,7 @@
           <a:p>
             <a:fld id="{167D5AC6-34AC-4EA2-A012-B11BC4470F9B}" type="datetimeFigureOut">
               <a:rPr lang="zh-CN" altLang="en-US" smtClean="0"/>
-              <a:t>2025/6/16</a:t>
+              <a:t>2025/6/8</a:t>
             </a:fld>
             <a:endParaRPr lang="zh-CN" altLang="en-US"/>
           </a:p>
@@ -3679,7 +3570,7 @@
         <p:spPr>
           <a:xfrm>
             <a:off x="3901441" y="3942771"/>
-            <a:ext cx="4690410" cy="973472"/>
+            <a:ext cx="4690410" cy="1435136"/>
           </a:xfrm>
           <a:prstGeom prst="rect">
             <a:avLst/>
@@ -3698,18 +3589,6 @@
               </a:lnSpc>
             </a:pPr>
             <a:r>
-              <a:rPr lang="zh-CN" altLang="en-US" sz="2400" b="1">
-                <a:solidFill>
-                  <a:schemeClr val="tx2">
-                    <a:lumMod val="75000"/>
-                  </a:schemeClr>
-                </a:solidFill>
-                <a:latin typeface="微软雅黑" panose="020B0503020204020204" pitchFamily="34" charset="-122"/>
-                <a:ea typeface="微软雅黑" panose="020B0503020204020204" pitchFamily="34" charset="-122"/>
-              </a:rPr>
-              <a:t>梳理</a:t>
-            </a:r>
-            <a:r>
               <a:rPr lang="zh-CN" altLang="en-US" sz="2400" b="1" dirty="0">
                 <a:solidFill>
                   <a:schemeClr val="tx2">
@@ -3719,7 +3598,35 @@
                 <a:latin typeface="微软雅黑" panose="020B0503020204020204" pitchFamily="34" charset="-122"/>
                 <a:ea typeface="微软雅黑" panose="020B0503020204020204" pitchFamily="34" charset="-122"/>
               </a:rPr>
-              <a:t>总结</a:t>
+              <a:t>遗留问题</a:t>
+            </a:r>
+            <a:endParaRPr lang="en-US" altLang="zh-CN" sz="2400" b="1" dirty="0">
+              <a:solidFill>
+                <a:schemeClr val="tx2">
+                  <a:lumMod val="75000"/>
+                </a:schemeClr>
+              </a:solidFill>
+              <a:latin typeface="微软雅黑" panose="020B0503020204020204" pitchFamily="34" charset="-122"/>
+              <a:ea typeface="微软雅黑" panose="020B0503020204020204" pitchFamily="34" charset="-122"/>
+            </a:endParaRPr>
+          </a:p>
+          <a:p>
+            <a:pPr algn="ctr">
+              <a:lnSpc>
+                <a:spcPct val="125000"/>
+              </a:lnSpc>
+            </a:pPr>
+            <a:r>
+              <a:rPr lang="zh-CN" altLang="en-US" sz="2400" b="1" dirty="0">
+                <a:solidFill>
+                  <a:schemeClr val="tx2">
+                    <a:lumMod val="75000"/>
+                  </a:schemeClr>
+                </a:solidFill>
+                <a:latin typeface="微软雅黑" panose="020B0503020204020204" pitchFamily="34" charset="-122"/>
+                <a:ea typeface="微软雅黑" panose="020B0503020204020204" pitchFamily="34" charset="-122"/>
+              </a:rPr>
+              <a:t>梳理总结</a:t>
             </a:r>
             <a:endParaRPr lang="en-US" altLang="zh-CN" sz="2400" b="1" dirty="0">
               <a:solidFill>
@@ -5095,7 +5002,7 @@
         <p:spPr>
           <a:xfrm>
             <a:off x="2579578" y="778001"/>
-            <a:ext cx="7622755" cy="5065617"/>
+            <a:ext cx="7190071" cy="5065617"/>
           </a:xfrm>
           <a:prstGeom prst="rect">
             <a:avLst/>
@@ -5793,7 +5700,7 @@
                 <a:latin typeface="微软雅黑" panose="020B0503020204020204" pitchFamily="34" charset="-122"/>
                 <a:ea typeface="微软雅黑" panose="020B0503020204020204" pitchFamily="34" charset="-122"/>
               </a:rPr>
-              <a:t>开始尝试第一个</a:t>
+              <a:t>第一个</a:t>
             </a:r>
             <a:r>
               <a:rPr lang="en-US" altLang="zh-CN" sz="1600" b="1" dirty="0">
@@ -9073,714 +8980,6 @@
 </p:sld>
 </file>
 
-<file path=ppt/slides/slide16.xml><?xml version="1.0" encoding="utf-8"?>
-<p:sld xmlns:a="http://schemas.openxmlformats.org/drawingml/2006/main" xmlns:r="http://schemas.openxmlformats.org/officeDocument/2006/relationships" xmlns:p="http://schemas.openxmlformats.org/presentationml/2006/main">
-  <p:cSld>
-    <p:spTree>
-      <p:nvGrpSpPr>
-        <p:cNvPr id="1" name="">
-          <a:extLst>
-            <a:ext uri="{FF2B5EF4-FFF2-40B4-BE49-F238E27FC236}">
-              <a16:creationId xmlns:a16="http://schemas.microsoft.com/office/drawing/2014/main" id="{21721900-0A86-2A68-C3A7-F482C73EA6CF}"/>
-            </a:ext>
-          </a:extLst>
-        </p:cNvPr>
-        <p:cNvGrpSpPr/>
-        <p:nvPr/>
-      </p:nvGrpSpPr>
-      <p:grpSpPr>
-        <a:xfrm>
-          <a:off x="0" y="0"/>
-          <a:ext cx="0" cy="0"/>
-          <a:chOff x="0" y="0"/>
-          <a:chExt cx="0" cy="0"/>
-        </a:xfrm>
-      </p:grpSpPr>
-      <p:pic>
-        <p:nvPicPr>
-          <p:cNvPr id="4" name="Picture 2" descr="哈工大物联网智慧校园设计方案_Lighton（来同）品牌">
-            <a:extLst>
-              <a:ext uri="{FF2B5EF4-FFF2-40B4-BE49-F238E27FC236}">
-                <a16:creationId xmlns:a16="http://schemas.microsoft.com/office/drawing/2014/main" id="{6F198D9C-AD20-CDEB-1C64-D853C0F45F97}"/>
-              </a:ext>
-            </a:extLst>
-          </p:cNvPr>
-          <p:cNvPicPr>
-            <a:picLocks noChangeAspect="1" noChangeArrowheads="1"/>
-          </p:cNvPicPr>
-          <p:nvPr/>
-        </p:nvPicPr>
-        <p:blipFill rotWithShape="1">
-          <a:blip r:embed="rId3">
-            <a:extLst>
-              <a:ext uri="{28A0092B-C50C-407E-A947-70E740481C1C}">
-                <a14:useLocalDpi xmlns:a14="http://schemas.microsoft.com/office/drawing/2010/main" val="0"/>
-              </a:ext>
-            </a:extLst>
-          </a:blip>
-          <a:srcRect l="127" t="3204" r="-127" b="6070"/>
-          <a:stretch>
-            <a:fillRect/>
-          </a:stretch>
-        </p:blipFill>
-        <p:spPr bwMode="auto">
-          <a:xfrm>
-            <a:off x="1" y="0"/>
-            <a:ext cx="12192000" cy="6858000"/>
-          </a:xfrm>
-          <a:prstGeom prst="rect">
-            <a:avLst/>
-          </a:prstGeom>
-          <a:noFill/>
-          <a:extLst>
-            <a:ext uri="{909E8E84-426E-40DD-AFC4-6F175D3DCCD1}">
-              <a14:hiddenFill xmlns:a14="http://schemas.microsoft.com/office/drawing/2010/main">
-                <a:solidFill>
-                  <a:srgbClr val="FFFFFF"/>
-                </a:solidFill>
-              </a14:hiddenFill>
-            </a:ext>
-          </a:extLst>
-        </p:spPr>
-      </p:pic>
-      <p:sp>
-        <p:nvSpPr>
-          <p:cNvPr id="5" name="矩形 4">
-            <a:extLst>
-              <a:ext uri="{FF2B5EF4-FFF2-40B4-BE49-F238E27FC236}">
-                <a16:creationId xmlns:a16="http://schemas.microsoft.com/office/drawing/2014/main" id="{3BF2B176-3504-5659-48F0-C9384FB5C810}"/>
-              </a:ext>
-            </a:extLst>
-          </p:cNvPr>
-          <p:cNvSpPr/>
-          <p:nvPr/>
-        </p:nvSpPr>
-        <p:spPr>
-          <a:xfrm>
-            <a:off x="2" y="0"/>
-            <a:ext cx="12191998" cy="6858000"/>
-          </a:xfrm>
-          <a:prstGeom prst="rect">
-            <a:avLst/>
-          </a:prstGeom>
-          <a:gradFill>
-            <a:gsLst>
-              <a:gs pos="0">
-                <a:schemeClr val="accent1">
-                  <a:lumMod val="5000"/>
-                  <a:lumOff val="95000"/>
-                  <a:alpha val="80000"/>
-                </a:schemeClr>
-              </a:gs>
-              <a:gs pos="34000">
-                <a:srgbClr val="FFFFFF">
-                  <a:alpha val="90000"/>
-                </a:srgbClr>
-              </a:gs>
-              <a:gs pos="68000">
-                <a:srgbClr val="FFFFFF">
-                  <a:alpha val="95000"/>
-                </a:srgbClr>
-              </a:gs>
-              <a:gs pos="100000">
-                <a:srgbClr val="FFFFFF"/>
-              </a:gs>
-            </a:gsLst>
-            <a:lin ang="5400000" scaled="1"/>
-          </a:gradFill>
-          <a:ln>
-            <a:noFill/>
-          </a:ln>
-        </p:spPr>
-        <p:style>
-          <a:lnRef idx="2">
-            <a:schemeClr val="accent1">
-              <a:shade val="15000"/>
-            </a:schemeClr>
-          </a:lnRef>
-          <a:fillRef idx="1">
-            <a:schemeClr val="accent1"/>
-          </a:fillRef>
-          <a:effectRef idx="0">
-            <a:schemeClr val="accent1"/>
-          </a:effectRef>
-          <a:fontRef idx="minor">
-            <a:schemeClr val="lt1"/>
-          </a:fontRef>
-        </p:style>
-        <p:txBody>
-          <a:bodyPr rtlCol="0" anchor="ctr"/>
-          <a:lstStyle/>
-          <a:p>
-            <a:pPr algn="ctr"/>
-            <a:endParaRPr lang="zh-CN" altLang="en-US" dirty="0"/>
-          </a:p>
-        </p:txBody>
-      </p:sp>
-      <p:sp>
-        <p:nvSpPr>
-          <p:cNvPr id="8" name="文本框 7">
-            <a:extLst>
-              <a:ext uri="{FF2B5EF4-FFF2-40B4-BE49-F238E27FC236}">
-                <a16:creationId xmlns:a16="http://schemas.microsoft.com/office/drawing/2014/main" id="{634D5529-FBBB-86B6-B526-7EBACDAB7346}"/>
-              </a:ext>
-            </a:extLst>
-          </p:cNvPr>
-          <p:cNvSpPr txBox="1"/>
-          <p:nvPr/>
-        </p:nvSpPr>
-        <p:spPr>
-          <a:xfrm>
-            <a:off x="740226" y="1173368"/>
-            <a:ext cx="10896599" cy="1295355"/>
-          </a:xfrm>
-          <a:prstGeom prst="rect">
-            <a:avLst/>
-          </a:prstGeom>
-          <a:noFill/>
-        </p:spPr>
-        <p:txBody>
-          <a:bodyPr wrap="square" rtlCol="0">
-            <a:spAutoFit/>
-          </a:bodyPr>
-          <a:lstStyle/>
-          <a:p>
-            <a:pPr marL="342900" indent="-342900">
-              <a:lnSpc>
-                <a:spcPct val="125000"/>
-              </a:lnSpc>
-              <a:buAutoNum type="arabicPeriod"/>
-            </a:pPr>
-            <a:r>
-              <a:rPr lang="zh-CN" altLang="en-US" sz="1600" b="1" dirty="0">
-                <a:solidFill>
-                  <a:schemeClr val="tx2">
-                    <a:lumMod val="75000"/>
-                  </a:schemeClr>
-                </a:solidFill>
-                <a:latin typeface="微软雅黑" panose="020B0503020204020204" pitchFamily="34" charset="-122"/>
-                <a:ea typeface="微软雅黑" panose="020B0503020204020204" pitchFamily="34" charset="-122"/>
-              </a:rPr>
-              <a:t>寄存器访问冲突：没找到对应逻辑</a:t>
-            </a:r>
-            <a:endParaRPr lang="en-US" altLang="zh-CN" sz="1600" b="1" dirty="0">
-              <a:solidFill>
-                <a:schemeClr val="tx2">
-                  <a:lumMod val="75000"/>
-                </a:schemeClr>
-              </a:solidFill>
-              <a:latin typeface="微软雅黑" panose="020B0503020204020204" pitchFamily="34" charset="-122"/>
-              <a:ea typeface="微软雅黑" panose="020B0503020204020204" pitchFamily="34" charset="-122"/>
-            </a:endParaRPr>
-          </a:p>
-          <a:p>
-            <a:pPr marL="342900" indent="-342900">
-              <a:lnSpc>
-                <a:spcPct val="125000"/>
-              </a:lnSpc>
-              <a:buAutoNum type="arabicPeriod"/>
-            </a:pPr>
-            <a:r>
-              <a:rPr lang="zh-CN" altLang="en-US" sz="1600" b="1" dirty="0">
-                <a:solidFill>
-                  <a:schemeClr val="tx2">
-                    <a:lumMod val="75000"/>
-                  </a:schemeClr>
-                </a:solidFill>
-                <a:latin typeface="微软雅黑" panose="020B0503020204020204" pitchFamily="34" charset="-122"/>
-                <a:ea typeface="微软雅黑" panose="020B0503020204020204" pitchFamily="34" charset="-122"/>
-              </a:rPr>
-              <a:t>访存地址计算：应该是在访存流水线里，例如</a:t>
-            </a:r>
-            <a:r>
-              <a:rPr lang="en-US" altLang="zh-CN" sz="1600" b="1" dirty="0">
-                <a:solidFill>
-                  <a:schemeClr val="tx2">
-                    <a:lumMod val="75000"/>
-                  </a:schemeClr>
-                </a:solidFill>
-                <a:latin typeface="微软雅黑" panose="020B0503020204020204" pitchFamily="34" charset="-122"/>
-                <a:ea typeface="微软雅黑" panose="020B0503020204020204" pitchFamily="34" charset="-122"/>
-              </a:rPr>
-              <a:t>WF-A</a:t>
-            </a:r>
-            <a:r>
-              <a:rPr lang="zh-CN" altLang="en-US" sz="1600" b="1" dirty="0">
-                <a:solidFill>
-                  <a:schemeClr val="tx2">
-                    <a:lumMod val="75000"/>
-                  </a:schemeClr>
-                </a:solidFill>
-                <a:latin typeface="微软雅黑" panose="020B0503020204020204" pitchFamily="34" charset="-122"/>
-                <a:ea typeface="微软雅黑" panose="020B0503020204020204" pitchFamily="34" charset="-122"/>
-              </a:rPr>
-              <a:t>的计算指令可能和</a:t>
-            </a:r>
-            <a:r>
-              <a:rPr lang="en-US" altLang="zh-CN" sz="1600" b="1" dirty="0">
-                <a:solidFill>
-                  <a:schemeClr val="tx2">
-                    <a:lumMod val="75000"/>
-                  </a:schemeClr>
-                </a:solidFill>
-                <a:latin typeface="微软雅黑" panose="020B0503020204020204" pitchFamily="34" charset="-122"/>
-                <a:ea typeface="微软雅黑" panose="020B0503020204020204" pitchFamily="34" charset="-122"/>
-              </a:rPr>
-              <a:t>WF-B</a:t>
-            </a:r>
-            <a:r>
-              <a:rPr lang="zh-CN" altLang="en-US" sz="1600" b="1" dirty="0">
-                <a:solidFill>
-                  <a:schemeClr val="tx2">
-                    <a:lumMod val="75000"/>
-                  </a:schemeClr>
-                </a:solidFill>
-                <a:latin typeface="微软雅黑" panose="020B0503020204020204" pitchFamily="34" charset="-122"/>
-                <a:ea typeface="微软雅黑" panose="020B0503020204020204" pitchFamily="34" charset="-122"/>
-              </a:rPr>
-              <a:t>的访存指令交叠执行</a:t>
-            </a:r>
-            <a:r>
-              <a:rPr lang="en-US" altLang="zh-CN" sz="1600" b="1" dirty="0">
-                <a:solidFill>
-                  <a:schemeClr val="tx2">
-                    <a:lumMod val="75000"/>
-                  </a:schemeClr>
-                </a:solidFill>
-                <a:latin typeface="微软雅黑" panose="020B0503020204020204" pitchFamily="34" charset="-122"/>
-                <a:ea typeface="微软雅黑" panose="020B0503020204020204" pitchFamily="34" charset="-122"/>
-              </a:rPr>
-              <a:t>(</a:t>
-            </a:r>
-            <a:r>
-              <a:rPr lang="zh-CN" altLang="en-US" sz="1600" b="1" dirty="0">
-                <a:solidFill>
-                  <a:schemeClr val="tx2">
-                    <a:lumMod val="75000"/>
-                  </a:schemeClr>
-                </a:solidFill>
-                <a:latin typeface="微软雅黑" panose="020B0503020204020204" pitchFamily="34" charset="-122"/>
-                <a:ea typeface="微软雅黑" panose="020B0503020204020204" pitchFamily="34" charset="-122"/>
-              </a:rPr>
-              <a:t>都属于</a:t>
-            </a:r>
-            <a:r>
-              <a:rPr lang="en-US" altLang="zh-CN" sz="1600" b="1" dirty="0">
-                <a:solidFill>
-                  <a:schemeClr val="tx2">
-                    <a:lumMod val="75000"/>
-                  </a:schemeClr>
-                </a:solidFill>
-                <a:latin typeface="微软雅黑" panose="020B0503020204020204" pitchFamily="34" charset="-122"/>
-                <a:ea typeface="微软雅黑" panose="020B0503020204020204" pitchFamily="34" charset="-122"/>
-              </a:rPr>
-              <a:t>SIMD-0)</a:t>
-            </a:r>
-          </a:p>
-          <a:p>
-            <a:pPr marL="342900" indent="-342900">
-              <a:lnSpc>
-                <a:spcPct val="125000"/>
-              </a:lnSpc>
-              <a:buAutoNum type="arabicPeriod"/>
-            </a:pPr>
-            <a:r>
-              <a:rPr lang="en-US" altLang="zh-CN" sz="1600" b="1" dirty="0">
-                <a:solidFill>
-                  <a:schemeClr val="tx2">
-                    <a:lumMod val="75000"/>
-                  </a:schemeClr>
-                </a:solidFill>
-                <a:latin typeface="微软雅黑" panose="020B0503020204020204" pitchFamily="34" charset="-122"/>
-                <a:ea typeface="微软雅黑" panose="020B0503020204020204" pitchFamily="34" charset="-122"/>
-              </a:rPr>
-              <a:t>Cache</a:t>
-            </a:r>
-            <a:r>
-              <a:rPr lang="zh-CN" altLang="en-US" sz="1600" b="1" dirty="0">
-                <a:solidFill>
-                  <a:schemeClr val="tx2">
-                    <a:lumMod val="75000"/>
-                  </a:schemeClr>
-                </a:solidFill>
-                <a:latin typeface="微软雅黑" panose="020B0503020204020204" pitchFamily="34" charset="-122"/>
-                <a:ea typeface="微软雅黑" panose="020B0503020204020204" pitchFamily="34" charset="-122"/>
-              </a:rPr>
-              <a:t>访问拍数：</a:t>
-            </a:r>
-            <a:r>
-              <a:rPr lang="en-US" altLang="zh-CN" sz="1600" b="1" dirty="0">
-                <a:solidFill>
-                  <a:schemeClr val="tx2">
-                    <a:lumMod val="75000"/>
-                  </a:schemeClr>
-                </a:solidFill>
-                <a:latin typeface="微软雅黑" panose="020B0503020204020204" pitchFamily="34" charset="-122"/>
-                <a:ea typeface="微软雅黑" panose="020B0503020204020204" pitchFamily="34" charset="-122"/>
-              </a:rPr>
-              <a:t>scalar</a:t>
-            </a:r>
-            <a:r>
-              <a:rPr lang="zh-CN" altLang="en-US" sz="1600" b="1" dirty="0">
-                <a:solidFill>
-                  <a:schemeClr val="tx2">
-                    <a:lumMod val="75000"/>
-                  </a:schemeClr>
-                </a:solidFill>
-                <a:latin typeface="微软雅黑" panose="020B0503020204020204" pitchFamily="34" charset="-122"/>
-                <a:ea typeface="微软雅黑" panose="020B0503020204020204" pitchFamily="34" charset="-122"/>
-              </a:rPr>
-              <a:t>用的这个</a:t>
-            </a:r>
-            <a:r>
-              <a:rPr lang="en-US" altLang="zh-CN" sz="1600" b="1" dirty="0" err="1">
-                <a:solidFill>
-                  <a:schemeClr val="tx2">
-                    <a:lumMod val="75000"/>
-                  </a:schemeClr>
-                </a:solidFill>
-                <a:latin typeface="微软雅黑" panose="020B0503020204020204" pitchFamily="34" charset="-122"/>
-                <a:ea typeface="微软雅黑" panose="020B0503020204020204" pitchFamily="34" charset="-122"/>
-              </a:rPr>
-              <a:t>scalar_req_tick_latency</a:t>
-            </a:r>
-            <a:r>
-              <a:rPr lang="zh-CN" altLang="en-US" sz="1600" b="1" dirty="0">
-                <a:solidFill>
-                  <a:schemeClr val="tx2">
-                    <a:lumMod val="75000"/>
-                  </a:schemeClr>
-                </a:solidFill>
-                <a:latin typeface="微软雅黑" panose="020B0503020204020204" pitchFamily="34" charset="-122"/>
-                <a:ea typeface="微软雅黑" panose="020B0503020204020204" pitchFamily="34" charset="-122"/>
-              </a:rPr>
-              <a:t> </a:t>
-            </a:r>
-            <a:r>
-              <a:rPr lang="en-US" altLang="zh-CN" sz="1600" b="1" dirty="0" err="1">
-                <a:solidFill>
-                  <a:schemeClr val="tx2">
-                    <a:lumMod val="75000"/>
-                  </a:schemeClr>
-                </a:solidFill>
-                <a:latin typeface="微软雅黑" panose="020B0503020204020204" pitchFamily="34" charset="-122"/>
-                <a:ea typeface="微软雅黑" panose="020B0503020204020204" pitchFamily="34" charset="-122"/>
-              </a:rPr>
-              <a:t>tcp</a:t>
-            </a:r>
-            <a:r>
-              <a:rPr lang="zh-CN" altLang="en-US" sz="1600" b="1" dirty="0">
-                <a:solidFill>
-                  <a:schemeClr val="tx2">
-                    <a:lumMod val="75000"/>
-                  </a:schemeClr>
-                </a:solidFill>
-                <a:latin typeface="微软雅黑" panose="020B0503020204020204" pitchFamily="34" charset="-122"/>
-                <a:ea typeface="微软雅黑" panose="020B0503020204020204" pitchFamily="34" charset="-122"/>
-              </a:rPr>
-              <a:t>用的这个</a:t>
-            </a:r>
-            <a:r>
-              <a:rPr lang="en-US" altLang="zh-CN" sz="1600" b="1" dirty="0" err="1">
-                <a:solidFill>
-                  <a:schemeClr val="tx2">
-                    <a:lumMod val="75000"/>
-                  </a:schemeClr>
-                </a:solidFill>
-                <a:latin typeface="微软雅黑" panose="020B0503020204020204" pitchFamily="34" charset="-122"/>
-                <a:ea typeface="微软雅黑" panose="020B0503020204020204" pitchFamily="34" charset="-122"/>
-              </a:rPr>
-              <a:t>resp_tick_latency</a:t>
-            </a:r>
-            <a:endParaRPr lang="en-US" altLang="zh-CN" sz="1600" b="1" dirty="0">
-              <a:solidFill>
-                <a:schemeClr val="tx2">
-                  <a:lumMod val="75000"/>
-                </a:schemeClr>
-              </a:solidFill>
-              <a:latin typeface="微软雅黑" panose="020B0503020204020204" pitchFamily="34" charset="-122"/>
-              <a:ea typeface="微软雅黑" panose="020B0503020204020204" pitchFamily="34" charset="-122"/>
-            </a:endParaRPr>
-          </a:p>
-          <a:p>
-            <a:pPr marL="342900" indent="-342900">
-              <a:lnSpc>
-                <a:spcPct val="125000"/>
-              </a:lnSpc>
-              <a:buAutoNum type="arabicPeriod"/>
-            </a:pPr>
-            <a:r>
-              <a:rPr lang="zh-CN" altLang="en-US" sz="1600" b="1" dirty="0">
-                <a:solidFill>
-                  <a:schemeClr val="tx2">
-                    <a:lumMod val="75000"/>
-                  </a:schemeClr>
-                </a:solidFill>
-                <a:latin typeface="微软雅黑" panose="020B0503020204020204" pitchFamily="34" charset="-122"/>
-                <a:ea typeface="微软雅黑" panose="020B0503020204020204" pitchFamily="34" charset="-122"/>
-              </a:rPr>
-              <a:t>访存资源相关：具体的参数</a:t>
-            </a:r>
-            <a:endParaRPr lang="en-US" altLang="zh-CN" sz="1600" b="1" dirty="0">
-              <a:solidFill>
-                <a:schemeClr val="tx2">
-                  <a:lumMod val="75000"/>
-                </a:schemeClr>
-              </a:solidFill>
-              <a:latin typeface="微软雅黑" panose="020B0503020204020204" pitchFamily="34" charset="-122"/>
-              <a:ea typeface="微软雅黑" panose="020B0503020204020204" pitchFamily="34" charset="-122"/>
-            </a:endParaRPr>
-          </a:p>
-        </p:txBody>
-      </p:sp>
-      <p:sp>
-        <p:nvSpPr>
-          <p:cNvPr id="10" name="文本框 9">
-            <a:extLst>
-              <a:ext uri="{FF2B5EF4-FFF2-40B4-BE49-F238E27FC236}">
-                <a16:creationId xmlns:a16="http://schemas.microsoft.com/office/drawing/2014/main" id="{0108706A-553B-9F03-543F-727D784276BD}"/>
-              </a:ext>
-            </a:extLst>
-          </p:cNvPr>
-          <p:cNvSpPr txBox="1"/>
-          <p:nvPr/>
-        </p:nvSpPr>
-        <p:spPr>
-          <a:xfrm>
-            <a:off x="4936068" y="545142"/>
-            <a:ext cx="1778000" cy="511807"/>
-          </a:xfrm>
-          <a:prstGeom prst="rect">
-            <a:avLst/>
-          </a:prstGeom>
-          <a:noFill/>
-        </p:spPr>
-        <p:txBody>
-          <a:bodyPr wrap="square" rtlCol="0">
-            <a:spAutoFit/>
-          </a:bodyPr>
-          <a:lstStyle/>
-          <a:p>
-            <a:pPr>
-              <a:lnSpc>
-                <a:spcPct val="125000"/>
-              </a:lnSpc>
-            </a:pPr>
-            <a:r>
-              <a:rPr lang="zh-CN" altLang="en-US" sz="2400" b="1" dirty="0">
-                <a:solidFill>
-                  <a:schemeClr val="tx2">
-                    <a:lumMod val="75000"/>
-                  </a:schemeClr>
-                </a:solidFill>
-                <a:latin typeface="微软雅黑" panose="020B0503020204020204" pitchFamily="34" charset="-122"/>
-                <a:ea typeface="微软雅黑" panose="020B0503020204020204" pitchFamily="34" charset="-122"/>
-              </a:rPr>
-              <a:t>遗留的问题</a:t>
-            </a:r>
-            <a:endParaRPr lang="en-US" altLang="zh-CN" sz="2400" b="1" dirty="0">
-              <a:solidFill>
-                <a:schemeClr val="tx2">
-                  <a:lumMod val="75000"/>
-                </a:schemeClr>
-              </a:solidFill>
-              <a:latin typeface="微软雅黑" panose="020B0503020204020204" pitchFamily="34" charset="-122"/>
-              <a:ea typeface="微软雅黑" panose="020B0503020204020204" pitchFamily="34" charset="-122"/>
-            </a:endParaRPr>
-          </a:p>
-        </p:txBody>
-      </p:sp>
-      <p:pic>
-        <p:nvPicPr>
-          <p:cNvPr id="15" name="图片 14">
-            <a:extLst>
-              <a:ext uri="{FF2B5EF4-FFF2-40B4-BE49-F238E27FC236}">
-                <a16:creationId xmlns:a16="http://schemas.microsoft.com/office/drawing/2014/main" id="{0290F2C0-C087-C5B6-77DE-156C6A4B4298}"/>
-              </a:ext>
-            </a:extLst>
-          </p:cNvPr>
-          <p:cNvPicPr>
-            <a:picLocks noChangeAspect="1"/>
-          </p:cNvPicPr>
-          <p:nvPr/>
-        </p:nvPicPr>
-        <p:blipFill>
-          <a:blip r:embed="rId4"/>
-          <a:stretch>
-            <a:fillRect/>
-          </a:stretch>
-        </p:blipFill>
-        <p:spPr>
-          <a:xfrm>
-            <a:off x="4992923" y="2365071"/>
-            <a:ext cx="6458851" cy="3562847"/>
-          </a:xfrm>
-          <a:prstGeom prst="rect">
-            <a:avLst/>
-          </a:prstGeom>
-        </p:spPr>
-      </p:pic>
-      <p:sp>
-        <p:nvSpPr>
-          <p:cNvPr id="2" name="文本框 1">
-            <a:extLst>
-              <a:ext uri="{FF2B5EF4-FFF2-40B4-BE49-F238E27FC236}">
-                <a16:creationId xmlns:a16="http://schemas.microsoft.com/office/drawing/2014/main" id="{2FDB4926-E493-6796-75DC-DB22E1963972}"/>
-              </a:ext>
-            </a:extLst>
-          </p:cNvPr>
-          <p:cNvSpPr txBox="1"/>
-          <p:nvPr/>
-        </p:nvSpPr>
-        <p:spPr>
-          <a:xfrm>
-            <a:off x="875694" y="4632563"/>
-            <a:ext cx="3512471" cy="1295355"/>
-          </a:xfrm>
-          <a:prstGeom prst="rect">
-            <a:avLst/>
-          </a:prstGeom>
-          <a:noFill/>
-        </p:spPr>
-        <p:txBody>
-          <a:bodyPr wrap="square" rtlCol="0">
-            <a:spAutoFit/>
-          </a:bodyPr>
-          <a:lstStyle/>
-          <a:p>
-            <a:pPr marL="342900" indent="-342900">
-              <a:lnSpc>
-                <a:spcPct val="125000"/>
-              </a:lnSpc>
-              <a:buAutoNum type="arabicPeriod"/>
-            </a:pPr>
-            <a:r>
-              <a:rPr lang="zh-CN" altLang="en-US" sz="1600" b="1" dirty="0">
-                <a:solidFill>
-                  <a:schemeClr val="tx2">
-                    <a:lumMod val="75000"/>
-                  </a:schemeClr>
-                </a:solidFill>
-                <a:latin typeface="微软雅黑" panose="020B0503020204020204" pitchFamily="34" charset="-122"/>
-                <a:ea typeface="微软雅黑" panose="020B0503020204020204" pitchFamily="34" charset="-122"/>
-              </a:rPr>
-              <a:t>可视化名称</a:t>
-            </a:r>
-            <a:endParaRPr lang="en-US" altLang="zh-CN" sz="1600" b="1" dirty="0">
-              <a:solidFill>
-                <a:schemeClr val="tx2">
-                  <a:lumMod val="75000"/>
-                </a:schemeClr>
-              </a:solidFill>
-              <a:latin typeface="微软雅黑" panose="020B0503020204020204" pitchFamily="34" charset="-122"/>
-              <a:ea typeface="微软雅黑" panose="020B0503020204020204" pitchFamily="34" charset="-122"/>
-            </a:endParaRPr>
-          </a:p>
-          <a:p>
-            <a:pPr marL="342900" indent="-342900">
-              <a:lnSpc>
-                <a:spcPct val="125000"/>
-              </a:lnSpc>
-              <a:buAutoNum type="arabicPeriod"/>
-            </a:pPr>
-            <a:r>
-              <a:rPr lang="en-US" altLang="zh-CN" sz="1600" b="1" dirty="0">
-                <a:solidFill>
-                  <a:schemeClr val="tx2">
-                    <a:lumMod val="75000"/>
-                  </a:schemeClr>
-                </a:solidFill>
-                <a:latin typeface="微软雅黑" panose="020B0503020204020204" pitchFamily="34" charset="-122"/>
-                <a:ea typeface="微软雅黑" panose="020B0503020204020204" pitchFamily="34" charset="-122"/>
-              </a:rPr>
-              <a:t>Tick</a:t>
-            </a:r>
-            <a:r>
-              <a:rPr lang="zh-CN" altLang="en-US" sz="1600" b="1" dirty="0">
-                <a:solidFill>
-                  <a:schemeClr val="tx2">
-                    <a:lumMod val="75000"/>
-                  </a:schemeClr>
-                </a:solidFill>
-                <a:latin typeface="微软雅黑" panose="020B0503020204020204" pitchFamily="34" charset="-122"/>
-                <a:ea typeface="微软雅黑" panose="020B0503020204020204" pitchFamily="34" charset="-122"/>
-              </a:rPr>
-              <a:t>压缩</a:t>
-            </a:r>
-            <a:endParaRPr lang="en-US" altLang="zh-CN" sz="1600" b="1" dirty="0">
-              <a:solidFill>
-                <a:schemeClr val="tx2">
-                  <a:lumMod val="75000"/>
-                </a:schemeClr>
-              </a:solidFill>
-              <a:latin typeface="微软雅黑" panose="020B0503020204020204" pitchFamily="34" charset="-122"/>
-              <a:ea typeface="微软雅黑" panose="020B0503020204020204" pitchFamily="34" charset="-122"/>
-            </a:endParaRPr>
-          </a:p>
-          <a:p>
-            <a:pPr marL="342900" indent="-342900">
-              <a:lnSpc>
-                <a:spcPct val="125000"/>
-              </a:lnSpc>
-              <a:buAutoNum type="arabicPeriod"/>
-            </a:pPr>
-            <a:r>
-              <a:rPr lang="zh-CN" altLang="en-US" sz="1600" b="1" dirty="0">
-                <a:solidFill>
-                  <a:schemeClr val="tx2">
-                    <a:lumMod val="75000"/>
-                  </a:schemeClr>
-                </a:solidFill>
-                <a:latin typeface="微软雅黑" panose="020B0503020204020204" pitchFamily="34" charset="-122"/>
-                <a:ea typeface="微软雅黑" panose="020B0503020204020204" pitchFamily="34" charset="-122"/>
-              </a:rPr>
-              <a:t>继续梳理访存</a:t>
-            </a:r>
-            <a:endParaRPr lang="en-US" altLang="zh-CN" sz="1600" b="1" dirty="0">
-              <a:solidFill>
-                <a:schemeClr val="tx2">
-                  <a:lumMod val="75000"/>
-                </a:schemeClr>
-              </a:solidFill>
-              <a:latin typeface="微软雅黑" panose="020B0503020204020204" pitchFamily="34" charset="-122"/>
-              <a:ea typeface="微软雅黑" panose="020B0503020204020204" pitchFamily="34" charset="-122"/>
-            </a:endParaRPr>
-          </a:p>
-          <a:p>
-            <a:pPr marL="342900" indent="-342900">
-              <a:lnSpc>
-                <a:spcPct val="125000"/>
-              </a:lnSpc>
-              <a:buAutoNum type="arabicPeriod"/>
-            </a:pPr>
-            <a:r>
-              <a:rPr lang="en-US" altLang="zh-CN" sz="1600" b="1" dirty="0">
-                <a:solidFill>
-                  <a:schemeClr val="tx2">
-                    <a:lumMod val="75000"/>
-                  </a:schemeClr>
-                </a:solidFill>
-                <a:latin typeface="微软雅黑" panose="020B0503020204020204" pitchFamily="34" charset="-122"/>
-                <a:ea typeface="微软雅黑" panose="020B0503020204020204" pitchFamily="34" charset="-122"/>
-              </a:rPr>
-              <a:t>divergence</a:t>
-            </a:r>
-          </a:p>
-        </p:txBody>
-      </p:sp>
-    </p:spTree>
-    <p:extLst>
-      <p:ext uri="{BB962C8B-B14F-4D97-AF65-F5344CB8AC3E}">
-        <p14:creationId xmlns:p14="http://schemas.microsoft.com/office/powerpoint/2010/main" val="2768228803"/>
-      </p:ext>
-    </p:extLst>
-  </p:cSld>
-  <p:clrMapOvr>
-    <a:masterClrMapping/>
-  </p:clrMapOvr>
-</p:sld>
-</file>
-
 <file path=ppt/slides/slide2.xml><?xml version="1.0" encoding="utf-8"?>
 <p:sld xmlns:a="http://schemas.openxmlformats.org/drawingml/2006/main" xmlns:r="http://schemas.openxmlformats.org/officeDocument/2006/relationships" xmlns:p="http://schemas.openxmlformats.org/presentationml/2006/main">
   <p:cSld>
@@ -10283,30 +9482,6 @@
                 <a:ea typeface="微软雅黑" panose="020B0503020204020204" pitchFamily="34" charset="-122"/>
               </a:rPr>
               <a:t>访存</a:t>
-            </a:r>
-            <a:r>
-              <a:rPr lang="en-US" altLang="zh-CN" sz="1600" b="1" dirty="0">
-                <a:solidFill>
-                  <a:schemeClr val="tx2">
-                    <a:lumMod val="75000"/>
-                  </a:schemeClr>
-                </a:solidFill>
-                <a:latin typeface="微软雅黑" panose="020B0503020204020204" pitchFamily="34" charset="-122"/>
-                <a:ea typeface="微软雅黑" panose="020B0503020204020204" pitchFamily="34" charset="-122"/>
-              </a:rPr>
-              <a:t>/</a:t>
-            </a:r>
-            <a:r>
-              <a:rPr lang="zh-CN" altLang="en-US" sz="1600" b="1" dirty="0">
-                <a:solidFill>
-                  <a:schemeClr val="tx2">
-                    <a:lumMod val="75000"/>
-                  </a:schemeClr>
-                </a:solidFill>
-                <a:latin typeface="微软雅黑" panose="020B0503020204020204" pitchFamily="34" charset="-122"/>
-                <a:ea typeface="微软雅黑" panose="020B0503020204020204" pitchFamily="34" charset="-122"/>
-              </a:rPr>
-              <a:t>部分指令执行延迟</a:t>
             </a:r>
             <a:endParaRPr lang="en-US" altLang="zh-CN" sz="1600" b="1" dirty="0">
               <a:solidFill>
